--- a/java-one-demo.pptx
+++ b/java-one-demo.pptx
@@ -12,9 +12,11 @@
     <p:sldId id="259" r:id="rId7"/>
     <p:sldId id="260" r:id="rId8"/>
     <p:sldId id="261" r:id="rId9"/>
+    <p:sldId id="262" r:id="rId10"/>
+    <p:sldId id="263" r:id="rId11"/>
   </p:sldIdLst>
   <p:sldSz cx="10080625" cy="7559675"/>
-  <p:notesSz cx="7559675" cy="10691812"/>
+  <p:notesSz cx="7772400" cy="10058400"/>
 </p:presentation>
 </file>
 
@@ -59,7 +61,7 @@
       </p:grpSpPr>
       <p:sp>
         <p:nvSpPr>
-          <p:cNvPr id="27" name="PlaceHolder 1"/>
+          <p:cNvPr id="24" name="PlaceHolder 1"/>
           <p:cNvSpPr>
             <a:spLocks noGrp="1"/>
           </p:cNvSpPr>
@@ -70,7 +72,7 @@
         <p:spPr>
           <a:xfrm>
             <a:off x="720000" y="300960"/>
-            <a:ext cx="8855640" cy="1262520"/>
+            <a:ext cx="8855280" cy="1262160"/>
           </a:xfrm>
           <a:prstGeom prst="rect">
             <a:avLst/>
@@ -79,18 +81,16 @@
         <p:txBody>
           <a:bodyPr lIns="0" rIns="0" tIns="0" bIns="0" anchor="ctr"/>
           <a:p>
-            <a:endParaRPr b="1" lang="en-US" sz="4400" spc="-1" strike="noStrike">
-              <a:solidFill>
-                <a:srgbClr val="333333"/>
-              </a:solidFill>
-              <a:latin typeface="Open Sans"/>
-            </a:endParaRPr>
-          </a:p>
-        </p:txBody>
-      </p:sp>
-      <p:sp>
-        <p:nvSpPr>
-          <p:cNvPr id="28" name="PlaceHolder 2"/>
+            <a:pPr algn="ctr"/>
+            <a:endParaRPr b="0" lang="en-US" sz="4400" spc="-1" strike="noStrike">
+              <a:latin typeface="Arial"/>
+            </a:endParaRPr>
+          </a:p>
+        </p:txBody>
+      </p:sp>
+      <p:sp>
+        <p:nvSpPr>
+          <p:cNvPr id="25" name="PlaceHolder 2"/>
           <p:cNvSpPr>
             <a:spLocks noGrp="1"/>
           </p:cNvSpPr>
@@ -100,28 +100,27 @@
         </p:nvSpPr>
         <p:spPr>
           <a:xfrm>
-            <a:off x="720000" y="2160000"/>
-            <a:ext cx="8640000" cy="2091240"/>
-          </a:xfrm>
-          <a:prstGeom prst="rect">
-            <a:avLst/>
-          </a:prstGeom>
-        </p:spPr>
-        <p:txBody>
-          <a:bodyPr lIns="0" rIns="0" tIns="0" bIns="0"/>
-          <a:p>
-            <a:endParaRPr b="0" lang="en-US" sz="2800" spc="-1" strike="noStrike">
-              <a:solidFill>
-                <a:srgbClr val="333333"/>
-              </a:solidFill>
-              <a:latin typeface="Open Sans"/>
-            </a:endParaRPr>
-          </a:p>
-        </p:txBody>
-      </p:sp>
-      <p:sp>
-        <p:nvSpPr>
-          <p:cNvPr id="29" name="PlaceHolder 3"/>
+            <a:off x="504000" y="1768680"/>
+            <a:ext cx="9072000" cy="2090880"/>
+          </a:xfrm>
+          <a:prstGeom prst="rect">
+            <a:avLst/>
+          </a:prstGeom>
+        </p:spPr>
+        <p:txBody>
+          <a:bodyPr lIns="0" rIns="0" tIns="0" bIns="0">
+            <a:normAutofit/>
+          </a:bodyPr>
+          <a:p>
+            <a:endParaRPr b="0" lang="en-US" sz="3200" spc="-1" strike="noStrike">
+              <a:latin typeface="Arial"/>
+            </a:endParaRPr>
+          </a:p>
+        </p:txBody>
+      </p:sp>
+      <p:sp>
+        <p:nvSpPr>
+          <p:cNvPr id="26" name="PlaceHolder 3"/>
           <p:cNvSpPr>
             <a:spLocks noGrp="1"/>
           </p:cNvSpPr>
@@ -131,21 +130,20 @@
         </p:nvSpPr>
         <p:spPr>
           <a:xfrm>
-            <a:off x="720000" y="4450320"/>
-            <a:ext cx="8640000" cy="2091240"/>
-          </a:xfrm>
-          <a:prstGeom prst="rect">
-            <a:avLst/>
-          </a:prstGeom>
-        </p:spPr>
-        <p:txBody>
-          <a:bodyPr lIns="0" rIns="0" tIns="0" bIns="0"/>
-          <a:p>
-            <a:endParaRPr b="0" lang="en-US" sz="2800" spc="-1" strike="noStrike">
-              <a:solidFill>
-                <a:srgbClr val="333333"/>
-              </a:solidFill>
-              <a:latin typeface="Open Sans"/>
+            <a:off x="504000" y="4058640"/>
+            <a:ext cx="9072000" cy="2090880"/>
+          </a:xfrm>
+          <a:prstGeom prst="rect">
+            <a:avLst/>
+          </a:prstGeom>
+        </p:spPr>
+        <p:txBody>
+          <a:bodyPr lIns="0" rIns="0" tIns="0" bIns="0">
+            <a:normAutofit/>
+          </a:bodyPr>
+          <a:p>
+            <a:endParaRPr b="0" lang="en-US" sz="3200" spc="-1" strike="noStrike">
+              <a:latin typeface="Arial"/>
             </a:endParaRPr>
           </a:p>
         </p:txBody>
@@ -174,7 +172,7 @@
       </p:grpSpPr>
       <p:sp>
         <p:nvSpPr>
-          <p:cNvPr id="30" name="PlaceHolder 1"/>
+          <p:cNvPr id="27" name="PlaceHolder 1"/>
           <p:cNvSpPr>
             <a:spLocks noGrp="1"/>
           </p:cNvSpPr>
@@ -185,7 +183,7 @@
         <p:spPr>
           <a:xfrm>
             <a:off x="720000" y="300960"/>
-            <a:ext cx="8855640" cy="1262520"/>
+            <a:ext cx="8855280" cy="1262160"/>
           </a:xfrm>
           <a:prstGeom prst="rect">
             <a:avLst/>
@@ -194,18 +192,16 @@
         <p:txBody>
           <a:bodyPr lIns="0" rIns="0" tIns="0" bIns="0" anchor="ctr"/>
           <a:p>
-            <a:endParaRPr b="1" lang="en-US" sz="4400" spc="-1" strike="noStrike">
-              <a:solidFill>
-                <a:srgbClr val="333333"/>
-              </a:solidFill>
-              <a:latin typeface="Open Sans"/>
-            </a:endParaRPr>
-          </a:p>
-        </p:txBody>
-      </p:sp>
-      <p:sp>
-        <p:nvSpPr>
-          <p:cNvPr id="31" name="PlaceHolder 2"/>
+            <a:pPr algn="ctr"/>
+            <a:endParaRPr b="0" lang="en-US" sz="4400" spc="-1" strike="noStrike">
+              <a:latin typeface="Arial"/>
+            </a:endParaRPr>
+          </a:p>
+        </p:txBody>
+      </p:sp>
+      <p:sp>
+        <p:nvSpPr>
+          <p:cNvPr id="28" name="PlaceHolder 2"/>
           <p:cNvSpPr>
             <a:spLocks noGrp="1"/>
           </p:cNvSpPr>
@@ -215,28 +211,27 @@
         </p:nvSpPr>
         <p:spPr>
           <a:xfrm>
-            <a:off x="720000" y="2160000"/>
-            <a:ext cx="4215960" cy="2091240"/>
-          </a:xfrm>
-          <a:prstGeom prst="rect">
-            <a:avLst/>
-          </a:prstGeom>
-        </p:spPr>
-        <p:txBody>
-          <a:bodyPr lIns="0" rIns="0" tIns="0" bIns="0"/>
-          <a:p>
-            <a:endParaRPr b="0" lang="en-US" sz="2800" spc="-1" strike="noStrike">
-              <a:solidFill>
-                <a:srgbClr val="333333"/>
-              </a:solidFill>
-              <a:latin typeface="Open Sans"/>
-            </a:endParaRPr>
-          </a:p>
-        </p:txBody>
-      </p:sp>
-      <p:sp>
-        <p:nvSpPr>
-          <p:cNvPr id="32" name="PlaceHolder 3"/>
+            <a:off x="504000" y="1768680"/>
+            <a:ext cx="4426920" cy="2090880"/>
+          </a:xfrm>
+          <a:prstGeom prst="rect">
+            <a:avLst/>
+          </a:prstGeom>
+        </p:spPr>
+        <p:txBody>
+          <a:bodyPr lIns="0" rIns="0" tIns="0" bIns="0">
+            <a:normAutofit/>
+          </a:bodyPr>
+          <a:p>
+            <a:endParaRPr b="0" lang="en-US" sz="3200" spc="-1" strike="noStrike">
+              <a:latin typeface="Arial"/>
+            </a:endParaRPr>
+          </a:p>
+        </p:txBody>
+      </p:sp>
+      <p:sp>
+        <p:nvSpPr>
+          <p:cNvPr id="29" name="PlaceHolder 3"/>
           <p:cNvSpPr>
             <a:spLocks noGrp="1"/>
           </p:cNvSpPr>
@@ -246,28 +241,27 @@
         </p:nvSpPr>
         <p:spPr>
           <a:xfrm>
-            <a:off x="5147280" y="2160000"/>
-            <a:ext cx="4215960" cy="2091240"/>
-          </a:xfrm>
-          <a:prstGeom prst="rect">
-            <a:avLst/>
-          </a:prstGeom>
-        </p:spPr>
-        <p:txBody>
-          <a:bodyPr lIns="0" rIns="0" tIns="0" bIns="0"/>
-          <a:p>
-            <a:endParaRPr b="0" lang="en-US" sz="2800" spc="-1" strike="noStrike">
-              <a:solidFill>
-                <a:srgbClr val="333333"/>
-              </a:solidFill>
-              <a:latin typeface="Open Sans"/>
-            </a:endParaRPr>
-          </a:p>
-        </p:txBody>
-      </p:sp>
-      <p:sp>
-        <p:nvSpPr>
-          <p:cNvPr id="33" name="PlaceHolder 4"/>
+            <a:off x="5152680" y="1768680"/>
+            <a:ext cx="4426920" cy="2090880"/>
+          </a:xfrm>
+          <a:prstGeom prst="rect">
+            <a:avLst/>
+          </a:prstGeom>
+        </p:spPr>
+        <p:txBody>
+          <a:bodyPr lIns="0" rIns="0" tIns="0" bIns="0">
+            <a:normAutofit/>
+          </a:bodyPr>
+          <a:p>
+            <a:endParaRPr b="0" lang="en-US" sz="3200" spc="-1" strike="noStrike">
+              <a:latin typeface="Arial"/>
+            </a:endParaRPr>
+          </a:p>
+        </p:txBody>
+      </p:sp>
+      <p:sp>
+        <p:nvSpPr>
+          <p:cNvPr id="30" name="PlaceHolder 4"/>
           <p:cNvSpPr>
             <a:spLocks noGrp="1"/>
           </p:cNvSpPr>
@@ -277,28 +271,27 @@
         </p:nvSpPr>
         <p:spPr>
           <a:xfrm>
-            <a:off x="5147280" y="4450320"/>
-            <a:ext cx="4215960" cy="2091240"/>
-          </a:xfrm>
-          <a:prstGeom prst="rect">
-            <a:avLst/>
-          </a:prstGeom>
-        </p:spPr>
-        <p:txBody>
-          <a:bodyPr lIns="0" rIns="0" tIns="0" bIns="0"/>
-          <a:p>
-            <a:endParaRPr b="0" lang="en-US" sz="2800" spc="-1" strike="noStrike">
-              <a:solidFill>
-                <a:srgbClr val="333333"/>
-              </a:solidFill>
-              <a:latin typeface="Open Sans"/>
-            </a:endParaRPr>
-          </a:p>
-        </p:txBody>
-      </p:sp>
-      <p:sp>
-        <p:nvSpPr>
-          <p:cNvPr id="34" name="PlaceHolder 5"/>
+            <a:off x="5152680" y="4058640"/>
+            <a:ext cx="4426920" cy="2090880"/>
+          </a:xfrm>
+          <a:prstGeom prst="rect">
+            <a:avLst/>
+          </a:prstGeom>
+        </p:spPr>
+        <p:txBody>
+          <a:bodyPr lIns="0" rIns="0" tIns="0" bIns="0">
+            <a:normAutofit/>
+          </a:bodyPr>
+          <a:p>
+            <a:endParaRPr b="0" lang="en-US" sz="3200" spc="-1" strike="noStrike">
+              <a:latin typeface="Arial"/>
+            </a:endParaRPr>
+          </a:p>
+        </p:txBody>
+      </p:sp>
+      <p:sp>
+        <p:nvSpPr>
+          <p:cNvPr id="31" name="PlaceHolder 5"/>
           <p:cNvSpPr>
             <a:spLocks noGrp="1"/>
           </p:cNvSpPr>
@@ -308,21 +301,20 @@
         </p:nvSpPr>
         <p:spPr>
           <a:xfrm>
-            <a:off x="720000" y="4450320"/>
-            <a:ext cx="4215960" cy="2091240"/>
-          </a:xfrm>
-          <a:prstGeom prst="rect">
-            <a:avLst/>
-          </a:prstGeom>
-        </p:spPr>
-        <p:txBody>
-          <a:bodyPr lIns="0" rIns="0" tIns="0" bIns="0"/>
-          <a:p>
-            <a:endParaRPr b="0" lang="en-US" sz="2800" spc="-1" strike="noStrike">
-              <a:solidFill>
-                <a:srgbClr val="333333"/>
-              </a:solidFill>
-              <a:latin typeface="Open Sans"/>
+            <a:off x="504000" y="4058640"/>
+            <a:ext cx="4426920" cy="2090880"/>
+          </a:xfrm>
+          <a:prstGeom prst="rect">
+            <a:avLst/>
+          </a:prstGeom>
+        </p:spPr>
+        <p:txBody>
+          <a:bodyPr lIns="0" rIns="0" tIns="0" bIns="0">
+            <a:normAutofit/>
+          </a:bodyPr>
+          <a:p>
+            <a:endParaRPr b="0" lang="en-US" sz="3200" spc="-1" strike="noStrike">
+              <a:latin typeface="Arial"/>
             </a:endParaRPr>
           </a:p>
         </p:txBody>
@@ -351,7 +343,7 @@
       </p:grpSpPr>
       <p:sp>
         <p:nvSpPr>
-          <p:cNvPr id="35" name="PlaceHolder 1"/>
+          <p:cNvPr id="32" name="PlaceHolder 1"/>
           <p:cNvSpPr>
             <a:spLocks noGrp="1"/>
           </p:cNvSpPr>
@@ -362,7 +354,7 @@
         <p:spPr>
           <a:xfrm>
             <a:off x="720000" y="300960"/>
-            <a:ext cx="8855640" cy="1262520"/>
+            <a:ext cx="8855280" cy="1262160"/>
           </a:xfrm>
           <a:prstGeom prst="rect">
             <a:avLst/>
@@ -371,18 +363,16 @@
         <p:txBody>
           <a:bodyPr lIns="0" rIns="0" tIns="0" bIns="0" anchor="ctr"/>
           <a:p>
-            <a:endParaRPr b="1" lang="en-US" sz="4400" spc="-1" strike="noStrike">
-              <a:solidFill>
-                <a:srgbClr val="333333"/>
-              </a:solidFill>
-              <a:latin typeface="Open Sans"/>
-            </a:endParaRPr>
-          </a:p>
-        </p:txBody>
-      </p:sp>
-      <p:sp>
-        <p:nvSpPr>
-          <p:cNvPr id="36" name="PlaceHolder 2"/>
+            <a:pPr algn="ctr"/>
+            <a:endParaRPr b="0" lang="en-US" sz="4400" spc="-1" strike="noStrike">
+              <a:latin typeface="Arial"/>
+            </a:endParaRPr>
+          </a:p>
+        </p:txBody>
+      </p:sp>
+      <p:sp>
+        <p:nvSpPr>
+          <p:cNvPr id="33" name="PlaceHolder 2"/>
           <p:cNvSpPr>
             <a:spLocks noGrp="1"/>
           </p:cNvSpPr>
@@ -392,28 +382,27 @@
         </p:nvSpPr>
         <p:spPr>
           <a:xfrm>
-            <a:off x="720000" y="2160000"/>
-            <a:ext cx="2781720" cy="2091240"/>
-          </a:xfrm>
-          <a:prstGeom prst="rect">
-            <a:avLst/>
-          </a:prstGeom>
-        </p:spPr>
-        <p:txBody>
-          <a:bodyPr lIns="0" rIns="0" tIns="0" bIns="0"/>
-          <a:p>
-            <a:endParaRPr b="0" lang="en-US" sz="2800" spc="-1" strike="noStrike">
-              <a:solidFill>
-                <a:srgbClr val="333333"/>
-              </a:solidFill>
-              <a:latin typeface="Open Sans"/>
-            </a:endParaRPr>
-          </a:p>
-        </p:txBody>
-      </p:sp>
-      <p:sp>
-        <p:nvSpPr>
-          <p:cNvPr id="37" name="PlaceHolder 3"/>
+            <a:off x="504000" y="1768680"/>
+            <a:ext cx="2921040" cy="2090880"/>
+          </a:xfrm>
+          <a:prstGeom prst="rect">
+            <a:avLst/>
+          </a:prstGeom>
+        </p:spPr>
+        <p:txBody>
+          <a:bodyPr lIns="0" rIns="0" tIns="0" bIns="0">
+            <a:normAutofit/>
+          </a:bodyPr>
+          <a:p>
+            <a:endParaRPr b="0" lang="en-US" sz="3200" spc="-1" strike="noStrike">
+              <a:latin typeface="Arial"/>
+            </a:endParaRPr>
+          </a:p>
+        </p:txBody>
+      </p:sp>
+      <p:sp>
+        <p:nvSpPr>
+          <p:cNvPr id="34" name="PlaceHolder 3"/>
           <p:cNvSpPr>
             <a:spLocks noGrp="1"/>
           </p:cNvSpPr>
@@ -423,28 +412,27 @@
         </p:nvSpPr>
         <p:spPr>
           <a:xfrm>
-            <a:off x="3641040" y="2160000"/>
-            <a:ext cx="2781720" cy="2091240"/>
-          </a:xfrm>
-          <a:prstGeom prst="rect">
-            <a:avLst/>
-          </a:prstGeom>
-        </p:spPr>
-        <p:txBody>
-          <a:bodyPr lIns="0" rIns="0" tIns="0" bIns="0"/>
-          <a:p>
-            <a:endParaRPr b="0" lang="en-US" sz="2800" spc="-1" strike="noStrike">
-              <a:solidFill>
-                <a:srgbClr val="333333"/>
-              </a:solidFill>
-              <a:latin typeface="Open Sans"/>
-            </a:endParaRPr>
-          </a:p>
-        </p:txBody>
-      </p:sp>
-      <p:sp>
-        <p:nvSpPr>
-          <p:cNvPr id="38" name="PlaceHolder 4"/>
+            <a:off x="3571560" y="1768680"/>
+            <a:ext cx="2921040" cy="2090880"/>
+          </a:xfrm>
+          <a:prstGeom prst="rect">
+            <a:avLst/>
+          </a:prstGeom>
+        </p:spPr>
+        <p:txBody>
+          <a:bodyPr lIns="0" rIns="0" tIns="0" bIns="0">
+            <a:normAutofit/>
+          </a:bodyPr>
+          <a:p>
+            <a:endParaRPr b="0" lang="en-US" sz="3200" spc="-1" strike="noStrike">
+              <a:latin typeface="Arial"/>
+            </a:endParaRPr>
+          </a:p>
+        </p:txBody>
+      </p:sp>
+      <p:sp>
+        <p:nvSpPr>
+          <p:cNvPr id="35" name="PlaceHolder 4"/>
           <p:cNvSpPr>
             <a:spLocks noGrp="1"/>
           </p:cNvSpPr>
@@ -454,28 +442,27 @@
         </p:nvSpPr>
         <p:spPr>
           <a:xfrm>
-            <a:off x="6562440" y="2160000"/>
-            <a:ext cx="2781720" cy="2091240"/>
-          </a:xfrm>
-          <a:prstGeom prst="rect">
-            <a:avLst/>
-          </a:prstGeom>
-        </p:spPr>
-        <p:txBody>
-          <a:bodyPr lIns="0" rIns="0" tIns="0" bIns="0"/>
-          <a:p>
-            <a:endParaRPr b="0" lang="en-US" sz="2800" spc="-1" strike="noStrike">
-              <a:solidFill>
-                <a:srgbClr val="333333"/>
-              </a:solidFill>
-              <a:latin typeface="Open Sans"/>
-            </a:endParaRPr>
-          </a:p>
-        </p:txBody>
-      </p:sp>
-      <p:sp>
-        <p:nvSpPr>
-          <p:cNvPr id="39" name="PlaceHolder 5"/>
+            <a:off x="6639120" y="1768680"/>
+            <a:ext cx="2921040" cy="2090880"/>
+          </a:xfrm>
+          <a:prstGeom prst="rect">
+            <a:avLst/>
+          </a:prstGeom>
+        </p:spPr>
+        <p:txBody>
+          <a:bodyPr lIns="0" rIns="0" tIns="0" bIns="0">
+            <a:normAutofit/>
+          </a:bodyPr>
+          <a:p>
+            <a:endParaRPr b="0" lang="en-US" sz="3200" spc="-1" strike="noStrike">
+              <a:latin typeface="Arial"/>
+            </a:endParaRPr>
+          </a:p>
+        </p:txBody>
+      </p:sp>
+      <p:sp>
+        <p:nvSpPr>
+          <p:cNvPr id="36" name="PlaceHolder 5"/>
           <p:cNvSpPr>
             <a:spLocks noGrp="1"/>
           </p:cNvSpPr>
@@ -485,28 +472,27 @@
         </p:nvSpPr>
         <p:spPr>
           <a:xfrm>
-            <a:off x="6562440" y="4450320"/>
-            <a:ext cx="2781720" cy="2091240"/>
-          </a:xfrm>
-          <a:prstGeom prst="rect">
-            <a:avLst/>
-          </a:prstGeom>
-        </p:spPr>
-        <p:txBody>
-          <a:bodyPr lIns="0" rIns="0" tIns="0" bIns="0"/>
-          <a:p>
-            <a:endParaRPr b="0" lang="en-US" sz="2800" spc="-1" strike="noStrike">
-              <a:solidFill>
-                <a:srgbClr val="333333"/>
-              </a:solidFill>
-              <a:latin typeface="Open Sans"/>
-            </a:endParaRPr>
-          </a:p>
-        </p:txBody>
-      </p:sp>
-      <p:sp>
-        <p:nvSpPr>
-          <p:cNvPr id="40" name="PlaceHolder 6"/>
+            <a:off x="6639120" y="4058640"/>
+            <a:ext cx="2921040" cy="2090880"/>
+          </a:xfrm>
+          <a:prstGeom prst="rect">
+            <a:avLst/>
+          </a:prstGeom>
+        </p:spPr>
+        <p:txBody>
+          <a:bodyPr lIns="0" rIns="0" tIns="0" bIns="0">
+            <a:normAutofit/>
+          </a:bodyPr>
+          <a:p>
+            <a:endParaRPr b="0" lang="en-US" sz="3200" spc="-1" strike="noStrike">
+              <a:latin typeface="Arial"/>
+            </a:endParaRPr>
+          </a:p>
+        </p:txBody>
+      </p:sp>
+      <p:sp>
+        <p:nvSpPr>
+          <p:cNvPr id="37" name="PlaceHolder 6"/>
           <p:cNvSpPr>
             <a:spLocks noGrp="1"/>
           </p:cNvSpPr>
@@ -516,28 +502,27 @@
         </p:nvSpPr>
         <p:spPr>
           <a:xfrm>
-            <a:off x="3641040" y="4450320"/>
-            <a:ext cx="2781720" cy="2091240"/>
-          </a:xfrm>
-          <a:prstGeom prst="rect">
-            <a:avLst/>
-          </a:prstGeom>
-        </p:spPr>
-        <p:txBody>
-          <a:bodyPr lIns="0" rIns="0" tIns="0" bIns="0"/>
-          <a:p>
-            <a:endParaRPr b="0" lang="en-US" sz="2800" spc="-1" strike="noStrike">
-              <a:solidFill>
-                <a:srgbClr val="333333"/>
-              </a:solidFill>
-              <a:latin typeface="Open Sans"/>
-            </a:endParaRPr>
-          </a:p>
-        </p:txBody>
-      </p:sp>
-      <p:sp>
-        <p:nvSpPr>
-          <p:cNvPr id="41" name="PlaceHolder 7"/>
+            <a:off x="3571560" y="4058640"/>
+            <a:ext cx="2921040" cy="2090880"/>
+          </a:xfrm>
+          <a:prstGeom prst="rect">
+            <a:avLst/>
+          </a:prstGeom>
+        </p:spPr>
+        <p:txBody>
+          <a:bodyPr lIns="0" rIns="0" tIns="0" bIns="0">
+            <a:normAutofit/>
+          </a:bodyPr>
+          <a:p>
+            <a:endParaRPr b="0" lang="en-US" sz="3200" spc="-1" strike="noStrike">
+              <a:latin typeface="Arial"/>
+            </a:endParaRPr>
+          </a:p>
+        </p:txBody>
+      </p:sp>
+      <p:sp>
+        <p:nvSpPr>
+          <p:cNvPr id="38" name="PlaceHolder 7"/>
           <p:cNvSpPr>
             <a:spLocks noGrp="1"/>
           </p:cNvSpPr>
@@ -547,21 +532,20 @@
         </p:nvSpPr>
         <p:spPr>
           <a:xfrm>
-            <a:off x="720000" y="4450320"/>
-            <a:ext cx="2781720" cy="2091240"/>
-          </a:xfrm>
-          <a:prstGeom prst="rect">
-            <a:avLst/>
-          </a:prstGeom>
-        </p:spPr>
-        <p:txBody>
-          <a:bodyPr lIns="0" rIns="0" tIns="0" bIns="0"/>
-          <a:p>
-            <a:endParaRPr b="0" lang="en-US" sz="2800" spc="-1" strike="noStrike">
-              <a:solidFill>
-                <a:srgbClr val="333333"/>
-              </a:solidFill>
-              <a:latin typeface="Open Sans"/>
+            <a:off x="504000" y="4058640"/>
+            <a:ext cx="2921040" cy="2090880"/>
+          </a:xfrm>
+          <a:prstGeom prst="rect">
+            <a:avLst/>
+          </a:prstGeom>
+        </p:spPr>
+        <p:txBody>
+          <a:bodyPr lIns="0" rIns="0" tIns="0" bIns="0">
+            <a:normAutofit/>
+          </a:bodyPr>
+          <a:p>
+            <a:endParaRPr b="0" lang="en-US" sz="3200" spc="-1" strike="noStrike">
+              <a:latin typeface="Arial"/>
             </a:endParaRPr>
           </a:p>
         </p:txBody>
@@ -612,7 +596,7 @@
       </p:grpSpPr>
       <p:sp>
         <p:nvSpPr>
-          <p:cNvPr id="48" name="PlaceHolder 1"/>
+          <p:cNvPr id="42" name="PlaceHolder 1"/>
           <p:cNvSpPr>
             <a:spLocks noGrp="1"/>
           </p:cNvSpPr>
@@ -623,7 +607,7 @@
         <p:spPr>
           <a:xfrm>
             <a:off x="720000" y="300960"/>
-            <a:ext cx="8855640" cy="1262520"/>
+            <a:ext cx="8855280" cy="1262160"/>
           </a:xfrm>
           <a:prstGeom prst="rect">
             <a:avLst/>
@@ -632,18 +616,16 @@
         <p:txBody>
           <a:bodyPr lIns="0" rIns="0" tIns="0" bIns="0" anchor="ctr"/>
           <a:p>
-            <a:endParaRPr b="1" lang="en-US" sz="4400" spc="-1" strike="noStrike">
-              <a:solidFill>
-                <a:srgbClr val="333333"/>
-              </a:solidFill>
-              <a:latin typeface="Open Sans"/>
-            </a:endParaRPr>
-          </a:p>
-        </p:txBody>
-      </p:sp>
-      <p:sp>
-        <p:nvSpPr>
-          <p:cNvPr id="49" name="PlaceHolder 2"/>
+            <a:pPr algn="ctr"/>
+            <a:endParaRPr b="0" lang="en-US" sz="4400" spc="-1" strike="noStrike">
+              <a:latin typeface="Arial"/>
+            </a:endParaRPr>
+          </a:p>
+        </p:txBody>
+      </p:sp>
+      <p:sp>
+        <p:nvSpPr>
+          <p:cNvPr id="43" name="PlaceHolder 2"/>
           <p:cNvSpPr>
             <a:spLocks noGrp="1"/>
           </p:cNvSpPr>
@@ -653,8 +635,8 @@
         </p:nvSpPr>
         <p:spPr>
           <a:xfrm>
-            <a:off x="720000" y="2160000"/>
-            <a:ext cx="8640000" cy="4384800"/>
+            <a:off x="504000" y="1768680"/>
+            <a:ext cx="9072000" cy="4384080"/>
           </a:xfrm>
           <a:prstGeom prst="rect">
             <a:avLst/>
@@ -694,7 +676,7 @@
       </p:grpSpPr>
       <p:sp>
         <p:nvSpPr>
-          <p:cNvPr id="50" name="PlaceHolder 1"/>
+          <p:cNvPr id="44" name="PlaceHolder 1"/>
           <p:cNvSpPr>
             <a:spLocks noGrp="1"/>
           </p:cNvSpPr>
@@ -705,7 +687,7 @@
         <p:spPr>
           <a:xfrm>
             <a:off x="720000" y="300960"/>
-            <a:ext cx="8855640" cy="1262520"/>
+            <a:ext cx="8855280" cy="1262160"/>
           </a:xfrm>
           <a:prstGeom prst="rect">
             <a:avLst/>
@@ -714,18 +696,16 @@
         <p:txBody>
           <a:bodyPr lIns="0" rIns="0" tIns="0" bIns="0" anchor="ctr"/>
           <a:p>
-            <a:endParaRPr b="1" lang="en-US" sz="4400" spc="-1" strike="noStrike">
-              <a:solidFill>
-                <a:srgbClr val="333333"/>
-              </a:solidFill>
-              <a:latin typeface="Open Sans"/>
-            </a:endParaRPr>
-          </a:p>
-        </p:txBody>
-      </p:sp>
-      <p:sp>
-        <p:nvSpPr>
-          <p:cNvPr id="51" name="PlaceHolder 2"/>
+            <a:pPr algn="ctr"/>
+            <a:endParaRPr b="0" lang="en-US" sz="4400" spc="-1" strike="noStrike">
+              <a:latin typeface="Arial"/>
+            </a:endParaRPr>
+          </a:p>
+        </p:txBody>
+      </p:sp>
+      <p:sp>
+        <p:nvSpPr>
+          <p:cNvPr id="45" name="PlaceHolder 2"/>
           <p:cNvSpPr>
             <a:spLocks noGrp="1"/>
           </p:cNvSpPr>
@@ -735,21 +715,20 @@
         </p:nvSpPr>
         <p:spPr>
           <a:xfrm>
-            <a:off x="720000" y="2160000"/>
-            <a:ext cx="8640000" cy="4384800"/>
-          </a:xfrm>
-          <a:prstGeom prst="rect">
-            <a:avLst/>
-          </a:prstGeom>
-        </p:spPr>
-        <p:txBody>
-          <a:bodyPr lIns="0" rIns="0" tIns="0" bIns="0"/>
-          <a:p>
-            <a:endParaRPr b="0" lang="en-US" sz="2800" spc="-1" strike="noStrike">
-              <a:solidFill>
-                <a:srgbClr val="333333"/>
-              </a:solidFill>
-              <a:latin typeface="Open Sans"/>
+            <a:off x="504000" y="1768680"/>
+            <a:ext cx="9072000" cy="4384080"/>
+          </a:xfrm>
+          <a:prstGeom prst="rect">
+            <a:avLst/>
+          </a:prstGeom>
+        </p:spPr>
+        <p:txBody>
+          <a:bodyPr lIns="0" rIns="0" tIns="0" bIns="0">
+            <a:normAutofit/>
+          </a:bodyPr>
+          <a:p>
+            <a:endParaRPr b="0" lang="en-US" sz="3200" spc="-1" strike="noStrike">
+              <a:latin typeface="Arial"/>
             </a:endParaRPr>
           </a:p>
         </p:txBody>
@@ -778,7 +757,7 @@
       </p:grpSpPr>
       <p:sp>
         <p:nvSpPr>
-          <p:cNvPr id="52" name="PlaceHolder 1"/>
+          <p:cNvPr id="46" name="PlaceHolder 1"/>
           <p:cNvSpPr>
             <a:spLocks noGrp="1"/>
           </p:cNvSpPr>
@@ -789,7 +768,7 @@
         <p:spPr>
           <a:xfrm>
             <a:off x="720000" y="300960"/>
-            <a:ext cx="8855640" cy="1262520"/>
+            <a:ext cx="8855280" cy="1262160"/>
           </a:xfrm>
           <a:prstGeom prst="rect">
             <a:avLst/>
@@ -798,18 +777,16 @@
         <p:txBody>
           <a:bodyPr lIns="0" rIns="0" tIns="0" bIns="0" anchor="ctr"/>
           <a:p>
-            <a:endParaRPr b="1" lang="en-US" sz="4400" spc="-1" strike="noStrike">
-              <a:solidFill>
-                <a:srgbClr val="333333"/>
-              </a:solidFill>
-              <a:latin typeface="Open Sans"/>
-            </a:endParaRPr>
-          </a:p>
-        </p:txBody>
-      </p:sp>
-      <p:sp>
-        <p:nvSpPr>
-          <p:cNvPr id="53" name="PlaceHolder 2"/>
+            <a:pPr algn="ctr"/>
+            <a:endParaRPr b="0" lang="en-US" sz="4400" spc="-1" strike="noStrike">
+              <a:latin typeface="Arial"/>
+            </a:endParaRPr>
+          </a:p>
+        </p:txBody>
+      </p:sp>
+      <p:sp>
+        <p:nvSpPr>
+          <p:cNvPr id="47" name="PlaceHolder 2"/>
           <p:cNvSpPr>
             <a:spLocks noGrp="1"/>
           </p:cNvSpPr>
@@ -819,28 +796,27 @@
         </p:nvSpPr>
         <p:spPr>
           <a:xfrm>
-            <a:off x="720000" y="2160000"/>
-            <a:ext cx="4215960" cy="4384800"/>
-          </a:xfrm>
-          <a:prstGeom prst="rect">
-            <a:avLst/>
-          </a:prstGeom>
-        </p:spPr>
-        <p:txBody>
-          <a:bodyPr lIns="0" rIns="0" tIns="0" bIns="0"/>
-          <a:p>
-            <a:endParaRPr b="0" lang="en-US" sz="2800" spc="-1" strike="noStrike">
-              <a:solidFill>
-                <a:srgbClr val="333333"/>
-              </a:solidFill>
-              <a:latin typeface="Open Sans"/>
-            </a:endParaRPr>
-          </a:p>
-        </p:txBody>
-      </p:sp>
-      <p:sp>
-        <p:nvSpPr>
-          <p:cNvPr id="54" name="PlaceHolder 3"/>
+            <a:off x="504000" y="1768680"/>
+            <a:ext cx="4426920" cy="4384080"/>
+          </a:xfrm>
+          <a:prstGeom prst="rect">
+            <a:avLst/>
+          </a:prstGeom>
+        </p:spPr>
+        <p:txBody>
+          <a:bodyPr lIns="0" rIns="0" tIns="0" bIns="0">
+            <a:normAutofit/>
+          </a:bodyPr>
+          <a:p>
+            <a:endParaRPr b="0" lang="en-US" sz="3200" spc="-1" strike="noStrike">
+              <a:latin typeface="Arial"/>
+            </a:endParaRPr>
+          </a:p>
+        </p:txBody>
+      </p:sp>
+      <p:sp>
+        <p:nvSpPr>
+          <p:cNvPr id="48" name="PlaceHolder 3"/>
           <p:cNvSpPr>
             <a:spLocks noGrp="1"/>
           </p:cNvSpPr>
@@ -850,21 +826,20 @@
         </p:nvSpPr>
         <p:spPr>
           <a:xfrm>
-            <a:off x="5147280" y="2160000"/>
-            <a:ext cx="4215960" cy="4384800"/>
-          </a:xfrm>
-          <a:prstGeom prst="rect">
-            <a:avLst/>
-          </a:prstGeom>
-        </p:spPr>
-        <p:txBody>
-          <a:bodyPr lIns="0" rIns="0" tIns="0" bIns="0"/>
-          <a:p>
-            <a:endParaRPr b="0" lang="en-US" sz="2800" spc="-1" strike="noStrike">
-              <a:solidFill>
-                <a:srgbClr val="333333"/>
-              </a:solidFill>
-              <a:latin typeface="Open Sans"/>
+            <a:off x="5152680" y="1768680"/>
+            <a:ext cx="4426920" cy="4384080"/>
+          </a:xfrm>
+          <a:prstGeom prst="rect">
+            <a:avLst/>
+          </a:prstGeom>
+        </p:spPr>
+        <p:txBody>
+          <a:bodyPr lIns="0" rIns="0" tIns="0" bIns="0">
+            <a:normAutofit/>
+          </a:bodyPr>
+          <a:p>
+            <a:endParaRPr b="0" lang="en-US" sz="3200" spc="-1" strike="noStrike">
+              <a:latin typeface="Arial"/>
             </a:endParaRPr>
           </a:p>
         </p:txBody>
@@ -893,7 +868,7 @@
       </p:grpSpPr>
       <p:sp>
         <p:nvSpPr>
-          <p:cNvPr id="55" name="PlaceHolder 1"/>
+          <p:cNvPr id="49" name="PlaceHolder 1"/>
           <p:cNvSpPr>
             <a:spLocks noGrp="1"/>
           </p:cNvSpPr>
@@ -904,7 +879,7 @@
         <p:spPr>
           <a:xfrm>
             <a:off x="720000" y="300960"/>
-            <a:ext cx="8855640" cy="1262520"/>
+            <a:ext cx="8855280" cy="1262160"/>
           </a:xfrm>
           <a:prstGeom prst="rect">
             <a:avLst/>
@@ -913,11 +888,9 @@
         <p:txBody>
           <a:bodyPr lIns="0" rIns="0" tIns="0" bIns="0" anchor="ctr"/>
           <a:p>
-            <a:endParaRPr b="1" lang="en-US" sz="4400" spc="-1" strike="noStrike">
-              <a:solidFill>
-                <a:srgbClr val="333333"/>
-              </a:solidFill>
-              <a:latin typeface="Open Sans"/>
+            <a:pPr algn="ctr"/>
+            <a:endParaRPr b="0" lang="en-US" sz="4400" spc="-1" strike="noStrike">
+              <a:latin typeface="Arial"/>
             </a:endParaRPr>
           </a:p>
         </p:txBody>
@@ -946,7 +919,7 @@
       </p:grpSpPr>
       <p:sp>
         <p:nvSpPr>
-          <p:cNvPr id="56" name="PlaceHolder 1"/>
+          <p:cNvPr id="50" name="PlaceHolder 1"/>
           <p:cNvSpPr>
             <a:spLocks noGrp="1"/>
           </p:cNvSpPr>
@@ -957,7 +930,7 @@
         <p:spPr>
           <a:xfrm>
             <a:off x="720000" y="300960"/>
-            <a:ext cx="8855640" cy="5853600"/>
+            <a:ext cx="8855280" cy="5851800"/>
           </a:xfrm>
           <a:prstGeom prst="rect">
             <a:avLst/>
@@ -997,7 +970,7 @@
       </p:grpSpPr>
       <p:sp>
         <p:nvSpPr>
-          <p:cNvPr id="57" name="PlaceHolder 1"/>
+          <p:cNvPr id="51" name="PlaceHolder 1"/>
           <p:cNvSpPr>
             <a:spLocks noGrp="1"/>
           </p:cNvSpPr>
@@ -1008,7 +981,7 @@
         <p:spPr>
           <a:xfrm>
             <a:off x="720000" y="300960"/>
-            <a:ext cx="8855640" cy="1262520"/>
+            <a:ext cx="8855280" cy="1262160"/>
           </a:xfrm>
           <a:prstGeom prst="rect">
             <a:avLst/>
@@ -1017,18 +990,16 @@
         <p:txBody>
           <a:bodyPr lIns="0" rIns="0" tIns="0" bIns="0" anchor="ctr"/>
           <a:p>
-            <a:endParaRPr b="1" lang="en-US" sz="4400" spc="-1" strike="noStrike">
-              <a:solidFill>
-                <a:srgbClr val="333333"/>
-              </a:solidFill>
-              <a:latin typeface="Open Sans"/>
-            </a:endParaRPr>
-          </a:p>
-        </p:txBody>
-      </p:sp>
-      <p:sp>
-        <p:nvSpPr>
-          <p:cNvPr id="58" name="PlaceHolder 2"/>
+            <a:pPr algn="ctr"/>
+            <a:endParaRPr b="0" lang="en-US" sz="4400" spc="-1" strike="noStrike">
+              <a:latin typeface="Arial"/>
+            </a:endParaRPr>
+          </a:p>
+        </p:txBody>
+      </p:sp>
+      <p:sp>
+        <p:nvSpPr>
+          <p:cNvPr id="52" name="PlaceHolder 2"/>
           <p:cNvSpPr>
             <a:spLocks noGrp="1"/>
           </p:cNvSpPr>
@@ -1038,28 +1009,27 @@
         </p:nvSpPr>
         <p:spPr>
           <a:xfrm>
-            <a:off x="720000" y="2160000"/>
-            <a:ext cx="4215960" cy="2091240"/>
-          </a:xfrm>
-          <a:prstGeom prst="rect">
-            <a:avLst/>
-          </a:prstGeom>
-        </p:spPr>
-        <p:txBody>
-          <a:bodyPr lIns="0" rIns="0" tIns="0" bIns="0"/>
-          <a:p>
-            <a:endParaRPr b="0" lang="en-US" sz="2800" spc="-1" strike="noStrike">
-              <a:solidFill>
-                <a:srgbClr val="333333"/>
-              </a:solidFill>
-              <a:latin typeface="Open Sans"/>
-            </a:endParaRPr>
-          </a:p>
-        </p:txBody>
-      </p:sp>
-      <p:sp>
-        <p:nvSpPr>
-          <p:cNvPr id="59" name="PlaceHolder 3"/>
+            <a:off x="504000" y="1768680"/>
+            <a:ext cx="4426920" cy="2090880"/>
+          </a:xfrm>
+          <a:prstGeom prst="rect">
+            <a:avLst/>
+          </a:prstGeom>
+        </p:spPr>
+        <p:txBody>
+          <a:bodyPr lIns="0" rIns="0" tIns="0" bIns="0">
+            <a:normAutofit/>
+          </a:bodyPr>
+          <a:p>
+            <a:endParaRPr b="0" lang="en-US" sz="3200" spc="-1" strike="noStrike">
+              <a:latin typeface="Arial"/>
+            </a:endParaRPr>
+          </a:p>
+        </p:txBody>
+      </p:sp>
+      <p:sp>
+        <p:nvSpPr>
+          <p:cNvPr id="53" name="PlaceHolder 3"/>
           <p:cNvSpPr>
             <a:spLocks noGrp="1"/>
           </p:cNvSpPr>
@@ -1069,28 +1039,27 @@
         </p:nvSpPr>
         <p:spPr>
           <a:xfrm>
-            <a:off x="720000" y="4450320"/>
-            <a:ext cx="4215960" cy="2091240"/>
-          </a:xfrm>
-          <a:prstGeom prst="rect">
-            <a:avLst/>
-          </a:prstGeom>
-        </p:spPr>
-        <p:txBody>
-          <a:bodyPr lIns="0" rIns="0" tIns="0" bIns="0"/>
-          <a:p>
-            <a:endParaRPr b="0" lang="en-US" sz="2800" spc="-1" strike="noStrike">
-              <a:solidFill>
-                <a:srgbClr val="333333"/>
-              </a:solidFill>
-              <a:latin typeface="Open Sans"/>
-            </a:endParaRPr>
-          </a:p>
-        </p:txBody>
-      </p:sp>
-      <p:sp>
-        <p:nvSpPr>
-          <p:cNvPr id="60" name="PlaceHolder 4"/>
+            <a:off x="504000" y="4058640"/>
+            <a:ext cx="4426920" cy="2090880"/>
+          </a:xfrm>
+          <a:prstGeom prst="rect">
+            <a:avLst/>
+          </a:prstGeom>
+        </p:spPr>
+        <p:txBody>
+          <a:bodyPr lIns="0" rIns="0" tIns="0" bIns="0">
+            <a:normAutofit/>
+          </a:bodyPr>
+          <a:p>
+            <a:endParaRPr b="0" lang="en-US" sz="3200" spc="-1" strike="noStrike">
+              <a:latin typeface="Arial"/>
+            </a:endParaRPr>
+          </a:p>
+        </p:txBody>
+      </p:sp>
+      <p:sp>
+        <p:nvSpPr>
+          <p:cNvPr id="54" name="PlaceHolder 4"/>
           <p:cNvSpPr>
             <a:spLocks noGrp="1"/>
           </p:cNvSpPr>
@@ -1100,21 +1069,20 @@
         </p:nvSpPr>
         <p:spPr>
           <a:xfrm>
-            <a:off x="5147280" y="2160000"/>
-            <a:ext cx="4215960" cy="4384800"/>
-          </a:xfrm>
-          <a:prstGeom prst="rect">
-            <a:avLst/>
-          </a:prstGeom>
-        </p:spPr>
-        <p:txBody>
-          <a:bodyPr lIns="0" rIns="0" tIns="0" bIns="0"/>
-          <a:p>
-            <a:endParaRPr b="0" lang="en-US" sz="2800" spc="-1" strike="noStrike">
-              <a:solidFill>
-                <a:srgbClr val="333333"/>
-              </a:solidFill>
-              <a:latin typeface="Open Sans"/>
+            <a:off x="5152680" y="1768680"/>
+            <a:ext cx="4426920" cy="4384080"/>
+          </a:xfrm>
+          <a:prstGeom prst="rect">
+            <a:avLst/>
+          </a:prstGeom>
+        </p:spPr>
+        <p:txBody>
+          <a:bodyPr lIns="0" rIns="0" tIns="0" bIns="0">
+            <a:normAutofit/>
+          </a:bodyPr>
+          <a:p>
+            <a:endParaRPr b="0" lang="en-US" sz="3200" spc="-1" strike="noStrike">
+              <a:latin typeface="Arial"/>
             </a:endParaRPr>
           </a:p>
         </p:txBody>
@@ -1143,7 +1111,7 @@
       </p:grpSpPr>
       <p:sp>
         <p:nvSpPr>
-          <p:cNvPr id="6" name="PlaceHolder 1"/>
+          <p:cNvPr id="3" name="PlaceHolder 1"/>
           <p:cNvSpPr>
             <a:spLocks noGrp="1"/>
           </p:cNvSpPr>
@@ -1154,7 +1122,7 @@
         <p:spPr>
           <a:xfrm>
             <a:off x="720000" y="300960"/>
-            <a:ext cx="8855640" cy="1262520"/>
+            <a:ext cx="8855280" cy="1262160"/>
           </a:xfrm>
           <a:prstGeom prst="rect">
             <a:avLst/>
@@ -1163,18 +1131,16 @@
         <p:txBody>
           <a:bodyPr lIns="0" rIns="0" tIns="0" bIns="0" anchor="ctr"/>
           <a:p>
-            <a:endParaRPr b="1" lang="en-US" sz="4400" spc="-1" strike="noStrike">
-              <a:solidFill>
-                <a:srgbClr val="333333"/>
-              </a:solidFill>
-              <a:latin typeface="Open Sans"/>
-            </a:endParaRPr>
-          </a:p>
-        </p:txBody>
-      </p:sp>
-      <p:sp>
-        <p:nvSpPr>
-          <p:cNvPr id="7" name="PlaceHolder 2"/>
+            <a:pPr algn="ctr"/>
+            <a:endParaRPr b="0" lang="en-US" sz="4400" spc="-1" strike="noStrike">
+              <a:latin typeface="Arial"/>
+            </a:endParaRPr>
+          </a:p>
+        </p:txBody>
+      </p:sp>
+      <p:sp>
+        <p:nvSpPr>
+          <p:cNvPr id="4" name="PlaceHolder 2"/>
           <p:cNvSpPr>
             <a:spLocks noGrp="1"/>
           </p:cNvSpPr>
@@ -1184,8 +1150,8 @@
         </p:nvSpPr>
         <p:spPr>
           <a:xfrm>
-            <a:off x="720000" y="2160000"/>
-            <a:ext cx="8640000" cy="4384800"/>
+            <a:off x="504000" y="1768680"/>
+            <a:ext cx="9072000" cy="4384080"/>
           </a:xfrm>
           <a:prstGeom prst="rect">
             <a:avLst/>
@@ -1225,7 +1191,7 @@
       </p:grpSpPr>
       <p:sp>
         <p:nvSpPr>
-          <p:cNvPr id="61" name="PlaceHolder 1"/>
+          <p:cNvPr id="55" name="PlaceHolder 1"/>
           <p:cNvSpPr>
             <a:spLocks noGrp="1"/>
           </p:cNvSpPr>
@@ -1236,7 +1202,7 @@
         <p:spPr>
           <a:xfrm>
             <a:off x="720000" y="300960"/>
-            <a:ext cx="8855640" cy="1262520"/>
+            <a:ext cx="8855280" cy="1262160"/>
           </a:xfrm>
           <a:prstGeom prst="rect">
             <a:avLst/>
@@ -1245,18 +1211,16 @@
         <p:txBody>
           <a:bodyPr lIns="0" rIns="0" tIns="0" bIns="0" anchor="ctr"/>
           <a:p>
-            <a:endParaRPr b="1" lang="en-US" sz="4400" spc="-1" strike="noStrike">
-              <a:solidFill>
-                <a:srgbClr val="333333"/>
-              </a:solidFill>
-              <a:latin typeface="Open Sans"/>
-            </a:endParaRPr>
-          </a:p>
-        </p:txBody>
-      </p:sp>
-      <p:sp>
-        <p:nvSpPr>
-          <p:cNvPr id="62" name="PlaceHolder 2"/>
+            <a:pPr algn="ctr"/>
+            <a:endParaRPr b="0" lang="en-US" sz="4400" spc="-1" strike="noStrike">
+              <a:latin typeface="Arial"/>
+            </a:endParaRPr>
+          </a:p>
+        </p:txBody>
+      </p:sp>
+      <p:sp>
+        <p:nvSpPr>
+          <p:cNvPr id="56" name="PlaceHolder 2"/>
           <p:cNvSpPr>
             <a:spLocks noGrp="1"/>
           </p:cNvSpPr>
@@ -1266,28 +1230,27 @@
         </p:nvSpPr>
         <p:spPr>
           <a:xfrm>
-            <a:off x="720000" y="2160000"/>
-            <a:ext cx="4215960" cy="4384800"/>
-          </a:xfrm>
-          <a:prstGeom prst="rect">
-            <a:avLst/>
-          </a:prstGeom>
-        </p:spPr>
-        <p:txBody>
-          <a:bodyPr lIns="0" rIns="0" tIns="0" bIns="0"/>
-          <a:p>
-            <a:endParaRPr b="0" lang="en-US" sz="2800" spc="-1" strike="noStrike">
-              <a:solidFill>
-                <a:srgbClr val="333333"/>
-              </a:solidFill>
-              <a:latin typeface="Open Sans"/>
-            </a:endParaRPr>
-          </a:p>
-        </p:txBody>
-      </p:sp>
-      <p:sp>
-        <p:nvSpPr>
-          <p:cNvPr id="63" name="PlaceHolder 3"/>
+            <a:off x="504000" y="1768680"/>
+            <a:ext cx="4426920" cy="4384080"/>
+          </a:xfrm>
+          <a:prstGeom prst="rect">
+            <a:avLst/>
+          </a:prstGeom>
+        </p:spPr>
+        <p:txBody>
+          <a:bodyPr lIns="0" rIns="0" tIns="0" bIns="0">
+            <a:normAutofit/>
+          </a:bodyPr>
+          <a:p>
+            <a:endParaRPr b="0" lang="en-US" sz="3200" spc="-1" strike="noStrike">
+              <a:latin typeface="Arial"/>
+            </a:endParaRPr>
+          </a:p>
+        </p:txBody>
+      </p:sp>
+      <p:sp>
+        <p:nvSpPr>
+          <p:cNvPr id="57" name="PlaceHolder 3"/>
           <p:cNvSpPr>
             <a:spLocks noGrp="1"/>
           </p:cNvSpPr>
@@ -1297,28 +1260,27 @@
         </p:nvSpPr>
         <p:spPr>
           <a:xfrm>
-            <a:off x="5147280" y="2160000"/>
-            <a:ext cx="4215960" cy="2091240"/>
-          </a:xfrm>
-          <a:prstGeom prst="rect">
-            <a:avLst/>
-          </a:prstGeom>
-        </p:spPr>
-        <p:txBody>
-          <a:bodyPr lIns="0" rIns="0" tIns="0" bIns="0"/>
-          <a:p>
-            <a:endParaRPr b="0" lang="en-US" sz="2800" spc="-1" strike="noStrike">
-              <a:solidFill>
-                <a:srgbClr val="333333"/>
-              </a:solidFill>
-              <a:latin typeface="Open Sans"/>
-            </a:endParaRPr>
-          </a:p>
-        </p:txBody>
-      </p:sp>
-      <p:sp>
-        <p:nvSpPr>
-          <p:cNvPr id="64" name="PlaceHolder 4"/>
+            <a:off x="5152680" y="1768680"/>
+            <a:ext cx="4426920" cy="2090880"/>
+          </a:xfrm>
+          <a:prstGeom prst="rect">
+            <a:avLst/>
+          </a:prstGeom>
+        </p:spPr>
+        <p:txBody>
+          <a:bodyPr lIns="0" rIns="0" tIns="0" bIns="0">
+            <a:normAutofit/>
+          </a:bodyPr>
+          <a:p>
+            <a:endParaRPr b="0" lang="en-US" sz="3200" spc="-1" strike="noStrike">
+              <a:latin typeface="Arial"/>
+            </a:endParaRPr>
+          </a:p>
+        </p:txBody>
+      </p:sp>
+      <p:sp>
+        <p:nvSpPr>
+          <p:cNvPr id="58" name="PlaceHolder 4"/>
           <p:cNvSpPr>
             <a:spLocks noGrp="1"/>
           </p:cNvSpPr>
@@ -1328,21 +1290,20 @@
         </p:nvSpPr>
         <p:spPr>
           <a:xfrm>
-            <a:off x="5147280" y="4450320"/>
-            <a:ext cx="4215960" cy="2091240"/>
-          </a:xfrm>
-          <a:prstGeom prst="rect">
-            <a:avLst/>
-          </a:prstGeom>
-        </p:spPr>
-        <p:txBody>
-          <a:bodyPr lIns="0" rIns="0" tIns="0" bIns="0"/>
-          <a:p>
-            <a:endParaRPr b="0" lang="en-US" sz="2800" spc="-1" strike="noStrike">
-              <a:solidFill>
-                <a:srgbClr val="333333"/>
-              </a:solidFill>
-              <a:latin typeface="Open Sans"/>
+            <a:off x="5152680" y="4058640"/>
+            <a:ext cx="4426920" cy="2090880"/>
+          </a:xfrm>
+          <a:prstGeom prst="rect">
+            <a:avLst/>
+          </a:prstGeom>
+        </p:spPr>
+        <p:txBody>
+          <a:bodyPr lIns="0" rIns="0" tIns="0" bIns="0">
+            <a:normAutofit/>
+          </a:bodyPr>
+          <a:p>
+            <a:endParaRPr b="0" lang="en-US" sz="3200" spc="-1" strike="noStrike">
+              <a:latin typeface="Arial"/>
             </a:endParaRPr>
           </a:p>
         </p:txBody>
@@ -1371,7 +1332,7 @@
       </p:grpSpPr>
       <p:sp>
         <p:nvSpPr>
-          <p:cNvPr id="65" name="PlaceHolder 1"/>
+          <p:cNvPr id="59" name="PlaceHolder 1"/>
           <p:cNvSpPr>
             <a:spLocks noGrp="1"/>
           </p:cNvSpPr>
@@ -1382,7 +1343,7 @@
         <p:spPr>
           <a:xfrm>
             <a:off x="720000" y="300960"/>
-            <a:ext cx="8855640" cy="1262520"/>
+            <a:ext cx="8855280" cy="1262160"/>
           </a:xfrm>
           <a:prstGeom prst="rect">
             <a:avLst/>
@@ -1391,18 +1352,16 @@
         <p:txBody>
           <a:bodyPr lIns="0" rIns="0" tIns="0" bIns="0" anchor="ctr"/>
           <a:p>
-            <a:endParaRPr b="1" lang="en-US" sz="4400" spc="-1" strike="noStrike">
-              <a:solidFill>
-                <a:srgbClr val="333333"/>
-              </a:solidFill>
-              <a:latin typeface="Open Sans"/>
-            </a:endParaRPr>
-          </a:p>
-        </p:txBody>
-      </p:sp>
-      <p:sp>
-        <p:nvSpPr>
-          <p:cNvPr id="66" name="PlaceHolder 2"/>
+            <a:pPr algn="ctr"/>
+            <a:endParaRPr b="0" lang="en-US" sz="4400" spc="-1" strike="noStrike">
+              <a:latin typeface="Arial"/>
+            </a:endParaRPr>
+          </a:p>
+        </p:txBody>
+      </p:sp>
+      <p:sp>
+        <p:nvSpPr>
+          <p:cNvPr id="60" name="PlaceHolder 2"/>
           <p:cNvSpPr>
             <a:spLocks noGrp="1"/>
           </p:cNvSpPr>
@@ -1412,28 +1371,27 @@
         </p:nvSpPr>
         <p:spPr>
           <a:xfrm>
-            <a:off x="720000" y="2160000"/>
-            <a:ext cx="4215960" cy="2091240"/>
-          </a:xfrm>
-          <a:prstGeom prst="rect">
-            <a:avLst/>
-          </a:prstGeom>
-        </p:spPr>
-        <p:txBody>
-          <a:bodyPr lIns="0" rIns="0" tIns="0" bIns="0"/>
-          <a:p>
-            <a:endParaRPr b="0" lang="en-US" sz="2800" spc="-1" strike="noStrike">
-              <a:solidFill>
-                <a:srgbClr val="333333"/>
-              </a:solidFill>
-              <a:latin typeface="Open Sans"/>
-            </a:endParaRPr>
-          </a:p>
-        </p:txBody>
-      </p:sp>
-      <p:sp>
-        <p:nvSpPr>
-          <p:cNvPr id="67" name="PlaceHolder 3"/>
+            <a:off x="504000" y="1768680"/>
+            <a:ext cx="4426920" cy="2090880"/>
+          </a:xfrm>
+          <a:prstGeom prst="rect">
+            <a:avLst/>
+          </a:prstGeom>
+        </p:spPr>
+        <p:txBody>
+          <a:bodyPr lIns="0" rIns="0" tIns="0" bIns="0">
+            <a:normAutofit/>
+          </a:bodyPr>
+          <a:p>
+            <a:endParaRPr b="0" lang="en-US" sz="3200" spc="-1" strike="noStrike">
+              <a:latin typeface="Arial"/>
+            </a:endParaRPr>
+          </a:p>
+        </p:txBody>
+      </p:sp>
+      <p:sp>
+        <p:nvSpPr>
+          <p:cNvPr id="61" name="PlaceHolder 3"/>
           <p:cNvSpPr>
             <a:spLocks noGrp="1"/>
           </p:cNvSpPr>
@@ -1443,28 +1401,27 @@
         </p:nvSpPr>
         <p:spPr>
           <a:xfrm>
-            <a:off x="5147280" y="2160000"/>
-            <a:ext cx="4215960" cy="2091240"/>
-          </a:xfrm>
-          <a:prstGeom prst="rect">
-            <a:avLst/>
-          </a:prstGeom>
-        </p:spPr>
-        <p:txBody>
-          <a:bodyPr lIns="0" rIns="0" tIns="0" bIns="0"/>
-          <a:p>
-            <a:endParaRPr b="0" lang="en-US" sz="2800" spc="-1" strike="noStrike">
-              <a:solidFill>
-                <a:srgbClr val="333333"/>
-              </a:solidFill>
-              <a:latin typeface="Open Sans"/>
-            </a:endParaRPr>
-          </a:p>
-        </p:txBody>
-      </p:sp>
-      <p:sp>
-        <p:nvSpPr>
-          <p:cNvPr id="68" name="PlaceHolder 4"/>
+            <a:off x="5152680" y="1768680"/>
+            <a:ext cx="4426920" cy="2090880"/>
+          </a:xfrm>
+          <a:prstGeom prst="rect">
+            <a:avLst/>
+          </a:prstGeom>
+        </p:spPr>
+        <p:txBody>
+          <a:bodyPr lIns="0" rIns="0" tIns="0" bIns="0">
+            <a:normAutofit/>
+          </a:bodyPr>
+          <a:p>
+            <a:endParaRPr b="0" lang="en-US" sz="3200" spc="-1" strike="noStrike">
+              <a:latin typeface="Arial"/>
+            </a:endParaRPr>
+          </a:p>
+        </p:txBody>
+      </p:sp>
+      <p:sp>
+        <p:nvSpPr>
+          <p:cNvPr id="62" name="PlaceHolder 4"/>
           <p:cNvSpPr>
             <a:spLocks noGrp="1"/>
           </p:cNvSpPr>
@@ -1474,21 +1431,20 @@
         </p:nvSpPr>
         <p:spPr>
           <a:xfrm>
-            <a:off x="720000" y="4450320"/>
-            <a:ext cx="8640000" cy="2091240"/>
-          </a:xfrm>
-          <a:prstGeom prst="rect">
-            <a:avLst/>
-          </a:prstGeom>
-        </p:spPr>
-        <p:txBody>
-          <a:bodyPr lIns="0" rIns="0" tIns="0" bIns="0"/>
-          <a:p>
-            <a:endParaRPr b="0" lang="en-US" sz="2800" spc="-1" strike="noStrike">
-              <a:solidFill>
-                <a:srgbClr val="333333"/>
-              </a:solidFill>
-              <a:latin typeface="Open Sans"/>
+            <a:off x="504000" y="4058640"/>
+            <a:ext cx="9072000" cy="2090880"/>
+          </a:xfrm>
+          <a:prstGeom prst="rect">
+            <a:avLst/>
+          </a:prstGeom>
+        </p:spPr>
+        <p:txBody>
+          <a:bodyPr lIns="0" rIns="0" tIns="0" bIns="0">
+            <a:normAutofit/>
+          </a:bodyPr>
+          <a:p>
+            <a:endParaRPr b="0" lang="en-US" sz="3200" spc="-1" strike="noStrike">
+              <a:latin typeface="Arial"/>
             </a:endParaRPr>
           </a:p>
         </p:txBody>
@@ -1517,7 +1473,7 @@
       </p:grpSpPr>
       <p:sp>
         <p:nvSpPr>
-          <p:cNvPr id="69" name="PlaceHolder 1"/>
+          <p:cNvPr id="63" name="PlaceHolder 1"/>
           <p:cNvSpPr>
             <a:spLocks noGrp="1"/>
           </p:cNvSpPr>
@@ -1528,7 +1484,7 @@
         <p:spPr>
           <a:xfrm>
             <a:off x="720000" y="300960"/>
-            <a:ext cx="8855640" cy="1262520"/>
+            <a:ext cx="8855280" cy="1262160"/>
           </a:xfrm>
           <a:prstGeom prst="rect">
             <a:avLst/>
@@ -1537,18 +1493,16 @@
         <p:txBody>
           <a:bodyPr lIns="0" rIns="0" tIns="0" bIns="0" anchor="ctr"/>
           <a:p>
-            <a:endParaRPr b="1" lang="en-US" sz="4400" spc="-1" strike="noStrike">
-              <a:solidFill>
-                <a:srgbClr val="333333"/>
-              </a:solidFill>
-              <a:latin typeface="Open Sans"/>
-            </a:endParaRPr>
-          </a:p>
-        </p:txBody>
-      </p:sp>
-      <p:sp>
-        <p:nvSpPr>
-          <p:cNvPr id="70" name="PlaceHolder 2"/>
+            <a:pPr algn="ctr"/>
+            <a:endParaRPr b="0" lang="en-US" sz="4400" spc="-1" strike="noStrike">
+              <a:latin typeface="Arial"/>
+            </a:endParaRPr>
+          </a:p>
+        </p:txBody>
+      </p:sp>
+      <p:sp>
+        <p:nvSpPr>
+          <p:cNvPr id="64" name="PlaceHolder 2"/>
           <p:cNvSpPr>
             <a:spLocks noGrp="1"/>
           </p:cNvSpPr>
@@ -1558,28 +1512,27 @@
         </p:nvSpPr>
         <p:spPr>
           <a:xfrm>
-            <a:off x="720000" y="2160000"/>
-            <a:ext cx="8640000" cy="2091240"/>
-          </a:xfrm>
-          <a:prstGeom prst="rect">
-            <a:avLst/>
-          </a:prstGeom>
-        </p:spPr>
-        <p:txBody>
-          <a:bodyPr lIns="0" rIns="0" tIns="0" bIns="0"/>
-          <a:p>
-            <a:endParaRPr b="0" lang="en-US" sz="2800" spc="-1" strike="noStrike">
-              <a:solidFill>
-                <a:srgbClr val="333333"/>
-              </a:solidFill>
-              <a:latin typeface="Open Sans"/>
-            </a:endParaRPr>
-          </a:p>
-        </p:txBody>
-      </p:sp>
-      <p:sp>
-        <p:nvSpPr>
-          <p:cNvPr id="71" name="PlaceHolder 3"/>
+            <a:off x="504000" y="1768680"/>
+            <a:ext cx="9072000" cy="2090880"/>
+          </a:xfrm>
+          <a:prstGeom prst="rect">
+            <a:avLst/>
+          </a:prstGeom>
+        </p:spPr>
+        <p:txBody>
+          <a:bodyPr lIns="0" rIns="0" tIns="0" bIns="0">
+            <a:normAutofit/>
+          </a:bodyPr>
+          <a:p>
+            <a:endParaRPr b="0" lang="en-US" sz="3200" spc="-1" strike="noStrike">
+              <a:latin typeface="Arial"/>
+            </a:endParaRPr>
+          </a:p>
+        </p:txBody>
+      </p:sp>
+      <p:sp>
+        <p:nvSpPr>
+          <p:cNvPr id="65" name="PlaceHolder 3"/>
           <p:cNvSpPr>
             <a:spLocks noGrp="1"/>
           </p:cNvSpPr>
@@ -1589,21 +1542,20 @@
         </p:nvSpPr>
         <p:spPr>
           <a:xfrm>
-            <a:off x="720000" y="4450320"/>
-            <a:ext cx="8640000" cy="2091240"/>
-          </a:xfrm>
-          <a:prstGeom prst="rect">
-            <a:avLst/>
-          </a:prstGeom>
-        </p:spPr>
-        <p:txBody>
-          <a:bodyPr lIns="0" rIns="0" tIns="0" bIns="0"/>
-          <a:p>
-            <a:endParaRPr b="0" lang="en-US" sz="2800" spc="-1" strike="noStrike">
-              <a:solidFill>
-                <a:srgbClr val="333333"/>
-              </a:solidFill>
-              <a:latin typeface="Open Sans"/>
+            <a:off x="504000" y="4058640"/>
+            <a:ext cx="9072000" cy="2090880"/>
+          </a:xfrm>
+          <a:prstGeom prst="rect">
+            <a:avLst/>
+          </a:prstGeom>
+        </p:spPr>
+        <p:txBody>
+          <a:bodyPr lIns="0" rIns="0" tIns="0" bIns="0">
+            <a:normAutofit/>
+          </a:bodyPr>
+          <a:p>
+            <a:endParaRPr b="0" lang="en-US" sz="3200" spc="-1" strike="noStrike">
+              <a:latin typeface="Arial"/>
             </a:endParaRPr>
           </a:p>
         </p:txBody>
@@ -1632,7 +1584,7 @@
       </p:grpSpPr>
       <p:sp>
         <p:nvSpPr>
-          <p:cNvPr id="72" name="PlaceHolder 1"/>
+          <p:cNvPr id="66" name="PlaceHolder 1"/>
           <p:cNvSpPr>
             <a:spLocks noGrp="1"/>
           </p:cNvSpPr>
@@ -1643,7 +1595,7 @@
         <p:spPr>
           <a:xfrm>
             <a:off x="720000" y="300960"/>
-            <a:ext cx="8855640" cy="1262520"/>
+            <a:ext cx="8855280" cy="1262160"/>
           </a:xfrm>
           <a:prstGeom prst="rect">
             <a:avLst/>
@@ -1652,18 +1604,16 @@
         <p:txBody>
           <a:bodyPr lIns="0" rIns="0" tIns="0" bIns="0" anchor="ctr"/>
           <a:p>
-            <a:endParaRPr b="1" lang="en-US" sz="4400" spc="-1" strike="noStrike">
-              <a:solidFill>
-                <a:srgbClr val="333333"/>
-              </a:solidFill>
-              <a:latin typeface="Open Sans"/>
-            </a:endParaRPr>
-          </a:p>
-        </p:txBody>
-      </p:sp>
-      <p:sp>
-        <p:nvSpPr>
-          <p:cNvPr id="73" name="PlaceHolder 2"/>
+            <a:pPr algn="ctr"/>
+            <a:endParaRPr b="0" lang="en-US" sz="4400" spc="-1" strike="noStrike">
+              <a:latin typeface="Arial"/>
+            </a:endParaRPr>
+          </a:p>
+        </p:txBody>
+      </p:sp>
+      <p:sp>
+        <p:nvSpPr>
+          <p:cNvPr id="67" name="PlaceHolder 2"/>
           <p:cNvSpPr>
             <a:spLocks noGrp="1"/>
           </p:cNvSpPr>
@@ -1673,28 +1623,27 @@
         </p:nvSpPr>
         <p:spPr>
           <a:xfrm>
-            <a:off x="720000" y="2160000"/>
-            <a:ext cx="4215960" cy="2091240"/>
-          </a:xfrm>
-          <a:prstGeom prst="rect">
-            <a:avLst/>
-          </a:prstGeom>
-        </p:spPr>
-        <p:txBody>
-          <a:bodyPr lIns="0" rIns="0" tIns="0" bIns="0"/>
-          <a:p>
-            <a:endParaRPr b="0" lang="en-US" sz="2800" spc="-1" strike="noStrike">
-              <a:solidFill>
-                <a:srgbClr val="333333"/>
-              </a:solidFill>
-              <a:latin typeface="Open Sans"/>
-            </a:endParaRPr>
-          </a:p>
-        </p:txBody>
-      </p:sp>
-      <p:sp>
-        <p:nvSpPr>
-          <p:cNvPr id="74" name="PlaceHolder 3"/>
+            <a:off x="504000" y="1768680"/>
+            <a:ext cx="4426920" cy="2090880"/>
+          </a:xfrm>
+          <a:prstGeom prst="rect">
+            <a:avLst/>
+          </a:prstGeom>
+        </p:spPr>
+        <p:txBody>
+          <a:bodyPr lIns="0" rIns="0" tIns="0" bIns="0">
+            <a:normAutofit/>
+          </a:bodyPr>
+          <a:p>
+            <a:endParaRPr b="0" lang="en-US" sz="3200" spc="-1" strike="noStrike">
+              <a:latin typeface="Arial"/>
+            </a:endParaRPr>
+          </a:p>
+        </p:txBody>
+      </p:sp>
+      <p:sp>
+        <p:nvSpPr>
+          <p:cNvPr id="68" name="PlaceHolder 3"/>
           <p:cNvSpPr>
             <a:spLocks noGrp="1"/>
           </p:cNvSpPr>
@@ -1704,28 +1653,27 @@
         </p:nvSpPr>
         <p:spPr>
           <a:xfrm>
-            <a:off x="5147280" y="2160000"/>
-            <a:ext cx="4215960" cy="2091240"/>
-          </a:xfrm>
-          <a:prstGeom prst="rect">
-            <a:avLst/>
-          </a:prstGeom>
-        </p:spPr>
-        <p:txBody>
-          <a:bodyPr lIns="0" rIns="0" tIns="0" bIns="0"/>
-          <a:p>
-            <a:endParaRPr b="0" lang="en-US" sz="2800" spc="-1" strike="noStrike">
-              <a:solidFill>
-                <a:srgbClr val="333333"/>
-              </a:solidFill>
-              <a:latin typeface="Open Sans"/>
-            </a:endParaRPr>
-          </a:p>
-        </p:txBody>
-      </p:sp>
-      <p:sp>
-        <p:nvSpPr>
-          <p:cNvPr id="75" name="PlaceHolder 4"/>
+            <a:off x="5152680" y="1768680"/>
+            <a:ext cx="4426920" cy="2090880"/>
+          </a:xfrm>
+          <a:prstGeom prst="rect">
+            <a:avLst/>
+          </a:prstGeom>
+        </p:spPr>
+        <p:txBody>
+          <a:bodyPr lIns="0" rIns="0" tIns="0" bIns="0">
+            <a:normAutofit/>
+          </a:bodyPr>
+          <a:p>
+            <a:endParaRPr b="0" lang="en-US" sz="3200" spc="-1" strike="noStrike">
+              <a:latin typeface="Arial"/>
+            </a:endParaRPr>
+          </a:p>
+        </p:txBody>
+      </p:sp>
+      <p:sp>
+        <p:nvSpPr>
+          <p:cNvPr id="69" name="PlaceHolder 4"/>
           <p:cNvSpPr>
             <a:spLocks noGrp="1"/>
           </p:cNvSpPr>
@@ -1735,28 +1683,27 @@
         </p:nvSpPr>
         <p:spPr>
           <a:xfrm>
-            <a:off x="5147280" y="4450320"/>
-            <a:ext cx="4215960" cy="2091240"/>
-          </a:xfrm>
-          <a:prstGeom prst="rect">
-            <a:avLst/>
-          </a:prstGeom>
-        </p:spPr>
-        <p:txBody>
-          <a:bodyPr lIns="0" rIns="0" tIns="0" bIns="0"/>
-          <a:p>
-            <a:endParaRPr b="0" lang="en-US" sz="2800" spc="-1" strike="noStrike">
-              <a:solidFill>
-                <a:srgbClr val="333333"/>
-              </a:solidFill>
-              <a:latin typeface="Open Sans"/>
-            </a:endParaRPr>
-          </a:p>
-        </p:txBody>
-      </p:sp>
-      <p:sp>
-        <p:nvSpPr>
-          <p:cNvPr id="76" name="PlaceHolder 5"/>
+            <a:off x="5152680" y="4058640"/>
+            <a:ext cx="4426920" cy="2090880"/>
+          </a:xfrm>
+          <a:prstGeom prst="rect">
+            <a:avLst/>
+          </a:prstGeom>
+        </p:spPr>
+        <p:txBody>
+          <a:bodyPr lIns="0" rIns="0" tIns="0" bIns="0">
+            <a:normAutofit/>
+          </a:bodyPr>
+          <a:p>
+            <a:endParaRPr b="0" lang="en-US" sz="3200" spc="-1" strike="noStrike">
+              <a:latin typeface="Arial"/>
+            </a:endParaRPr>
+          </a:p>
+        </p:txBody>
+      </p:sp>
+      <p:sp>
+        <p:nvSpPr>
+          <p:cNvPr id="70" name="PlaceHolder 5"/>
           <p:cNvSpPr>
             <a:spLocks noGrp="1"/>
           </p:cNvSpPr>
@@ -1766,21 +1713,20 @@
         </p:nvSpPr>
         <p:spPr>
           <a:xfrm>
-            <a:off x="720000" y="4450320"/>
-            <a:ext cx="4215960" cy="2091240"/>
-          </a:xfrm>
-          <a:prstGeom prst="rect">
-            <a:avLst/>
-          </a:prstGeom>
-        </p:spPr>
-        <p:txBody>
-          <a:bodyPr lIns="0" rIns="0" tIns="0" bIns="0"/>
-          <a:p>
-            <a:endParaRPr b="0" lang="en-US" sz="2800" spc="-1" strike="noStrike">
-              <a:solidFill>
-                <a:srgbClr val="333333"/>
-              </a:solidFill>
-              <a:latin typeface="Open Sans"/>
+            <a:off x="504000" y="4058640"/>
+            <a:ext cx="4426920" cy="2090880"/>
+          </a:xfrm>
+          <a:prstGeom prst="rect">
+            <a:avLst/>
+          </a:prstGeom>
+        </p:spPr>
+        <p:txBody>
+          <a:bodyPr lIns="0" rIns="0" tIns="0" bIns="0">
+            <a:normAutofit/>
+          </a:bodyPr>
+          <a:p>
+            <a:endParaRPr b="0" lang="en-US" sz="3200" spc="-1" strike="noStrike">
+              <a:latin typeface="Arial"/>
             </a:endParaRPr>
           </a:p>
         </p:txBody>
@@ -1809,7 +1755,7 @@
       </p:grpSpPr>
       <p:sp>
         <p:nvSpPr>
-          <p:cNvPr id="77" name="PlaceHolder 1"/>
+          <p:cNvPr id="71" name="PlaceHolder 1"/>
           <p:cNvSpPr>
             <a:spLocks noGrp="1"/>
           </p:cNvSpPr>
@@ -1820,7 +1766,7 @@
         <p:spPr>
           <a:xfrm>
             <a:off x="720000" y="300960"/>
-            <a:ext cx="8855640" cy="1262520"/>
+            <a:ext cx="8855280" cy="1262160"/>
           </a:xfrm>
           <a:prstGeom prst="rect">
             <a:avLst/>
@@ -1829,18 +1775,16 @@
         <p:txBody>
           <a:bodyPr lIns="0" rIns="0" tIns="0" bIns="0" anchor="ctr"/>
           <a:p>
-            <a:endParaRPr b="1" lang="en-US" sz="4400" spc="-1" strike="noStrike">
-              <a:solidFill>
-                <a:srgbClr val="333333"/>
-              </a:solidFill>
-              <a:latin typeface="Open Sans"/>
-            </a:endParaRPr>
-          </a:p>
-        </p:txBody>
-      </p:sp>
-      <p:sp>
-        <p:nvSpPr>
-          <p:cNvPr id="78" name="PlaceHolder 2"/>
+            <a:pPr algn="ctr"/>
+            <a:endParaRPr b="0" lang="en-US" sz="4400" spc="-1" strike="noStrike">
+              <a:latin typeface="Arial"/>
+            </a:endParaRPr>
+          </a:p>
+        </p:txBody>
+      </p:sp>
+      <p:sp>
+        <p:nvSpPr>
+          <p:cNvPr id="72" name="PlaceHolder 2"/>
           <p:cNvSpPr>
             <a:spLocks noGrp="1"/>
           </p:cNvSpPr>
@@ -1850,28 +1794,27 @@
         </p:nvSpPr>
         <p:spPr>
           <a:xfrm>
-            <a:off x="720000" y="2160000"/>
-            <a:ext cx="2781720" cy="2091240"/>
-          </a:xfrm>
-          <a:prstGeom prst="rect">
-            <a:avLst/>
-          </a:prstGeom>
-        </p:spPr>
-        <p:txBody>
-          <a:bodyPr lIns="0" rIns="0" tIns="0" bIns="0"/>
-          <a:p>
-            <a:endParaRPr b="0" lang="en-US" sz="2800" spc="-1" strike="noStrike">
-              <a:solidFill>
-                <a:srgbClr val="333333"/>
-              </a:solidFill>
-              <a:latin typeface="Open Sans"/>
-            </a:endParaRPr>
-          </a:p>
-        </p:txBody>
-      </p:sp>
-      <p:sp>
-        <p:nvSpPr>
-          <p:cNvPr id="79" name="PlaceHolder 3"/>
+            <a:off x="504000" y="1768680"/>
+            <a:ext cx="2921040" cy="2090880"/>
+          </a:xfrm>
+          <a:prstGeom prst="rect">
+            <a:avLst/>
+          </a:prstGeom>
+        </p:spPr>
+        <p:txBody>
+          <a:bodyPr lIns="0" rIns="0" tIns="0" bIns="0">
+            <a:normAutofit/>
+          </a:bodyPr>
+          <a:p>
+            <a:endParaRPr b="0" lang="en-US" sz="3200" spc="-1" strike="noStrike">
+              <a:latin typeface="Arial"/>
+            </a:endParaRPr>
+          </a:p>
+        </p:txBody>
+      </p:sp>
+      <p:sp>
+        <p:nvSpPr>
+          <p:cNvPr id="73" name="PlaceHolder 3"/>
           <p:cNvSpPr>
             <a:spLocks noGrp="1"/>
           </p:cNvSpPr>
@@ -1881,28 +1824,27 @@
         </p:nvSpPr>
         <p:spPr>
           <a:xfrm>
-            <a:off x="3641040" y="2160000"/>
-            <a:ext cx="2781720" cy="2091240"/>
-          </a:xfrm>
-          <a:prstGeom prst="rect">
-            <a:avLst/>
-          </a:prstGeom>
-        </p:spPr>
-        <p:txBody>
-          <a:bodyPr lIns="0" rIns="0" tIns="0" bIns="0"/>
-          <a:p>
-            <a:endParaRPr b="0" lang="en-US" sz="2800" spc="-1" strike="noStrike">
-              <a:solidFill>
-                <a:srgbClr val="333333"/>
-              </a:solidFill>
-              <a:latin typeface="Open Sans"/>
-            </a:endParaRPr>
-          </a:p>
-        </p:txBody>
-      </p:sp>
-      <p:sp>
-        <p:nvSpPr>
-          <p:cNvPr id="80" name="PlaceHolder 4"/>
+            <a:off x="3571560" y="1768680"/>
+            <a:ext cx="2921040" cy="2090880"/>
+          </a:xfrm>
+          <a:prstGeom prst="rect">
+            <a:avLst/>
+          </a:prstGeom>
+        </p:spPr>
+        <p:txBody>
+          <a:bodyPr lIns="0" rIns="0" tIns="0" bIns="0">
+            <a:normAutofit/>
+          </a:bodyPr>
+          <a:p>
+            <a:endParaRPr b="0" lang="en-US" sz="3200" spc="-1" strike="noStrike">
+              <a:latin typeface="Arial"/>
+            </a:endParaRPr>
+          </a:p>
+        </p:txBody>
+      </p:sp>
+      <p:sp>
+        <p:nvSpPr>
+          <p:cNvPr id="74" name="PlaceHolder 4"/>
           <p:cNvSpPr>
             <a:spLocks noGrp="1"/>
           </p:cNvSpPr>
@@ -1912,28 +1854,27 @@
         </p:nvSpPr>
         <p:spPr>
           <a:xfrm>
-            <a:off x="6562440" y="2160000"/>
-            <a:ext cx="2781720" cy="2091240"/>
-          </a:xfrm>
-          <a:prstGeom prst="rect">
-            <a:avLst/>
-          </a:prstGeom>
-        </p:spPr>
-        <p:txBody>
-          <a:bodyPr lIns="0" rIns="0" tIns="0" bIns="0"/>
-          <a:p>
-            <a:endParaRPr b="0" lang="en-US" sz="2800" spc="-1" strike="noStrike">
-              <a:solidFill>
-                <a:srgbClr val="333333"/>
-              </a:solidFill>
-              <a:latin typeface="Open Sans"/>
-            </a:endParaRPr>
-          </a:p>
-        </p:txBody>
-      </p:sp>
-      <p:sp>
-        <p:nvSpPr>
-          <p:cNvPr id="81" name="PlaceHolder 5"/>
+            <a:off x="6639120" y="1768680"/>
+            <a:ext cx="2921040" cy="2090880"/>
+          </a:xfrm>
+          <a:prstGeom prst="rect">
+            <a:avLst/>
+          </a:prstGeom>
+        </p:spPr>
+        <p:txBody>
+          <a:bodyPr lIns="0" rIns="0" tIns="0" bIns="0">
+            <a:normAutofit/>
+          </a:bodyPr>
+          <a:p>
+            <a:endParaRPr b="0" lang="en-US" sz="3200" spc="-1" strike="noStrike">
+              <a:latin typeface="Arial"/>
+            </a:endParaRPr>
+          </a:p>
+        </p:txBody>
+      </p:sp>
+      <p:sp>
+        <p:nvSpPr>
+          <p:cNvPr id="75" name="PlaceHolder 5"/>
           <p:cNvSpPr>
             <a:spLocks noGrp="1"/>
           </p:cNvSpPr>
@@ -1943,28 +1884,27 @@
         </p:nvSpPr>
         <p:spPr>
           <a:xfrm>
-            <a:off x="6562440" y="4450320"/>
-            <a:ext cx="2781720" cy="2091240"/>
-          </a:xfrm>
-          <a:prstGeom prst="rect">
-            <a:avLst/>
-          </a:prstGeom>
-        </p:spPr>
-        <p:txBody>
-          <a:bodyPr lIns="0" rIns="0" tIns="0" bIns="0"/>
-          <a:p>
-            <a:endParaRPr b="0" lang="en-US" sz="2800" spc="-1" strike="noStrike">
-              <a:solidFill>
-                <a:srgbClr val="333333"/>
-              </a:solidFill>
-              <a:latin typeface="Open Sans"/>
-            </a:endParaRPr>
-          </a:p>
-        </p:txBody>
-      </p:sp>
-      <p:sp>
-        <p:nvSpPr>
-          <p:cNvPr id="82" name="PlaceHolder 6"/>
+            <a:off x="6639120" y="4058640"/>
+            <a:ext cx="2921040" cy="2090880"/>
+          </a:xfrm>
+          <a:prstGeom prst="rect">
+            <a:avLst/>
+          </a:prstGeom>
+        </p:spPr>
+        <p:txBody>
+          <a:bodyPr lIns="0" rIns="0" tIns="0" bIns="0">
+            <a:normAutofit/>
+          </a:bodyPr>
+          <a:p>
+            <a:endParaRPr b="0" lang="en-US" sz="3200" spc="-1" strike="noStrike">
+              <a:latin typeface="Arial"/>
+            </a:endParaRPr>
+          </a:p>
+        </p:txBody>
+      </p:sp>
+      <p:sp>
+        <p:nvSpPr>
+          <p:cNvPr id="76" name="PlaceHolder 6"/>
           <p:cNvSpPr>
             <a:spLocks noGrp="1"/>
           </p:cNvSpPr>
@@ -1974,28 +1914,27 @@
         </p:nvSpPr>
         <p:spPr>
           <a:xfrm>
-            <a:off x="3641040" y="4450320"/>
-            <a:ext cx="2781720" cy="2091240"/>
-          </a:xfrm>
-          <a:prstGeom prst="rect">
-            <a:avLst/>
-          </a:prstGeom>
-        </p:spPr>
-        <p:txBody>
-          <a:bodyPr lIns="0" rIns="0" tIns="0" bIns="0"/>
-          <a:p>
-            <a:endParaRPr b="0" lang="en-US" sz="2800" spc="-1" strike="noStrike">
-              <a:solidFill>
-                <a:srgbClr val="333333"/>
-              </a:solidFill>
-              <a:latin typeface="Open Sans"/>
-            </a:endParaRPr>
-          </a:p>
-        </p:txBody>
-      </p:sp>
-      <p:sp>
-        <p:nvSpPr>
-          <p:cNvPr id="83" name="PlaceHolder 7"/>
+            <a:off x="3571560" y="4058640"/>
+            <a:ext cx="2921040" cy="2090880"/>
+          </a:xfrm>
+          <a:prstGeom prst="rect">
+            <a:avLst/>
+          </a:prstGeom>
+        </p:spPr>
+        <p:txBody>
+          <a:bodyPr lIns="0" rIns="0" tIns="0" bIns="0">
+            <a:normAutofit/>
+          </a:bodyPr>
+          <a:p>
+            <a:endParaRPr b="0" lang="en-US" sz="3200" spc="-1" strike="noStrike">
+              <a:latin typeface="Arial"/>
+            </a:endParaRPr>
+          </a:p>
+        </p:txBody>
+      </p:sp>
+      <p:sp>
+        <p:nvSpPr>
+          <p:cNvPr id="77" name="PlaceHolder 7"/>
           <p:cNvSpPr>
             <a:spLocks noGrp="1"/>
           </p:cNvSpPr>
@@ -2005,21 +1944,20 @@
         </p:nvSpPr>
         <p:spPr>
           <a:xfrm>
-            <a:off x="720000" y="4450320"/>
-            <a:ext cx="2781720" cy="2091240"/>
-          </a:xfrm>
-          <a:prstGeom prst="rect">
-            <a:avLst/>
-          </a:prstGeom>
-        </p:spPr>
-        <p:txBody>
-          <a:bodyPr lIns="0" rIns="0" tIns="0" bIns="0"/>
-          <a:p>
-            <a:endParaRPr b="0" lang="en-US" sz="2800" spc="-1" strike="noStrike">
-              <a:solidFill>
-                <a:srgbClr val="333333"/>
-              </a:solidFill>
-              <a:latin typeface="Open Sans"/>
+            <a:off x="504000" y="4058640"/>
+            <a:ext cx="2921040" cy="2090880"/>
+          </a:xfrm>
+          <a:prstGeom prst="rect">
+            <a:avLst/>
+          </a:prstGeom>
+        </p:spPr>
+        <p:txBody>
+          <a:bodyPr lIns="0" rIns="0" tIns="0" bIns="0">
+            <a:normAutofit/>
+          </a:bodyPr>
+          <a:p>
+            <a:endParaRPr b="0" lang="en-US" sz="3200" spc="-1" strike="noStrike">
+              <a:latin typeface="Arial"/>
             </a:endParaRPr>
           </a:p>
         </p:txBody>
@@ -2048,7 +1986,7 @@
       </p:grpSpPr>
       <p:sp>
         <p:nvSpPr>
-          <p:cNvPr id="8" name="PlaceHolder 1"/>
+          <p:cNvPr id="5" name="PlaceHolder 1"/>
           <p:cNvSpPr>
             <a:spLocks noGrp="1"/>
           </p:cNvSpPr>
@@ -2059,7 +1997,7 @@
         <p:spPr>
           <a:xfrm>
             <a:off x="720000" y="300960"/>
-            <a:ext cx="8855640" cy="1262520"/>
+            <a:ext cx="8855280" cy="1262160"/>
           </a:xfrm>
           <a:prstGeom prst="rect">
             <a:avLst/>
@@ -2068,18 +2006,16 @@
         <p:txBody>
           <a:bodyPr lIns="0" rIns="0" tIns="0" bIns="0" anchor="ctr"/>
           <a:p>
-            <a:endParaRPr b="1" lang="en-US" sz="4400" spc="-1" strike="noStrike">
-              <a:solidFill>
-                <a:srgbClr val="333333"/>
-              </a:solidFill>
-              <a:latin typeface="Open Sans"/>
-            </a:endParaRPr>
-          </a:p>
-        </p:txBody>
-      </p:sp>
-      <p:sp>
-        <p:nvSpPr>
-          <p:cNvPr id="9" name="PlaceHolder 2"/>
+            <a:pPr algn="ctr"/>
+            <a:endParaRPr b="0" lang="en-US" sz="4400" spc="-1" strike="noStrike">
+              <a:latin typeface="Arial"/>
+            </a:endParaRPr>
+          </a:p>
+        </p:txBody>
+      </p:sp>
+      <p:sp>
+        <p:nvSpPr>
+          <p:cNvPr id="6" name="PlaceHolder 2"/>
           <p:cNvSpPr>
             <a:spLocks noGrp="1"/>
           </p:cNvSpPr>
@@ -2089,21 +2025,20 @@
         </p:nvSpPr>
         <p:spPr>
           <a:xfrm>
-            <a:off x="720000" y="2160000"/>
-            <a:ext cx="8640000" cy="4384800"/>
-          </a:xfrm>
-          <a:prstGeom prst="rect">
-            <a:avLst/>
-          </a:prstGeom>
-        </p:spPr>
-        <p:txBody>
-          <a:bodyPr lIns="0" rIns="0" tIns="0" bIns="0"/>
-          <a:p>
-            <a:endParaRPr b="0" lang="en-US" sz="2800" spc="-1" strike="noStrike">
-              <a:solidFill>
-                <a:srgbClr val="333333"/>
-              </a:solidFill>
-              <a:latin typeface="Open Sans"/>
+            <a:off x="504000" y="1768680"/>
+            <a:ext cx="9072000" cy="4384080"/>
+          </a:xfrm>
+          <a:prstGeom prst="rect">
+            <a:avLst/>
+          </a:prstGeom>
+        </p:spPr>
+        <p:txBody>
+          <a:bodyPr lIns="0" rIns="0" tIns="0" bIns="0">
+            <a:normAutofit/>
+          </a:bodyPr>
+          <a:p>
+            <a:endParaRPr b="0" lang="en-US" sz="3200" spc="-1" strike="noStrike">
+              <a:latin typeface="Arial"/>
             </a:endParaRPr>
           </a:p>
         </p:txBody>
@@ -2132,7 +2067,7 @@
       </p:grpSpPr>
       <p:sp>
         <p:nvSpPr>
-          <p:cNvPr id="10" name="PlaceHolder 1"/>
+          <p:cNvPr id="7" name="PlaceHolder 1"/>
           <p:cNvSpPr>
             <a:spLocks noGrp="1"/>
           </p:cNvSpPr>
@@ -2143,7 +2078,7 @@
         <p:spPr>
           <a:xfrm>
             <a:off x="720000" y="300960"/>
-            <a:ext cx="8855640" cy="1262520"/>
+            <a:ext cx="8855280" cy="1262160"/>
           </a:xfrm>
           <a:prstGeom prst="rect">
             <a:avLst/>
@@ -2152,18 +2087,16 @@
         <p:txBody>
           <a:bodyPr lIns="0" rIns="0" tIns="0" bIns="0" anchor="ctr"/>
           <a:p>
-            <a:endParaRPr b="1" lang="en-US" sz="4400" spc="-1" strike="noStrike">
-              <a:solidFill>
-                <a:srgbClr val="333333"/>
-              </a:solidFill>
-              <a:latin typeface="Open Sans"/>
-            </a:endParaRPr>
-          </a:p>
-        </p:txBody>
-      </p:sp>
-      <p:sp>
-        <p:nvSpPr>
-          <p:cNvPr id="11" name="PlaceHolder 2"/>
+            <a:pPr algn="ctr"/>
+            <a:endParaRPr b="0" lang="en-US" sz="4400" spc="-1" strike="noStrike">
+              <a:latin typeface="Arial"/>
+            </a:endParaRPr>
+          </a:p>
+        </p:txBody>
+      </p:sp>
+      <p:sp>
+        <p:nvSpPr>
+          <p:cNvPr id="8" name="PlaceHolder 2"/>
           <p:cNvSpPr>
             <a:spLocks noGrp="1"/>
           </p:cNvSpPr>
@@ -2173,28 +2106,27 @@
         </p:nvSpPr>
         <p:spPr>
           <a:xfrm>
-            <a:off x="720000" y="2160000"/>
-            <a:ext cx="4215960" cy="4384800"/>
-          </a:xfrm>
-          <a:prstGeom prst="rect">
-            <a:avLst/>
-          </a:prstGeom>
-        </p:spPr>
-        <p:txBody>
-          <a:bodyPr lIns="0" rIns="0" tIns="0" bIns="0"/>
-          <a:p>
-            <a:endParaRPr b="0" lang="en-US" sz="2800" spc="-1" strike="noStrike">
-              <a:solidFill>
-                <a:srgbClr val="333333"/>
-              </a:solidFill>
-              <a:latin typeface="Open Sans"/>
-            </a:endParaRPr>
-          </a:p>
-        </p:txBody>
-      </p:sp>
-      <p:sp>
-        <p:nvSpPr>
-          <p:cNvPr id="12" name="PlaceHolder 3"/>
+            <a:off x="504000" y="1768680"/>
+            <a:ext cx="4426920" cy="4384080"/>
+          </a:xfrm>
+          <a:prstGeom prst="rect">
+            <a:avLst/>
+          </a:prstGeom>
+        </p:spPr>
+        <p:txBody>
+          <a:bodyPr lIns="0" rIns="0" tIns="0" bIns="0">
+            <a:normAutofit/>
+          </a:bodyPr>
+          <a:p>
+            <a:endParaRPr b="0" lang="en-US" sz="3200" spc="-1" strike="noStrike">
+              <a:latin typeface="Arial"/>
+            </a:endParaRPr>
+          </a:p>
+        </p:txBody>
+      </p:sp>
+      <p:sp>
+        <p:nvSpPr>
+          <p:cNvPr id="9" name="PlaceHolder 3"/>
           <p:cNvSpPr>
             <a:spLocks noGrp="1"/>
           </p:cNvSpPr>
@@ -2204,21 +2136,20 @@
         </p:nvSpPr>
         <p:spPr>
           <a:xfrm>
-            <a:off x="5147280" y="2160000"/>
-            <a:ext cx="4215960" cy="4384800"/>
-          </a:xfrm>
-          <a:prstGeom prst="rect">
-            <a:avLst/>
-          </a:prstGeom>
-        </p:spPr>
-        <p:txBody>
-          <a:bodyPr lIns="0" rIns="0" tIns="0" bIns="0"/>
-          <a:p>
-            <a:endParaRPr b="0" lang="en-US" sz="2800" spc="-1" strike="noStrike">
-              <a:solidFill>
-                <a:srgbClr val="333333"/>
-              </a:solidFill>
-              <a:latin typeface="Open Sans"/>
+            <a:off x="5152680" y="1768680"/>
+            <a:ext cx="4426920" cy="4384080"/>
+          </a:xfrm>
+          <a:prstGeom prst="rect">
+            <a:avLst/>
+          </a:prstGeom>
+        </p:spPr>
+        <p:txBody>
+          <a:bodyPr lIns="0" rIns="0" tIns="0" bIns="0">
+            <a:normAutofit/>
+          </a:bodyPr>
+          <a:p>
+            <a:endParaRPr b="0" lang="en-US" sz="3200" spc="-1" strike="noStrike">
+              <a:latin typeface="Arial"/>
             </a:endParaRPr>
           </a:p>
         </p:txBody>
@@ -2247,7 +2178,7 @@
       </p:grpSpPr>
       <p:sp>
         <p:nvSpPr>
-          <p:cNvPr id="13" name="PlaceHolder 1"/>
+          <p:cNvPr id="10" name="PlaceHolder 1"/>
           <p:cNvSpPr>
             <a:spLocks noGrp="1"/>
           </p:cNvSpPr>
@@ -2258,7 +2189,7 @@
         <p:spPr>
           <a:xfrm>
             <a:off x="720000" y="300960"/>
-            <a:ext cx="8855640" cy="1262520"/>
+            <a:ext cx="8855280" cy="1262160"/>
           </a:xfrm>
           <a:prstGeom prst="rect">
             <a:avLst/>
@@ -2267,11 +2198,9 @@
         <p:txBody>
           <a:bodyPr lIns="0" rIns="0" tIns="0" bIns="0" anchor="ctr"/>
           <a:p>
-            <a:endParaRPr b="1" lang="en-US" sz="4400" spc="-1" strike="noStrike">
-              <a:solidFill>
-                <a:srgbClr val="333333"/>
-              </a:solidFill>
-              <a:latin typeface="Open Sans"/>
+            <a:pPr algn="ctr"/>
+            <a:endParaRPr b="0" lang="en-US" sz="4400" spc="-1" strike="noStrike">
+              <a:latin typeface="Arial"/>
             </a:endParaRPr>
           </a:p>
         </p:txBody>
@@ -2300,7 +2229,7 @@
       </p:grpSpPr>
       <p:sp>
         <p:nvSpPr>
-          <p:cNvPr id="14" name="PlaceHolder 1"/>
+          <p:cNvPr id="11" name="PlaceHolder 1"/>
           <p:cNvSpPr>
             <a:spLocks noGrp="1"/>
           </p:cNvSpPr>
@@ -2311,7 +2240,7 @@
         <p:spPr>
           <a:xfrm>
             <a:off x="720000" y="300960"/>
-            <a:ext cx="8855640" cy="5853600"/>
+            <a:ext cx="8855280" cy="5851800"/>
           </a:xfrm>
           <a:prstGeom prst="rect">
             <a:avLst/>
@@ -2351,7 +2280,7 @@
       </p:grpSpPr>
       <p:sp>
         <p:nvSpPr>
-          <p:cNvPr id="15" name="PlaceHolder 1"/>
+          <p:cNvPr id="12" name="PlaceHolder 1"/>
           <p:cNvSpPr>
             <a:spLocks noGrp="1"/>
           </p:cNvSpPr>
@@ -2362,7 +2291,7 @@
         <p:spPr>
           <a:xfrm>
             <a:off x="720000" y="300960"/>
-            <a:ext cx="8855640" cy="1262520"/>
+            <a:ext cx="8855280" cy="1262160"/>
           </a:xfrm>
           <a:prstGeom prst="rect">
             <a:avLst/>
@@ -2371,18 +2300,16 @@
         <p:txBody>
           <a:bodyPr lIns="0" rIns="0" tIns="0" bIns="0" anchor="ctr"/>
           <a:p>
-            <a:endParaRPr b="1" lang="en-US" sz="4400" spc="-1" strike="noStrike">
-              <a:solidFill>
-                <a:srgbClr val="333333"/>
-              </a:solidFill>
-              <a:latin typeface="Open Sans"/>
-            </a:endParaRPr>
-          </a:p>
-        </p:txBody>
-      </p:sp>
-      <p:sp>
-        <p:nvSpPr>
-          <p:cNvPr id="16" name="PlaceHolder 2"/>
+            <a:pPr algn="ctr"/>
+            <a:endParaRPr b="0" lang="en-US" sz="4400" spc="-1" strike="noStrike">
+              <a:latin typeface="Arial"/>
+            </a:endParaRPr>
+          </a:p>
+        </p:txBody>
+      </p:sp>
+      <p:sp>
+        <p:nvSpPr>
+          <p:cNvPr id="13" name="PlaceHolder 2"/>
           <p:cNvSpPr>
             <a:spLocks noGrp="1"/>
           </p:cNvSpPr>
@@ -2392,28 +2319,27 @@
         </p:nvSpPr>
         <p:spPr>
           <a:xfrm>
-            <a:off x="720000" y="2160000"/>
-            <a:ext cx="4215960" cy="2091240"/>
-          </a:xfrm>
-          <a:prstGeom prst="rect">
-            <a:avLst/>
-          </a:prstGeom>
-        </p:spPr>
-        <p:txBody>
-          <a:bodyPr lIns="0" rIns="0" tIns="0" bIns="0"/>
-          <a:p>
-            <a:endParaRPr b="0" lang="en-US" sz="2800" spc="-1" strike="noStrike">
-              <a:solidFill>
-                <a:srgbClr val="333333"/>
-              </a:solidFill>
-              <a:latin typeface="Open Sans"/>
-            </a:endParaRPr>
-          </a:p>
-        </p:txBody>
-      </p:sp>
-      <p:sp>
-        <p:nvSpPr>
-          <p:cNvPr id="17" name="PlaceHolder 3"/>
+            <a:off x="504000" y="1768680"/>
+            <a:ext cx="4426920" cy="2090880"/>
+          </a:xfrm>
+          <a:prstGeom prst="rect">
+            <a:avLst/>
+          </a:prstGeom>
+        </p:spPr>
+        <p:txBody>
+          <a:bodyPr lIns="0" rIns="0" tIns="0" bIns="0">
+            <a:normAutofit/>
+          </a:bodyPr>
+          <a:p>
+            <a:endParaRPr b="0" lang="en-US" sz="3200" spc="-1" strike="noStrike">
+              <a:latin typeface="Arial"/>
+            </a:endParaRPr>
+          </a:p>
+        </p:txBody>
+      </p:sp>
+      <p:sp>
+        <p:nvSpPr>
+          <p:cNvPr id="14" name="PlaceHolder 3"/>
           <p:cNvSpPr>
             <a:spLocks noGrp="1"/>
           </p:cNvSpPr>
@@ -2423,28 +2349,27 @@
         </p:nvSpPr>
         <p:spPr>
           <a:xfrm>
-            <a:off x="720000" y="4450320"/>
-            <a:ext cx="4215960" cy="2091240"/>
-          </a:xfrm>
-          <a:prstGeom prst="rect">
-            <a:avLst/>
-          </a:prstGeom>
-        </p:spPr>
-        <p:txBody>
-          <a:bodyPr lIns="0" rIns="0" tIns="0" bIns="0"/>
-          <a:p>
-            <a:endParaRPr b="0" lang="en-US" sz="2800" spc="-1" strike="noStrike">
-              <a:solidFill>
-                <a:srgbClr val="333333"/>
-              </a:solidFill>
-              <a:latin typeface="Open Sans"/>
-            </a:endParaRPr>
-          </a:p>
-        </p:txBody>
-      </p:sp>
-      <p:sp>
-        <p:nvSpPr>
-          <p:cNvPr id="18" name="PlaceHolder 4"/>
+            <a:off x="504000" y="4058640"/>
+            <a:ext cx="4426920" cy="2090880"/>
+          </a:xfrm>
+          <a:prstGeom prst="rect">
+            <a:avLst/>
+          </a:prstGeom>
+        </p:spPr>
+        <p:txBody>
+          <a:bodyPr lIns="0" rIns="0" tIns="0" bIns="0">
+            <a:normAutofit/>
+          </a:bodyPr>
+          <a:p>
+            <a:endParaRPr b="0" lang="en-US" sz="3200" spc="-1" strike="noStrike">
+              <a:latin typeface="Arial"/>
+            </a:endParaRPr>
+          </a:p>
+        </p:txBody>
+      </p:sp>
+      <p:sp>
+        <p:nvSpPr>
+          <p:cNvPr id="15" name="PlaceHolder 4"/>
           <p:cNvSpPr>
             <a:spLocks noGrp="1"/>
           </p:cNvSpPr>
@@ -2454,21 +2379,20 @@
         </p:nvSpPr>
         <p:spPr>
           <a:xfrm>
-            <a:off x="5147280" y="2160000"/>
-            <a:ext cx="4215960" cy="4384800"/>
-          </a:xfrm>
-          <a:prstGeom prst="rect">
-            <a:avLst/>
-          </a:prstGeom>
-        </p:spPr>
-        <p:txBody>
-          <a:bodyPr lIns="0" rIns="0" tIns="0" bIns="0"/>
-          <a:p>
-            <a:endParaRPr b="0" lang="en-US" sz="2800" spc="-1" strike="noStrike">
-              <a:solidFill>
-                <a:srgbClr val="333333"/>
-              </a:solidFill>
-              <a:latin typeface="Open Sans"/>
+            <a:off x="5152680" y="1768680"/>
+            <a:ext cx="4426920" cy="4384080"/>
+          </a:xfrm>
+          <a:prstGeom prst="rect">
+            <a:avLst/>
+          </a:prstGeom>
+        </p:spPr>
+        <p:txBody>
+          <a:bodyPr lIns="0" rIns="0" tIns="0" bIns="0">
+            <a:normAutofit/>
+          </a:bodyPr>
+          <a:p>
+            <a:endParaRPr b="0" lang="en-US" sz="3200" spc="-1" strike="noStrike">
+              <a:latin typeface="Arial"/>
             </a:endParaRPr>
           </a:p>
         </p:txBody>
@@ -2497,7 +2421,7 @@
       </p:grpSpPr>
       <p:sp>
         <p:nvSpPr>
-          <p:cNvPr id="19" name="PlaceHolder 1"/>
+          <p:cNvPr id="16" name="PlaceHolder 1"/>
           <p:cNvSpPr>
             <a:spLocks noGrp="1"/>
           </p:cNvSpPr>
@@ -2508,7 +2432,7 @@
         <p:spPr>
           <a:xfrm>
             <a:off x="720000" y="300960"/>
-            <a:ext cx="8855640" cy="1262520"/>
+            <a:ext cx="8855280" cy="1262160"/>
           </a:xfrm>
           <a:prstGeom prst="rect">
             <a:avLst/>
@@ -2517,18 +2441,16 @@
         <p:txBody>
           <a:bodyPr lIns="0" rIns="0" tIns="0" bIns="0" anchor="ctr"/>
           <a:p>
-            <a:endParaRPr b="1" lang="en-US" sz="4400" spc="-1" strike="noStrike">
-              <a:solidFill>
-                <a:srgbClr val="333333"/>
-              </a:solidFill>
-              <a:latin typeface="Open Sans"/>
-            </a:endParaRPr>
-          </a:p>
-        </p:txBody>
-      </p:sp>
-      <p:sp>
-        <p:nvSpPr>
-          <p:cNvPr id="20" name="PlaceHolder 2"/>
+            <a:pPr algn="ctr"/>
+            <a:endParaRPr b="0" lang="en-US" sz="4400" spc="-1" strike="noStrike">
+              <a:latin typeface="Arial"/>
+            </a:endParaRPr>
+          </a:p>
+        </p:txBody>
+      </p:sp>
+      <p:sp>
+        <p:nvSpPr>
+          <p:cNvPr id="17" name="PlaceHolder 2"/>
           <p:cNvSpPr>
             <a:spLocks noGrp="1"/>
           </p:cNvSpPr>
@@ -2538,28 +2460,27 @@
         </p:nvSpPr>
         <p:spPr>
           <a:xfrm>
-            <a:off x="720000" y="2160000"/>
-            <a:ext cx="4215960" cy="4384800"/>
-          </a:xfrm>
-          <a:prstGeom prst="rect">
-            <a:avLst/>
-          </a:prstGeom>
-        </p:spPr>
-        <p:txBody>
-          <a:bodyPr lIns="0" rIns="0" tIns="0" bIns="0"/>
-          <a:p>
-            <a:endParaRPr b="0" lang="en-US" sz="2800" spc="-1" strike="noStrike">
-              <a:solidFill>
-                <a:srgbClr val="333333"/>
-              </a:solidFill>
-              <a:latin typeface="Open Sans"/>
-            </a:endParaRPr>
-          </a:p>
-        </p:txBody>
-      </p:sp>
-      <p:sp>
-        <p:nvSpPr>
-          <p:cNvPr id="21" name="PlaceHolder 3"/>
+            <a:off x="504000" y="1768680"/>
+            <a:ext cx="4426920" cy="4384080"/>
+          </a:xfrm>
+          <a:prstGeom prst="rect">
+            <a:avLst/>
+          </a:prstGeom>
+        </p:spPr>
+        <p:txBody>
+          <a:bodyPr lIns="0" rIns="0" tIns="0" bIns="0">
+            <a:normAutofit/>
+          </a:bodyPr>
+          <a:p>
+            <a:endParaRPr b="0" lang="en-US" sz="3200" spc="-1" strike="noStrike">
+              <a:latin typeface="Arial"/>
+            </a:endParaRPr>
+          </a:p>
+        </p:txBody>
+      </p:sp>
+      <p:sp>
+        <p:nvSpPr>
+          <p:cNvPr id="18" name="PlaceHolder 3"/>
           <p:cNvSpPr>
             <a:spLocks noGrp="1"/>
           </p:cNvSpPr>
@@ -2569,28 +2490,27 @@
         </p:nvSpPr>
         <p:spPr>
           <a:xfrm>
-            <a:off x="5147280" y="2160000"/>
-            <a:ext cx="4215960" cy="2091240"/>
-          </a:xfrm>
-          <a:prstGeom prst="rect">
-            <a:avLst/>
-          </a:prstGeom>
-        </p:spPr>
-        <p:txBody>
-          <a:bodyPr lIns="0" rIns="0" tIns="0" bIns="0"/>
-          <a:p>
-            <a:endParaRPr b="0" lang="en-US" sz="2800" spc="-1" strike="noStrike">
-              <a:solidFill>
-                <a:srgbClr val="333333"/>
-              </a:solidFill>
-              <a:latin typeface="Open Sans"/>
-            </a:endParaRPr>
-          </a:p>
-        </p:txBody>
-      </p:sp>
-      <p:sp>
-        <p:nvSpPr>
-          <p:cNvPr id="22" name="PlaceHolder 4"/>
+            <a:off x="5152680" y="1768680"/>
+            <a:ext cx="4426920" cy="2090880"/>
+          </a:xfrm>
+          <a:prstGeom prst="rect">
+            <a:avLst/>
+          </a:prstGeom>
+        </p:spPr>
+        <p:txBody>
+          <a:bodyPr lIns="0" rIns="0" tIns="0" bIns="0">
+            <a:normAutofit/>
+          </a:bodyPr>
+          <a:p>
+            <a:endParaRPr b="0" lang="en-US" sz="3200" spc="-1" strike="noStrike">
+              <a:latin typeface="Arial"/>
+            </a:endParaRPr>
+          </a:p>
+        </p:txBody>
+      </p:sp>
+      <p:sp>
+        <p:nvSpPr>
+          <p:cNvPr id="19" name="PlaceHolder 4"/>
           <p:cNvSpPr>
             <a:spLocks noGrp="1"/>
           </p:cNvSpPr>
@@ -2600,21 +2520,20 @@
         </p:nvSpPr>
         <p:spPr>
           <a:xfrm>
-            <a:off x="5147280" y="4450320"/>
-            <a:ext cx="4215960" cy="2091240"/>
-          </a:xfrm>
-          <a:prstGeom prst="rect">
-            <a:avLst/>
-          </a:prstGeom>
-        </p:spPr>
-        <p:txBody>
-          <a:bodyPr lIns="0" rIns="0" tIns="0" bIns="0"/>
-          <a:p>
-            <a:endParaRPr b="0" lang="en-US" sz="2800" spc="-1" strike="noStrike">
-              <a:solidFill>
-                <a:srgbClr val="333333"/>
-              </a:solidFill>
-              <a:latin typeface="Open Sans"/>
+            <a:off x="5152680" y="4058640"/>
+            <a:ext cx="4426920" cy="2090880"/>
+          </a:xfrm>
+          <a:prstGeom prst="rect">
+            <a:avLst/>
+          </a:prstGeom>
+        </p:spPr>
+        <p:txBody>
+          <a:bodyPr lIns="0" rIns="0" tIns="0" bIns="0">
+            <a:normAutofit/>
+          </a:bodyPr>
+          <a:p>
+            <a:endParaRPr b="0" lang="en-US" sz="3200" spc="-1" strike="noStrike">
+              <a:latin typeface="Arial"/>
             </a:endParaRPr>
           </a:p>
         </p:txBody>
@@ -2643,7 +2562,7 @@
       </p:grpSpPr>
       <p:sp>
         <p:nvSpPr>
-          <p:cNvPr id="23" name="PlaceHolder 1"/>
+          <p:cNvPr id="20" name="PlaceHolder 1"/>
           <p:cNvSpPr>
             <a:spLocks noGrp="1"/>
           </p:cNvSpPr>
@@ -2654,7 +2573,7 @@
         <p:spPr>
           <a:xfrm>
             <a:off x="720000" y="300960"/>
-            <a:ext cx="8855640" cy="1262520"/>
+            <a:ext cx="8855280" cy="1262160"/>
           </a:xfrm>
           <a:prstGeom prst="rect">
             <a:avLst/>
@@ -2663,18 +2582,16 @@
         <p:txBody>
           <a:bodyPr lIns="0" rIns="0" tIns="0" bIns="0" anchor="ctr"/>
           <a:p>
-            <a:endParaRPr b="1" lang="en-US" sz="4400" spc="-1" strike="noStrike">
-              <a:solidFill>
-                <a:srgbClr val="333333"/>
-              </a:solidFill>
-              <a:latin typeface="Open Sans"/>
-            </a:endParaRPr>
-          </a:p>
-        </p:txBody>
-      </p:sp>
-      <p:sp>
-        <p:nvSpPr>
-          <p:cNvPr id="24" name="PlaceHolder 2"/>
+            <a:pPr algn="ctr"/>
+            <a:endParaRPr b="0" lang="en-US" sz="4400" spc="-1" strike="noStrike">
+              <a:latin typeface="Arial"/>
+            </a:endParaRPr>
+          </a:p>
+        </p:txBody>
+      </p:sp>
+      <p:sp>
+        <p:nvSpPr>
+          <p:cNvPr id="21" name="PlaceHolder 2"/>
           <p:cNvSpPr>
             <a:spLocks noGrp="1"/>
           </p:cNvSpPr>
@@ -2684,28 +2601,27 @@
         </p:nvSpPr>
         <p:spPr>
           <a:xfrm>
-            <a:off x="720000" y="2160000"/>
-            <a:ext cx="4215960" cy="2091240"/>
-          </a:xfrm>
-          <a:prstGeom prst="rect">
-            <a:avLst/>
-          </a:prstGeom>
-        </p:spPr>
-        <p:txBody>
-          <a:bodyPr lIns="0" rIns="0" tIns="0" bIns="0"/>
-          <a:p>
-            <a:endParaRPr b="0" lang="en-US" sz="2800" spc="-1" strike="noStrike">
-              <a:solidFill>
-                <a:srgbClr val="333333"/>
-              </a:solidFill>
-              <a:latin typeface="Open Sans"/>
-            </a:endParaRPr>
-          </a:p>
-        </p:txBody>
-      </p:sp>
-      <p:sp>
-        <p:nvSpPr>
-          <p:cNvPr id="25" name="PlaceHolder 3"/>
+            <a:off x="504000" y="1768680"/>
+            <a:ext cx="4426920" cy="2090880"/>
+          </a:xfrm>
+          <a:prstGeom prst="rect">
+            <a:avLst/>
+          </a:prstGeom>
+        </p:spPr>
+        <p:txBody>
+          <a:bodyPr lIns="0" rIns="0" tIns="0" bIns="0">
+            <a:normAutofit/>
+          </a:bodyPr>
+          <a:p>
+            <a:endParaRPr b="0" lang="en-US" sz="3200" spc="-1" strike="noStrike">
+              <a:latin typeface="Arial"/>
+            </a:endParaRPr>
+          </a:p>
+        </p:txBody>
+      </p:sp>
+      <p:sp>
+        <p:nvSpPr>
+          <p:cNvPr id="22" name="PlaceHolder 3"/>
           <p:cNvSpPr>
             <a:spLocks noGrp="1"/>
           </p:cNvSpPr>
@@ -2715,28 +2631,27 @@
         </p:nvSpPr>
         <p:spPr>
           <a:xfrm>
-            <a:off x="5147280" y="2160000"/>
-            <a:ext cx="4215960" cy="2091240"/>
-          </a:xfrm>
-          <a:prstGeom prst="rect">
-            <a:avLst/>
-          </a:prstGeom>
-        </p:spPr>
-        <p:txBody>
-          <a:bodyPr lIns="0" rIns="0" tIns="0" bIns="0"/>
-          <a:p>
-            <a:endParaRPr b="0" lang="en-US" sz="2800" spc="-1" strike="noStrike">
-              <a:solidFill>
-                <a:srgbClr val="333333"/>
-              </a:solidFill>
-              <a:latin typeface="Open Sans"/>
-            </a:endParaRPr>
-          </a:p>
-        </p:txBody>
-      </p:sp>
-      <p:sp>
-        <p:nvSpPr>
-          <p:cNvPr id="26" name="PlaceHolder 4"/>
+            <a:off x="5152680" y="1768680"/>
+            <a:ext cx="4426920" cy="2090880"/>
+          </a:xfrm>
+          <a:prstGeom prst="rect">
+            <a:avLst/>
+          </a:prstGeom>
+        </p:spPr>
+        <p:txBody>
+          <a:bodyPr lIns="0" rIns="0" tIns="0" bIns="0">
+            <a:normAutofit/>
+          </a:bodyPr>
+          <a:p>
+            <a:endParaRPr b="0" lang="en-US" sz="3200" spc="-1" strike="noStrike">
+              <a:latin typeface="Arial"/>
+            </a:endParaRPr>
+          </a:p>
+        </p:txBody>
+      </p:sp>
+      <p:sp>
+        <p:nvSpPr>
+          <p:cNvPr id="23" name="PlaceHolder 4"/>
           <p:cNvSpPr>
             <a:spLocks noGrp="1"/>
           </p:cNvSpPr>
@@ -2746,21 +2661,20 @@
         </p:nvSpPr>
         <p:spPr>
           <a:xfrm>
-            <a:off x="720000" y="4450320"/>
-            <a:ext cx="8640000" cy="2091240"/>
-          </a:xfrm>
-          <a:prstGeom prst="rect">
-            <a:avLst/>
-          </a:prstGeom>
-        </p:spPr>
-        <p:txBody>
-          <a:bodyPr lIns="0" rIns="0" tIns="0" bIns="0"/>
-          <a:p>
-            <a:endParaRPr b="0" lang="en-US" sz="2800" spc="-1" strike="noStrike">
-              <a:solidFill>
-                <a:srgbClr val="333333"/>
-              </a:solidFill>
-              <a:latin typeface="Open Sans"/>
+            <a:off x="504000" y="4058640"/>
+            <a:ext cx="9072000" cy="2090880"/>
+          </a:xfrm>
+          <a:prstGeom prst="rect">
+            <a:avLst/>
+          </a:prstGeom>
+        </p:spPr>
+        <p:txBody>
+          <a:bodyPr lIns="0" rIns="0" tIns="0" bIns="0">
+            <a:normAutofit/>
+          </a:bodyPr>
+          <a:p>
+            <a:endParaRPr b="0" lang="en-US" sz="3200" spc="-1" strike="noStrike">
+              <a:latin typeface="Arial"/>
             </a:endParaRPr>
           </a:p>
         </p:txBody>
@@ -2789,402 +2703,14 @@
       </p:grpSpPr>
       <p:sp>
         <p:nvSpPr>
-          <p:cNvPr id="0" name="PlaceHolder 1"/>
-          <p:cNvSpPr>
-            <a:spLocks noGrp="1"/>
-          </p:cNvSpPr>
-          <p:nvPr>
-            <p:ph type="title"/>
-          </p:nvPr>
-        </p:nvSpPr>
-        <p:spPr>
-          <a:xfrm>
-            <a:off x="792000" y="4104000"/>
-            <a:ext cx="8568000" cy="1440000"/>
-          </a:xfrm>
-          <a:prstGeom prst="rect">
-            <a:avLst/>
-          </a:prstGeom>
-        </p:spPr>
-        <p:txBody>
-          <a:bodyPr lIns="0" rIns="0" tIns="0" bIns="0" anchor="ctr">
-            <a:normAutofit/>
-          </a:bodyPr>
-          <a:p>
-            <a:r>
-              <a:rPr b="1" lang="en-US" sz="4800" spc="-1" strike="noStrike">
-                <a:solidFill>
-                  <a:srgbClr val="333333"/>
-                </a:solidFill>
-                <a:latin typeface="Open Sans"/>
-              </a:rPr>
-              <a:t>Click to edit the title text </a:t>
-            </a:r>
-            <a:r>
-              <a:rPr b="1" lang="en-US" sz="4800" spc="-1" strike="noStrike">
-                <a:solidFill>
-                  <a:srgbClr val="333333"/>
-                </a:solidFill>
-                <a:latin typeface="Open Sans"/>
-              </a:rPr>
-              <a:t>format</a:t>
-            </a:r>
-            <a:endParaRPr b="1" lang="en-US" sz="4800" spc="-1" strike="noStrike">
-              <a:solidFill>
-                <a:srgbClr val="333333"/>
-              </a:solidFill>
-              <a:latin typeface="Open Sans"/>
-            </a:endParaRPr>
-          </a:p>
-        </p:txBody>
-      </p:sp>
-      <p:sp>
-        <p:nvSpPr>
-          <p:cNvPr id="1" name="PlaceHolder 2"/>
-          <p:cNvSpPr>
-            <a:spLocks noGrp="1"/>
-          </p:cNvSpPr>
-          <p:nvPr>
-            <p:ph type="body"/>
-          </p:nvPr>
-        </p:nvSpPr>
-        <p:spPr>
-          <a:xfrm>
-            <a:off x="792000" y="5904000"/>
-            <a:ext cx="8568000" cy="982440"/>
-          </a:xfrm>
-          <a:prstGeom prst="rect">
-            <a:avLst/>
-          </a:prstGeom>
-        </p:spPr>
-        <p:txBody>
-          <a:bodyPr lIns="0" rIns="0" tIns="0" bIns="0">
-            <a:normAutofit/>
-          </a:bodyPr>
-          <a:p>
-            <a:pPr marL="432000" indent="-324000">
-              <a:spcAft>
-                <a:spcPts val="1879"/>
-              </a:spcAft>
-              <a:buClr>
-                <a:srgbClr val="333333"/>
-              </a:buClr>
-              <a:buSzPct val="45000"/>
-              <a:buFont typeface="Wingdings" charset="2"/>
-              <a:buChar char=""/>
-            </a:pPr>
-            <a:r>
-              <a:rPr b="0" lang="en-US" sz="2400" spc="-1" strike="noStrike">
-                <a:solidFill>
-                  <a:srgbClr val="333333"/>
-                </a:solidFill>
-                <a:latin typeface="Open Sans"/>
-              </a:rPr>
-              <a:t>Click to edit the outline text format</a:t>
-            </a:r>
-            <a:endParaRPr b="0" lang="en-US" sz="2400" spc="-1" strike="noStrike">
-              <a:solidFill>
-                <a:srgbClr val="333333"/>
-              </a:solidFill>
-              <a:latin typeface="Open Sans"/>
-            </a:endParaRPr>
-          </a:p>
-          <a:p>
-            <a:pPr lvl="1" marL="864000" indent="-324000">
-              <a:spcAft>
-                <a:spcPts val="1497"/>
-              </a:spcAft>
-              <a:buClr>
-                <a:srgbClr val="ffffff"/>
-              </a:buClr>
-              <a:buSzPct val="75000"/>
-              <a:buFont typeface="Symbol" charset="2"/>
-              <a:buChar char=""/>
-            </a:pPr>
-            <a:r>
-              <a:rPr b="0" lang="en-US" sz="2400" spc="-1" strike="noStrike">
-                <a:solidFill>
-                  <a:srgbClr val="333333"/>
-                </a:solidFill>
-                <a:latin typeface="Open Sans"/>
-              </a:rPr>
-              <a:t>Second Outline Level</a:t>
-            </a:r>
-            <a:endParaRPr b="0" lang="en-US" sz="2400" spc="-1" strike="noStrike">
-              <a:solidFill>
-                <a:srgbClr val="333333"/>
-              </a:solidFill>
-              <a:latin typeface="Open Sans"/>
-            </a:endParaRPr>
-          </a:p>
-          <a:p>
-            <a:pPr lvl="2" marL="1296000" indent="-288000">
-              <a:spcAft>
-                <a:spcPts val="1120"/>
-              </a:spcAft>
-              <a:buClr>
-                <a:srgbClr val="ffffff"/>
-              </a:buClr>
-              <a:buSzPct val="45000"/>
-              <a:buFont typeface="Wingdings" charset="2"/>
-              <a:buChar char=""/>
-            </a:pPr>
-            <a:r>
-              <a:rPr b="0" lang="en-US" sz="2400" spc="-1" strike="noStrike">
-                <a:solidFill>
-                  <a:srgbClr val="333333"/>
-                </a:solidFill>
-                <a:latin typeface="Open Sans"/>
-              </a:rPr>
-              <a:t>Third Outline Level</a:t>
-            </a:r>
-            <a:endParaRPr b="0" lang="en-US" sz="2400" spc="-1" strike="noStrike">
-              <a:solidFill>
-                <a:srgbClr val="333333"/>
-              </a:solidFill>
-              <a:latin typeface="Open Sans"/>
-            </a:endParaRPr>
-          </a:p>
-          <a:p>
-            <a:pPr lvl="3" marL="1728000" indent="-216000">
-              <a:spcAft>
-                <a:spcPts val="743"/>
-              </a:spcAft>
-              <a:buClr>
-                <a:srgbClr val="ffffff"/>
-              </a:buClr>
-              <a:buSzPct val="75000"/>
-              <a:buFont typeface="Symbol" charset="2"/>
-              <a:buChar char=""/>
-            </a:pPr>
-            <a:r>
-              <a:rPr b="0" lang="en-US" sz="2400" spc="-1" strike="noStrike">
-                <a:solidFill>
-                  <a:srgbClr val="333333"/>
-                </a:solidFill>
-                <a:latin typeface="Open Sans"/>
-              </a:rPr>
-              <a:t>Fourth Outline Level</a:t>
-            </a:r>
-            <a:endParaRPr b="0" lang="en-US" sz="2400" spc="-1" strike="noStrike">
-              <a:solidFill>
-                <a:srgbClr val="333333"/>
-              </a:solidFill>
-              <a:latin typeface="Open Sans"/>
-            </a:endParaRPr>
-          </a:p>
-          <a:p>
-            <a:pPr lvl="4" marL="2160000" indent="-216000">
-              <a:spcAft>
-                <a:spcPts val="366"/>
-              </a:spcAft>
-              <a:buClr>
-                <a:srgbClr val="ffffff"/>
-              </a:buClr>
-              <a:buSzPct val="45000"/>
-              <a:buFont typeface="Wingdings" charset="2"/>
-              <a:buChar char=""/>
-            </a:pPr>
-            <a:r>
-              <a:rPr b="0" lang="en-US" sz="2400" spc="-1" strike="noStrike">
-                <a:solidFill>
-                  <a:srgbClr val="333333"/>
-                </a:solidFill>
-                <a:latin typeface="Open Sans"/>
-              </a:rPr>
-              <a:t>Fifth Outline Level</a:t>
-            </a:r>
-            <a:endParaRPr b="0" lang="en-US" sz="2400" spc="-1" strike="noStrike">
-              <a:solidFill>
-                <a:srgbClr val="333333"/>
-              </a:solidFill>
-              <a:latin typeface="Open Sans"/>
-            </a:endParaRPr>
-          </a:p>
-          <a:p>
-            <a:pPr lvl="5" marL="2592000" indent="-216000">
-              <a:spcAft>
-                <a:spcPts val="366"/>
-              </a:spcAft>
-              <a:buClr>
-                <a:srgbClr val="ffffff"/>
-              </a:buClr>
-              <a:buSzPct val="45000"/>
-              <a:buFont typeface="Wingdings" charset="2"/>
-              <a:buChar char=""/>
-            </a:pPr>
-            <a:r>
-              <a:rPr b="0" lang="en-US" sz="2400" spc="-1" strike="noStrike">
-                <a:solidFill>
-                  <a:srgbClr val="333333"/>
-                </a:solidFill>
-                <a:latin typeface="Open Sans"/>
-              </a:rPr>
-              <a:t>Sixth Outline Level</a:t>
-            </a:r>
-            <a:endParaRPr b="0" lang="en-US" sz="2400" spc="-1" strike="noStrike">
-              <a:solidFill>
-                <a:srgbClr val="333333"/>
-              </a:solidFill>
-              <a:latin typeface="Open Sans"/>
-            </a:endParaRPr>
-          </a:p>
-          <a:p>
-            <a:pPr lvl="6" marL="3024000" indent="-216000">
-              <a:spcAft>
-                <a:spcPts val="366"/>
-              </a:spcAft>
-              <a:buClr>
-                <a:srgbClr val="ffffff"/>
-              </a:buClr>
-              <a:buSzPct val="45000"/>
-              <a:buFont typeface="Wingdings" charset="2"/>
-              <a:buChar char=""/>
-            </a:pPr>
-            <a:r>
-              <a:rPr b="0" lang="en-US" sz="2400" spc="-1" strike="noStrike">
-                <a:solidFill>
-                  <a:srgbClr val="333333"/>
-                </a:solidFill>
-                <a:latin typeface="Open Sans"/>
-              </a:rPr>
-              <a:t>Seventh Outline Level</a:t>
-            </a:r>
-            <a:endParaRPr b="0" lang="en-US" sz="2400" spc="-1" strike="noStrike">
-              <a:solidFill>
-                <a:srgbClr val="333333"/>
-              </a:solidFill>
-              <a:latin typeface="Open Sans"/>
-            </a:endParaRPr>
-          </a:p>
-        </p:txBody>
-      </p:sp>
-      <p:sp>
-        <p:nvSpPr>
-          <p:cNvPr id="2" name="PlaceHolder 3"/>
-          <p:cNvSpPr>
-            <a:spLocks noGrp="1"/>
-          </p:cNvSpPr>
-          <p:nvPr>
-            <p:ph type="dt"/>
-          </p:nvPr>
-        </p:nvSpPr>
-        <p:spPr>
-          <a:xfrm>
-            <a:off x="504000" y="6886440"/>
-            <a:ext cx="2348280" cy="521280"/>
-          </a:xfrm>
-          <a:prstGeom prst="rect">
-            <a:avLst/>
-          </a:prstGeom>
-        </p:spPr>
-        <p:txBody>
-          <a:bodyPr lIns="0" rIns="0" tIns="0" bIns="0"/>
-          <a:p>
-            <a:r>
-              <a:rPr b="0" lang="en-US" sz="1400" spc="-1" strike="noStrike">
-                <a:latin typeface="Open Sans"/>
-              </a:rPr>
-              <a:t>&lt;date/time&gt;</a:t>
-            </a:r>
-            <a:endParaRPr b="0" lang="en-US" sz="1400" spc="-1" strike="noStrike">
-              <a:latin typeface="Open Sans"/>
-            </a:endParaRPr>
-          </a:p>
-        </p:txBody>
-      </p:sp>
-      <p:sp>
-        <p:nvSpPr>
-          <p:cNvPr id="3" name="PlaceHolder 4"/>
-          <p:cNvSpPr>
-            <a:spLocks noGrp="1"/>
-          </p:cNvSpPr>
-          <p:nvPr>
-            <p:ph type="ftr"/>
-          </p:nvPr>
-        </p:nvSpPr>
-        <p:spPr>
-          <a:xfrm>
-            <a:off x="3447360" y="6886440"/>
-            <a:ext cx="3195000" cy="521280"/>
-          </a:xfrm>
-          <a:prstGeom prst="rect">
-            <a:avLst/>
-          </a:prstGeom>
-        </p:spPr>
-        <p:txBody>
-          <a:bodyPr lIns="0" rIns="0" tIns="0" bIns="0"/>
-          <a:p>
-            <a:pPr algn="ctr"/>
-            <a:r>
-              <a:rPr b="0" lang="en-US" sz="1400" spc="-1" strike="noStrike">
-                <a:latin typeface="Open Sans"/>
-              </a:rPr>
-              <a:t>&lt;footer&gt;</a:t>
-            </a:r>
-            <a:endParaRPr b="0" lang="en-US" sz="1400" spc="-1" strike="noStrike">
-              <a:latin typeface="Open Sans"/>
-            </a:endParaRPr>
-          </a:p>
-        </p:txBody>
-      </p:sp>
-      <p:sp>
-        <p:nvSpPr>
-          <p:cNvPr id="4" name="PlaceHolder 5"/>
-          <p:cNvSpPr>
-            <a:spLocks noGrp="1"/>
-          </p:cNvSpPr>
-          <p:nvPr>
-            <p:ph type="sldNum"/>
-          </p:nvPr>
-        </p:nvSpPr>
-        <p:spPr>
-          <a:xfrm>
-            <a:off x="7227360" y="6886440"/>
-            <a:ext cx="2348280" cy="521280"/>
-          </a:xfrm>
-          <a:prstGeom prst="rect">
-            <a:avLst/>
-          </a:prstGeom>
-        </p:spPr>
-        <p:txBody>
-          <a:bodyPr lIns="0" rIns="0" tIns="0" bIns="0"/>
-          <a:p>
-            <a:pPr algn="r"/>
-            <a:fld id="{FE6FE7CD-3DDF-4F1F-B745-634E7A24036B}" type="slidenum">
-              <a:rPr b="0" lang="en-US" sz="1400" spc="-1" strike="noStrike">
-                <a:latin typeface="Open Sans"/>
-              </a:rPr>
-              <a:t>&lt;number&gt;</a:t>
-            </a:fld>
-            <a:r>
-              <a:rPr b="0" lang="en-US" sz="1400" spc="-1" strike="noStrike">
-                <a:latin typeface="Open Sans"/>
-              </a:rPr>
-              <a:t> / </a:t>
-            </a:r>
-            <a:fld id="{EDB05B5F-5FD0-45E0-90FD-100510EE731C}" type="slidecount">
-              <a:rPr b="0" lang="en-US" sz="1400" spc="-1" strike="noStrike">
-                <a:latin typeface="Open Sans"/>
-              </a:rPr>
-              <a:t>6</a:t>
-            </a:fld>
-            <a:endParaRPr b="0" lang="en-US" sz="1400" spc="-1" strike="noStrike">
-              <a:latin typeface="Open Sans"/>
-            </a:endParaRPr>
-          </a:p>
-        </p:txBody>
-      </p:sp>
-      <p:sp>
-        <p:nvSpPr>
-          <p:cNvPr id="5" name="CustomShape 6"/>
+          <p:cNvPr id="0" name="CustomShape 1"/>
           <p:cNvSpPr/>
           <p:nvPr/>
         </p:nvSpPr>
         <p:spPr>
           <a:xfrm>
             <a:off x="0" y="4320000"/>
-            <a:ext cx="504000" cy="1080000"/>
+            <a:ext cx="503640" cy="1079640"/>
           </a:xfrm>
           <a:prstGeom prst="rect">
             <a:avLst/>
@@ -3202,6 +2728,219 @@
           <a:effectRef idx="0"/>
           <a:fontRef idx="minor"/>
         </p:style>
+      </p:sp>
+      <p:sp>
+        <p:nvSpPr>
+          <p:cNvPr id="1" name="PlaceHolder 2"/>
+          <p:cNvSpPr>
+            <a:spLocks noGrp="1"/>
+          </p:cNvSpPr>
+          <p:nvPr>
+            <p:ph type="title"/>
+          </p:nvPr>
+        </p:nvSpPr>
+        <p:spPr>
+          <a:xfrm>
+            <a:off x="720000" y="300960"/>
+            <a:ext cx="8855280" cy="1262160"/>
+          </a:xfrm>
+          <a:prstGeom prst="rect">
+            <a:avLst/>
+          </a:prstGeom>
+        </p:spPr>
+        <p:txBody>
+          <a:bodyPr lIns="0" rIns="0" tIns="0" bIns="0" anchor="ctr"/>
+          <a:p>
+            <a:r>
+              <a:rPr b="0" lang="en-US" sz="1800" spc="-1" strike="noStrike">
+                <a:latin typeface="Arial"/>
+              </a:rPr>
+              <a:t>Click to edit the title text format</a:t>
+            </a:r>
+            <a:endParaRPr b="0" lang="en-US" sz="1800" spc="-1" strike="noStrike">
+              <a:latin typeface="Arial"/>
+            </a:endParaRPr>
+          </a:p>
+        </p:txBody>
+      </p:sp>
+      <p:sp>
+        <p:nvSpPr>
+          <p:cNvPr id="2" name="PlaceHolder 3"/>
+          <p:cNvSpPr>
+            <a:spLocks noGrp="1"/>
+          </p:cNvSpPr>
+          <p:nvPr>
+            <p:ph type="body"/>
+          </p:nvPr>
+        </p:nvSpPr>
+        <p:spPr>
+          <a:xfrm>
+            <a:off x="504000" y="1768680"/>
+            <a:ext cx="9072000" cy="4384080"/>
+          </a:xfrm>
+          <a:prstGeom prst="rect">
+            <a:avLst/>
+          </a:prstGeom>
+        </p:spPr>
+        <p:txBody>
+          <a:bodyPr lIns="0" rIns="0" tIns="0" bIns="0">
+            <a:normAutofit/>
+          </a:bodyPr>
+          <a:p>
+            <a:pPr marL="432000" indent="-324000">
+              <a:spcBef>
+                <a:spcPts val="1417"/>
+              </a:spcBef>
+              <a:buClr>
+                <a:srgbClr val="000000"/>
+              </a:buClr>
+              <a:buSzPct val="45000"/>
+              <a:buFont typeface="Wingdings" charset="2"/>
+              <a:buChar char=""/>
+            </a:pPr>
+            <a:r>
+              <a:rPr b="0" lang="en-US" sz="3200" spc="-1" strike="noStrike">
+                <a:latin typeface="Arial"/>
+              </a:rPr>
+              <a:t>Click to edit the outline text format</a:t>
+            </a:r>
+            <a:endParaRPr b="0" lang="en-US" sz="3200" spc="-1" strike="noStrike">
+              <a:latin typeface="Arial"/>
+            </a:endParaRPr>
+          </a:p>
+          <a:p>
+            <a:pPr lvl="1" marL="864000" indent="-324000">
+              <a:spcBef>
+                <a:spcPts val="1134"/>
+              </a:spcBef>
+              <a:buClr>
+                <a:srgbClr val="000000"/>
+              </a:buClr>
+              <a:buSzPct val="75000"/>
+              <a:buFont typeface="Symbol" charset="2"/>
+              <a:buChar char=""/>
+            </a:pPr>
+            <a:r>
+              <a:rPr b="0" lang="en-US" sz="2800" spc="-1" strike="noStrike">
+                <a:latin typeface="Arial"/>
+              </a:rPr>
+              <a:t>Second Outline Level</a:t>
+            </a:r>
+            <a:endParaRPr b="0" lang="en-US" sz="2800" spc="-1" strike="noStrike">
+              <a:latin typeface="Arial"/>
+            </a:endParaRPr>
+          </a:p>
+          <a:p>
+            <a:pPr lvl="2" marL="1296000" indent="-288000">
+              <a:spcBef>
+                <a:spcPts val="850"/>
+              </a:spcBef>
+              <a:buClr>
+                <a:srgbClr val="000000"/>
+              </a:buClr>
+              <a:buSzPct val="45000"/>
+              <a:buFont typeface="Wingdings" charset="2"/>
+              <a:buChar char=""/>
+            </a:pPr>
+            <a:r>
+              <a:rPr b="0" lang="en-US" sz="2400" spc="-1" strike="noStrike">
+                <a:latin typeface="Arial"/>
+              </a:rPr>
+              <a:t>Third Outline Level</a:t>
+            </a:r>
+            <a:endParaRPr b="0" lang="en-US" sz="2400" spc="-1" strike="noStrike">
+              <a:latin typeface="Arial"/>
+            </a:endParaRPr>
+          </a:p>
+          <a:p>
+            <a:pPr lvl="3" marL="1728000" indent="-216000">
+              <a:spcBef>
+                <a:spcPts val="567"/>
+              </a:spcBef>
+              <a:buClr>
+                <a:srgbClr val="000000"/>
+              </a:buClr>
+              <a:buSzPct val="75000"/>
+              <a:buFont typeface="Symbol" charset="2"/>
+              <a:buChar char=""/>
+            </a:pPr>
+            <a:r>
+              <a:rPr b="0" lang="en-US" sz="2000" spc="-1" strike="noStrike">
+                <a:latin typeface="Arial"/>
+              </a:rPr>
+              <a:t>Fourth Outline Level</a:t>
+            </a:r>
+            <a:endParaRPr b="0" lang="en-US" sz="2000" spc="-1" strike="noStrike">
+              <a:latin typeface="Arial"/>
+            </a:endParaRPr>
+          </a:p>
+          <a:p>
+            <a:pPr lvl="4" marL="2160000" indent="-216000">
+              <a:spcBef>
+                <a:spcPts val="283"/>
+              </a:spcBef>
+              <a:buClr>
+                <a:srgbClr val="000000"/>
+              </a:buClr>
+              <a:buSzPct val="45000"/>
+              <a:buFont typeface="Wingdings" charset="2"/>
+              <a:buChar char=""/>
+            </a:pPr>
+            <a:r>
+              <a:rPr b="0" lang="en-US" sz="2000" spc="-1" strike="noStrike">
+                <a:latin typeface="Arial"/>
+              </a:rPr>
+              <a:t>Fifth Outline Level</a:t>
+            </a:r>
+            <a:endParaRPr b="0" lang="en-US" sz="2000" spc="-1" strike="noStrike">
+              <a:latin typeface="Arial"/>
+            </a:endParaRPr>
+          </a:p>
+          <a:p>
+            <a:pPr lvl="5" marL="2592000" indent="-216000">
+              <a:spcBef>
+                <a:spcPts val="283"/>
+              </a:spcBef>
+              <a:buClr>
+                <a:srgbClr val="000000"/>
+              </a:buClr>
+              <a:buSzPct val="45000"/>
+              <a:buFont typeface="Wingdings" charset="2"/>
+              <a:buChar char=""/>
+            </a:pPr>
+            <a:r>
+              <a:rPr b="0" lang="en-US" sz="2000" spc="-1" strike="noStrike">
+                <a:latin typeface="Arial"/>
+              </a:rPr>
+              <a:t>Sixth Outline Level</a:t>
+            </a:r>
+            <a:endParaRPr b="0" lang="en-US" sz="2000" spc="-1" strike="noStrike">
+              <a:latin typeface="Arial"/>
+            </a:endParaRPr>
+          </a:p>
+          <a:p>
+            <a:pPr lvl="6" marL="3024000" indent="-216000">
+              <a:spcBef>
+                <a:spcPts val="283"/>
+              </a:spcBef>
+              <a:buClr>
+                <a:srgbClr val="000000"/>
+              </a:buClr>
+              <a:buSzPct val="45000"/>
+              <a:buFont typeface="Wingdings" charset="2"/>
+              <a:buChar char=""/>
+            </a:pPr>
+            <a:r>
+              <a:rPr b="0" lang="en-US" sz="2000" spc="-1" strike="noStrike">
+                <a:latin typeface="Arial"/>
+              </a:rPr>
+              <a:t>Seventh Outline Level</a:t>
+            </a:r>
+            <a:endParaRPr b="0" lang="en-US" sz="2000" spc="-1" strike="noStrike">
+              <a:latin typeface="Arial"/>
+            </a:endParaRPr>
+          </a:p>
+        </p:txBody>
       </p:sp>
     </p:spTree>
   </p:cSld>
@@ -3242,389 +2981,14 @@
       </p:grpSpPr>
       <p:sp>
         <p:nvSpPr>
-          <p:cNvPr id="42" name="PlaceHolder 1"/>
-          <p:cNvSpPr>
-            <a:spLocks noGrp="1"/>
-          </p:cNvSpPr>
-          <p:nvPr>
-            <p:ph type="title"/>
-          </p:nvPr>
-        </p:nvSpPr>
-        <p:spPr>
-          <a:xfrm>
-            <a:off x="720000" y="300960"/>
-            <a:ext cx="8855640" cy="1262520"/>
-          </a:xfrm>
-          <a:prstGeom prst="rect">
-            <a:avLst/>
-          </a:prstGeom>
-        </p:spPr>
-        <p:txBody>
-          <a:bodyPr lIns="0" rIns="0" tIns="0" bIns="0" anchor="ctr"/>
-          <a:p>
-            <a:r>
-              <a:rPr b="1" lang="en-US" sz="4400" spc="-1" strike="noStrike">
-                <a:solidFill>
-                  <a:srgbClr val="333333"/>
-                </a:solidFill>
-                <a:latin typeface="Open Sans"/>
-              </a:rPr>
-              <a:t>Click to edit the title text format</a:t>
-            </a:r>
-            <a:endParaRPr b="1" lang="en-US" sz="4400" spc="-1" strike="noStrike">
-              <a:solidFill>
-                <a:srgbClr val="333333"/>
-              </a:solidFill>
-              <a:latin typeface="Open Sans"/>
-            </a:endParaRPr>
-          </a:p>
-        </p:txBody>
-      </p:sp>
-      <p:sp>
-        <p:nvSpPr>
-          <p:cNvPr id="43" name="PlaceHolder 2"/>
-          <p:cNvSpPr>
-            <a:spLocks noGrp="1"/>
-          </p:cNvSpPr>
-          <p:nvPr>
-            <p:ph type="body"/>
-          </p:nvPr>
-        </p:nvSpPr>
-        <p:spPr>
-          <a:xfrm>
-            <a:off x="720000" y="2160000"/>
-            <a:ext cx="8640000" cy="4384800"/>
-          </a:xfrm>
-          <a:prstGeom prst="rect">
-            <a:avLst/>
-          </a:prstGeom>
-        </p:spPr>
-        <p:txBody>
-          <a:bodyPr lIns="0" rIns="0" tIns="0" bIns="0"/>
-          <a:p>
-            <a:pPr marL="432000" indent="-324000">
-              <a:spcAft>
-                <a:spcPts val="1414"/>
-              </a:spcAft>
-              <a:buClr>
-                <a:srgbClr val="ef2929"/>
-              </a:buClr>
-              <a:buSzPct val="45000"/>
-              <a:buFont typeface="Wingdings" charset="2"/>
-              <a:buChar char=""/>
-            </a:pPr>
-            <a:r>
-              <a:rPr b="0" lang="en-US" sz="2800" spc="-1" strike="noStrike">
-                <a:solidFill>
-                  <a:srgbClr val="333333"/>
-                </a:solidFill>
-                <a:latin typeface="Open Sans"/>
-              </a:rPr>
-              <a:t>Click to edit the outline text format</a:t>
-            </a:r>
-            <a:endParaRPr b="0" lang="en-US" sz="2800" spc="-1" strike="noStrike">
-              <a:solidFill>
-                <a:srgbClr val="333333"/>
-              </a:solidFill>
-              <a:latin typeface="Open Sans"/>
-            </a:endParaRPr>
-          </a:p>
-          <a:p>
-            <a:pPr lvl="1" marL="864000" indent="-324000">
-              <a:spcAft>
-                <a:spcPts val="1134"/>
-              </a:spcAft>
-              <a:buClr>
-                <a:srgbClr val="ef2929"/>
-              </a:buClr>
-              <a:buSzPct val="75000"/>
-              <a:buFont typeface="Symbol" charset="2"/>
-              <a:buChar char=""/>
-            </a:pPr>
-            <a:r>
-              <a:rPr b="0" lang="en-US" sz="2800" spc="-1" strike="noStrike">
-                <a:solidFill>
-                  <a:srgbClr val="333333"/>
-                </a:solidFill>
-                <a:latin typeface="Open Sans"/>
-              </a:rPr>
-              <a:t>Second Outline Level</a:t>
-            </a:r>
-            <a:endParaRPr b="0" lang="en-US" sz="2800" spc="-1" strike="noStrike">
-              <a:solidFill>
-                <a:srgbClr val="333333"/>
-              </a:solidFill>
-              <a:latin typeface="Open Sans"/>
-            </a:endParaRPr>
-          </a:p>
-          <a:p>
-            <a:pPr lvl="2" marL="1296000" indent="-288000">
-              <a:spcAft>
-                <a:spcPts val="845"/>
-              </a:spcAft>
-              <a:buClr>
-                <a:srgbClr val="ef2929"/>
-              </a:buClr>
-              <a:buSzPct val="45000"/>
-              <a:buFont typeface="Wingdings" charset="2"/>
-              <a:buChar char=""/>
-            </a:pPr>
-            <a:r>
-              <a:rPr b="0" lang="en-US" sz="2800" spc="-1" strike="noStrike">
-                <a:solidFill>
-                  <a:srgbClr val="333333"/>
-                </a:solidFill>
-                <a:latin typeface="Open Sans"/>
-              </a:rPr>
-              <a:t>Third Outline Level</a:t>
-            </a:r>
-            <a:endParaRPr b="0" lang="en-US" sz="2800" spc="-1" strike="noStrike">
-              <a:solidFill>
-                <a:srgbClr val="333333"/>
-              </a:solidFill>
-              <a:latin typeface="Open Sans"/>
-            </a:endParaRPr>
-          </a:p>
-          <a:p>
-            <a:pPr lvl="3" marL="1728000" indent="-216000">
-              <a:spcAft>
-                <a:spcPts val="567"/>
-              </a:spcAft>
-              <a:buClr>
-                <a:srgbClr val="ef2929"/>
-              </a:buClr>
-              <a:buSzPct val="75000"/>
-              <a:buFont typeface="Symbol" charset="2"/>
-              <a:buChar char=""/>
-            </a:pPr>
-            <a:r>
-              <a:rPr b="0" lang="en-US" sz="2800" spc="-1" strike="noStrike">
-                <a:solidFill>
-                  <a:srgbClr val="333333"/>
-                </a:solidFill>
-                <a:latin typeface="Open Sans"/>
-              </a:rPr>
-              <a:t>Fourth Outline Level</a:t>
-            </a:r>
-            <a:endParaRPr b="0" lang="en-US" sz="2800" spc="-1" strike="noStrike">
-              <a:solidFill>
-                <a:srgbClr val="333333"/>
-              </a:solidFill>
-              <a:latin typeface="Open Sans"/>
-            </a:endParaRPr>
-          </a:p>
-          <a:p>
-            <a:pPr lvl="4" marL="2160000" indent="-216000">
-              <a:spcAft>
-                <a:spcPts val="283"/>
-              </a:spcAft>
-              <a:buClr>
-                <a:srgbClr val="ef2929"/>
-              </a:buClr>
-              <a:buSzPct val="45000"/>
-              <a:buFont typeface="Wingdings" charset="2"/>
-              <a:buChar char=""/>
-            </a:pPr>
-            <a:r>
-              <a:rPr b="0" lang="en-US" sz="2800" spc="-1" strike="noStrike">
-                <a:solidFill>
-                  <a:srgbClr val="333333"/>
-                </a:solidFill>
-                <a:latin typeface="Open Sans"/>
-              </a:rPr>
-              <a:t>Fifth Outline Level</a:t>
-            </a:r>
-            <a:endParaRPr b="0" lang="en-US" sz="2800" spc="-1" strike="noStrike">
-              <a:solidFill>
-                <a:srgbClr val="333333"/>
-              </a:solidFill>
-              <a:latin typeface="Open Sans"/>
-            </a:endParaRPr>
-          </a:p>
-          <a:p>
-            <a:pPr lvl="5" marL="2592000" indent="-216000">
-              <a:spcAft>
-                <a:spcPts val="283"/>
-              </a:spcAft>
-              <a:buClr>
-                <a:srgbClr val="ef2929"/>
-              </a:buClr>
-              <a:buSzPct val="45000"/>
-              <a:buFont typeface="Wingdings" charset="2"/>
-              <a:buChar char=""/>
-            </a:pPr>
-            <a:r>
-              <a:rPr b="0" lang="en-US" sz="2800" spc="-1" strike="noStrike">
-                <a:solidFill>
-                  <a:srgbClr val="333333"/>
-                </a:solidFill>
-                <a:latin typeface="Open Sans"/>
-              </a:rPr>
-              <a:t>Sixth Outline Level</a:t>
-            </a:r>
-            <a:endParaRPr b="0" lang="en-US" sz="2800" spc="-1" strike="noStrike">
-              <a:solidFill>
-                <a:srgbClr val="333333"/>
-              </a:solidFill>
-              <a:latin typeface="Open Sans"/>
-            </a:endParaRPr>
-          </a:p>
-          <a:p>
-            <a:pPr lvl="6" marL="3024000" indent="-216000">
-              <a:spcAft>
-                <a:spcPts val="283"/>
-              </a:spcAft>
-              <a:buClr>
-                <a:srgbClr val="ef2929"/>
-              </a:buClr>
-              <a:buSzPct val="45000"/>
-              <a:buFont typeface="Wingdings" charset="2"/>
-              <a:buChar char=""/>
-            </a:pPr>
-            <a:r>
-              <a:rPr b="0" lang="en-US" sz="2800" spc="-1" strike="noStrike">
-                <a:solidFill>
-                  <a:srgbClr val="333333"/>
-                </a:solidFill>
-                <a:latin typeface="Open Sans"/>
-              </a:rPr>
-              <a:t>Seventh Outline Level</a:t>
-            </a:r>
-            <a:endParaRPr b="0" lang="en-US" sz="2800" spc="-1" strike="noStrike">
-              <a:solidFill>
-                <a:srgbClr val="333333"/>
-              </a:solidFill>
-              <a:latin typeface="Open Sans"/>
-            </a:endParaRPr>
-          </a:p>
-        </p:txBody>
-      </p:sp>
-      <p:sp>
-        <p:nvSpPr>
-          <p:cNvPr id="44" name="PlaceHolder 3"/>
-          <p:cNvSpPr>
-            <a:spLocks noGrp="1"/>
-          </p:cNvSpPr>
-          <p:nvPr>
-            <p:ph type="dt"/>
-          </p:nvPr>
-        </p:nvSpPr>
-        <p:spPr>
-          <a:xfrm>
-            <a:off x="504000" y="6886800"/>
-            <a:ext cx="2348280" cy="521280"/>
-          </a:xfrm>
-          <a:prstGeom prst="rect">
-            <a:avLst/>
-          </a:prstGeom>
-        </p:spPr>
-        <p:txBody>
-          <a:bodyPr lIns="0" rIns="0" tIns="0" bIns="0"/>
-          <a:p>
-            <a:r>
-              <a:rPr b="0" lang="en-US" sz="1400" spc="-1" strike="noStrike">
-                <a:latin typeface="Open Sans"/>
-              </a:rPr>
-              <a:t>&lt;date/time&gt;</a:t>
-            </a:r>
-            <a:endParaRPr b="0" lang="en-US" sz="1400" spc="-1" strike="noStrike">
-              <a:latin typeface="Open Sans"/>
-            </a:endParaRPr>
-          </a:p>
-        </p:txBody>
-      </p:sp>
-      <p:sp>
-        <p:nvSpPr>
-          <p:cNvPr id="45" name="PlaceHolder 4"/>
-          <p:cNvSpPr>
-            <a:spLocks noGrp="1"/>
-          </p:cNvSpPr>
-          <p:nvPr>
-            <p:ph type="ftr"/>
-          </p:nvPr>
-        </p:nvSpPr>
-        <p:spPr>
-          <a:xfrm>
-            <a:off x="3447360" y="6886800"/>
-            <a:ext cx="3195000" cy="521280"/>
-          </a:xfrm>
-          <a:prstGeom prst="rect">
-            <a:avLst/>
-          </a:prstGeom>
-        </p:spPr>
-        <p:txBody>
-          <a:bodyPr lIns="0" rIns="0" tIns="0" bIns="0"/>
-          <a:p>
-            <a:pPr algn="ctr"/>
-            <a:r>
-              <a:rPr b="0" lang="en-US" sz="1400" spc="-1" strike="noStrike">
-                <a:latin typeface="Open Sans"/>
-              </a:rPr>
-              <a:t>&lt;footer&gt;</a:t>
-            </a:r>
-            <a:endParaRPr b="0" lang="en-US" sz="1400" spc="-1" strike="noStrike">
-              <a:latin typeface="Open Sans"/>
-            </a:endParaRPr>
-          </a:p>
-        </p:txBody>
-      </p:sp>
-      <p:sp>
-        <p:nvSpPr>
-          <p:cNvPr id="46" name="PlaceHolder 5"/>
-          <p:cNvSpPr>
-            <a:spLocks noGrp="1"/>
-          </p:cNvSpPr>
-          <p:nvPr>
-            <p:ph type="sldNum"/>
-          </p:nvPr>
-        </p:nvSpPr>
-        <p:spPr>
-          <a:xfrm>
-            <a:off x="7227360" y="6886800"/>
-            <a:ext cx="2348280" cy="521280"/>
-          </a:xfrm>
-          <a:prstGeom prst="rect">
-            <a:avLst/>
-          </a:prstGeom>
-        </p:spPr>
-        <p:txBody>
-          <a:bodyPr lIns="0" rIns="0" tIns="0" bIns="0"/>
-          <a:p>
-            <a:pPr algn="r"/>
-            <a:fld id="{7A8BFE89-CA1D-4806-9930-27941283E055}" type="slidenum">
-              <a:rPr b="0" lang="en-US" sz="1400" spc="-1" strike="noStrike">
-                <a:latin typeface="Open Sans"/>
-              </a:rPr>
-              <a:t>&lt;number&gt;</a:t>
-            </a:fld>
-            <a:r>
-              <a:rPr b="0" lang="en-US" sz="1400" spc="-1" strike="noStrike">
-                <a:latin typeface="Open Sans"/>
-              </a:rPr>
-              <a:t> / </a:t>
-            </a:r>
-            <a:fld id="{1798D852-DDFA-4311-871B-6C0AB96DCBA9}" type="slidecount">
-              <a:rPr b="0" lang="en-US" sz="1400" spc="-1" strike="noStrike">
-                <a:latin typeface="Open Sans"/>
-              </a:rPr>
-              <a:t>6</a:t>
-            </a:fld>
-            <a:endParaRPr b="0" lang="en-US" sz="1400" spc="-1" strike="noStrike">
-              <a:latin typeface="Open Sans"/>
-            </a:endParaRPr>
-          </a:p>
-        </p:txBody>
-      </p:sp>
-      <p:sp>
-        <p:nvSpPr>
-          <p:cNvPr id="47" name="CustomShape 6"/>
+          <p:cNvPr id="39" name="CustomShape 1"/>
           <p:cNvSpPr/>
           <p:nvPr/>
         </p:nvSpPr>
         <p:spPr>
           <a:xfrm>
             <a:off x="0" y="288000"/>
-            <a:ext cx="504000" cy="1080000"/>
+            <a:ext cx="503640" cy="1079640"/>
           </a:xfrm>
           <a:prstGeom prst="rect">
             <a:avLst/>
@@ -3642,6 +3006,217 @@
           <a:effectRef idx="0"/>
           <a:fontRef idx="minor"/>
         </p:style>
+      </p:sp>
+      <p:sp>
+        <p:nvSpPr>
+          <p:cNvPr id="40" name="PlaceHolder 2"/>
+          <p:cNvSpPr>
+            <a:spLocks noGrp="1"/>
+          </p:cNvSpPr>
+          <p:nvPr>
+            <p:ph type="title"/>
+          </p:nvPr>
+        </p:nvSpPr>
+        <p:spPr>
+          <a:xfrm>
+            <a:off x="720000" y="300960"/>
+            <a:ext cx="8855280" cy="1262160"/>
+          </a:xfrm>
+          <a:prstGeom prst="rect">
+            <a:avLst/>
+          </a:prstGeom>
+        </p:spPr>
+        <p:txBody>
+          <a:bodyPr lIns="0" rIns="0" tIns="0" bIns="0" anchor="ctr"/>
+          <a:p>
+            <a:r>
+              <a:rPr b="0" lang="en-US" sz="1800" spc="-1" strike="noStrike">
+                <a:latin typeface="Arial"/>
+              </a:rPr>
+              <a:t>Click to edit the title text format</a:t>
+            </a:r>
+            <a:endParaRPr b="0" lang="en-US" sz="1800" spc="-1" strike="noStrike">
+              <a:latin typeface="Arial"/>
+            </a:endParaRPr>
+          </a:p>
+        </p:txBody>
+      </p:sp>
+      <p:sp>
+        <p:nvSpPr>
+          <p:cNvPr id="41" name="PlaceHolder 3"/>
+          <p:cNvSpPr>
+            <a:spLocks noGrp="1"/>
+          </p:cNvSpPr>
+          <p:nvPr>
+            <p:ph type="body"/>
+          </p:nvPr>
+        </p:nvSpPr>
+        <p:spPr>
+          <a:xfrm>
+            <a:off x="720000" y="2160000"/>
+            <a:ext cx="8639640" cy="4384440"/>
+          </a:xfrm>
+          <a:prstGeom prst="rect">
+            <a:avLst/>
+          </a:prstGeom>
+        </p:spPr>
+        <p:txBody>
+          <a:bodyPr lIns="0" rIns="0" tIns="0" bIns="0"/>
+          <a:p>
+            <a:pPr marL="432000" indent="-324000">
+              <a:spcBef>
+                <a:spcPts val="1417"/>
+              </a:spcBef>
+              <a:buClr>
+                <a:srgbClr val="000000"/>
+              </a:buClr>
+              <a:buSzPct val="45000"/>
+              <a:buFont typeface="Wingdings" charset="2"/>
+              <a:buChar char=""/>
+            </a:pPr>
+            <a:r>
+              <a:rPr b="0" lang="en-US" sz="1800" spc="-1" strike="noStrike">
+                <a:latin typeface="Arial"/>
+              </a:rPr>
+              <a:t>Click to edit the outline text format</a:t>
+            </a:r>
+            <a:endParaRPr b="0" lang="en-US" sz="1800" spc="-1" strike="noStrike">
+              <a:latin typeface="Arial"/>
+            </a:endParaRPr>
+          </a:p>
+          <a:p>
+            <a:pPr lvl="1" marL="864000" indent="-324000">
+              <a:spcBef>
+                <a:spcPts val="1134"/>
+              </a:spcBef>
+              <a:buClr>
+                <a:srgbClr val="000000"/>
+              </a:buClr>
+              <a:buSzPct val="75000"/>
+              <a:buFont typeface="Symbol" charset="2"/>
+              <a:buChar char=""/>
+            </a:pPr>
+            <a:r>
+              <a:rPr b="0" lang="en-US" sz="1800" spc="-1" strike="noStrike">
+                <a:latin typeface="Arial"/>
+              </a:rPr>
+              <a:t>Second Outline Level</a:t>
+            </a:r>
+            <a:endParaRPr b="0" lang="en-US" sz="1800" spc="-1" strike="noStrike">
+              <a:latin typeface="Arial"/>
+            </a:endParaRPr>
+          </a:p>
+          <a:p>
+            <a:pPr lvl="2" marL="1296000" indent="-288000">
+              <a:spcBef>
+                <a:spcPts val="850"/>
+              </a:spcBef>
+              <a:buClr>
+                <a:srgbClr val="000000"/>
+              </a:buClr>
+              <a:buSzPct val="45000"/>
+              <a:buFont typeface="Wingdings" charset="2"/>
+              <a:buChar char=""/>
+            </a:pPr>
+            <a:r>
+              <a:rPr b="0" lang="en-US" sz="1800" spc="-1" strike="noStrike">
+                <a:latin typeface="Arial"/>
+              </a:rPr>
+              <a:t>Third Outline Level</a:t>
+            </a:r>
+            <a:endParaRPr b="0" lang="en-US" sz="1800" spc="-1" strike="noStrike">
+              <a:latin typeface="Arial"/>
+            </a:endParaRPr>
+          </a:p>
+          <a:p>
+            <a:pPr lvl="3" marL="1728000" indent="-216000">
+              <a:spcBef>
+                <a:spcPts val="567"/>
+              </a:spcBef>
+              <a:buClr>
+                <a:srgbClr val="000000"/>
+              </a:buClr>
+              <a:buSzPct val="75000"/>
+              <a:buFont typeface="Symbol" charset="2"/>
+              <a:buChar char=""/>
+            </a:pPr>
+            <a:r>
+              <a:rPr b="0" lang="en-US" sz="1800" spc="-1" strike="noStrike">
+                <a:latin typeface="Arial"/>
+              </a:rPr>
+              <a:t>Fourth Outline Level</a:t>
+            </a:r>
+            <a:endParaRPr b="0" lang="en-US" sz="1800" spc="-1" strike="noStrike">
+              <a:latin typeface="Arial"/>
+            </a:endParaRPr>
+          </a:p>
+          <a:p>
+            <a:pPr lvl="4" marL="2160000" indent="-216000">
+              <a:spcBef>
+                <a:spcPts val="283"/>
+              </a:spcBef>
+              <a:buClr>
+                <a:srgbClr val="000000"/>
+              </a:buClr>
+              <a:buSzPct val="45000"/>
+              <a:buFont typeface="Wingdings" charset="2"/>
+              <a:buChar char=""/>
+            </a:pPr>
+            <a:r>
+              <a:rPr b="0" lang="en-US" sz="1800" spc="-1" strike="noStrike">
+                <a:latin typeface="Arial"/>
+              </a:rPr>
+              <a:t>Fifth Outline Level</a:t>
+            </a:r>
+            <a:endParaRPr b="0" lang="en-US" sz="1800" spc="-1" strike="noStrike">
+              <a:latin typeface="Arial"/>
+            </a:endParaRPr>
+          </a:p>
+          <a:p>
+            <a:pPr lvl="5" marL="2592000" indent="-216000">
+              <a:spcBef>
+                <a:spcPts val="283"/>
+              </a:spcBef>
+              <a:buClr>
+                <a:srgbClr val="000000"/>
+              </a:buClr>
+              <a:buSzPct val="45000"/>
+              <a:buFont typeface="Wingdings" charset="2"/>
+              <a:buChar char=""/>
+            </a:pPr>
+            <a:r>
+              <a:rPr b="0" lang="en-US" sz="1800" spc="-1" strike="noStrike">
+                <a:latin typeface="Arial"/>
+              </a:rPr>
+              <a:t>Sixth Outline Level</a:t>
+            </a:r>
+            <a:endParaRPr b="0" lang="en-US" sz="1800" spc="-1" strike="noStrike">
+              <a:latin typeface="Arial"/>
+            </a:endParaRPr>
+          </a:p>
+          <a:p>
+            <a:pPr lvl="6" marL="3024000" indent="-216000">
+              <a:spcBef>
+                <a:spcPts val="283"/>
+              </a:spcBef>
+              <a:buClr>
+                <a:srgbClr val="000000"/>
+              </a:buClr>
+              <a:buSzPct val="45000"/>
+              <a:buFont typeface="Wingdings" charset="2"/>
+              <a:buChar char=""/>
+            </a:pPr>
+            <a:r>
+              <a:rPr b="0" lang="en-US" sz="1800" spc="-1" strike="noStrike">
+                <a:latin typeface="Arial"/>
+              </a:rPr>
+              <a:t>Seventh Outline Level</a:t>
+            </a:r>
+            <a:endParaRPr b="0" lang="en-US" sz="1800" spc="-1" strike="noStrike">
+              <a:latin typeface="Arial"/>
+            </a:endParaRPr>
+          </a:p>
+        </p:txBody>
       </p:sp>
     </p:spTree>
   </p:cSld>
@@ -3682,14 +3257,14 @@
       </p:grpSpPr>
       <p:sp>
         <p:nvSpPr>
-          <p:cNvPr id="84" name="TextShape 1"/>
-          <p:cNvSpPr txBox="1"/>
+          <p:cNvPr id="78" name="CustomShape 1"/>
+          <p:cNvSpPr/>
           <p:nvPr/>
         </p:nvSpPr>
         <p:spPr>
           <a:xfrm>
             <a:off x="792000" y="4104000"/>
-            <a:ext cx="8568000" cy="1440000"/>
+            <a:ext cx="8567640" cy="1439640"/>
           </a:xfrm>
           <a:prstGeom prst="rect">
             <a:avLst/>
@@ -3699,6 +3274,12 @@
             <a:noFill/>
           </a:ln>
         </p:spPr>
+        <p:style>
+          <a:lnRef idx="0"/>
+          <a:fillRef idx="0"/>
+          <a:effectRef idx="0"/>
+          <a:fontRef idx="minor"/>
+        </p:style>
         <p:txBody>
           <a:bodyPr lIns="0" rIns="0" tIns="0" bIns="0" anchor="ctr">
             <a:normAutofit/>
@@ -3713,25 +3294,22 @@
               </a:rPr>
               <a:t>JAVA ONE</a:t>
             </a:r>
-            <a:endParaRPr b="1" lang="en-US" sz="4800" spc="-1" strike="noStrike">
-              <a:solidFill>
-                <a:srgbClr val="333333"/>
-              </a:solidFill>
-              <a:latin typeface="Open Sans"/>
-            </a:endParaRPr>
-          </a:p>
-        </p:txBody>
-      </p:sp>
-      <p:sp>
-        <p:nvSpPr>
-          <p:cNvPr id="85" name="TextShape 2"/>
-          <p:cNvSpPr txBox="1"/>
+            <a:endParaRPr b="0" lang="en-US" sz="4800" spc="-1" strike="noStrike">
+              <a:latin typeface="Arial"/>
+            </a:endParaRPr>
+          </a:p>
+        </p:txBody>
+      </p:sp>
+      <p:sp>
+        <p:nvSpPr>
+          <p:cNvPr id="79" name="CustomShape 2"/>
+          <p:cNvSpPr/>
           <p:nvPr/>
         </p:nvSpPr>
         <p:spPr>
           <a:xfrm>
             <a:off x="792000" y="5904000"/>
-            <a:ext cx="8568000" cy="982440"/>
+            <a:ext cx="8567640" cy="982080"/>
           </a:xfrm>
           <a:prstGeom prst="rect">
             <a:avLst/>
@@ -3741,15 +3319,12 @@
             <a:noFill/>
           </a:ln>
         </p:spPr>
-        <p:txBody>
-          <a:bodyPr lIns="0" rIns="0" tIns="0" bIns="0" anchor="ctr"/>
-          <a:p>
-            <a:pPr algn="ctr"/>
-            <a:endParaRPr b="0" lang="en-US" sz="3200" spc="-1" strike="noStrike">
-              <a:latin typeface="Open Sans"/>
-            </a:endParaRPr>
-          </a:p>
-        </p:txBody>
+        <p:style>
+          <a:lnRef idx="0"/>
+          <a:fillRef idx="0"/>
+          <a:effectRef idx="0"/>
+          <a:fontRef idx="minor"/>
+        </p:style>
       </p:sp>
     </p:spTree>
   </p:cSld>
@@ -3802,14 +3377,14 @@
       </p:grpSpPr>
       <p:sp>
         <p:nvSpPr>
-          <p:cNvPr id="86" name="TextShape 1"/>
-          <p:cNvSpPr txBox="1"/>
+          <p:cNvPr id="80" name="CustomShape 1"/>
+          <p:cNvSpPr/>
           <p:nvPr/>
         </p:nvSpPr>
         <p:spPr>
           <a:xfrm>
             <a:off x="720000" y="300960"/>
-            <a:ext cx="8855640" cy="1262520"/>
+            <a:ext cx="8855280" cy="1262160"/>
           </a:xfrm>
           <a:prstGeom prst="rect">
             <a:avLst/>
@@ -3819,10 +3394,19 @@
             <a:noFill/>
           </a:ln>
         </p:spPr>
+        <p:style>
+          <a:lnRef idx="0"/>
+          <a:fillRef idx="0"/>
+          <a:effectRef idx="0"/>
+          <a:fontRef idx="minor"/>
+        </p:style>
         <p:txBody>
           <a:bodyPr lIns="0" rIns="0" tIns="0" bIns="0" anchor="ctr"/>
           <a:p>
-            <a:pPr marL="216000" indent="-216000">
+            <a:pPr marL="216000" indent="-215640">
+              <a:lnSpc>
+                <a:spcPct val="100000"/>
+              </a:lnSpc>
               <a:buClr>
                 <a:srgbClr val="000000"/>
               </a:buClr>
@@ -3839,25 +3423,22 @@
               </a:rPr>
               <a:t>Keynote</a:t>
             </a:r>
-            <a:endParaRPr b="1" lang="en-US" sz="4400" spc="-1" strike="noStrike">
-              <a:solidFill>
-                <a:srgbClr val="333333"/>
-              </a:solidFill>
-              <a:latin typeface="Open Sans"/>
-            </a:endParaRPr>
-          </a:p>
-        </p:txBody>
-      </p:sp>
-      <p:sp>
-        <p:nvSpPr>
-          <p:cNvPr id="87" name="TextShape 2"/>
-          <p:cNvSpPr txBox="1"/>
+            <a:endParaRPr b="0" lang="en-US" sz="4400" spc="-1" strike="noStrike">
+              <a:latin typeface="Arial"/>
+            </a:endParaRPr>
+          </a:p>
+        </p:txBody>
+      </p:sp>
+      <p:sp>
+        <p:nvSpPr>
+          <p:cNvPr id="81" name="CustomShape 2"/>
+          <p:cNvSpPr/>
           <p:nvPr/>
         </p:nvSpPr>
         <p:spPr>
           <a:xfrm>
             <a:off x="720000" y="2160000"/>
-            <a:ext cx="8640000" cy="4384800"/>
+            <a:ext cx="8639640" cy="4384440"/>
           </a:xfrm>
           <a:prstGeom prst="rect">
             <a:avLst/>
@@ -3867,10 +3448,19 @@
             <a:noFill/>
           </a:ln>
         </p:spPr>
+        <p:style>
+          <a:lnRef idx="0"/>
+          <a:fillRef idx="0"/>
+          <a:effectRef idx="0"/>
+          <a:fontRef idx="minor"/>
+        </p:style>
         <p:txBody>
           <a:bodyPr lIns="0" rIns="0" tIns="0" bIns="0"/>
           <a:p>
-            <a:pPr marL="432000" indent="-324000">
+            <a:pPr marL="432000" indent="-323640">
+              <a:lnSpc>
+                <a:spcPct val="100000"/>
+              </a:lnSpc>
               <a:spcAft>
                 <a:spcPts val="1414"/>
               </a:spcAft>
@@ -3891,14 +3481,14 @@
               <a:t>Open Source Announcements</a:t>
             </a:r>
             <a:endParaRPr b="0" lang="en-US" sz="2800" spc="-1" strike="noStrike">
-              <a:solidFill>
-                <a:srgbClr val="333333"/>
-              </a:solidFill>
-              <a:latin typeface="Open Sans"/>
-            </a:endParaRPr>
-          </a:p>
-          <a:p>
-            <a:pPr marL="432000" indent="-324000">
+              <a:latin typeface="Arial"/>
+            </a:endParaRPr>
+          </a:p>
+          <a:p>
+            <a:pPr marL="432000" indent="-323640">
+              <a:lnSpc>
+                <a:spcPct val="100000"/>
+              </a:lnSpc>
               <a:spcAft>
                 <a:spcPts val="1414"/>
               </a:spcAft>
@@ -3928,14 +3518,14 @@
               <a:t>	</a:t>
             </a:r>
             <a:endParaRPr b="0" lang="en-US" sz="2800" spc="-1" strike="noStrike">
-              <a:solidFill>
-                <a:srgbClr val="333333"/>
-              </a:solidFill>
-              <a:latin typeface="Open Sans"/>
-            </a:endParaRPr>
-          </a:p>
-          <a:p>
-            <a:pPr marL="432000" indent="-324000">
+              <a:latin typeface="Arial"/>
+            </a:endParaRPr>
+          </a:p>
+          <a:p>
+            <a:pPr marL="432000" indent="-323640">
+              <a:lnSpc>
+                <a:spcPct val="100000"/>
+              </a:lnSpc>
               <a:spcAft>
                 <a:spcPts val="1414"/>
               </a:spcAft>
@@ -3956,14 +3546,14 @@
               <a:t>JAVA 9</a:t>
             </a:r>
             <a:endParaRPr b="0" lang="en-US" sz="2800" spc="-1" strike="noStrike">
-              <a:solidFill>
-                <a:srgbClr val="333333"/>
-              </a:solidFill>
-              <a:latin typeface="Open Sans"/>
-            </a:endParaRPr>
-          </a:p>
-          <a:p>
-            <a:pPr lvl="2" marL="1296000" indent="-288000">
+              <a:latin typeface="Arial"/>
+            </a:endParaRPr>
+          </a:p>
+          <a:p>
+            <a:pPr lvl="2" marL="1296000" indent="-287640">
+              <a:lnSpc>
+                <a:spcPct val="100000"/>
+              </a:lnSpc>
               <a:spcAft>
                 <a:spcPts val="845"/>
               </a:spcAft>
@@ -3984,14 +3574,14 @@
               <a:t>Jshell</a:t>
             </a:r>
             <a:endParaRPr b="0" lang="en-US" sz="2800" spc="-1" strike="noStrike">
-              <a:solidFill>
-                <a:srgbClr val="333333"/>
-              </a:solidFill>
-              <a:latin typeface="Open Sans"/>
-            </a:endParaRPr>
-          </a:p>
-          <a:p>
-            <a:pPr lvl="2" marL="1296000" indent="-288000">
+              <a:latin typeface="Arial"/>
+            </a:endParaRPr>
+          </a:p>
+          <a:p>
+            <a:pPr lvl="2" marL="1296000" indent="-287640">
+              <a:lnSpc>
+                <a:spcPct val="100000"/>
+              </a:lnSpc>
               <a:spcAft>
                 <a:spcPts val="845"/>
               </a:spcAft>
@@ -4012,14 +3602,14 @@
               <a:t>Java module</a:t>
             </a:r>
             <a:endParaRPr b="0" lang="en-US" sz="2800" spc="-1" strike="noStrike">
-              <a:solidFill>
-                <a:srgbClr val="333333"/>
-              </a:solidFill>
-              <a:latin typeface="Open Sans"/>
-            </a:endParaRPr>
-          </a:p>
-          <a:p>
-            <a:pPr lvl="2" marL="1296000" indent="-288000">
+              <a:latin typeface="Arial"/>
+            </a:endParaRPr>
+          </a:p>
+          <a:p>
+            <a:pPr lvl="2" marL="1296000" indent="-287640">
+              <a:lnSpc>
+                <a:spcPct val="100000"/>
+              </a:lnSpc>
               <a:spcAft>
                 <a:spcPts val="845"/>
               </a:spcAft>
@@ -4040,43 +3630,34 @@
               <a:t>Collections</a:t>
             </a:r>
             <a:endParaRPr b="0" lang="en-US" sz="2800" spc="-1" strike="noStrike">
-              <a:solidFill>
-                <a:srgbClr val="333333"/>
-              </a:solidFill>
-              <a:latin typeface="Open Sans"/>
-            </a:endParaRPr>
-          </a:p>
-          <a:p>
-            <a:pPr lvl="2" marL="1296000" indent="-288000">
+              <a:latin typeface="Arial"/>
+            </a:endParaRPr>
+          </a:p>
+          <a:p>
+            <a:pPr>
+              <a:lnSpc>
+                <a:spcPct val="100000"/>
+              </a:lnSpc>
               <a:spcAft>
                 <a:spcPts val="845"/>
               </a:spcAft>
-              <a:buClr>
-                <a:srgbClr val="ef2929"/>
-              </a:buClr>
-              <a:buSzPct val="45000"/>
-              <a:buFont typeface="Wingdings" charset="2"/>
-              <a:buChar char=""/>
             </a:pPr>
             <a:endParaRPr b="0" lang="en-US" sz="2800" spc="-1" strike="noStrike">
-              <a:solidFill>
-                <a:srgbClr val="333333"/>
-              </a:solidFill>
-              <a:latin typeface="Open Sans"/>
-            </a:endParaRPr>
-          </a:p>
-        </p:txBody>
-      </p:sp>
-      <p:sp>
-        <p:nvSpPr>
-          <p:cNvPr id="88" name="TextShape 3"/>
-          <p:cNvSpPr txBox="1"/>
+              <a:latin typeface="Arial"/>
+            </a:endParaRPr>
+          </a:p>
+        </p:txBody>
+      </p:sp>
+      <p:sp>
+        <p:nvSpPr>
+          <p:cNvPr id="82" name="CustomShape 3"/>
+          <p:cNvSpPr/>
           <p:nvPr/>
         </p:nvSpPr>
         <p:spPr>
           <a:xfrm>
             <a:off x="8134920" y="300960"/>
-            <a:ext cx="1832040" cy="426600"/>
+            <a:ext cx="1831680" cy="426240"/>
           </a:xfrm>
           <a:prstGeom prst="rect">
             <a:avLst/>
@@ -4086,14 +3667,20 @@
             <a:noFill/>
           </a:ln>
         </p:spPr>
+        <p:style>
+          <a:lnRef idx="0"/>
+          <a:fillRef idx="0"/>
+          <a:effectRef idx="0"/>
+          <a:fontRef idx="minor"/>
+        </p:style>
         <p:txBody>
           <a:bodyPr lIns="90000" rIns="90000" tIns="45000" bIns="45000"/>
           <a:p>
-            <a:fld id="{BCB00878-69DD-4626-A18F-03338D324F2E}" type="datetime11">
+            <a:fld id="{DF13E6A8-590C-4F98-BB13-86B8F128F8EC}" type="datetime11">
               <a:rPr b="0" lang="en-US" sz="1800" spc="-1" strike="noStrike">
                 <a:latin typeface="Arial"/>
               </a:rPr>
-              <a:t>01:52:38 AM</a:t>
+              <a:t>12:58:55 PM</a:t>
             </a:fld>
             <a:endParaRPr b="0" lang="en-US" sz="1800" spc="-1" strike="noStrike">
               <a:latin typeface="Arial"/>
@@ -4152,14 +3739,14 @@
       </p:grpSpPr>
       <p:sp>
         <p:nvSpPr>
-          <p:cNvPr id="89" name="TextShape 1"/>
-          <p:cNvSpPr txBox="1"/>
+          <p:cNvPr id="83" name="CustomShape 1"/>
+          <p:cNvSpPr/>
           <p:nvPr/>
         </p:nvSpPr>
         <p:spPr>
           <a:xfrm>
             <a:off x="720000" y="300960"/>
-            <a:ext cx="8855640" cy="1262520"/>
+            <a:ext cx="8855280" cy="1262160"/>
           </a:xfrm>
           <a:prstGeom prst="rect">
             <a:avLst/>
@@ -4169,6 +3756,12 @@
             <a:noFill/>
           </a:ln>
         </p:spPr>
+        <p:style>
+          <a:lnRef idx="0"/>
+          <a:fillRef idx="0"/>
+          <a:effectRef idx="0"/>
+          <a:fontRef idx="minor"/>
+        </p:style>
         <p:txBody>
           <a:bodyPr lIns="0" rIns="0" tIns="0" bIns="0" anchor="ctr"/>
           <a:p>
@@ -4181,25 +3774,22 @@
               </a:rPr>
               <a:t>JAVA MODULE</a:t>
             </a:r>
-            <a:endParaRPr b="1" lang="en-US" sz="4400" spc="-1" strike="noStrike">
-              <a:solidFill>
-                <a:srgbClr val="333333"/>
-              </a:solidFill>
-              <a:latin typeface="Open Sans"/>
-            </a:endParaRPr>
-          </a:p>
-        </p:txBody>
-      </p:sp>
-      <p:sp>
-        <p:nvSpPr>
-          <p:cNvPr id="90" name="TextShape 2"/>
-          <p:cNvSpPr txBox="1"/>
+            <a:endParaRPr b="0" lang="en-US" sz="4400" spc="-1" strike="noStrike">
+              <a:latin typeface="Arial"/>
+            </a:endParaRPr>
+          </a:p>
+        </p:txBody>
+      </p:sp>
+      <p:sp>
+        <p:nvSpPr>
+          <p:cNvPr id="84" name="CustomShape 2"/>
+          <p:cNvSpPr/>
           <p:nvPr/>
         </p:nvSpPr>
         <p:spPr>
           <a:xfrm>
             <a:off x="720000" y="2160000"/>
-            <a:ext cx="8640000" cy="4384800"/>
+            <a:ext cx="8639640" cy="4384440"/>
           </a:xfrm>
           <a:prstGeom prst="rect">
             <a:avLst/>
@@ -4209,10 +3799,19 @@
             <a:noFill/>
           </a:ln>
         </p:spPr>
+        <p:style>
+          <a:lnRef idx="0"/>
+          <a:fillRef idx="0"/>
+          <a:effectRef idx="0"/>
+          <a:fontRef idx="minor"/>
+        </p:style>
         <p:txBody>
           <a:bodyPr lIns="0" rIns="0" tIns="0" bIns="0"/>
           <a:p>
-            <a:pPr marL="432000" indent="-324000">
+            <a:pPr marL="432000" indent="-323640">
+              <a:lnSpc>
+                <a:spcPct val="100000"/>
+              </a:lnSpc>
               <a:spcAft>
                 <a:spcPts val="1414"/>
               </a:spcAft>
@@ -4233,14 +3832,14 @@
               <a:t>Why Java Module</a:t>
             </a:r>
             <a:endParaRPr b="0" lang="en-US" sz="2800" spc="-1" strike="noStrike">
-              <a:solidFill>
-                <a:srgbClr val="333333"/>
-              </a:solidFill>
-              <a:latin typeface="Open Sans"/>
-            </a:endParaRPr>
-          </a:p>
-          <a:p>
-            <a:pPr marL="432000" indent="-324000">
+              <a:latin typeface="Arial"/>
+            </a:endParaRPr>
+          </a:p>
+          <a:p>
+            <a:pPr marL="432000" indent="-323640">
+              <a:lnSpc>
+                <a:spcPct val="100000"/>
+              </a:lnSpc>
               <a:spcAft>
                 <a:spcPts val="1414"/>
               </a:spcAft>
@@ -4261,24 +3860,21 @@
               <a:t>Demo</a:t>
             </a:r>
             <a:endParaRPr b="0" lang="en-US" sz="2800" spc="-1" strike="noStrike">
-              <a:solidFill>
-                <a:srgbClr val="333333"/>
-              </a:solidFill>
-              <a:latin typeface="Open Sans"/>
-            </a:endParaRPr>
-          </a:p>
-        </p:txBody>
-      </p:sp>
-      <p:sp>
-        <p:nvSpPr>
-          <p:cNvPr id="91" name="TextShape 3"/>
-          <p:cNvSpPr txBox="1"/>
+              <a:latin typeface="Arial"/>
+            </a:endParaRPr>
+          </a:p>
+        </p:txBody>
+      </p:sp>
+      <p:sp>
+        <p:nvSpPr>
+          <p:cNvPr id="85" name="CustomShape 3"/>
+          <p:cNvSpPr/>
           <p:nvPr/>
         </p:nvSpPr>
         <p:spPr>
           <a:xfrm>
             <a:off x="8046720" y="274320"/>
-            <a:ext cx="1832040" cy="426600"/>
+            <a:ext cx="1831680" cy="426240"/>
           </a:xfrm>
           <a:prstGeom prst="rect">
             <a:avLst/>
@@ -4288,14 +3884,20 @@
             <a:noFill/>
           </a:ln>
         </p:spPr>
+        <p:style>
+          <a:lnRef idx="0"/>
+          <a:fillRef idx="0"/>
+          <a:effectRef idx="0"/>
+          <a:fontRef idx="minor"/>
+        </p:style>
         <p:txBody>
           <a:bodyPr lIns="90000" rIns="90000" tIns="45000" bIns="45000"/>
           <a:p>
-            <a:fld id="{C5F98F06-5E67-4413-8A25-AC565E25F6D3}" type="datetime11">
+            <a:fld id="{4881B219-11E2-4B2F-A4BD-7A8095CDC3C8}" type="datetime11">
               <a:rPr b="0" lang="en-US" sz="1800" spc="-1" strike="noStrike">
                 <a:latin typeface="Arial"/>
               </a:rPr>
-              <a:t>01:52:38 AM</a:t>
+              <a:t>12:58:55 PM</a:t>
             </a:fld>
             <a:endParaRPr b="0" lang="en-US" sz="1800" spc="-1" strike="noStrike">
               <a:latin typeface="Arial"/>
@@ -4354,14 +3956,14 @@
       </p:grpSpPr>
       <p:sp>
         <p:nvSpPr>
-          <p:cNvPr id="92" name="TextShape 1"/>
-          <p:cNvSpPr txBox="1"/>
+          <p:cNvPr id="86" name="CustomShape 1"/>
+          <p:cNvSpPr/>
           <p:nvPr/>
         </p:nvSpPr>
         <p:spPr>
           <a:xfrm>
             <a:off x="720000" y="300960"/>
-            <a:ext cx="8855640" cy="1262520"/>
+            <a:ext cx="8855280" cy="1262160"/>
           </a:xfrm>
           <a:prstGeom prst="rect">
             <a:avLst/>
@@ -4371,6 +3973,12 @@
             <a:noFill/>
           </a:ln>
         </p:spPr>
+        <p:style>
+          <a:lnRef idx="0"/>
+          <a:fillRef idx="0"/>
+          <a:effectRef idx="0"/>
+          <a:fontRef idx="minor"/>
+        </p:style>
         <p:txBody>
           <a:bodyPr lIns="0" rIns="0" tIns="0" bIns="0" anchor="ctr"/>
           <a:p>
@@ -4381,27 +3989,24 @@
                 </a:solidFill>
                 <a:latin typeface="Open Sans"/>
               </a:rPr>
-              <a:t>IOT</a:t>
-            </a:r>
-            <a:endParaRPr b="1" lang="en-US" sz="4400" spc="-1" strike="noStrike">
-              <a:solidFill>
-                <a:srgbClr val="333333"/>
-              </a:solidFill>
-              <a:latin typeface="Open Sans"/>
-            </a:endParaRPr>
-          </a:p>
-        </p:txBody>
-      </p:sp>
-      <p:sp>
-        <p:nvSpPr>
-          <p:cNvPr id="93" name="TextShape 2"/>
-          <p:cNvSpPr txBox="1"/>
+              <a:t>IOT Demo</a:t>
+            </a:r>
+            <a:endParaRPr b="0" lang="en-US" sz="4400" spc="-1" strike="noStrike">
+              <a:latin typeface="Arial"/>
+            </a:endParaRPr>
+          </a:p>
+        </p:txBody>
+      </p:sp>
+      <p:sp>
+        <p:nvSpPr>
+          <p:cNvPr id="87" name="CustomShape 2"/>
+          <p:cNvSpPr/>
           <p:nvPr/>
         </p:nvSpPr>
         <p:spPr>
           <a:xfrm>
             <a:off x="720000" y="2160000"/>
-            <a:ext cx="8640000" cy="4384800"/>
+            <a:ext cx="8639640" cy="4384440"/>
           </a:xfrm>
           <a:prstGeom prst="rect">
             <a:avLst/>
@@ -4411,28 +4016,23 @@
             <a:noFill/>
           </a:ln>
         </p:spPr>
-        <p:txBody>
-          <a:bodyPr lIns="0" rIns="0" tIns="0" bIns="0"/>
-          <a:p>
-            <a:endParaRPr b="0" lang="en-US" sz="2800" spc="-1" strike="noStrike">
-              <a:solidFill>
-                <a:srgbClr val="333333"/>
-              </a:solidFill>
-              <a:latin typeface="Open Sans"/>
-            </a:endParaRPr>
-          </a:p>
-        </p:txBody>
-      </p:sp>
-      <p:sp>
-        <p:nvSpPr>
-          <p:cNvPr id="94" name="TextShape 3"/>
-          <p:cNvSpPr txBox="1"/>
+        <p:style>
+          <a:lnRef idx="0"/>
+          <a:fillRef idx="0"/>
+          <a:effectRef idx="0"/>
+          <a:fontRef idx="minor"/>
+        </p:style>
+      </p:sp>
+      <p:sp>
+        <p:nvSpPr>
+          <p:cNvPr id="88" name="CustomShape 3"/>
+          <p:cNvSpPr/>
           <p:nvPr/>
         </p:nvSpPr>
         <p:spPr>
           <a:xfrm>
             <a:off x="8412480" y="182880"/>
-            <a:ext cx="1832040" cy="426600"/>
+            <a:ext cx="1831680" cy="426240"/>
           </a:xfrm>
           <a:prstGeom prst="rect">
             <a:avLst/>
@@ -4442,14 +4042,20 @@
             <a:noFill/>
           </a:ln>
         </p:spPr>
+        <p:style>
+          <a:lnRef idx="0"/>
+          <a:fillRef idx="0"/>
+          <a:effectRef idx="0"/>
+          <a:fontRef idx="minor"/>
+        </p:style>
         <p:txBody>
           <a:bodyPr lIns="90000" rIns="90000" tIns="45000" bIns="45000"/>
           <a:p>
-            <a:fld id="{7472DD6F-903D-47DA-988B-1CF2F05F0E59}" type="datetime11">
+            <a:fld id="{FE78B16D-93B5-4572-A786-A5B9DB4184DE}" type="datetime11">
               <a:rPr b="0" lang="en-US" sz="1800" spc="-1" strike="noStrike">
                 <a:latin typeface="Arial"/>
               </a:rPr>
-              <a:t>01:52:38 AM</a:t>
+              <a:t>12:58:55 PM</a:t>
             </a:fld>
             <a:endParaRPr b="0" lang="en-US" sz="1800" spc="-1" strike="noStrike">
               <a:latin typeface="Arial"/>
@@ -4508,14 +4114,14 @@
       </p:grpSpPr>
       <p:sp>
         <p:nvSpPr>
-          <p:cNvPr id="95" name="TextShape 1"/>
+          <p:cNvPr id="89" name="TextShape 1"/>
           <p:cNvSpPr txBox="1"/>
           <p:nvPr/>
         </p:nvSpPr>
         <p:spPr>
           <a:xfrm>
-            <a:off x="720000" y="300960"/>
-            <a:ext cx="8855640" cy="1262520"/>
+            <a:off x="201240" y="335880"/>
+            <a:ext cx="8618760" cy="1007640"/>
           </a:xfrm>
           <a:prstGeom prst="rect">
             <a:avLst/>
@@ -4526,36 +4132,40 @@
           </a:ln>
         </p:spPr>
         <p:txBody>
-          <a:bodyPr lIns="0" rIns="0" tIns="0" bIns="0" anchor="ctr"/>
-          <a:p>
-            <a:r>
-              <a:rPr b="1" lang="en-US" sz="4400" spc="-1" strike="noStrike">
+          <a:bodyPr anchor="b">
+            <a:normAutofit/>
+          </a:bodyPr>
+          <a:p>
+            <a:pPr>
+              <a:lnSpc>
+                <a:spcPct val="100000"/>
+              </a:lnSpc>
+            </a:pPr>
+            <a:r>
+              <a:rPr b="0" lang="en-US" sz="5000" spc="-1" strike="noStrike">
                 <a:solidFill>
-                  <a:srgbClr val="333333"/>
+                  <a:srgbClr val="000000"/>
                 </a:solidFill>
-                <a:latin typeface="Open Sans"/>
-              </a:rPr>
-              <a:t>JShell</a:t>
-            </a:r>
-            <a:endParaRPr b="1" lang="en-US" sz="4400" spc="-1" strike="noStrike">
-              <a:solidFill>
-                <a:srgbClr val="333333"/>
-              </a:solidFill>
-              <a:latin typeface="Open Sans"/>
-            </a:endParaRPr>
-          </a:p>
-        </p:txBody>
-      </p:sp>
-      <p:sp>
-        <p:nvSpPr>
-          <p:cNvPr id="96" name="TextShape 2"/>
-          <p:cNvSpPr txBox="1"/>
+                <a:latin typeface="Calibri Light"/>
+              </a:rPr>
+              <a:t>What is Jshell?</a:t>
+            </a:r>
+            <a:endParaRPr b="0" lang="en-US" sz="5000" spc="-1" strike="noStrike">
+              <a:latin typeface="Arial"/>
+            </a:endParaRPr>
+          </a:p>
+        </p:txBody>
+      </p:sp>
+      <p:sp>
+        <p:nvSpPr>
+          <p:cNvPr id="90" name="CustomShape 2"/>
+          <p:cNvSpPr/>
           <p:nvPr/>
         </p:nvSpPr>
         <p:spPr>
           <a:xfrm>
-            <a:off x="720000" y="2160000"/>
-            <a:ext cx="8640000" cy="4384800"/>
+            <a:off x="731520" y="1747080"/>
+            <a:ext cx="9374760" cy="5571720"/>
           </a:xfrm>
           <a:prstGeom prst="rect">
             <a:avLst/>
@@ -4565,14 +4175,264 @@
             <a:noFill/>
           </a:ln>
         </p:spPr>
-        <p:txBody>
-          <a:bodyPr lIns="0" rIns="0" tIns="0" bIns="0"/>
-          <a:p>
-            <a:endParaRPr b="0" lang="en-US" sz="2800" spc="-1" strike="noStrike">
-              <a:solidFill>
-                <a:srgbClr val="333333"/>
-              </a:solidFill>
-              <a:latin typeface="Open Sans"/>
+        <p:style>
+          <a:lnRef idx="0"/>
+          <a:fillRef idx="0"/>
+          <a:effectRef idx="0"/>
+          <a:fontRef idx="minor"/>
+        </p:style>
+        <p:txBody>
+          <a:bodyPr lIns="90000" rIns="90000" tIns="45000" bIns="45000"/>
+          <a:p>
+            <a:pPr marL="216000" indent="-216000">
+              <a:lnSpc>
+                <a:spcPct val="100000"/>
+              </a:lnSpc>
+              <a:buClr>
+                <a:srgbClr val="ce181e"/>
+              </a:buClr>
+              <a:buSzPct val="45000"/>
+              <a:buFont typeface="Wingdings" charset="2"/>
+              <a:buChar char=""/>
+            </a:pPr>
+            <a:r>
+              <a:rPr b="0" lang="en-US" sz="3000" spc="-1" strike="noStrike">
+                <a:solidFill>
+                  <a:srgbClr val="000000"/>
+                </a:solidFill>
+                <a:latin typeface="Calibri"/>
+              </a:rPr>
+              <a:t>Tool</a:t>
+            </a:r>
+            <a:r>
+              <a:rPr b="0" lang="en-US" sz="3000" spc="-1" strike="noStrike">
+                <a:solidFill>
+                  <a:srgbClr val="000000"/>
+                </a:solidFill>
+                <a:latin typeface="Calibri"/>
+              </a:rPr>
+              <a:t> providing a dynamic interaction with the </a:t>
+            </a:r>
+            <a:r>
+              <a:rPr b="0" lang="en-US" sz="3000" spc="-1" strike="noStrike">
+                <a:solidFill>
+                  <a:srgbClr val="000000"/>
+                </a:solidFill>
+                <a:latin typeface="Calibri"/>
+              </a:rPr>
+              <a:t>Java programming language</a:t>
+            </a:r>
+            <a:endParaRPr b="0" lang="en-US" sz="3000" spc="-1" strike="noStrike">
+              <a:latin typeface="Arial"/>
+            </a:endParaRPr>
+          </a:p>
+          <a:p>
+            <a:pPr marL="216000" indent="-216000">
+              <a:lnSpc>
+                <a:spcPct val="100000"/>
+              </a:lnSpc>
+              <a:buClr>
+                <a:srgbClr val="ce181e"/>
+              </a:buClr>
+              <a:buSzPct val="45000"/>
+              <a:buFont typeface="Wingdings" charset="2"/>
+              <a:buChar char=""/>
+            </a:pPr>
+            <a:endParaRPr b="0" lang="en-US" sz="3000" spc="-1" strike="noStrike">
+              <a:latin typeface="Arial"/>
+            </a:endParaRPr>
+          </a:p>
+          <a:p>
+            <a:pPr marL="216000" indent="-216000">
+              <a:lnSpc>
+                <a:spcPct val="100000"/>
+              </a:lnSpc>
+              <a:buClr>
+                <a:srgbClr val="ce181e"/>
+              </a:buClr>
+              <a:buSzPct val="45000"/>
+              <a:buFont typeface="Wingdings" charset="2"/>
+              <a:buChar char=""/>
+            </a:pPr>
+            <a:r>
+              <a:rPr b="0" lang="en-US" sz="3000" spc="-1" strike="noStrike">
+                <a:solidFill>
+                  <a:srgbClr val="000000"/>
+                </a:solidFill>
+                <a:latin typeface="Calibri"/>
+              </a:rPr>
+              <a:t>Read-Evaluate-Print Loop (REPL) for the Java </a:t>
+            </a:r>
+            <a:r>
+              <a:rPr b="0" lang="en-US" sz="3000" spc="-1" strike="noStrike">
+                <a:solidFill>
+                  <a:srgbClr val="000000"/>
+                </a:solidFill>
+                <a:latin typeface="Calibri"/>
+              </a:rPr>
+              <a:t>platform</a:t>
+            </a:r>
+            <a:endParaRPr b="0" lang="en-US" sz="3000" spc="-1" strike="noStrike">
+              <a:latin typeface="Arial"/>
+            </a:endParaRPr>
+          </a:p>
+          <a:p>
+            <a:pPr lvl="2" marL="648000" indent="-216000">
+              <a:lnSpc>
+                <a:spcPct val="100000"/>
+              </a:lnSpc>
+              <a:buClr>
+                <a:srgbClr val="000000"/>
+              </a:buClr>
+              <a:buSzPct val="45000"/>
+              <a:buFont typeface="Wingdings" charset="2"/>
+              <a:buChar char=""/>
+            </a:pPr>
+            <a:r>
+              <a:rPr b="0" lang="en-US" sz="3000" spc="-1" strike="noStrike">
+                <a:solidFill>
+                  <a:srgbClr val="000000"/>
+                </a:solidFill>
+                <a:latin typeface="Calibri"/>
+              </a:rPr>
+              <a:t>-- Type in a snippet of Java code, see the </a:t>
+            </a:r>
+            <a:r>
+              <a:rPr b="0" lang="en-US" sz="3000" spc="-1" strike="noStrike">
+                <a:solidFill>
+                  <a:srgbClr val="000000"/>
+                </a:solidFill>
+                <a:latin typeface="Calibri"/>
+              </a:rPr>
+              <a:t>results</a:t>
+            </a:r>
+            <a:endParaRPr b="0" lang="en-US" sz="3000" spc="-1" strike="noStrike">
+              <a:latin typeface="Arial"/>
+            </a:endParaRPr>
+          </a:p>
+          <a:p>
+            <a:pPr lvl="2" marL="648000" indent="-216000">
+              <a:lnSpc>
+                <a:spcPct val="100000"/>
+              </a:lnSpc>
+              <a:buClr>
+                <a:srgbClr val="000000"/>
+              </a:buClr>
+              <a:buSzPct val="45000"/>
+              <a:buFont typeface="Wingdings" charset="2"/>
+              <a:buChar char=""/>
+            </a:pPr>
+            <a:endParaRPr b="0" lang="en-US" sz="3000" spc="-1" strike="noStrike">
+              <a:latin typeface="Arial"/>
+            </a:endParaRPr>
+          </a:p>
+          <a:p>
+            <a:pPr marL="216000" indent="-216000">
+              <a:lnSpc>
+                <a:spcPct val="100000"/>
+              </a:lnSpc>
+              <a:buClr>
+                <a:srgbClr val="ce181e"/>
+              </a:buClr>
+              <a:buSzPct val="45000"/>
+              <a:buFont typeface="Wingdings" charset="2"/>
+              <a:buChar char=""/>
+            </a:pPr>
+            <a:r>
+              <a:rPr b="0" lang="en-US" sz="3000" spc="-1" strike="noStrike">
+                <a:solidFill>
+                  <a:srgbClr val="000000"/>
+                </a:solidFill>
+                <a:latin typeface="Calibri"/>
+              </a:rPr>
+              <a:t>Deeply integrated with JDK tool-set</a:t>
+            </a:r>
+            <a:endParaRPr b="0" lang="en-US" sz="3000" spc="-1" strike="noStrike">
+              <a:latin typeface="Arial"/>
+            </a:endParaRPr>
+          </a:p>
+          <a:p>
+            <a:pPr marL="216000" indent="-216000">
+              <a:lnSpc>
+                <a:spcPct val="100000"/>
+              </a:lnSpc>
+              <a:buClr>
+                <a:srgbClr val="ce181e"/>
+              </a:buClr>
+              <a:buSzPct val="45000"/>
+              <a:buFont typeface="Wingdings" charset="2"/>
+              <a:buChar char=""/>
+            </a:pPr>
+            <a:r>
+              <a:rPr b="0" lang="en-US" sz="3000" spc="-1" strike="noStrike">
+                <a:solidFill>
+                  <a:srgbClr val="000000"/>
+                </a:solidFill>
+                <a:latin typeface="Calibri"/>
+              </a:rPr>
+              <a:t> </a:t>
+            </a:r>
+            <a:r>
+              <a:rPr b="0" lang="en-US" sz="3000" spc="-1" strike="noStrike">
+                <a:solidFill>
+                  <a:srgbClr val="000000"/>
+                </a:solidFill>
+                <a:latin typeface="Calibri"/>
+              </a:rPr>
+              <a:t>	</a:t>
+            </a:r>
+            <a:r>
+              <a:rPr b="0" lang="en-US" sz="3000" spc="-1" strike="noStrike">
+                <a:solidFill>
+                  <a:srgbClr val="000000"/>
+                </a:solidFill>
+                <a:latin typeface="Calibri"/>
+              </a:rPr>
+              <a:t>-- Stays current and compatible</a:t>
+            </a:r>
+            <a:endParaRPr b="0" lang="en-US" sz="3000" spc="-1" strike="noStrike">
+              <a:latin typeface="Arial"/>
+            </a:endParaRPr>
+          </a:p>
+          <a:p>
+            <a:pPr marL="216000" indent="-216000">
+              <a:lnSpc>
+                <a:spcPct val="100000"/>
+              </a:lnSpc>
+              <a:buClr>
+                <a:srgbClr val="ce181e"/>
+              </a:buClr>
+              <a:buSzPct val="45000"/>
+              <a:buFont typeface="Wingdings" charset="2"/>
+              <a:buChar char=""/>
+            </a:pPr>
+            <a:endParaRPr b="0" lang="en-US" sz="3000" spc="-1" strike="noStrike">
+              <a:latin typeface="Arial"/>
+            </a:endParaRPr>
+          </a:p>
+          <a:p>
+            <a:pPr marL="216000" indent="-216000">
+              <a:lnSpc>
+                <a:spcPct val="100000"/>
+              </a:lnSpc>
+              <a:buClr>
+                <a:srgbClr val="ce181e"/>
+              </a:buClr>
+              <a:buSzPct val="45000"/>
+              <a:buFont typeface="Wingdings" charset="2"/>
+              <a:buChar char=""/>
+            </a:pPr>
+            <a:r>
+              <a:rPr b="0" lang="en-US" sz="3000" spc="-1" strike="noStrike">
+                <a:solidFill>
+                  <a:srgbClr val="000000"/>
+                </a:solidFill>
+                <a:latin typeface="Calibri"/>
+              </a:rPr>
+              <a:t>Handy Tool for developers</a:t>
+            </a:r>
+            <a:endParaRPr b="0" lang="en-US" sz="3000" spc="-1" strike="noStrike">
+              <a:latin typeface="Arial"/>
             </a:endParaRPr>
           </a:p>
         </p:txBody>
@@ -4628,14 +4488,14 @@
       </p:grpSpPr>
       <p:sp>
         <p:nvSpPr>
-          <p:cNvPr id="97" name="TextShape 1"/>
+          <p:cNvPr id="91" name="TextShape 1"/>
           <p:cNvSpPr txBox="1"/>
           <p:nvPr/>
         </p:nvSpPr>
         <p:spPr>
           <a:xfrm>
-            <a:off x="720000" y="300960"/>
-            <a:ext cx="8855640" cy="1262520"/>
+            <a:off x="692640" y="402120"/>
+            <a:ext cx="8694360" cy="840240"/>
           </a:xfrm>
           <a:prstGeom prst="rect">
             <a:avLst/>
@@ -4646,27 +4506,39 @@
           </a:ln>
         </p:spPr>
         <p:txBody>
-          <a:bodyPr lIns="0" rIns="0" tIns="0" bIns="0" anchor="ctr"/>
-          <a:p>
-            <a:endParaRPr b="1" lang="en-US" sz="4400" spc="-1" strike="noStrike">
-              <a:solidFill>
-                <a:srgbClr val="333333"/>
-              </a:solidFill>
-              <a:latin typeface="Open Sans"/>
-            </a:endParaRPr>
-          </a:p>
-        </p:txBody>
-      </p:sp>
-      <p:sp>
-        <p:nvSpPr>
-          <p:cNvPr id="98" name="TextShape 2"/>
+          <a:bodyPr anchor="ctr"/>
+          <a:p>
+            <a:pPr>
+              <a:lnSpc>
+                <a:spcPct val="90000"/>
+              </a:lnSpc>
+            </a:pPr>
+            <a:br/>
+            <a:r>
+              <a:rPr b="0" lang="en-US" sz="4000" spc="-1" strike="noStrike">
+                <a:solidFill>
+                  <a:srgbClr val="000000"/>
+                </a:solidFill>
+                <a:latin typeface="Calibri Light"/>
+              </a:rPr>
+              <a:t>Reactive programming:</a:t>
+            </a:r>
+            <a:endParaRPr b="0" lang="en-US" sz="4000" spc="-1" strike="noStrike">
+              <a:latin typeface="Arial"/>
+            </a:endParaRPr>
+          </a:p>
+        </p:txBody>
+      </p:sp>
+      <p:sp>
+        <p:nvSpPr>
+          <p:cNvPr id="92" name="TextShape 2"/>
           <p:cNvSpPr txBox="1"/>
           <p:nvPr/>
         </p:nvSpPr>
         <p:spPr>
           <a:xfrm>
-            <a:off x="720000" y="2160000"/>
-            <a:ext cx="8640000" cy="4384800"/>
+            <a:off x="692640" y="1713240"/>
+            <a:ext cx="8694360" cy="5095080"/>
           </a:xfrm>
           <a:prstGeom prst="rect">
             <a:avLst/>
@@ -4677,16 +4549,243 @@
           </a:ln>
         </p:spPr>
         <p:txBody>
-          <a:bodyPr lIns="0" rIns="0" tIns="0" bIns="0"/>
-          <a:p>
+          <a:bodyPr/>
+          <a:p>
+            <a:pPr marL="228600" indent="-228240">
+              <a:lnSpc>
+                <a:spcPct val="90000"/>
+              </a:lnSpc>
+              <a:spcBef>
+                <a:spcPts val="1001"/>
+              </a:spcBef>
+              <a:buClr>
+                <a:srgbClr val="ce181e"/>
+              </a:buClr>
+              <a:buSzPct val="45000"/>
+              <a:buFont typeface="Wingdings" charset="2"/>
+              <a:buChar char=""/>
+            </a:pPr>
+            <a:r>
+              <a:rPr b="0" lang="en-US" sz="2800" spc="-1" strike="noStrike">
+                <a:solidFill>
+                  <a:srgbClr val="000000"/>
+                </a:solidFill>
+                <a:latin typeface="Calibri"/>
+              </a:rPr>
+              <a:t>What’s reactive programming?</a:t>
+            </a:r>
             <a:endParaRPr b="0" lang="en-US" sz="2800" spc="-1" strike="noStrike">
-              <a:solidFill>
-                <a:srgbClr val="333333"/>
-              </a:solidFill>
-              <a:latin typeface="Open Sans"/>
-            </a:endParaRPr>
-          </a:p>
-        </p:txBody>
+              <a:latin typeface="Arial"/>
+            </a:endParaRPr>
+          </a:p>
+          <a:p>
+            <a:pPr>
+              <a:lnSpc>
+                <a:spcPct val="100000"/>
+              </a:lnSpc>
+              <a:spcBef>
+                <a:spcPts val="1001"/>
+              </a:spcBef>
+            </a:pPr>
+            <a:r>
+              <a:rPr b="0" lang="en-US" sz="2800" spc="-1" strike="noStrike">
+                <a:solidFill>
+                  <a:srgbClr val="000000"/>
+                </a:solidFill>
+                <a:latin typeface="Calibri"/>
+              </a:rPr>
+              <a:t>    </a:t>
+            </a:r>
+            <a:r>
+              <a:rPr b="0" lang="en-US" sz="2800" spc="-1" strike="noStrike">
+                <a:solidFill>
+                  <a:srgbClr val="000000"/>
+                </a:solidFill>
+                <a:latin typeface="Calibri"/>
+              </a:rPr>
+              <a:t>-- It’s about creating an architecture that supports</a:t>
+            </a:r>
+            <a:endParaRPr b="0" lang="en-US" sz="2800" spc="-1" strike="noStrike">
+              <a:latin typeface="Arial"/>
+            </a:endParaRPr>
+          </a:p>
+          <a:p>
+            <a:pPr>
+              <a:lnSpc>
+                <a:spcPct val="100000"/>
+              </a:lnSpc>
+              <a:spcBef>
+                <a:spcPts val="1001"/>
+              </a:spcBef>
+            </a:pPr>
+            <a:r>
+              <a:rPr b="0" lang="en-US" sz="2800" spc="-1" strike="noStrike">
+                <a:solidFill>
+                  <a:srgbClr val="000000"/>
+                </a:solidFill>
+                <a:latin typeface="Calibri"/>
+              </a:rPr>
+              <a:t>            </a:t>
+            </a:r>
+            <a:r>
+              <a:rPr b="0" lang="en-US" sz="2800" spc="-1" strike="noStrike">
+                <a:solidFill>
+                  <a:srgbClr val="000000"/>
+                </a:solidFill>
+                <a:latin typeface="Calibri"/>
+              </a:rPr>
+              <a:t>- event-driven</a:t>
+            </a:r>
+            <a:endParaRPr b="0" lang="en-US" sz="2800" spc="-1" strike="noStrike">
+              <a:latin typeface="Arial"/>
+            </a:endParaRPr>
+          </a:p>
+          <a:p>
+            <a:pPr>
+              <a:lnSpc>
+                <a:spcPct val="100000"/>
+              </a:lnSpc>
+              <a:spcBef>
+                <a:spcPts val="1001"/>
+              </a:spcBef>
+            </a:pPr>
+            <a:r>
+              <a:rPr b="0" lang="en-US" sz="2800" spc="-1" strike="noStrike">
+                <a:solidFill>
+                  <a:srgbClr val="000000"/>
+                </a:solidFill>
+                <a:latin typeface="Calibri"/>
+              </a:rPr>
+              <a:t>            </a:t>
+            </a:r>
+            <a:r>
+              <a:rPr b="0" lang="en-US" sz="2800" spc="-1" strike="noStrike">
+                <a:solidFill>
+                  <a:srgbClr val="000000"/>
+                </a:solidFill>
+                <a:latin typeface="Calibri"/>
+              </a:rPr>
+              <a:t>- Scalable</a:t>
+            </a:r>
+            <a:endParaRPr b="0" lang="en-US" sz="2800" spc="-1" strike="noStrike">
+              <a:latin typeface="Arial"/>
+            </a:endParaRPr>
+          </a:p>
+          <a:p>
+            <a:pPr>
+              <a:lnSpc>
+                <a:spcPct val="100000"/>
+              </a:lnSpc>
+              <a:spcBef>
+                <a:spcPts val="1001"/>
+              </a:spcBef>
+            </a:pPr>
+            <a:r>
+              <a:rPr b="0" lang="en-US" sz="2800" spc="-1" strike="noStrike">
+                <a:solidFill>
+                  <a:srgbClr val="000000"/>
+                </a:solidFill>
+                <a:latin typeface="Calibri"/>
+              </a:rPr>
+              <a:t>            </a:t>
+            </a:r>
+            <a:r>
+              <a:rPr b="0" lang="en-US" sz="2800" spc="-1" strike="noStrike">
+                <a:solidFill>
+                  <a:srgbClr val="000000"/>
+                </a:solidFill>
+                <a:latin typeface="Calibri"/>
+              </a:rPr>
+              <a:t>- resilient</a:t>
+            </a:r>
+            <a:endParaRPr b="0" lang="en-US" sz="2800" spc="-1" strike="noStrike">
+              <a:latin typeface="Arial"/>
+            </a:endParaRPr>
+          </a:p>
+          <a:p>
+            <a:pPr>
+              <a:lnSpc>
+                <a:spcPct val="100000"/>
+              </a:lnSpc>
+              <a:spcBef>
+                <a:spcPts val="1001"/>
+              </a:spcBef>
+            </a:pPr>
+            <a:r>
+              <a:rPr b="0" lang="en-US" sz="2800" spc="-1" strike="noStrike">
+                <a:solidFill>
+                  <a:srgbClr val="000000"/>
+                </a:solidFill>
+                <a:latin typeface="Calibri"/>
+              </a:rPr>
+              <a:t>            </a:t>
+            </a:r>
+            <a:r>
+              <a:rPr b="0" lang="en-US" sz="2800" spc="-1" strike="noStrike">
+                <a:solidFill>
+                  <a:srgbClr val="000000"/>
+                </a:solidFill>
+                <a:latin typeface="Calibri"/>
+              </a:rPr>
+              <a:t>- response</a:t>
+            </a:r>
+            <a:endParaRPr b="0" lang="en-US" sz="2800" spc="-1" strike="noStrike">
+              <a:latin typeface="Arial"/>
+            </a:endParaRPr>
+          </a:p>
+          <a:p>
+            <a:pPr>
+              <a:lnSpc>
+                <a:spcPct val="100000"/>
+              </a:lnSpc>
+              <a:spcBef>
+                <a:spcPts val="1001"/>
+              </a:spcBef>
+            </a:pPr>
+            <a:endParaRPr b="0" lang="en-US" sz="2800" spc="-1" strike="noStrike">
+              <a:latin typeface="Arial"/>
+            </a:endParaRPr>
+          </a:p>
+          <a:p>
+            <a:pPr>
+              <a:lnSpc>
+                <a:spcPct val="100000"/>
+              </a:lnSpc>
+              <a:spcBef>
+                <a:spcPts val="1001"/>
+              </a:spcBef>
+            </a:pPr>
+            <a:endParaRPr b="0" lang="en-US" sz="2800" spc="-1" strike="noStrike">
+              <a:latin typeface="Arial"/>
+            </a:endParaRPr>
+          </a:p>
+        </p:txBody>
+      </p:sp>
+      <p:sp>
+        <p:nvSpPr>
+          <p:cNvPr id="93" name="CustomShape 3"/>
+          <p:cNvSpPr/>
+          <p:nvPr/>
+        </p:nvSpPr>
+        <p:spPr>
+          <a:xfrm>
+            <a:off x="453600" y="2518920"/>
+            <a:ext cx="8618400" cy="610200"/>
+          </a:xfrm>
+          <a:prstGeom prst="rect">
+            <a:avLst/>
+          </a:prstGeom>
+          <a:noFill/>
+          <a:ln>
+            <a:noFill/>
+          </a:ln>
+        </p:spPr>
+        <p:style>
+          <a:lnRef idx="0"/>
+          <a:fillRef idx="0"/>
+          <a:effectRef idx="0"/>
+          <a:fontRef idx="minor"/>
+        </p:style>
       </p:sp>
     </p:spTree>
   </p:cSld>
@@ -4697,6 +4796,475 @@
           <p:childTnLst>
             <p:seq>
               <p:cTn id="12" nodeType="mainSeq"/>
+              <p:prevCondLst>
+                <p:cond delay="0" evt="onPrev">
+                  <p:tgtEl>
+                    <p:sldTgt/>
+                  </p:tgtEl>
+                </p:cond>
+              </p:prevCondLst>
+              <p:nextCondLst>
+                <p:cond delay="0" evt="onNext">
+                  <p:tgtEl>
+                    <p:sldTgt/>
+                  </p:tgtEl>
+                </p:cond>
+              </p:nextCondLst>
+            </p:seq>
+          </p:childTnLst>
+        </p:cTn>
+      </p:par>
+    </p:tnLst>
+  </p:timing>
+</p:sld>
+</file>
+
+<file path=ppt/slides/slide7.xml><?xml version="1.0" encoding="utf-8"?>
+<p:sld xmlns:a="http://schemas.openxmlformats.org/drawingml/2006/main" xmlns:p="http://schemas.openxmlformats.org/presentationml/2006/main" xmlns:r="http://schemas.openxmlformats.org/officeDocument/2006/relationships" xmlns:p14="http://schemas.microsoft.com/office/powerpoint/2010/main" xmlns:p15="http://schemas.microsoft.com/office/powerpoint/2012/main" xmlns:mc="http://schemas.openxmlformats.org/markup-compatibility/2006">
+  <p:cSld>
+    <p:spTree>
+      <p:nvGrpSpPr>
+        <p:cNvPr id="1" name=""/>
+        <p:cNvGrpSpPr/>
+        <p:nvPr/>
+      </p:nvGrpSpPr>
+      <p:grpSpPr>
+        <a:xfrm>
+          <a:off x="0" y="0"/>
+          <a:ext cx="0" cy="0"/>
+          <a:chOff x="0" y="0"/>
+          <a:chExt cx="0" cy="0"/>
+        </a:xfrm>
+      </p:grpSpPr>
+      <p:sp>
+        <p:nvSpPr>
+          <p:cNvPr id="94" name="TextShape 1"/>
+          <p:cNvSpPr txBox="1"/>
+          <p:nvPr/>
+        </p:nvSpPr>
+        <p:spPr>
+          <a:xfrm>
+            <a:off x="692640" y="402120"/>
+            <a:ext cx="8694360" cy="840240"/>
+          </a:xfrm>
+          <a:prstGeom prst="rect">
+            <a:avLst/>
+          </a:prstGeom>
+          <a:noFill/>
+          <a:ln>
+            <a:noFill/>
+          </a:ln>
+        </p:spPr>
+        <p:txBody>
+          <a:bodyPr anchor="ctr"/>
+          <a:p>
+            <a:pPr>
+              <a:lnSpc>
+                <a:spcPct val="90000"/>
+              </a:lnSpc>
+            </a:pPr>
+            <a:br/>
+            <a:r>
+              <a:rPr b="0" lang="en-US" sz="4000" spc="-1" strike="noStrike">
+                <a:solidFill>
+                  <a:srgbClr val="000000"/>
+                </a:solidFill>
+                <a:latin typeface="Calibri Light"/>
+              </a:rPr>
+              <a:t>Reactive programming:</a:t>
+            </a:r>
+            <a:endParaRPr b="0" lang="en-US" sz="4000" spc="-1" strike="noStrike">
+              <a:latin typeface="Arial"/>
+            </a:endParaRPr>
+          </a:p>
+        </p:txBody>
+      </p:sp>
+      <p:sp>
+        <p:nvSpPr>
+          <p:cNvPr id="95" name="TextShape 2"/>
+          <p:cNvSpPr txBox="1"/>
+          <p:nvPr/>
+        </p:nvSpPr>
+        <p:spPr>
+          <a:xfrm>
+            <a:off x="692640" y="1713240"/>
+            <a:ext cx="8694360" cy="5095080"/>
+          </a:xfrm>
+          <a:prstGeom prst="rect">
+            <a:avLst/>
+          </a:prstGeom>
+          <a:noFill/>
+          <a:ln>
+            <a:noFill/>
+          </a:ln>
+        </p:spPr>
+        <p:txBody>
+          <a:bodyPr/>
+          <a:p>
+            <a:pPr marL="228600" indent="-228240">
+              <a:lnSpc>
+                <a:spcPct val="90000"/>
+              </a:lnSpc>
+              <a:spcBef>
+                <a:spcPts val="1001"/>
+              </a:spcBef>
+              <a:buClr>
+                <a:srgbClr val="ce181e"/>
+              </a:buClr>
+              <a:buSzPct val="45000"/>
+              <a:buFont typeface="Wingdings" charset="2"/>
+              <a:buChar char=""/>
+            </a:pPr>
+            <a:r>
+              <a:rPr b="0" lang="en-US" sz="2800" spc="-1" strike="noStrike">
+                <a:solidFill>
+                  <a:srgbClr val="000000"/>
+                </a:solidFill>
+                <a:latin typeface="Calibri"/>
+              </a:rPr>
+              <a:t>Example - Let’s try this with our smart phone</a:t>
+            </a:r>
+            <a:endParaRPr b="0" lang="en-US" sz="2800" spc="-1" strike="noStrike">
+              <a:latin typeface="Arial"/>
+            </a:endParaRPr>
+          </a:p>
+          <a:p>
+            <a:pPr>
+              <a:lnSpc>
+                <a:spcPct val="100000"/>
+              </a:lnSpc>
+              <a:spcBef>
+                <a:spcPts val="1001"/>
+              </a:spcBef>
+            </a:pPr>
+            <a:r>
+              <a:rPr b="0" lang="en-US" sz="2800" spc="-1" strike="noStrike">
+                <a:solidFill>
+                  <a:srgbClr val="000000"/>
+                </a:solidFill>
+                <a:latin typeface="Calibri"/>
+              </a:rPr>
+              <a:t>    </a:t>
+            </a:r>
+            <a:r>
+              <a:rPr b="0" lang="en-US" sz="2800" spc="-1" strike="noStrike">
+                <a:solidFill>
+                  <a:srgbClr val="000000"/>
+                </a:solidFill>
+                <a:latin typeface="Calibri"/>
+              </a:rPr>
+              <a:t>-- Challenges we encounter</a:t>
+            </a:r>
+            <a:endParaRPr b="0" lang="en-US" sz="2800" spc="-1" strike="noStrike">
+              <a:latin typeface="Arial"/>
+            </a:endParaRPr>
+          </a:p>
+          <a:p>
+            <a:pPr>
+              <a:lnSpc>
+                <a:spcPct val="100000"/>
+              </a:lnSpc>
+              <a:spcBef>
+                <a:spcPts val="1001"/>
+              </a:spcBef>
+            </a:pPr>
+            <a:r>
+              <a:rPr b="0" lang="en-US" sz="2800" spc="-1" strike="noStrike">
+                <a:solidFill>
+                  <a:srgbClr val="000000"/>
+                </a:solidFill>
+                <a:latin typeface="Calibri"/>
+              </a:rPr>
+              <a:t>    </a:t>
+            </a:r>
+            <a:r>
+              <a:rPr b="0" lang="en-US" sz="2800" spc="-1" strike="noStrike">
+                <a:solidFill>
+                  <a:srgbClr val="000000"/>
+                </a:solidFill>
+                <a:latin typeface="Calibri"/>
+              </a:rPr>
+              <a:t>-- How to solve them in an application</a:t>
+            </a:r>
+            <a:endParaRPr b="0" lang="en-US" sz="2800" spc="-1" strike="noStrike">
+              <a:latin typeface="Arial"/>
+            </a:endParaRPr>
+          </a:p>
+          <a:p>
+            <a:pPr>
+              <a:lnSpc>
+                <a:spcPct val="100000"/>
+              </a:lnSpc>
+              <a:spcBef>
+                <a:spcPts val="1001"/>
+              </a:spcBef>
+            </a:pPr>
+            <a:endParaRPr b="0" lang="en-US" sz="2800" spc="-1" strike="noStrike">
+              <a:latin typeface="Arial"/>
+            </a:endParaRPr>
+          </a:p>
+          <a:p>
+            <a:pPr marL="228600" indent="-228240">
+              <a:lnSpc>
+                <a:spcPct val="90000"/>
+              </a:lnSpc>
+              <a:spcBef>
+                <a:spcPts val="1001"/>
+              </a:spcBef>
+              <a:buClr>
+                <a:srgbClr val="ce181e"/>
+              </a:buClr>
+              <a:buSzPct val="45000"/>
+              <a:buFont typeface="Wingdings" charset="2"/>
+              <a:buChar char=""/>
+            </a:pPr>
+            <a:r>
+              <a:rPr b="0" lang="en-US" sz="2800" spc="-1" strike="noStrike">
+                <a:solidFill>
+                  <a:srgbClr val="000000"/>
+                </a:solidFill>
+                <a:latin typeface="Calibri"/>
+              </a:rPr>
+              <a:t>Solutions:</a:t>
+            </a:r>
+            <a:endParaRPr b="0" lang="en-US" sz="2800" spc="-1" strike="noStrike">
+              <a:latin typeface="Arial"/>
+            </a:endParaRPr>
+          </a:p>
+          <a:p>
+            <a:pPr>
+              <a:lnSpc>
+                <a:spcPct val="100000"/>
+              </a:lnSpc>
+              <a:spcBef>
+                <a:spcPts val="1001"/>
+              </a:spcBef>
+            </a:pPr>
+            <a:r>
+              <a:rPr b="0" lang="en-US" sz="2800" spc="-1" strike="noStrike">
+                <a:solidFill>
+                  <a:srgbClr val="000000"/>
+                </a:solidFill>
+                <a:latin typeface="Calibri"/>
+              </a:rPr>
+              <a:t>   </a:t>
+            </a:r>
+            <a:r>
+              <a:rPr b="0" lang="en-US" sz="2800" spc="-1" strike="noStrike">
+                <a:solidFill>
+                  <a:srgbClr val="000000"/>
+                </a:solidFill>
+                <a:latin typeface="Calibri"/>
+              </a:rPr>
+              <a:t>-- data channel</a:t>
+            </a:r>
+            <a:endParaRPr b="0" lang="en-US" sz="2800" spc="-1" strike="noStrike">
+              <a:latin typeface="Arial"/>
+            </a:endParaRPr>
+          </a:p>
+          <a:p>
+            <a:pPr>
+              <a:lnSpc>
+                <a:spcPct val="100000"/>
+              </a:lnSpc>
+              <a:spcBef>
+                <a:spcPts val="1001"/>
+              </a:spcBef>
+            </a:pPr>
+            <a:r>
+              <a:rPr b="0" lang="en-US" sz="2800" spc="-1" strike="noStrike">
+                <a:solidFill>
+                  <a:srgbClr val="000000"/>
+                </a:solidFill>
+                <a:latin typeface="Calibri"/>
+              </a:rPr>
+              <a:t>   </a:t>
+            </a:r>
+            <a:r>
+              <a:rPr b="0" lang="en-US" sz="2800" spc="-1" strike="noStrike">
+                <a:solidFill>
+                  <a:srgbClr val="000000"/>
+                </a:solidFill>
+                <a:latin typeface="Calibri"/>
+              </a:rPr>
+              <a:t>-- response channel</a:t>
+            </a:r>
+            <a:endParaRPr b="0" lang="en-US" sz="2800" spc="-1" strike="noStrike">
+              <a:latin typeface="Arial"/>
+            </a:endParaRPr>
+          </a:p>
+          <a:p>
+            <a:pPr>
+              <a:lnSpc>
+                <a:spcPct val="100000"/>
+              </a:lnSpc>
+              <a:spcBef>
+                <a:spcPts val="1001"/>
+              </a:spcBef>
+            </a:pPr>
+            <a:r>
+              <a:rPr b="0" lang="en-US" sz="2800" spc="-1" strike="noStrike">
+                <a:solidFill>
+                  <a:srgbClr val="000000"/>
+                </a:solidFill>
+                <a:latin typeface="Calibri"/>
+              </a:rPr>
+              <a:t>   </a:t>
+            </a:r>
+            <a:r>
+              <a:rPr b="0" lang="en-US" sz="2800" spc="-1" strike="noStrike">
+                <a:solidFill>
+                  <a:srgbClr val="000000"/>
+                </a:solidFill>
+                <a:latin typeface="Calibri"/>
+              </a:rPr>
+              <a:t>-- error channel</a:t>
+            </a:r>
+            <a:endParaRPr b="0" lang="en-US" sz="2800" spc="-1" strike="noStrike">
+              <a:latin typeface="Arial"/>
+            </a:endParaRPr>
+          </a:p>
+          <a:p>
+            <a:pPr>
+              <a:lnSpc>
+                <a:spcPct val="100000"/>
+              </a:lnSpc>
+              <a:spcBef>
+                <a:spcPts val="1001"/>
+              </a:spcBef>
+            </a:pPr>
+            <a:endParaRPr b="0" lang="en-US" sz="2800" spc="-1" strike="noStrike">
+              <a:latin typeface="Arial"/>
+            </a:endParaRPr>
+          </a:p>
+          <a:p>
+            <a:pPr>
+              <a:lnSpc>
+                <a:spcPct val="100000"/>
+              </a:lnSpc>
+              <a:spcBef>
+                <a:spcPts val="1001"/>
+              </a:spcBef>
+            </a:pPr>
+            <a:endParaRPr b="0" lang="en-US" sz="2800" spc="-1" strike="noStrike">
+              <a:latin typeface="Arial"/>
+            </a:endParaRPr>
+          </a:p>
+        </p:txBody>
+      </p:sp>
+      <p:sp>
+        <p:nvSpPr>
+          <p:cNvPr id="96" name="CustomShape 3"/>
+          <p:cNvSpPr/>
+          <p:nvPr/>
+        </p:nvSpPr>
+        <p:spPr>
+          <a:xfrm>
+            <a:off x="453600" y="2518920"/>
+            <a:ext cx="8618400" cy="610200"/>
+          </a:xfrm>
+          <a:prstGeom prst="rect">
+            <a:avLst/>
+          </a:prstGeom>
+          <a:noFill/>
+          <a:ln>
+            <a:noFill/>
+          </a:ln>
+        </p:spPr>
+        <p:style>
+          <a:lnRef idx="0"/>
+          <a:fillRef idx="0"/>
+          <a:effectRef idx="0"/>
+          <a:fontRef idx="minor"/>
+        </p:style>
+      </p:sp>
+    </p:spTree>
+  </p:cSld>
+  <p:timing>
+    <p:tnLst>
+      <p:par>
+        <p:cTn id="13" dur="indefinite" restart="never" nodeType="tmRoot">
+          <p:childTnLst>
+            <p:seq>
+              <p:cTn id="14" nodeType="mainSeq"/>
+              <p:prevCondLst>
+                <p:cond delay="0" evt="onPrev">
+                  <p:tgtEl>
+                    <p:sldTgt/>
+                  </p:tgtEl>
+                </p:cond>
+              </p:prevCondLst>
+              <p:nextCondLst>
+                <p:cond delay="0" evt="onNext">
+                  <p:tgtEl>
+                    <p:sldTgt/>
+                  </p:tgtEl>
+                </p:cond>
+              </p:nextCondLst>
+            </p:seq>
+          </p:childTnLst>
+        </p:cTn>
+      </p:par>
+    </p:tnLst>
+  </p:timing>
+</p:sld>
+</file>
+
+<file path=ppt/slides/slide8.xml><?xml version="1.0" encoding="utf-8"?>
+<p:sld xmlns:a="http://schemas.openxmlformats.org/drawingml/2006/main" xmlns:p="http://schemas.openxmlformats.org/presentationml/2006/main" xmlns:r="http://schemas.openxmlformats.org/officeDocument/2006/relationships" xmlns:p14="http://schemas.microsoft.com/office/powerpoint/2010/main" xmlns:p15="http://schemas.microsoft.com/office/powerpoint/2012/main" xmlns:mc="http://schemas.openxmlformats.org/markup-compatibility/2006">
+  <p:cSld>
+    <p:spTree>
+      <p:nvGrpSpPr>
+        <p:cNvPr id="1" name=""/>
+        <p:cNvGrpSpPr/>
+        <p:nvPr/>
+      </p:nvGrpSpPr>
+      <p:grpSpPr>
+        <a:xfrm>
+          <a:off x="0" y="0"/>
+          <a:ext cx="0" cy="0"/>
+          <a:chOff x="0" y="0"/>
+          <a:chExt cx="0" cy="0"/>
+        </a:xfrm>
+      </p:grpSpPr>
+      <p:sp>
+        <p:nvSpPr>
+          <p:cNvPr id="97" name="TextShape 1"/>
+          <p:cNvSpPr txBox="1"/>
+          <p:nvPr/>
+        </p:nvSpPr>
+        <p:spPr>
+          <a:xfrm>
+            <a:off x="720000" y="300960"/>
+            <a:ext cx="8855280" cy="1262160"/>
+          </a:xfrm>
+          <a:prstGeom prst="rect">
+            <a:avLst/>
+          </a:prstGeom>
+          <a:noFill/>
+          <a:ln>
+            <a:noFill/>
+          </a:ln>
+        </p:spPr>
+        <p:txBody>
+          <a:bodyPr lIns="0" rIns="0" tIns="0" bIns="0" anchor="ctr"/>
+          <a:p>
+            <a:pPr algn="ctr"/>
+            <a:endParaRPr b="0" lang="en-US" sz="4400" spc="-1" strike="noStrike">
+              <a:latin typeface="Arial"/>
+            </a:endParaRPr>
+          </a:p>
+        </p:txBody>
+      </p:sp>
+    </p:spTree>
+  </p:cSld>
+  <p:timing>
+    <p:tnLst>
+      <p:par>
+        <p:cTn id="15" dur="indefinite" restart="never" nodeType="tmRoot">
+          <p:childTnLst>
+            <p:seq>
+              <p:cTn id="16" nodeType="mainSeq"/>
               <p:prevCondLst>
                 <p:cond delay="0" evt="onPrev">
                   <p:tgtEl>

--- a/java-one-demo.pptx
+++ b/java-one-demo.pptx
@@ -4,16 +4,16 @@
   <p:sldMasterIdLst>
     <p:sldMasterId id="2147483648" r:id="rId2"/>
     <p:sldMasterId id="2147483661" r:id="rId3"/>
+    <p:sldMasterId id="2147483674" r:id="rId4"/>
   </p:sldMasterIdLst>
   <p:sldIdLst>
-    <p:sldId id="256" r:id="rId4"/>
-    <p:sldId id="257" r:id="rId5"/>
-    <p:sldId id="258" r:id="rId6"/>
-    <p:sldId id="259" r:id="rId7"/>
-    <p:sldId id="260" r:id="rId8"/>
-    <p:sldId id="261" r:id="rId9"/>
-    <p:sldId id="262" r:id="rId10"/>
-    <p:sldId id="263" r:id="rId11"/>
+    <p:sldId id="256" r:id="rId5"/>
+    <p:sldId id="257" r:id="rId6"/>
+    <p:sldId id="258" r:id="rId7"/>
+    <p:sldId id="259" r:id="rId8"/>
+    <p:sldId id="260" r:id="rId9"/>
+    <p:sldId id="261" r:id="rId10"/>
+    <p:sldId id="262" r:id="rId11"/>
   </p:sldIdLst>
   <p:sldSz cx="10080625" cy="7559675"/>
   <p:notesSz cx="7772400" cy="10058400"/>
@@ -71,8 +71,8 @@
         </p:nvSpPr>
         <p:spPr>
           <a:xfrm>
-            <a:off x="720000" y="300960"/>
-            <a:ext cx="8855280" cy="1262160"/>
+            <a:off x="504000" y="301320"/>
+            <a:ext cx="9072000" cy="1261800"/>
           </a:xfrm>
           <a:prstGeom prst="rect">
             <a:avLst/>
@@ -182,8 +182,8 @@
         </p:nvSpPr>
         <p:spPr>
           <a:xfrm>
-            <a:off x="720000" y="300960"/>
-            <a:ext cx="8855280" cy="1262160"/>
+            <a:off x="504000" y="301320"/>
+            <a:ext cx="9072000" cy="1261800"/>
           </a:xfrm>
           <a:prstGeom prst="rect">
             <a:avLst/>
@@ -353,8 +353,8 @@
         </p:nvSpPr>
         <p:spPr>
           <a:xfrm>
-            <a:off x="720000" y="300960"/>
-            <a:ext cx="8855280" cy="1262160"/>
+            <a:off x="504000" y="301320"/>
+            <a:ext cx="9072000" cy="1261800"/>
           </a:xfrm>
           <a:prstGeom prst="rect">
             <a:avLst/>
@@ -606,8 +606,8 @@
         </p:nvSpPr>
         <p:spPr>
           <a:xfrm>
-            <a:off x="720000" y="300960"/>
-            <a:ext cx="8855280" cy="1262160"/>
+            <a:off x="504000" y="301320"/>
+            <a:ext cx="9072000" cy="1261800"/>
           </a:xfrm>
           <a:prstGeom prst="rect">
             <a:avLst/>
@@ -686,8 +686,8 @@
         </p:nvSpPr>
         <p:spPr>
           <a:xfrm>
-            <a:off x="720000" y="300960"/>
-            <a:ext cx="8855280" cy="1262160"/>
+            <a:off x="504000" y="301320"/>
+            <a:ext cx="9072000" cy="1261800"/>
           </a:xfrm>
           <a:prstGeom prst="rect">
             <a:avLst/>
@@ -767,8 +767,8 @@
         </p:nvSpPr>
         <p:spPr>
           <a:xfrm>
-            <a:off x="720000" y="300960"/>
-            <a:ext cx="8855280" cy="1262160"/>
+            <a:off x="504000" y="301320"/>
+            <a:ext cx="9072000" cy="1261800"/>
           </a:xfrm>
           <a:prstGeom prst="rect">
             <a:avLst/>
@@ -878,8 +878,8 @@
         </p:nvSpPr>
         <p:spPr>
           <a:xfrm>
-            <a:off x="720000" y="300960"/>
-            <a:ext cx="8855280" cy="1262160"/>
+            <a:off x="504000" y="301320"/>
+            <a:ext cx="9072000" cy="1261800"/>
           </a:xfrm>
           <a:prstGeom prst="rect">
             <a:avLst/>
@@ -929,8 +929,8 @@
         </p:nvSpPr>
         <p:spPr>
           <a:xfrm>
-            <a:off x="720000" y="300960"/>
-            <a:ext cx="8855280" cy="5851800"/>
+            <a:off x="504000" y="301320"/>
+            <a:ext cx="9072000" cy="5850360"/>
           </a:xfrm>
           <a:prstGeom prst="rect">
             <a:avLst/>
@@ -980,8 +980,8 @@
         </p:nvSpPr>
         <p:spPr>
           <a:xfrm>
-            <a:off x="720000" y="300960"/>
-            <a:ext cx="8855280" cy="1262160"/>
+            <a:off x="504000" y="301320"/>
+            <a:ext cx="9072000" cy="1261800"/>
           </a:xfrm>
           <a:prstGeom prst="rect">
             <a:avLst/>
@@ -1121,8 +1121,8 @@
         </p:nvSpPr>
         <p:spPr>
           <a:xfrm>
-            <a:off x="720000" y="300960"/>
-            <a:ext cx="8855280" cy="1262160"/>
+            <a:off x="504000" y="301320"/>
+            <a:ext cx="9072000" cy="1261800"/>
           </a:xfrm>
           <a:prstGeom prst="rect">
             <a:avLst/>
@@ -1201,8 +1201,8 @@
         </p:nvSpPr>
         <p:spPr>
           <a:xfrm>
-            <a:off x="720000" y="300960"/>
-            <a:ext cx="8855280" cy="1262160"/>
+            <a:off x="504000" y="301320"/>
+            <a:ext cx="9072000" cy="1261800"/>
           </a:xfrm>
           <a:prstGeom prst="rect">
             <a:avLst/>
@@ -1342,8 +1342,8 @@
         </p:nvSpPr>
         <p:spPr>
           <a:xfrm>
-            <a:off x="720000" y="300960"/>
-            <a:ext cx="8855280" cy="1262160"/>
+            <a:off x="504000" y="301320"/>
+            <a:ext cx="9072000" cy="1261800"/>
           </a:xfrm>
           <a:prstGeom prst="rect">
             <a:avLst/>
@@ -1483,8 +1483,8 @@
         </p:nvSpPr>
         <p:spPr>
           <a:xfrm>
-            <a:off x="720000" y="300960"/>
-            <a:ext cx="8855280" cy="1262160"/>
+            <a:off x="504000" y="301320"/>
+            <a:ext cx="9072000" cy="1261800"/>
           </a:xfrm>
           <a:prstGeom prst="rect">
             <a:avLst/>
@@ -1594,8 +1594,8 @@
         </p:nvSpPr>
         <p:spPr>
           <a:xfrm>
-            <a:off x="720000" y="300960"/>
-            <a:ext cx="8855280" cy="1262160"/>
+            <a:off x="504000" y="301320"/>
+            <a:ext cx="9072000" cy="1261800"/>
           </a:xfrm>
           <a:prstGeom prst="rect">
             <a:avLst/>
@@ -1765,8 +1765,8 @@
         </p:nvSpPr>
         <p:spPr>
           <a:xfrm>
-            <a:off x="720000" y="300960"/>
-            <a:ext cx="8855280" cy="1262160"/>
+            <a:off x="504000" y="301320"/>
+            <a:ext cx="9072000" cy="1261800"/>
           </a:xfrm>
           <a:prstGeom prst="rect">
             <a:avLst/>
@@ -1957,6 +1957,351 @@
           </a:bodyPr>
           <a:p>
             <a:endParaRPr b="0" lang="en-US" sz="3200" spc="-1" strike="noStrike">
+              <a:latin typeface="Arial"/>
+            </a:endParaRPr>
+          </a:p>
+        </p:txBody>
+      </p:sp>
+    </p:spTree>
+  </p:cSld>
+</p:sldLayout>
+</file>
+
+<file path=ppt/slideLayouts/slideLayout25.xml><?xml version="1.0" encoding="utf-8"?>
+<p:sldLayout xmlns:a="http://schemas.openxmlformats.org/drawingml/2006/main" xmlns:p="http://schemas.openxmlformats.org/presentationml/2006/main" xmlns:r="http://schemas.openxmlformats.org/officeDocument/2006/relationships" xmlns:p14="http://schemas.microsoft.com/office/powerpoint/2010/main" xmlns:p15="http://schemas.microsoft.com/office/powerpoint/2012/main" xmlns:mc="http://schemas.openxmlformats.org/markup-compatibility/2006" type="blank" preserve="1">
+  <p:cSld name="Blank Slide">
+    <p:spTree>
+      <p:nvGrpSpPr>
+        <p:cNvPr id="1" name=""/>
+        <p:cNvGrpSpPr/>
+        <p:nvPr/>
+      </p:nvGrpSpPr>
+      <p:grpSpPr>
+        <a:xfrm>
+          <a:off x="0" y="0"/>
+          <a:ext cx="0" cy="0"/>
+          <a:chOff x="0" y="0"/>
+          <a:chExt cx="0" cy="0"/>
+        </a:xfrm>
+      </p:grpSpPr>
+    </p:spTree>
+  </p:cSld>
+</p:sldLayout>
+</file>
+
+<file path=ppt/slideLayouts/slideLayout26.xml><?xml version="1.0" encoding="utf-8"?>
+<p:sldLayout xmlns:a="http://schemas.openxmlformats.org/drawingml/2006/main" xmlns:p="http://schemas.openxmlformats.org/presentationml/2006/main" xmlns:r="http://schemas.openxmlformats.org/officeDocument/2006/relationships" xmlns:p14="http://schemas.microsoft.com/office/powerpoint/2010/main" xmlns:p15="http://schemas.microsoft.com/office/powerpoint/2012/main" xmlns:mc="http://schemas.openxmlformats.org/markup-compatibility/2006" type="tx" preserve="1">
+  <p:cSld name="Title Slide">
+    <p:spTree>
+      <p:nvGrpSpPr>
+        <p:cNvPr id="1" name=""/>
+        <p:cNvGrpSpPr/>
+        <p:nvPr/>
+      </p:nvGrpSpPr>
+      <p:grpSpPr>
+        <a:xfrm>
+          <a:off x="0" y="0"/>
+          <a:ext cx="0" cy="0"/>
+          <a:chOff x="0" y="0"/>
+          <a:chExt cx="0" cy="0"/>
+        </a:xfrm>
+      </p:grpSpPr>
+      <p:sp>
+        <p:nvSpPr>
+          <p:cNvPr id="81" name="PlaceHolder 1"/>
+          <p:cNvSpPr>
+            <a:spLocks noGrp="1"/>
+          </p:cNvSpPr>
+          <p:nvPr>
+            <p:ph type="title"/>
+          </p:nvPr>
+        </p:nvSpPr>
+        <p:spPr>
+          <a:xfrm>
+            <a:off x="504000" y="301320"/>
+            <a:ext cx="9072000" cy="1261800"/>
+          </a:xfrm>
+          <a:prstGeom prst="rect">
+            <a:avLst/>
+          </a:prstGeom>
+        </p:spPr>
+        <p:txBody>
+          <a:bodyPr lIns="0" rIns="0" tIns="0" bIns="0" anchor="ctr"/>
+          <a:p>
+            <a:pPr algn="ctr"/>
+            <a:endParaRPr b="0" lang="en-US" sz="4400" spc="-1" strike="noStrike">
+              <a:latin typeface="Arial"/>
+            </a:endParaRPr>
+          </a:p>
+        </p:txBody>
+      </p:sp>
+      <p:sp>
+        <p:nvSpPr>
+          <p:cNvPr id="82" name="PlaceHolder 2"/>
+          <p:cNvSpPr>
+            <a:spLocks noGrp="1"/>
+          </p:cNvSpPr>
+          <p:nvPr>
+            <p:ph type="subTitle"/>
+          </p:nvPr>
+        </p:nvSpPr>
+        <p:spPr>
+          <a:xfrm>
+            <a:off x="504000" y="1768680"/>
+            <a:ext cx="9072000" cy="4384080"/>
+          </a:xfrm>
+          <a:prstGeom prst="rect">
+            <a:avLst/>
+          </a:prstGeom>
+        </p:spPr>
+        <p:txBody>
+          <a:bodyPr lIns="0" rIns="0" tIns="0" bIns="0" anchor="ctr"/>
+          <a:p>
+            <a:pPr algn="ctr"/>
+            <a:endParaRPr b="0" lang="en-US" sz="3200" spc="-1" strike="noStrike">
+              <a:latin typeface="Arial"/>
+            </a:endParaRPr>
+          </a:p>
+        </p:txBody>
+      </p:sp>
+    </p:spTree>
+  </p:cSld>
+</p:sldLayout>
+</file>
+
+<file path=ppt/slideLayouts/slideLayout27.xml><?xml version="1.0" encoding="utf-8"?>
+<p:sldLayout xmlns:a="http://schemas.openxmlformats.org/drawingml/2006/main" xmlns:p="http://schemas.openxmlformats.org/presentationml/2006/main" xmlns:r="http://schemas.openxmlformats.org/officeDocument/2006/relationships" xmlns:p14="http://schemas.microsoft.com/office/powerpoint/2010/main" xmlns:p15="http://schemas.microsoft.com/office/powerpoint/2012/main" xmlns:mc="http://schemas.openxmlformats.org/markup-compatibility/2006" type="obj" preserve="1">
+  <p:cSld name="Title, Content">
+    <p:spTree>
+      <p:nvGrpSpPr>
+        <p:cNvPr id="1" name=""/>
+        <p:cNvGrpSpPr/>
+        <p:nvPr/>
+      </p:nvGrpSpPr>
+      <p:grpSpPr>
+        <a:xfrm>
+          <a:off x="0" y="0"/>
+          <a:ext cx="0" cy="0"/>
+          <a:chOff x="0" y="0"/>
+          <a:chExt cx="0" cy="0"/>
+        </a:xfrm>
+      </p:grpSpPr>
+      <p:sp>
+        <p:nvSpPr>
+          <p:cNvPr id="83" name="PlaceHolder 1"/>
+          <p:cNvSpPr>
+            <a:spLocks noGrp="1"/>
+          </p:cNvSpPr>
+          <p:nvPr>
+            <p:ph type="title"/>
+          </p:nvPr>
+        </p:nvSpPr>
+        <p:spPr>
+          <a:xfrm>
+            <a:off x="504000" y="301320"/>
+            <a:ext cx="9072000" cy="1261800"/>
+          </a:xfrm>
+          <a:prstGeom prst="rect">
+            <a:avLst/>
+          </a:prstGeom>
+        </p:spPr>
+        <p:txBody>
+          <a:bodyPr lIns="0" rIns="0" tIns="0" bIns="0" anchor="ctr"/>
+          <a:p>
+            <a:pPr algn="ctr"/>
+            <a:endParaRPr b="0" lang="en-US" sz="4400" spc="-1" strike="noStrike">
+              <a:latin typeface="Arial"/>
+            </a:endParaRPr>
+          </a:p>
+        </p:txBody>
+      </p:sp>
+      <p:sp>
+        <p:nvSpPr>
+          <p:cNvPr id="84" name="PlaceHolder 2"/>
+          <p:cNvSpPr>
+            <a:spLocks noGrp="1"/>
+          </p:cNvSpPr>
+          <p:nvPr>
+            <p:ph type="body"/>
+          </p:nvPr>
+        </p:nvSpPr>
+        <p:spPr>
+          <a:xfrm>
+            <a:off x="504000" y="1768680"/>
+            <a:ext cx="9072000" cy="4384080"/>
+          </a:xfrm>
+          <a:prstGeom prst="rect">
+            <a:avLst/>
+          </a:prstGeom>
+        </p:spPr>
+        <p:txBody>
+          <a:bodyPr lIns="0" rIns="0" tIns="0" bIns="0">
+            <a:normAutofit/>
+          </a:bodyPr>
+          <a:p>
+            <a:endParaRPr b="0" lang="en-US" sz="3200" spc="-1" strike="noStrike">
+              <a:latin typeface="Arial"/>
+            </a:endParaRPr>
+          </a:p>
+        </p:txBody>
+      </p:sp>
+    </p:spTree>
+  </p:cSld>
+</p:sldLayout>
+</file>
+
+<file path=ppt/slideLayouts/slideLayout28.xml><?xml version="1.0" encoding="utf-8"?>
+<p:sldLayout xmlns:a="http://schemas.openxmlformats.org/drawingml/2006/main" xmlns:p="http://schemas.openxmlformats.org/presentationml/2006/main" xmlns:r="http://schemas.openxmlformats.org/officeDocument/2006/relationships" xmlns:p14="http://schemas.microsoft.com/office/powerpoint/2010/main" xmlns:p15="http://schemas.microsoft.com/office/powerpoint/2012/main" xmlns:mc="http://schemas.openxmlformats.org/markup-compatibility/2006" type="twoObj" preserve="1">
+  <p:cSld name="Title, 2 Content">
+    <p:spTree>
+      <p:nvGrpSpPr>
+        <p:cNvPr id="1" name=""/>
+        <p:cNvGrpSpPr/>
+        <p:nvPr/>
+      </p:nvGrpSpPr>
+      <p:grpSpPr>
+        <a:xfrm>
+          <a:off x="0" y="0"/>
+          <a:ext cx="0" cy="0"/>
+          <a:chOff x="0" y="0"/>
+          <a:chExt cx="0" cy="0"/>
+        </a:xfrm>
+      </p:grpSpPr>
+      <p:sp>
+        <p:nvSpPr>
+          <p:cNvPr id="85" name="PlaceHolder 1"/>
+          <p:cNvSpPr>
+            <a:spLocks noGrp="1"/>
+          </p:cNvSpPr>
+          <p:nvPr>
+            <p:ph type="title"/>
+          </p:nvPr>
+        </p:nvSpPr>
+        <p:spPr>
+          <a:xfrm>
+            <a:off x="504000" y="301320"/>
+            <a:ext cx="9072000" cy="1261800"/>
+          </a:xfrm>
+          <a:prstGeom prst="rect">
+            <a:avLst/>
+          </a:prstGeom>
+        </p:spPr>
+        <p:txBody>
+          <a:bodyPr lIns="0" rIns="0" tIns="0" bIns="0" anchor="ctr"/>
+          <a:p>
+            <a:pPr algn="ctr"/>
+            <a:endParaRPr b="0" lang="en-US" sz="4400" spc="-1" strike="noStrike">
+              <a:latin typeface="Arial"/>
+            </a:endParaRPr>
+          </a:p>
+        </p:txBody>
+      </p:sp>
+      <p:sp>
+        <p:nvSpPr>
+          <p:cNvPr id="86" name="PlaceHolder 2"/>
+          <p:cNvSpPr>
+            <a:spLocks noGrp="1"/>
+          </p:cNvSpPr>
+          <p:nvPr>
+            <p:ph type="body"/>
+          </p:nvPr>
+        </p:nvSpPr>
+        <p:spPr>
+          <a:xfrm>
+            <a:off x="504000" y="1768680"/>
+            <a:ext cx="4426920" cy="4384080"/>
+          </a:xfrm>
+          <a:prstGeom prst="rect">
+            <a:avLst/>
+          </a:prstGeom>
+        </p:spPr>
+        <p:txBody>
+          <a:bodyPr lIns="0" rIns="0" tIns="0" bIns="0">
+            <a:normAutofit/>
+          </a:bodyPr>
+          <a:p>
+            <a:endParaRPr b="0" lang="en-US" sz="3200" spc="-1" strike="noStrike">
+              <a:latin typeface="Arial"/>
+            </a:endParaRPr>
+          </a:p>
+        </p:txBody>
+      </p:sp>
+      <p:sp>
+        <p:nvSpPr>
+          <p:cNvPr id="87" name="PlaceHolder 3"/>
+          <p:cNvSpPr>
+            <a:spLocks noGrp="1"/>
+          </p:cNvSpPr>
+          <p:nvPr>
+            <p:ph type="body"/>
+          </p:nvPr>
+        </p:nvSpPr>
+        <p:spPr>
+          <a:xfrm>
+            <a:off x="5152680" y="1768680"/>
+            <a:ext cx="4426920" cy="4384080"/>
+          </a:xfrm>
+          <a:prstGeom prst="rect">
+            <a:avLst/>
+          </a:prstGeom>
+        </p:spPr>
+        <p:txBody>
+          <a:bodyPr lIns="0" rIns="0" tIns="0" bIns="0">
+            <a:normAutofit/>
+          </a:bodyPr>
+          <a:p>
+            <a:endParaRPr b="0" lang="en-US" sz="3200" spc="-1" strike="noStrike">
+              <a:latin typeface="Arial"/>
+            </a:endParaRPr>
+          </a:p>
+        </p:txBody>
+      </p:sp>
+    </p:spTree>
+  </p:cSld>
+</p:sldLayout>
+</file>
+
+<file path=ppt/slideLayouts/slideLayout29.xml><?xml version="1.0" encoding="utf-8"?>
+<p:sldLayout xmlns:a="http://schemas.openxmlformats.org/drawingml/2006/main" xmlns:p="http://schemas.openxmlformats.org/presentationml/2006/main" xmlns:r="http://schemas.openxmlformats.org/officeDocument/2006/relationships" xmlns:p14="http://schemas.microsoft.com/office/powerpoint/2010/main" xmlns:p15="http://schemas.microsoft.com/office/powerpoint/2012/main" xmlns:mc="http://schemas.openxmlformats.org/markup-compatibility/2006" type="titleOnly" preserve="1">
+  <p:cSld name="Title Only">
+    <p:spTree>
+      <p:nvGrpSpPr>
+        <p:cNvPr id="1" name=""/>
+        <p:cNvGrpSpPr/>
+        <p:nvPr/>
+      </p:nvGrpSpPr>
+      <p:grpSpPr>
+        <a:xfrm>
+          <a:off x="0" y="0"/>
+          <a:ext cx="0" cy="0"/>
+          <a:chOff x="0" y="0"/>
+          <a:chExt cx="0" cy="0"/>
+        </a:xfrm>
+      </p:grpSpPr>
+      <p:sp>
+        <p:nvSpPr>
+          <p:cNvPr id="88" name="PlaceHolder 1"/>
+          <p:cNvSpPr>
+            <a:spLocks noGrp="1"/>
+          </p:cNvSpPr>
+          <p:nvPr>
+            <p:ph type="title"/>
+          </p:nvPr>
+        </p:nvSpPr>
+        <p:spPr>
+          <a:xfrm>
+            <a:off x="504000" y="301320"/>
+            <a:ext cx="9072000" cy="1261800"/>
+          </a:xfrm>
+          <a:prstGeom prst="rect">
+            <a:avLst/>
+          </a:prstGeom>
+        </p:spPr>
+        <p:txBody>
+          <a:bodyPr lIns="0" rIns="0" tIns="0" bIns="0" anchor="ctr"/>
+          <a:p>
+            <a:pPr algn="ctr"/>
+            <a:endParaRPr b="0" lang="en-US" sz="4400" spc="-1" strike="noStrike">
               <a:latin typeface="Arial"/>
             </a:endParaRPr>
           </a:p>
@@ -1996,8 +2341,8 @@
         </p:nvSpPr>
         <p:spPr>
           <a:xfrm>
-            <a:off x="720000" y="300960"/>
-            <a:ext cx="8855280" cy="1262160"/>
+            <a:off x="504000" y="301320"/>
+            <a:ext cx="9072000" cy="1261800"/>
           </a:xfrm>
           <a:prstGeom prst="rect">
             <a:avLst/>
@@ -2027,6 +2372,993 @@
           <a:xfrm>
             <a:off x="504000" y="1768680"/>
             <a:ext cx="9072000" cy="4384080"/>
+          </a:xfrm>
+          <a:prstGeom prst="rect">
+            <a:avLst/>
+          </a:prstGeom>
+        </p:spPr>
+        <p:txBody>
+          <a:bodyPr lIns="0" rIns="0" tIns="0" bIns="0">
+            <a:normAutofit/>
+          </a:bodyPr>
+          <a:p>
+            <a:endParaRPr b="0" lang="en-US" sz="3200" spc="-1" strike="noStrike">
+              <a:latin typeface="Arial"/>
+            </a:endParaRPr>
+          </a:p>
+        </p:txBody>
+      </p:sp>
+    </p:spTree>
+  </p:cSld>
+</p:sldLayout>
+</file>
+
+<file path=ppt/slideLayouts/slideLayout30.xml><?xml version="1.0" encoding="utf-8"?>
+<p:sldLayout xmlns:a="http://schemas.openxmlformats.org/drawingml/2006/main" xmlns:p="http://schemas.openxmlformats.org/presentationml/2006/main" xmlns:r="http://schemas.openxmlformats.org/officeDocument/2006/relationships" xmlns:p14="http://schemas.microsoft.com/office/powerpoint/2010/main" xmlns:p15="http://schemas.microsoft.com/office/powerpoint/2012/main" xmlns:mc="http://schemas.openxmlformats.org/markup-compatibility/2006" type="objOnly" preserve="1">
+  <p:cSld name="Centered Text">
+    <p:spTree>
+      <p:nvGrpSpPr>
+        <p:cNvPr id="1" name=""/>
+        <p:cNvGrpSpPr/>
+        <p:nvPr/>
+      </p:nvGrpSpPr>
+      <p:grpSpPr>
+        <a:xfrm>
+          <a:off x="0" y="0"/>
+          <a:ext cx="0" cy="0"/>
+          <a:chOff x="0" y="0"/>
+          <a:chExt cx="0" cy="0"/>
+        </a:xfrm>
+      </p:grpSpPr>
+      <p:sp>
+        <p:nvSpPr>
+          <p:cNvPr id="89" name="PlaceHolder 1"/>
+          <p:cNvSpPr>
+            <a:spLocks noGrp="1"/>
+          </p:cNvSpPr>
+          <p:nvPr>
+            <p:ph type="subTitle"/>
+          </p:nvPr>
+        </p:nvSpPr>
+        <p:spPr>
+          <a:xfrm>
+            <a:off x="504000" y="301320"/>
+            <a:ext cx="9072000" cy="5850360"/>
+          </a:xfrm>
+          <a:prstGeom prst="rect">
+            <a:avLst/>
+          </a:prstGeom>
+        </p:spPr>
+        <p:txBody>
+          <a:bodyPr lIns="0" rIns="0" tIns="0" bIns="0" anchor="ctr"/>
+          <a:p>
+            <a:pPr algn="ctr"/>
+            <a:endParaRPr b="0" lang="en-US" sz="3200" spc="-1" strike="noStrike">
+              <a:latin typeface="Arial"/>
+            </a:endParaRPr>
+          </a:p>
+        </p:txBody>
+      </p:sp>
+    </p:spTree>
+  </p:cSld>
+</p:sldLayout>
+</file>
+
+<file path=ppt/slideLayouts/slideLayout31.xml><?xml version="1.0" encoding="utf-8"?>
+<p:sldLayout xmlns:a="http://schemas.openxmlformats.org/drawingml/2006/main" xmlns:p="http://schemas.openxmlformats.org/presentationml/2006/main" xmlns:r="http://schemas.openxmlformats.org/officeDocument/2006/relationships" xmlns:p14="http://schemas.microsoft.com/office/powerpoint/2010/main" xmlns:p15="http://schemas.microsoft.com/office/powerpoint/2012/main" xmlns:mc="http://schemas.openxmlformats.org/markup-compatibility/2006" type="twoObjAndObj" preserve="1">
+  <p:cSld name="Title, 2 Content and Content">
+    <p:spTree>
+      <p:nvGrpSpPr>
+        <p:cNvPr id="1" name=""/>
+        <p:cNvGrpSpPr/>
+        <p:nvPr/>
+      </p:nvGrpSpPr>
+      <p:grpSpPr>
+        <a:xfrm>
+          <a:off x="0" y="0"/>
+          <a:ext cx="0" cy="0"/>
+          <a:chOff x="0" y="0"/>
+          <a:chExt cx="0" cy="0"/>
+        </a:xfrm>
+      </p:grpSpPr>
+      <p:sp>
+        <p:nvSpPr>
+          <p:cNvPr id="90" name="PlaceHolder 1"/>
+          <p:cNvSpPr>
+            <a:spLocks noGrp="1"/>
+          </p:cNvSpPr>
+          <p:nvPr>
+            <p:ph type="title"/>
+          </p:nvPr>
+        </p:nvSpPr>
+        <p:spPr>
+          <a:xfrm>
+            <a:off x="504000" y="301320"/>
+            <a:ext cx="9072000" cy="1261800"/>
+          </a:xfrm>
+          <a:prstGeom prst="rect">
+            <a:avLst/>
+          </a:prstGeom>
+        </p:spPr>
+        <p:txBody>
+          <a:bodyPr lIns="0" rIns="0" tIns="0" bIns="0" anchor="ctr"/>
+          <a:p>
+            <a:pPr algn="ctr"/>
+            <a:endParaRPr b="0" lang="en-US" sz="4400" spc="-1" strike="noStrike">
+              <a:latin typeface="Arial"/>
+            </a:endParaRPr>
+          </a:p>
+        </p:txBody>
+      </p:sp>
+      <p:sp>
+        <p:nvSpPr>
+          <p:cNvPr id="91" name="PlaceHolder 2"/>
+          <p:cNvSpPr>
+            <a:spLocks noGrp="1"/>
+          </p:cNvSpPr>
+          <p:nvPr>
+            <p:ph type="body"/>
+          </p:nvPr>
+        </p:nvSpPr>
+        <p:spPr>
+          <a:xfrm>
+            <a:off x="504000" y="1768680"/>
+            <a:ext cx="4426920" cy="2090880"/>
+          </a:xfrm>
+          <a:prstGeom prst="rect">
+            <a:avLst/>
+          </a:prstGeom>
+        </p:spPr>
+        <p:txBody>
+          <a:bodyPr lIns="0" rIns="0" tIns="0" bIns="0">
+            <a:normAutofit/>
+          </a:bodyPr>
+          <a:p>
+            <a:endParaRPr b="0" lang="en-US" sz="3200" spc="-1" strike="noStrike">
+              <a:latin typeface="Arial"/>
+            </a:endParaRPr>
+          </a:p>
+        </p:txBody>
+      </p:sp>
+      <p:sp>
+        <p:nvSpPr>
+          <p:cNvPr id="92" name="PlaceHolder 3"/>
+          <p:cNvSpPr>
+            <a:spLocks noGrp="1"/>
+          </p:cNvSpPr>
+          <p:nvPr>
+            <p:ph type="body"/>
+          </p:nvPr>
+        </p:nvSpPr>
+        <p:spPr>
+          <a:xfrm>
+            <a:off x="504000" y="4058640"/>
+            <a:ext cx="4426920" cy="2090880"/>
+          </a:xfrm>
+          <a:prstGeom prst="rect">
+            <a:avLst/>
+          </a:prstGeom>
+        </p:spPr>
+        <p:txBody>
+          <a:bodyPr lIns="0" rIns="0" tIns="0" bIns="0">
+            <a:normAutofit/>
+          </a:bodyPr>
+          <a:p>
+            <a:endParaRPr b="0" lang="en-US" sz="3200" spc="-1" strike="noStrike">
+              <a:latin typeface="Arial"/>
+            </a:endParaRPr>
+          </a:p>
+        </p:txBody>
+      </p:sp>
+      <p:sp>
+        <p:nvSpPr>
+          <p:cNvPr id="93" name="PlaceHolder 4"/>
+          <p:cNvSpPr>
+            <a:spLocks noGrp="1"/>
+          </p:cNvSpPr>
+          <p:nvPr>
+            <p:ph type="body"/>
+          </p:nvPr>
+        </p:nvSpPr>
+        <p:spPr>
+          <a:xfrm>
+            <a:off x="5152680" y="1768680"/>
+            <a:ext cx="4426920" cy="4384080"/>
+          </a:xfrm>
+          <a:prstGeom prst="rect">
+            <a:avLst/>
+          </a:prstGeom>
+        </p:spPr>
+        <p:txBody>
+          <a:bodyPr lIns="0" rIns="0" tIns="0" bIns="0">
+            <a:normAutofit/>
+          </a:bodyPr>
+          <a:p>
+            <a:endParaRPr b="0" lang="en-US" sz="3200" spc="-1" strike="noStrike">
+              <a:latin typeface="Arial"/>
+            </a:endParaRPr>
+          </a:p>
+        </p:txBody>
+      </p:sp>
+    </p:spTree>
+  </p:cSld>
+</p:sldLayout>
+</file>
+
+<file path=ppt/slideLayouts/slideLayout32.xml><?xml version="1.0" encoding="utf-8"?>
+<p:sldLayout xmlns:a="http://schemas.openxmlformats.org/drawingml/2006/main" xmlns:p="http://schemas.openxmlformats.org/presentationml/2006/main" xmlns:r="http://schemas.openxmlformats.org/officeDocument/2006/relationships" xmlns:p14="http://schemas.microsoft.com/office/powerpoint/2010/main" xmlns:p15="http://schemas.microsoft.com/office/powerpoint/2012/main" xmlns:mc="http://schemas.openxmlformats.org/markup-compatibility/2006" type="objAndTwoObj" preserve="1">
+  <p:cSld name="Title Content and 2 Content">
+    <p:spTree>
+      <p:nvGrpSpPr>
+        <p:cNvPr id="1" name=""/>
+        <p:cNvGrpSpPr/>
+        <p:nvPr/>
+      </p:nvGrpSpPr>
+      <p:grpSpPr>
+        <a:xfrm>
+          <a:off x="0" y="0"/>
+          <a:ext cx="0" cy="0"/>
+          <a:chOff x="0" y="0"/>
+          <a:chExt cx="0" cy="0"/>
+        </a:xfrm>
+      </p:grpSpPr>
+      <p:sp>
+        <p:nvSpPr>
+          <p:cNvPr id="94" name="PlaceHolder 1"/>
+          <p:cNvSpPr>
+            <a:spLocks noGrp="1"/>
+          </p:cNvSpPr>
+          <p:nvPr>
+            <p:ph type="title"/>
+          </p:nvPr>
+        </p:nvSpPr>
+        <p:spPr>
+          <a:xfrm>
+            <a:off x="504000" y="301320"/>
+            <a:ext cx="9072000" cy="1261800"/>
+          </a:xfrm>
+          <a:prstGeom prst="rect">
+            <a:avLst/>
+          </a:prstGeom>
+        </p:spPr>
+        <p:txBody>
+          <a:bodyPr lIns="0" rIns="0" tIns="0" bIns="0" anchor="ctr"/>
+          <a:p>
+            <a:pPr algn="ctr"/>
+            <a:endParaRPr b="0" lang="en-US" sz="4400" spc="-1" strike="noStrike">
+              <a:latin typeface="Arial"/>
+            </a:endParaRPr>
+          </a:p>
+        </p:txBody>
+      </p:sp>
+      <p:sp>
+        <p:nvSpPr>
+          <p:cNvPr id="95" name="PlaceHolder 2"/>
+          <p:cNvSpPr>
+            <a:spLocks noGrp="1"/>
+          </p:cNvSpPr>
+          <p:nvPr>
+            <p:ph type="body"/>
+          </p:nvPr>
+        </p:nvSpPr>
+        <p:spPr>
+          <a:xfrm>
+            <a:off x="504000" y="1768680"/>
+            <a:ext cx="4426920" cy="4384080"/>
+          </a:xfrm>
+          <a:prstGeom prst="rect">
+            <a:avLst/>
+          </a:prstGeom>
+        </p:spPr>
+        <p:txBody>
+          <a:bodyPr lIns="0" rIns="0" tIns="0" bIns="0">
+            <a:normAutofit/>
+          </a:bodyPr>
+          <a:p>
+            <a:endParaRPr b="0" lang="en-US" sz="3200" spc="-1" strike="noStrike">
+              <a:latin typeface="Arial"/>
+            </a:endParaRPr>
+          </a:p>
+        </p:txBody>
+      </p:sp>
+      <p:sp>
+        <p:nvSpPr>
+          <p:cNvPr id="96" name="PlaceHolder 3"/>
+          <p:cNvSpPr>
+            <a:spLocks noGrp="1"/>
+          </p:cNvSpPr>
+          <p:nvPr>
+            <p:ph type="body"/>
+          </p:nvPr>
+        </p:nvSpPr>
+        <p:spPr>
+          <a:xfrm>
+            <a:off x="5152680" y="1768680"/>
+            <a:ext cx="4426920" cy="2090880"/>
+          </a:xfrm>
+          <a:prstGeom prst="rect">
+            <a:avLst/>
+          </a:prstGeom>
+        </p:spPr>
+        <p:txBody>
+          <a:bodyPr lIns="0" rIns="0" tIns="0" bIns="0">
+            <a:normAutofit/>
+          </a:bodyPr>
+          <a:p>
+            <a:endParaRPr b="0" lang="en-US" sz="3200" spc="-1" strike="noStrike">
+              <a:latin typeface="Arial"/>
+            </a:endParaRPr>
+          </a:p>
+        </p:txBody>
+      </p:sp>
+      <p:sp>
+        <p:nvSpPr>
+          <p:cNvPr id="97" name="PlaceHolder 4"/>
+          <p:cNvSpPr>
+            <a:spLocks noGrp="1"/>
+          </p:cNvSpPr>
+          <p:nvPr>
+            <p:ph type="body"/>
+          </p:nvPr>
+        </p:nvSpPr>
+        <p:spPr>
+          <a:xfrm>
+            <a:off x="5152680" y="4058640"/>
+            <a:ext cx="4426920" cy="2090880"/>
+          </a:xfrm>
+          <a:prstGeom prst="rect">
+            <a:avLst/>
+          </a:prstGeom>
+        </p:spPr>
+        <p:txBody>
+          <a:bodyPr lIns="0" rIns="0" tIns="0" bIns="0">
+            <a:normAutofit/>
+          </a:bodyPr>
+          <a:p>
+            <a:endParaRPr b="0" lang="en-US" sz="3200" spc="-1" strike="noStrike">
+              <a:latin typeface="Arial"/>
+            </a:endParaRPr>
+          </a:p>
+        </p:txBody>
+      </p:sp>
+    </p:spTree>
+  </p:cSld>
+</p:sldLayout>
+</file>
+
+<file path=ppt/slideLayouts/slideLayout33.xml><?xml version="1.0" encoding="utf-8"?>
+<p:sldLayout xmlns:a="http://schemas.openxmlformats.org/drawingml/2006/main" xmlns:p="http://schemas.openxmlformats.org/presentationml/2006/main" xmlns:r="http://schemas.openxmlformats.org/officeDocument/2006/relationships" xmlns:p14="http://schemas.microsoft.com/office/powerpoint/2010/main" xmlns:p15="http://schemas.microsoft.com/office/powerpoint/2012/main" xmlns:mc="http://schemas.openxmlformats.org/markup-compatibility/2006" type="twoObjOverTx" preserve="1">
+  <p:cSld name="Title, 2 Content over Content">
+    <p:spTree>
+      <p:nvGrpSpPr>
+        <p:cNvPr id="1" name=""/>
+        <p:cNvGrpSpPr/>
+        <p:nvPr/>
+      </p:nvGrpSpPr>
+      <p:grpSpPr>
+        <a:xfrm>
+          <a:off x="0" y="0"/>
+          <a:ext cx="0" cy="0"/>
+          <a:chOff x="0" y="0"/>
+          <a:chExt cx="0" cy="0"/>
+        </a:xfrm>
+      </p:grpSpPr>
+      <p:sp>
+        <p:nvSpPr>
+          <p:cNvPr id="98" name="PlaceHolder 1"/>
+          <p:cNvSpPr>
+            <a:spLocks noGrp="1"/>
+          </p:cNvSpPr>
+          <p:nvPr>
+            <p:ph type="title"/>
+          </p:nvPr>
+        </p:nvSpPr>
+        <p:spPr>
+          <a:xfrm>
+            <a:off x="504000" y="301320"/>
+            <a:ext cx="9072000" cy="1261800"/>
+          </a:xfrm>
+          <a:prstGeom prst="rect">
+            <a:avLst/>
+          </a:prstGeom>
+        </p:spPr>
+        <p:txBody>
+          <a:bodyPr lIns="0" rIns="0" tIns="0" bIns="0" anchor="ctr"/>
+          <a:p>
+            <a:pPr algn="ctr"/>
+            <a:endParaRPr b="0" lang="en-US" sz="4400" spc="-1" strike="noStrike">
+              <a:latin typeface="Arial"/>
+            </a:endParaRPr>
+          </a:p>
+        </p:txBody>
+      </p:sp>
+      <p:sp>
+        <p:nvSpPr>
+          <p:cNvPr id="99" name="PlaceHolder 2"/>
+          <p:cNvSpPr>
+            <a:spLocks noGrp="1"/>
+          </p:cNvSpPr>
+          <p:nvPr>
+            <p:ph type="body"/>
+          </p:nvPr>
+        </p:nvSpPr>
+        <p:spPr>
+          <a:xfrm>
+            <a:off x="504000" y="1768680"/>
+            <a:ext cx="4426920" cy="2090880"/>
+          </a:xfrm>
+          <a:prstGeom prst="rect">
+            <a:avLst/>
+          </a:prstGeom>
+        </p:spPr>
+        <p:txBody>
+          <a:bodyPr lIns="0" rIns="0" tIns="0" bIns="0">
+            <a:normAutofit/>
+          </a:bodyPr>
+          <a:p>
+            <a:endParaRPr b="0" lang="en-US" sz="3200" spc="-1" strike="noStrike">
+              <a:latin typeface="Arial"/>
+            </a:endParaRPr>
+          </a:p>
+        </p:txBody>
+      </p:sp>
+      <p:sp>
+        <p:nvSpPr>
+          <p:cNvPr id="100" name="PlaceHolder 3"/>
+          <p:cNvSpPr>
+            <a:spLocks noGrp="1"/>
+          </p:cNvSpPr>
+          <p:nvPr>
+            <p:ph type="body"/>
+          </p:nvPr>
+        </p:nvSpPr>
+        <p:spPr>
+          <a:xfrm>
+            <a:off x="5152680" y="1768680"/>
+            <a:ext cx="4426920" cy="2090880"/>
+          </a:xfrm>
+          <a:prstGeom prst="rect">
+            <a:avLst/>
+          </a:prstGeom>
+        </p:spPr>
+        <p:txBody>
+          <a:bodyPr lIns="0" rIns="0" tIns="0" bIns="0">
+            <a:normAutofit/>
+          </a:bodyPr>
+          <a:p>
+            <a:endParaRPr b="0" lang="en-US" sz="3200" spc="-1" strike="noStrike">
+              <a:latin typeface="Arial"/>
+            </a:endParaRPr>
+          </a:p>
+        </p:txBody>
+      </p:sp>
+      <p:sp>
+        <p:nvSpPr>
+          <p:cNvPr id="101" name="PlaceHolder 4"/>
+          <p:cNvSpPr>
+            <a:spLocks noGrp="1"/>
+          </p:cNvSpPr>
+          <p:nvPr>
+            <p:ph type="body"/>
+          </p:nvPr>
+        </p:nvSpPr>
+        <p:spPr>
+          <a:xfrm>
+            <a:off x="504000" y="4058640"/>
+            <a:ext cx="9072000" cy="2090880"/>
+          </a:xfrm>
+          <a:prstGeom prst="rect">
+            <a:avLst/>
+          </a:prstGeom>
+        </p:spPr>
+        <p:txBody>
+          <a:bodyPr lIns="0" rIns="0" tIns="0" bIns="0">
+            <a:normAutofit/>
+          </a:bodyPr>
+          <a:p>
+            <a:endParaRPr b="0" lang="en-US" sz="3200" spc="-1" strike="noStrike">
+              <a:latin typeface="Arial"/>
+            </a:endParaRPr>
+          </a:p>
+        </p:txBody>
+      </p:sp>
+    </p:spTree>
+  </p:cSld>
+</p:sldLayout>
+</file>
+
+<file path=ppt/slideLayouts/slideLayout34.xml><?xml version="1.0" encoding="utf-8"?>
+<p:sldLayout xmlns:a="http://schemas.openxmlformats.org/drawingml/2006/main" xmlns:p="http://schemas.openxmlformats.org/presentationml/2006/main" xmlns:r="http://schemas.openxmlformats.org/officeDocument/2006/relationships" xmlns:p14="http://schemas.microsoft.com/office/powerpoint/2010/main" xmlns:p15="http://schemas.microsoft.com/office/powerpoint/2012/main" xmlns:mc="http://schemas.openxmlformats.org/markup-compatibility/2006" type="objOverTx" preserve="1">
+  <p:cSld name="Title, Content over Content">
+    <p:spTree>
+      <p:nvGrpSpPr>
+        <p:cNvPr id="1" name=""/>
+        <p:cNvGrpSpPr/>
+        <p:nvPr/>
+      </p:nvGrpSpPr>
+      <p:grpSpPr>
+        <a:xfrm>
+          <a:off x="0" y="0"/>
+          <a:ext cx="0" cy="0"/>
+          <a:chOff x="0" y="0"/>
+          <a:chExt cx="0" cy="0"/>
+        </a:xfrm>
+      </p:grpSpPr>
+      <p:sp>
+        <p:nvSpPr>
+          <p:cNvPr id="102" name="PlaceHolder 1"/>
+          <p:cNvSpPr>
+            <a:spLocks noGrp="1"/>
+          </p:cNvSpPr>
+          <p:nvPr>
+            <p:ph type="title"/>
+          </p:nvPr>
+        </p:nvSpPr>
+        <p:spPr>
+          <a:xfrm>
+            <a:off x="504000" y="301320"/>
+            <a:ext cx="9072000" cy="1261800"/>
+          </a:xfrm>
+          <a:prstGeom prst="rect">
+            <a:avLst/>
+          </a:prstGeom>
+        </p:spPr>
+        <p:txBody>
+          <a:bodyPr lIns="0" rIns="0" tIns="0" bIns="0" anchor="ctr"/>
+          <a:p>
+            <a:pPr algn="ctr"/>
+            <a:endParaRPr b="0" lang="en-US" sz="4400" spc="-1" strike="noStrike">
+              <a:latin typeface="Arial"/>
+            </a:endParaRPr>
+          </a:p>
+        </p:txBody>
+      </p:sp>
+      <p:sp>
+        <p:nvSpPr>
+          <p:cNvPr id="103" name="PlaceHolder 2"/>
+          <p:cNvSpPr>
+            <a:spLocks noGrp="1"/>
+          </p:cNvSpPr>
+          <p:nvPr>
+            <p:ph type="body"/>
+          </p:nvPr>
+        </p:nvSpPr>
+        <p:spPr>
+          <a:xfrm>
+            <a:off x="504000" y="1768680"/>
+            <a:ext cx="9072000" cy="2090880"/>
+          </a:xfrm>
+          <a:prstGeom prst="rect">
+            <a:avLst/>
+          </a:prstGeom>
+        </p:spPr>
+        <p:txBody>
+          <a:bodyPr lIns="0" rIns="0" tIns="0" bIns="0">
+            <a:normAutofit/>
+          </a:bodyPr>
+          <a:p>
+            <a:endParaRPr b="0" lang="en-US" sz="3200" spc="-1" strike="noStrike">
+              <a:latin typeface="Arial"/>
+            </a:endParaRPr>
+          </a:p>
+        </p:txBody>
+      </p:sp>
+      <p:sp>
+        <p:nvSpPr>
+          <p:cNvPr id="104" name="PlaceHolder 3"/>
+          <p:cNvSpPr>
+            <a:spLocks noGrp="1"/>
+          </p:cNvSpPr>
+          <p:nvPr>
+            <p:ph type="body"/>
+          </p:nvPr>
+        </p:nvSpPr>
+        <p:spPr>
+          <a:xfrm>
+            <a:off x="504000" y="4058640"/>
+            <a:ext cx="9072000" cy="2090880"/>
+          </a:xfrm>
+          <a:prstGeom prst="rect">
+            <a:avLst/>
+          </a:prstGeom>
+        </p:spPr>
+        <p:txBody>
+          <a:bodyPr lIns="0" rIns="0" tIns="0" bIns="0">
+            <a:normAutofit/>
+          </a:bodyPr>
+          <a:p>
+            <a:endParaRPr b="0" lang="en-US" sz="3200" spc="-1" strike="noStrike">
+              <a:latin typeface="Arial"/>
+            </a:endParaRPr>
+          </a:p>
+        </p:txBody>
+      </p:sp>
+    </p:spTree>
+  </p:cSld>
+</p:sldLayout>
+</file>
+
+<file path=ppt/slideLayouts/slideLayout35.xml><?xml version="1.0" encoding="utf-8"?>
+<p:sldLayout xmlns:a="http://schemas.openxmlformats.org/drawingml/2006/main" xmlns:p="http://schemas.openxmlformats.org/presentationml/2006/main" xmlns:r="http://schemas.openxmlformats.org/officeDocument/2006/relationships" xmlns:p14="http://schemas.microsoft.com/office/powerpoint/2010/main" xmlns:p15="http://schemas.microsoft.com/office/powerpoint/2012/main" xmlns:mc="http://schemas.openxmlformats.org/markup-compatibility/2006" type="fourObj" preserve="1">
+  <p:cSld name="Title, 4 Content">
+    <p:spTree>
+      <p:nvGrpSpPr>
+        <p:cNvPr id="1" name=""/>
+        <p:cNvGrpSpPr/>
+        <p:nvPr/>
+      </p:nvGrpSpPr>
+      <p:grpSpPr>
+        <a:xfrm>
+          <a:off x="0" y="0"/>
+          <a:ext cx="0" cy="0"/>
+          <a:chOff x="0" y="0"/>
+          <a:chExt cx="0" cy="0"/>
+        </a:xfrm>
+      </p:grpSpPr>
+      <p:sp>
+        <p:nvSpPr>
+          <p:cNvPr id="105" name="PlaceHolder 1"/>
+          <p:cNvSpPr>
+            <a:spLocks noGrp="1"/>
+          </p:cNvSpPr>
+          <p:nvPr>
+            <p:ph type="title"/>
+          </p:nvPr>
+        </p:nvSpPr>
+        <p:spPr>
+          <a:xfrm>
+            <a:off x="504000" y="301320"/>
+            <a:ext cx="9072000" cy="1261800"/>
+          </a:xfrm>
+          <a:prstGeom prst="rect">
+            <a:avLst/>
+          </a:prstGeom>
+        </p:spPr>
+        <p:txBody>
+          <a:bodyPr lIns="0" rIns="0" tIns="0" bIns="0" anchor="ctr"/>
+          <a:p>
+            <a:pPr algn="ctr"/>
+            <a:endParaRPr b="0" lang="en-US" sz="4400" spc="-1" strike="noStrike">
+              <a:latin typeface="Arial"/>
+            </a:endParaRPr>
+          </a:p>
+        </p:txBody>
+      </p:sp>
+      <p:sp>
+        <p:nvSpPr>
+          <p:cNvPr id="106" name="PlaceHolder 2"/>
+          <p:cNvSpPr>
+            <a:spLocks noGrp="1"/>
+          </p:cNvSpPr>
+          <p:nvPr>
+            <p:ph type="body"/>
+          </p:nvPr>
+        </p:nvSpPr>
+        <p:spPr>
+          <a:xfrm>
+            <a:off x="504000" y="1768680"/>
+            <a:ext cx="4426920" cy="2090880"/>
+          </a:xfrm>
+          <a:prstGeom prst="rect">
+            <a:avLst/>
+          </a:prstGeom>
+        </p:spPr>
+        <p:txBody>
+          <a:bodyPr lIns="0" rIns="0" tIns="0" bIns="0">
+            <a:normAutofit/>
+          </a:bodyPr>
+          <a:p>
+            <a:endParaRPr b="0" lang="en-US" sz="3200" spc="-1" strike="noStrike">
+              <a:latin typeface="Arial"/>
+            </a:endParaRPr>
+          </a:p>
+        </p:txBody>
+      </p:sp>
+      <p:sp>
+        <p:nvSpPr>
+          <p:cNvPr id="107" name="PlaceHolder 3"/>
+          <p:cNvSpPr>
+            <a:spLocks noGrp="1"/>
+          </p:cNvSpPr>
+          <p:nvPr>
+            <p:ph type="body"/>
+          </p:nvPr>
+        </p:nvSpPr>
+        <p:spPr>
+          <a:xfrm>
+            <a:off x="5152680" y="1768680"/>
+            <a:ext cx="4426920" cy="2090880"/>
+          </a:xfrm>
+          <a:prstGeom prst="rect">
+            <a:avLst/>
+          </a:prstGeom>
+        </p:spPr>
+        <p:txBody>
+          <a:bodyPr lIns="0" rIns="0" tIns="0" bIns="0">
+            <a:normAutofit/>
+          </a:bodyPr>
+          <a:p>
+            <a:endParaRPr b="0" lang="en-US" sz="3200" spc="-1" strike="noStrike">
+              <a:latin typeface="Arial"/>
+            </a:endParaRPr>
+          </a:p>
+        </p:txBody>
+      </p:sp>
+      <p:sp>
+        <p:nvSpPr>
+          <p:cNvPr id="108" name="PlaceHolder 4"/>
+          <p:cNvSpPr>
+            <a:spLocks noGrp="1"/>
+          </p:cNvSpPr>
+          <p:nvPr>
+            <p:ph type="body"/>
+          </p:nvPr>
+        </p:nvSpPr>
+        <p:spPr>
+          <a:xfrm>
+            <a:off x="5152680" y="4058640"/>
+            <a:ext cx="4426920" cy="2090880"/>
+          </a:xfrm>
+          <a:prstGeom prst="rect">
+            <a:avLst/>
+          </a:prstGeom>
+        </p:spPr>
+        <p:txBody>
+          <a:bodyPr lIns="0" rIns="0" tIns="0" bIns="0">
+            <a:normAutofit/>
+          </a:bodyPr>
+          <a:p>
+            <a:endParaRPr b="0" lang="en-US" sz="3200" spc="-1" strike="noStrike">
+              <a:latin typeface="Arial"/>
+            </a:endParaRPr>
+          </a:p>
+        </p:txBody>
+      </p:sp>
+      <p:sp>
+        <p:nvSpPr>
+          <p:cNvPr id="109" name="PlaceHolder 5"/>
+          <p:cNvSpPr>
+            <a:spLocks noGrp="1"/>
+          </p:cNvSpPr>
+          <p:nvPr>
+            <p:ph type="body"/>
+          </p:nvPr>
+        </p:nvSpPr>
+        <p:spPr>
+          <a:xfrm>
+            <a:off x="504000" y="4058640"/>
+            <a:ext cx="4426920" cy="2090880"/>
+          </a:xfrm>
+          <a:prstGeom prst="rect">
+            <a:avLst/>
+          </a:prstGeom>
+        </p:spPr>
+        <p:txBody>
+          <a:bodyPr lIns="0" rIns="0" tIns="0" bIns="0">
+            <a:normAutofit/>
+          </a:bodyPr>
+          <a:p>
+            <a:endParaRPr b="0" lang="en-US" sz="3200" spc="-1" strike="noStrike">
+              <a:latin typeface="Arial"/>
+            </a:endParaRPr>
+          </a:p>
+        </p:txBody>
+      </p:sp>
+    </p:spTree>
+  </p:cSld>
+</p:sldLayout>
+</file>
+
+<file path=ppt/slideLayouts/slideLayout36.xml><?xml version="1.0" encoding="utf-8"?>
+<p:sldLayout xmlns:a="http://schemas.openxmlformats.org/drawingml/2006/main" xmlns:p="http://schemas.openxmlformats.org/presentationml/2006/main" xmlns:r="http://schemas.openxmlformats.org/officeDocument/2006/relationships" xmlns:p14="http://schemas.microsoft.com/office/powerpoint/2010/main" xmlns:p15="http://schemas.microsoft.com/office/powerpoint/2012/main" xmlns:mc="http://schemas.openxmlformats.org/markup-compatibility/2006" type="blank" preserve="1">
+  <p:cSld name="Title, 6 Content">
+    <p:spTree>
+      <p:nvGrpSpPr>
+        <p:cNvPr id="1" name=""/>
+        <p:cNvGrpSpPr/>
+        <p:nvPr/>
+      </p:nvGrpSpPr>
+      <p:grpSpPr>
+        <a:xfrm>
+          <a:off x="0" y="0"/>
+          <a:ext cx="0" cy="0"/>
+          <a:chOff x="0" y="0"/>
+          <a:chExt cx="0" cy="0"/>
+        </a:xfrm>
+      </p:grpSpPr>
+      <p:sp>
+        <p:nvSpPr>
+          <p:cNvPr id="110" name="PlaceHolder 1"/>
+          <p:cNvSpPr>
+            <a:spLocks noGrp="1"/>
+          </p:cNvSpPr>
+          <p:nvPr>
+            <p:ph type="title"/>
+          </p:nvPr>
+        </p:nvSpPr>
+        <p:spPr>
+          <a:xfrm>
+            <a:off x="504000" y="301320"/>
+            <a:ext cx="9072000" cy="1261800"/>
+          </a:xfrm>
+          <a:prstGeom prst="rect">
+            <a:avLst/>
+          </a:prstGeom>
+        </p:spPr>
+        <p:txBody>
+          <a:bodyPr lIns="0" rIns="0" tIns="0" bIns="0" anchor="ctr"/>
+          <a:p>
+            <a:pPr algn="ctr"/>
+            <a:endParaRPr b="0" lang="en-US" sz="4400" spc="-1" strike="noStrike">
+              <a:latin typeface="Arial"/>
+            </a:endParaRPr>
+          </a:p>
+        </p:txBody>
+      </p:sp>
+      <p:sp>
+        <p:nvSpPr>
+          <p:cNvPr id="111" name="PlaceHolder 2"/>
+          <p:cNvSpPr>
+            <a:spLocks noGrp="1"/>
+          </p:cNvSpPr>
+          <p:nvPr>
+            <p:ph type="body"/>
+          </p:nvPr>
+        </p:nvSpPr>
+        <p:spPr>
+          <a:xfrm>
+            <a:off x="504000" y="1768680"/>
+            <a:ext cx="2921040" cy="2090880"/>
+          </a:xfrm>
+          <a:prstGeom prst="rect">
+            <a:avLst/>
+          </a:prstGeom>
+        </p:spPr>
+        <p:txBody>
+          <a:bodyPr lIns="0" rIns="0" tIns="0" bIns="0">
+            <a:normAutofit/>
+          </a:bodyPr>
+          <a:p>
+            <a:endParaRPr b="0" lang="en-US" sz="3200" spc="-1" strike="noStrike">
+              <a:latin typeface="Arial"/>
+            </a:endParaRPr>
+          </a:p>
+        </p:txBody>
+      </p:sp>
+      <p:sp>
+        <p:nvSpPr>
+          <p:cNvPr id="112" name="PlaceHolder 3"/>
+          <p:cNvSpPr>
+            <a:spLocks noGrp="1"/>
+          </p:cNvSpPr>
+          <p:nvPr>
+            <p:ph type="body"/>
+          </p:nvPr>
+        </p:nvSpPr>
+        <p:spPr>
+          <a:xfrm>
+            <a:off x="3571560" y="1768680"/>
+            <a:ext cx="2921040" cy="2090880"/>
+          </a:xfrm>
+          <a:prstGeom prst="rect">
+            <a:avLst/>
+          </a:prstGeom>
+        </p:spPr>
+        <p:txBody>
+          <a:bodyPr lIns="0" rIns="0" tIns="0" bIns="0">
+            <a:normAutofit/>
+          </a:bodyPr>
+          <a:p>
+            <a:endParaRPr b="0" lang="en-US" sz="3200" spc="-1" strike="noStrike">
+              <a:latin typeface="Arial"/>
+            </a:endParaRPr>
+          </a:p>
+        </p:txBody>
+      </p:sp>
+      <p:sp>
+        <p:nvSpPr>
+          <p:cNvPr id="113" name="PlaceHolder 4"/>
+          <p:cNvSpPr>
+            <a:spLocks noGrp="1"/>
+          </p:cNvSpPr>
+          <p:nvPr>
+            <p:ph type="body"/>
+          </p:nvPr>
+        </p:nvSpPr>
+        <p:spPr>
+          <a:xfrm>
+            <a:off x="6639120" y="1768680"/>
+            <a:ext cx="2921040" cy="2090880"/>
+          </a:xfrm>
+          <a:prstGeom prst="rect">
+            <a:avLst/>
+          </a:prstGeom>
+        </p:spPr>
+        <p:txBody>
+          <a:bodyPr lIns="0" rIns="0" tIns="0" bIns="0">
+            <a:normAutofit/>
+          </a:bodyPr>
+          <a:p>
+            <a:endParaRPr b="0" lang="en-US" sz="3200" spc="-1" strike="noStrike">
+              <a:latin typeface="Arial"/>
+            </a:endParaRPr>
+          </a:p>
+        </p:txBody>
+      </p:sp>
+      <p:sp>
+        <p:nvSpPr>
+          <p:cNvPr id="114" name="PlaceHolder 5"/>
+          <p:cNvSpPr>
+            <a:spLocks noGrp="1"/>
+          </p:cNvSpPr>
+          <p:nvPr>
+            <p:ph type="body"/>
+          </p:nvPr>
+        </p:nvSpPr>
+        <p:spPr>
+          <a:xfrm>
+            <a:off x="6639120" y="4058640"/>
+            <a:ext cx="2921040" cy="2090880"/>
+          </a:xfrm>
+          <a:prstGeom prst="rect">
+            <a:avLst/>
+          </a:prstGeom>
+        </p:spPr>
+        <p:txBody>
+          <a:bodyPr lIns="0" rIns="0" tIns="0" bIns="0">
+            <a:normAutofit/>
+          </a:bodyPr>
+          <a:p>
+            <a:endParaRPr b="0" lang="en-US" sz="3200" spc="-1" strike="noStrike">
+              <a:latin typeface="Arial"/>
+            </a:endParaRPr>
+          </a:p>
+        </p:txBody>
+      </p:sp>
+      <p:sp>
+        <p:nvSpPr>
+          <p:cNvPr id="115" name="PlaceHolder 6"/>
+          <p:cNvSpPr>
+            <a:spLocks noGrp="1"/>
+          </p:cNvSpPr>
+          <p:nvPr>
+            <p:ph type="body"/>
+          </p:nvPr>
+        </p:nvSpPr>
+        <p:spPr>
+          <a:xfrm>
+            <a:off x="3571560" y="4058640"/>
+            <a:ext cx="2921040" cy="2090880"/>
+          </a:xfrm>
+          <a:prstGeom prst="rect">
+            <a:avLst/>
+          </a:prstGeom>
+        </p:spPr>
+        <p:txBody>
+          <a:bodyPr lIns="0" rIns="0" tIns="0" bIns="0">
+            <a:normAutofit/>
+          </a:bodyPr>
+          <a:p>
+            <a:endParaRPr b="0" lang="en-US" sz="3200" spc="-1" strike="noStrike">
+              <a:latin typeface="Arial"/>
+            </a:endParaRPr>
+          </a:p>
+        </p:txBody>
+      </p:sp>
+      <p:sp>
+        <p:nvSpPr>
+          <p:cNvPr id="116" name="PlaceHolder 7"/>
+          <p:cNvSpPr>
+            <a:spLocks noGrp="1"/>
+          </p:cNvSpPr>
+          <p:nvPr>
+            <p:ph type="body"/>
+          </p:nvPr>
+        </p:nvSpPr>
+        <p:spPr>
+          <a:xfrm>
+            <a:off x="504000" y="4058640"/>
+            <a:ext cx="2921040" cy="2090880"/>
           </a:xfrm>
           <a:prstGeom prst="rect">
             <a:avLst/>
@@ -2077,8 +3409,8 @@
         </p:nvSpPr>
         <p:spPr>
           <a:xfrm>
-            <a:off x="720000" y="300960"/>
-            <a:ext cx="8855280" cy="1262160"/>
+            <a:off x="504000" y="301320"/>
+            <a:ext cx="9072000" cy="1261800"/>
           </a:xfrm>
           <a:prstGeom prst="rect">
             <a:avLst/>
@@ -2188,8 +3520,8 @@
         </p:nvSpPr>
         <p:spPr>
           <a:xfrm>
-            <a:off x="720000" y="300960"/>
-            <a:ext cx="8855280" cy="1262160"/>
+            <a:off x="504000" y="301320"/>
+            <a:ext cx="9072000" cy="1261800"/>
           </a:xfrm>
           <a:prstGeom prst="rect">
             <a:avLst/>
@@ -2239,8 +3571,8 @@
         </p:nvSpPr>
         <p:spPr>
           <a:xfrm>
-            <a:off x="720000" y="300960"/>
-            <a:ext cx="8855280" cy="5851800"/>
+            <a:off x="504000" y="301320"/>
+            <a:ext cx="9072000" cy="5850360"/>
           </a:xfrm>
           <a:prstGeom prst="rect">
             <a:avLst/>
@@ -2290,8 +3622,8 @@
         </p:nvSpPr>
         <p:spPr>
           <a:xfrm>
-            <a:off x="720000" y="300960"/>
-            <a:ext cx="8855280" cy="1262160"/>
+            <a:off x="504000" y="301320"/>
+            <a:ext cx="9072000" cy="1261800"/>
           </a:xfrm>
           <a:prstGeom prst="rect">
             <a:avLst/>
@@ -2431,8 +3763,8 @@
         </p:nvSpPr>
         <p:spPr>
           <a:xfrm>
-            <a:off x="720000" y="300960"/>
-            <a:ext cx="8855280" cy="1262160"/>
+            <a:off x="504000" y="301320"/>
+            <a:ext cx="9072000" cy="1261800"/>
           </a:xfrm>
           <a:prstGeom prst="rect">
             <a:avLst/>
@@ -2572,8 +3904,8 @@
         </p:nvSpPr>
         <p:spPr>
           <a:xfrm>
-            <a:off x="720000" y="300960"/>
-            <a:ext cx="8855280" cy="1262160"/>
+            <a:off x="504000" y="301320"/>
+            <a:ext cx="9072000" cy="1261800"/>
           </a:xfrm>
           <a:prstGeom prst="rect">
             <a:avLst/>
@@ -2710,7 +4042,7 @@
         <p:spPr>
           <a:xfrm>
             <a:off x="0" y="4320000"/>
-            <a:ext cx="503640" cy="1079640"/>
+            <a:ext cx="503280" cy="1079280"/>
           </a:xfrm>
           <a:prstGeom prst="rect">
             <a:avLst/>
@@ -2742,7 +4074,7 @@
         <p:spPr>
           <a:xfrm>
             <a:off x="720000" y="300960"/>
-            <a:ext cx="8855280" cy="1262160"/>
+            <a:ext cx="8854920" cy="1261800"/>
           </a:xfrm>
           <a:prstGeom prst="rect">
             <a:avLst/>
@@ -2776,7 +4108,7 @@
         <p:spPr>
           <a:xfrm>
             <a:off x="504000" y="1768680"/>
-            <a:ext cx="9072000" cy="4384080"/>
+            <a:ext cx="9071640" cy="4383720"/>
           </a:xfrm>
           <a:prstGeom prst="rect">
             <a:avLst/>
@@ -2799,12 +4131,12 @@
               <a:buChar char=""/>
             </a:pPr>
             <a:r>
-              <a:rPr b="0" lang="en-US" sz="3200" spc="-1" strike="noStrike">
+              <a:rPr b="0" lang="en-US" sz="1800" spc="-1" strike="noStrike">
                 <a:latin typeface="Arial"/>
               </a:rPr>
               <a:t>Click to edit the outline text format</a:t>
             </a:r>
-            <a:endParaRPr b="0" lang="en-US" sz="3200" spc="-1" strike="noStrike">
+            <a:endParaRPr b="0" lang="en-US" sz="1800" spc="-1" strike="noStrike">
               <a:latin typeface="Arial"/>
             </a:endParaRPr>
           </a:p>
@@ -2821,12 +4153,12 @@
               <a:buChar char=""/>
             </a:pPr>
             <a:r>
-              <a:rPr b="0" lang="en-US" sz="2800" spc="-1" strike="noStrike">
+              <a:rPr b="0" lang="en-US" sz="1800" spc="-1" strike="noStrike">
                 <a:latin typeface="Arial"/>
               </a:rPr>
               <a:t>Second Outline Level</a:t>
             </a:r>
-            <a:endParaRPr b="0" lang="en-US" sz="2800" spc="-1" strike="noStrike">
+            <a:endParaRPr b="0" lang="en-US" sz="1800" spc="-1" strike="noStrike">
               <a:latin typeface="Arial"/>
             </a:endParaRPr>
           </a:p>
@@ -2843,12 +4175,12 @@
               <a:buChar char=""/>
             </a:pPr>
             <a:r>
-              <a:rPr b="0" lang="en-US" sz="2400" spc="-1" strike="noStrike">
+              <a:rPr b="0" lang="en-US" sz="1800" spc="-1" strike="noStrike">
                 <a:latin typeface="Arial"/>
               </a:rPr>
               <a:t>Third Outline Level</a:t>
             </a:r>
-            <a:endParaRPr b="0" lang="en-US" sz="2400" spc="-1" strike="noStrike">
+            <a:endParaRPr b="0" lang="en-US" sz="1800" spc="-1" strike="noStrike">
               <a:latin typeface="Arial"/>
             </a:endParaRPr>
           </a:p>
@@ -2865,12 +4197,12 @@
               <a:buChar char=""/>
             </a:pPr>
             <a:r>
-              <a:rPr b="0" lang="en-US" sz="2000" spc="-1" strike="noStrike">
+              <a:rPr b="0" lang="en-US" sz="1800" spc="-1" strike="noStrike">
                 <a:latin typeface="Arial"/>
               </a:rPr>
               <a:t>Fourth Outline Level</a:t>
             </a:r>
-            <a:endParaRPr b="0" lang="en-US" sz="2000" spc="-1" strike="noStrike">
+            <a:endParaRPr b="0" lang="en-US" sz="1800" spc="-1" strike="noStrike">
               <a:latin typeface="Arial"/>
             </a:endParaRPr>
           </a:p>
@@ -2887,12 +4219,12 @@
               <a:buChar char=""/>
             </a:pPr>
             <a:r>
-              <a:rPr b="0" lang="en-US" sz="2000" spc="-1" strike="noStrike">
+              <a:rPr b="0" lang="en-US" sz="1800" spc="-1" strike="noStrike">
                 <a:latin typeface="Arial"/>
               </a:rPr>
               <a:t>Fifth Outline Level</a:t>
             </a:r>
-            <a:endParaRPr b="0" lang="en-US" sz="2000" spc="-1" strike="noStrike">
+            <a:endParaRPr b="0" lang="en-US" sz="1800" spc="-1" strike="noStrike">
               <a:latin typeface="Arial"/>
             </a:endParaRPr>
           </a:p>
@@ -2909,12 +4241,12 @@
               <a:buChar char=""/>
             </a:pPr>
             <a:r>
-              <a:rPr b="0" lang="en-US" sz="2000" spc="-1" strike="noStrike">
+              <a:rPr b="0" lang="en-US" sz="1800" spc="-1" strike="noStrike">
                 <a:latin typeface="Arial"/>
               </a:rPr>
               <a:t>Sixth Outline Level</a:t>
             </a:r>
-            <a:endParaRPr b="0" lang="en-US" sz="2000" spc="-1" strike="noStrike">
+            <a:endParaRPr b="0" lang="en-US" sz="1800" spc="-1" strike="noStrike">
               <a:latin typeface="Arial"/>
             </a:endParaRPr>
           </a:p>
@@ -2931,12 +4263,12 @@
               <a:buChar char=""/>
             </a:pPr>
             <a:r>
-              <a:rPr b="0" lang="en-US" sz="2000" spc="-1" strike="noStrike">
+              <a:rPr b="0" lang="en-US" sz="1800" spc="-1" strike="noStrike">
                 <a:latin typeface="Arial"/>
               </a:rPr>
               <a:t>Seventh Outline Level</a:t>
             </a:r>
-            <a:endParaRPr b="0" lang="en-US" sz="2000" spc="-1" strike="noStrike">
+            <a:endParaRPr b="0" lang="en-US" sz="1800" spc="-1" strike="noStrike">
               <a:latin typeface="Arial"/>
             </a:endParaRPr>
           </a:p>
@@ -2987,8 +4319,8 @@
         </p:nvSpPr>
         <p:spPr>
           <a:xfrm>
-            <a:off x="0" y="288000"/>
-            <a:ext cx="503640" cy="1079640"/>
+            <a:off x="0" y="4320000"/>
+            <a:ext cx="503280" cy="1079280"/>
           </a:xfrm>
           <a:prstGeom prst="rect">
             <a:avLst/>
@@ -3019,8 +4351,8 @@
         </p:nvSpPr>
         <p:spPr>
           <a:xfrm>
-            <a:off x="720000" y="300960"/>
-            <a:ext cx="8855280" cy="1262160"/>
+            <a:off x="504000" y="301320"/>
+            <a:ext cx="9072000" cy="1261800"/>
           </a:xfrm>
           <a:prstGeom prst="rect">
             <a:avLst/>
@@ -3029,13 +4361,14 @@
         <p:txBody>
           <a:bodyPr lIns="0" rIns="0" tIns="0" bIns="0" anchor="ctr"/>
           <a:p>
+            <a:pPr algn="ctr"/>
             <a:r>
-              <a:rPr b="0" lang="en-US" sz="1800" spc="-1" strike="noStrike">
+              <a:rPr b="0" lang="en-US" sz="4400" spc="-1" strike="noStrike">
                 <a:latin typeface="Arial"/>
               </a:rPr>
               <a:t>Click to edit the title text format</a:t>
             </a:r>
-            <a:endParaRPr b="0" lang="en-US" sz="1800" spc="-1" strike="noStrike">
+            <a:endParaRPr b="0" lang="en-US" sz="4400" spc="-1" strike="noStrike">
               <a:latin typeface="Arial"/>
             </a:endParaRPr>
           </a:p>
@@ -3053,15 +4386,17 @@
         </p:nvSpPr>
         <p:spPr>
           <a:xfrm>
-            <a:off x="720000" y="2160000"/>
-            <a:ext cx="8639640" cy="4384440"/>
-          </a:xfrm>
-          <a:prstGeom prst="rect">
-            <a:avLst/>
-          </a:prstGeom>
-        </p:spPr>
-        <p:txBody>
-          <a:bodyPr lIns="0" rIns="0" tIns="0" bIns="0"/>
+            <a:off x="504000" y="1768680"/>
+            <a:ext cx="9072000" cy="4384080"/>
+          </a:xfrm>
+          <a:prstGeom prst="rect">
+            <a:avLst/>
+          </a:prstGeom>
+        </p:spPr>
+        <p:txBody>
+          <a:bodyPr lIns="0" rIns="0" tIns="0" bIns="0">
+            <a:normAutofit/>
+          </a:bodyPr>
           <a:p>
             <a:pPr marL="432000" indent="-324000">
               <a:spcBef>
@@ -3075,12 +4410,12 @@
               <a:buChar char=""/>
             </a:pPr>
             <a:r>
-              <a:rPr b="0" lang="en-US" sz="1800" spc="-1" strike="noStrike">
+              <a:rPr b="0" lang="en-US" sz="3200" spc="-1" strike="noStrike">
                 <a:latin typeface="Arial"/>
               </a:rPr>
               <a:t>Click to edit the outline text format</a:t>
             </a:r>
-            <a:endParaRPr b="0" lang="en-US" sz="1800" spc="-1" strike="noStrike">
+            <a:endParaRPr b="0" lang="en-US" sz="3200" spc="-1" strike="noStrike">
               <a:latin typeface="Arial"/>
             </a:endParaRPr>
           </a:p>
@@ -3097,12 +4432,12 @@
               <a:buChar char=""/>
             </a:pPr>
             <a:r>
-              <a:rPr b="0" lang="en-US" sz="1800" spc="-1" strike="noStrike">
+              <a:rPr b="0" lang="en-US" sz="2800" spc="-1" strike="noStrike">
                 <a:latin typeface="Arial"/>
               </a:rPr>
               <a:t>Second Outline Level</a:t>
             </a:r>
-            <a:endParaRPr b="0" lang="en-US" sz="1800" spc="-1" strike="noStrike">
+            <a:endParaRPr b="0" lang="en-US" sz="2800" spc="-1" strike="noStrike">
               <a:latin typeface="Arial"/>
             </a:endParaRPr>
           </a:p>
@@ -3119,12 +4454,12 @@
               <a:buChar char=""/>
             </a:pPr>
             <a:r>
-              <a:rPr b="0" lang="en-US" sz="1800" spc="-1" strike="noStrike">
+              <a:rPr b="0" lang="en-US" sz="2400" spc="-1" strike="noStrike">
                 <a:latin typeface="Arial"/>
               </a:rPr>
               <a:t>Third Outline Level</a:t>
             </a:r>
-            <a:endParaRPr b="0" lang="en-US" sz="1800" spc="-1" strike="noStrike">
+            <a:endParaRPr b="0" lang="en-US" sz="2400" spc="-1" strike="noStrike">
               <a:latin typeface="Arial"/>
             </a:endParaRPr>
           </a:p>
@@ -3141,12 +4476,12 @@
               <a:buChar char=""/>
             </a:pPr>
             <a:r>
-              <a:rPr b="0" lang="en-US" sz="1800" spc="-1" strike="noStrike">
+              <a:rPr b="0" lang="en-US" sz="2000" spc="-1" strike="noStrike">
                 <a:latin typeface="Arial"/>
               </a:rPr>
               <a:t>Fourth Outline Level</a:t>
             </a:r>
-            <a:endParaRPr b="0" lang="en-US" sz="1800" spc="-1" strike="noStrike">
+            <a:endParaRPr b="0" lang="en-US" sz="2000" spc="-1" strike="noStrike">
               <a:latin typeface="Arial"/>
             </a:endParaRPr>
           </a:p>
@@ -3163,12 +4498,12 @@
               <a:buChar char=""/>
             </a:pPr>
             <a:r>
-              <a:rPr b="0" lang="en-US" sz="1800" spc="-1" strike="noStrike">
+              <a:rPr b="0" lang="en-US" sz="2000" spc="-1" strike="noStrike">
                 <a:latin typeface="Arial"/>
               </a:rPr>
               <a:t>Fifth Outline Level</a:t>
             </a:r>
-            <a:endParaRPr b="0" lang="en-US" sz="1800" spc="-1" strike="noStrike">
+            <a:endParaRPr b="0" lang="en-US" sz="2000" spc="-1" strike="noStrike">
               <a:latin typeface="Arial"/>
             </a:endParaRPr>
           </a:p>
@@ -3185,12 +4520,12 @@
               <a:buChar char=""/>
             </a:pPr>
             <a:r>
-              <a:rPr b="0" lang="en-US" sz="1800" spc="-1" strike="noStrike">
+              <a:rPr b="0" lang="en-US" sz="2000" spc="-1" strike="noStrike">
                 <a:latin typeface="Arial"/>
               </a:rPr>
               <a:t>Sixth Outline Level</a:t>
             </a:r>
-            <a:endParaRPr b="0" lang="en-US" sz="1800" spc="-1" strike="noStrike">
+            <a:endParaRPr b="0" lang="en-US" sz="2000" spc="-1" strike="noStrike">
               <a:latin typeface="Arial"/>
             </a:endParaRPr>
           </a:p>
@@ -3207,12 +4542,12 @@
               <a:buChar char=""/>
             </a:pPr>
             <a:r>
-              <a:rPr b="0" lang="en-US" sz="1800" spc="-1" strike="noStrike">
+              <a:rPr b="0" lang="en-US" sz="2000" spc="-1" strike="noStrike">
                 <a:latin typeface="Arial"/>
               </a:rPr>
               <a:t>Seventh Outline Level</a:t>
             </a:r>
-            <a:endParaRPr b="0" lang="en-US" sz="1800" spc="-1" strike="noStrike">
+            <a:endParaRPr b="0" lang="en-US" sz="2000" spc="-1" strike="noStrike">
               <a:latin typeface="Arial"/>
             </a:endParaRPr>
           </a:p>
@@ -3234,6 +4569,284 @@
     <p:sldLayoutId id="2147483671" r:id="rId11"/>
     <p:sldLayoutId id="2147483672" r:id="rId12"/>
     <p:sldLayoutId id="2147483673" r:id="rId13"/>
+  </p:sldLayoutIdLst>
+</p:sldMaster>
+</file>
+
+<file path=ppt/slideMasters/slideMaster3.xml><?xml version="1.0" encoding="utf-8"?>
+<p:sldMaster xmlns:a="http://schemas.openxmlformats.org/drawingml/2006/main" xmlns:p="http://schemas.openxmlformats.org/presentationml/2006/main" xmlns:r="http://schemas.openxmlformats.org/officeDocument/2006/relationships" xmlns:p14="http://schemas.microsoft.com/office/powerpoint/2010/main" xmlns:p15="http://schemas.microsoft.com/office/powerpoint/2012/main" xmlns:mc="http://schemas.openxmlformats.org/markup-compatibility/2006">
+  <p:cSld>
+    <p:spTree>
+      <p:nvGrpSpPr>
+        <p:cNvPr id="1" name=""/>
+        <p:cNvGrpSpPr/>
+        <p:nvPr/>
+      </p:nvGrpSpPr>
+      <p:grpSpPr>
+        <a:xfrm>
+          <a:off x="0" y="0"/>
+          <a:ext cx="0" cy="0"/>
+          <a:chOff x="0" y="0"/>
+          <a:chExt cx="0" cy="0"/>
+        </a:xfrm>
+      </p:grpSpPr>
+      <p:sp>
+        <p:nvSpPr>
+          <p:cNvPr id="78" name="CustomShape 1"/>
+          <p:cNvSpPr/>
+          <p:nvPr/>
+        </p:nvSpPr>
+        <p:spPr>
+          <a:xfrm>
+            <a:off x="0" y="4320000"/>
+            <a:ext cx="503280" cy="1079280"/>
+          </a:xfrm>
+          <a:prstGeom prst="rect">
+            <a:avLst/>
+          </a:prstGeom>
+          <a:solidFill>
+            <a:srgbClr val="ef2929"/>
+          </a:solidFill>
+          <a:ln>
+            <a:noFill/>
+          </a:ln>
+        </p:spPr>
+        <p:style>
+          <a:lnRef idx="0"/>
+          <a:fillRef idx="0"/>
+          <a:effectRef idx="0"/>
+          <a:fontRef idx="minor"/>
+        </p:style>
+      </p:sp>
+      <p:sp>
+        <p:nvSpPr>
+          <p:cNvPr id="79" name="PlaceHolder 2"/>
+          <p:cNvSpPr>
+            <a:spLocks noGrp="1"/>
+          </p:cNvSpPr>
+          <p:nvPr>
+            <p:ph type="title"/>
+          </p:nvPr>
+        </p:nvSpPr>
+        <p:spPr>
+          <a:xfrm>
+            <a:off x="720000" y="300960"/>
+            <a:ext cx="8854920" cy="1261800"/>
+          </a:xfrm>
+          <a:prstGeom prst="rect">
+            <a:avLst/>
+          </a:prstGeom>
+        </p:spPr>
+        <p:txBody>
+          <a:bodyPr lIns="0" rIns="0" tIns="0" bIns="0" anchor="ctr"/>
+          <a:p>
+            <a:r>
+              <a:rPr b="0" lang="en-US" sz="1800" spc="-1" strike="noStrike">
+                <a:latin typeface="Arial"/>
+              </a:rPr>
+              <a:t>Click to edit the title text format</a:t>
+            </a:r>
+            <a:endParaRPr b="0" lang="en-US" sz="1800" spc="-1" strike="noStrike">
+              <a:latin typeface="Arial"/>
+            </a:endParaRPr>
+          </a:p>
+        </p:txBody>
+      </p:sp>
+      <p:sp>
+        <p:nvSpPr>
+          <p:cNvPr id="80" name="PlaceHolder 3"/>
+          <p:cNvSpPr>
+            <a:spLocks noGrp="1"/>
+          </p:cNvSpPr>
+          <p:nvPr>
+            <p:ph type="body"/>
+          </p:nvPr>
+        </p:nvSpPr>
+        <p:spPr>
+          <a:xfrm>
+            <a:off x="504000" y="1768680"/>
+            <a:ext cx="9072000" cy="4384080"/>
+          </a:xfrm>
+          <a:prstGeom prst="rect">
+            <a:avLst/>
+          </a:prstGeom>
+        </p:spPr>
+        <p:txBody>
+          <a:bodyPr lIns="0" rIns="0" tIns="0" bIns="0">
+            <a:normAutofit/>
+          </a:bodyPr>
+          <a:p>
+            <a:pPr marL="432000" indent="-324000">
+              <a:spcBef>
+                <a:spcPts val="1417"/>
+              </a:spcBef>
+              <a:buClr>
+                <a:srgbClr val="000000"/>
+              </a:buClr>
+              <a:buSzPct val="45000"/>
+              <a:buFont typeface="Wingdings" charset="2"/>
+              <a:buChar char=""/>
+            </a:pPr>
+            <a:r>
+              <a:rPr b="0" lang="en-US" sz="3200" spc="-1" strike="noStrike">
+                <a:latin typeface="Arial"/>
+              </a:rPr>
+              <a:t>Click to edit the outline text format</a:t>
+            </a:r>
+            <a:endParaRPr b="0" lang="en-US" sz="3200" spc="-1" strike="noStrike">
+              <a:latin typeface="Arial"/>
+            </a:endParaRPr>
+          </a:p>
+          <a:p>
+            <a:pPr lvl="1" marL="864000" indent="-324000">
+              <a:spcBef>
+                <a:spcPts val="1134"/>
+              </a:spcBef>
+              <a:buClr>
+                <a:srgbClr val="000000"/>
+              </a:buClr>
+              <a:buSzPct val="75000"/>
+              <a:buFont typeface="Symbol" charset="2"/>
+              <a:buChar char=""/>
+            </a:pPr>
+            <a:r>
+              <a:rPr b="0" lang="en-US" sz="2800" spc="-1" strike="noStrike">
+                <a:latin typeface="Arial"/>
+              </a:rPr>
+              <a:t>Second Outline Level</a:t>
+            </a:r>
+            <a:endParaRPr b="0" lang="en-US" sz="2800" spc="-1" strike="noStrike">
+              <a:latin typeface="Arial"/>
+            </a:endParaRPr>
+          </a:p>
+          <a:p>
+            <a:pPr lvl="2" marL="1296000" indent="-288000">
+              <a:spcBef>
+                <a:spcPts val="850"/>
+              </a:spcBef>
+              <a:buClr>
+                <a:srgbClr val="000000"/>
+              </a:buClr>
+              <a:buSzPct val="45000"/>
+              <a:buFont typeface="Wingdings" charset="2"/>
+              <a:buChar char=""/>
+            </a:pPr>
+            <a:r>
+              <a:rPr b="0" lang="en-US" sz="2400" spc="-1" strike="noStrike">
+                <a:latin typeface="Arial"/>
+              </a:rPr>
+              <a:t>Third Outline Level</a:t>
+            </a:r>
+            <a:endParaRPr b="0" lang="en-US" sz="2400" spc="-1" strike="noStrike">
+              <a:latin typeface="Arial"/>
+            </a:endParaRPr>
+          </a:p>
+          <a:p>
+            <a:pPr lvl="3" marL="1728000" indent="-216000">
+              <a:spcBef>
+                <a:spcPts val="567"/>
+              </a:spcBef>
+              <a:buClr>
+                <a:srgbClr val="000000"/>
+              </a:buClr>
+              <a:buSzPct val="75000"/>
+              <a:buFont typeface="Symbol" charset="2"/>
+              <a:buChar char=""/>
+            </a:pPr>
+            <a:r>
+              <a:rPr b="0" lang="en-US" sz="2000" spc="-1" strike="noStrike">
+                <a:latin typeface="Arial"/>
+              </a:rPr>
+              <a:t>Fourth Outline Level</a:t>
+            </a:r>
+            <a:endParaRPr b="0" lang="en-US" sz="2000" spc="-1" strike="noStrike">
+              <a:latin typeface="Arial"/>
+            </a:endParaRPr>
+          </a:p>
+          <a:p>
+            <a:pPr lvl="4" marL="2160000" indent="-216000">
+              <a:spcBef>
+                <a:spcPts val="283"/>
+              </a:spcBef>
+              <a:buClr>
+                <a:srgbClr val="000000"/>
+              </a:buClr>
+              <a:buSzPct val="45000"/>
+              <a:buFont typeface="Wingdings" charset="2"/>
+              <a:buChar char=""/>
+            </a:pPr>
+            <a:r>
+              <a:rPr b="0" lang="en-US" sz="2000" spc="-1" strike="noStrike">
+                <a:latin typeface="Arial"/>
+              </a:rPr>
+              <a:t>Fifth Outline Level</a:t>
+            </a:r>
+            <a:endParaRPr b="0" lang="en-US" sz="2000" spc="-1" strike="noStrike">
+              <a:latin typeface="Arial"/>
+            </a:endParaRPr>
+          </a:p>
+          <a:p>
+            <a:pPr lvl="5" marL="2592000" indent="-216000">
+              <a:spcBef>
+                <a:spcPts val="283"/>
+              </a:spcBef>
+              <a:buClr>
+                <a:srgbClr val="000000"/>
+              </a:buClr>
+              <a:buSzPct val="45000"/>
+              <a:buFont typeface="Wingdings" charset="2"/>
+              <a:buChar char=""/>
+            </a:pPr>
+            <a:r>
+              <a:rPr b="0" lang="en-US" sz="2000" spc="-1" strike="noStrike">
+                <a:latin typeface="Arial"/>
+              </a:rPr>
+              <a:t>Sixth Outline Level</a:t>
+            </a:r>
+            <a:endParaRPr b="0" lang="en-US" sz="2000" spc="-1" strike="noStrike">
+              <a:latin typeface="Arial"/>
+            </a:endParaRPr>
+          </a:p>
+          <a:p>
+            <a:pPr lvl="6" marL="3024000" indent="-216000">
+              <a:spcBef>
+                <a:spcPts val="283"/>
+              </a:spcBef>
+              <a:buClr>
+                <a:srgbClr val="000000"/>
+              </a:buClr>
+              <a:buSzPct val="45000"/>
+              <a:buFont typeface="Wingdings" charset="2"/>
+              <a:buChar char=""/>
+            </a:pPr>
+            <a:r>
+              <a:rPr b="0" lang="en-US" sz="2000" spc="-1" strike="noStrike">
+                <a:latin typeface="Arial"/>
+              </a:rPr>
+              <a:t>Seventh Outline Level</a:t>
+            </a:r>
+            <a:endParaRPr b="0" lang="en-US" sz="2000" spc="-1" strike="noStrike">
+              <a:latin typeface="Arial"/>
+            </a:endParaRPr>
+          </a:p>
+        </p:txBody>
+      </p:sp>
+    </p:spTree>
+  </p:cSld>
+  <p:clrMap bg1="lt1" bg2="lt2" tx1="dk1" tx2="dk2" accent1="accent1" accent2="accent2" accent3="accent3" accent4="accent4" accent5="accent5" accent6="accent6" hlink="hlink" folHlink="folHlink"/>
+  <p:sldLayoutIdLst>
+    <p:sldLayoutId id="2147483675" r:id="rId2"/>
+    <p:sldLayoutId id="2147483676" r:id="rId3"/>
+    <p:sldLayoutId id="2147483677" r:id="rId4"/>
+    <p:sldLayoutId id="2147483678" r:id="rId5"/>
+    <p:sldLayoutId id="2147483679" r:id="rId6"/>
+    <p:sldLayoutId id="2147483680" r:id="rId7"/>
+    <p:sldLayoutId id="2147483681" r:id="rId8"/>
+    <p:sldLayoutId id="2147483682" r:id="rId9"/>
+    <p:sldLayoutId id="2147483683" r:id="rId10"/>
+    <p:sldLayoutId id="2147483684" r:id="rId11"/>
+    <p:sldLayoutId id="2147483685" r:id="rId12"/>
+    <p:sldLayoutId id="2147483686" r:id="rId13"/>
   </p:sldLayoutIdLst>
 </p:sldMaster>
 </file>
@@ -3257,14 +4870,14 @@
       </p:grpSpPr>
       <p:sp>
         <p:nvSpPr>
-          <p:cNvPr id="78" name="CustomShape 1"/>
+          <p:cNvPr id="117" name="CustomShape 1"/>
           <p:cNvSpPr/>
           <p:nvPr/>
         </p:nvSpPr>
         <p:spPr>
           <a:xfrm>
             <a:off x="792000" y="4104000"/>
-            <a:ext cx="8567640" cy="1439640"/>
+            <a:ext cx="8567280" cy="1439280"/>
           </a:xfrm>
           <a:prstGeom prst="rect">
             <a:avLst/>
@@ -3286,30 +4899,86 @@
           </a:bodyPr>
           <a:p>
             <a:r>
-              <a:rPr b="1" lang="en-US" sz="4800" spc="-1" strike="noStrike">
+              <a:rPr b="1" lang="en-US" sz="22650" spc="-1" strike="noStrike">
                 <a:solidFill>
                   <a:srgbClr val="333333"/>
                 </a:solidFill>
                 <a:latin typeface="Open Sans"/>
+                <a:ea typeface="DejaVu Sans"/>
               </a:rPr>
               <a:t>JAVA ONE</a:t>
             </a:r>
-            <a:endParaRPr b="0" lang="en-US" sz="4800" spc="-1" strike="noStrike">
-              <a:latin typeface="Arial"/>
-            </a:endParaRPr>
-          </a:p>
-        </p:txBody>
-      </p:sp>
-      <p:sp>
-        <p:nvSpPr>
-          <p:cNvPr id="79" name="CustomShape 2"/>
+            <a:endParaRPr b="0" lang="en-US" sz="22650" spc="-1" strike="noStrike">
+              <a:latin typeface="Arial"/>
+            </a:endParaRPr>
+          </a:p>
+          <a:p>
+            <a:endParaRPr b="0" lang="en-US" sz="22650" spc="-1" strike="noStrike">
+              <a:latin typeface="Arial"/>
+            </a:endParaRPr>
+          </a:p>
+          <a:p>
+            <a:r>
+              <a:rPr b="1" lang="en-US" sz="9600" spc="-1" strike="noStrike">
+                <a:solidFill>
+                  <a:srgbClr val="333333"/>
+                </a:solidFill>
+                <a:latin typeface="Open Sans"/>
+                <a:ea typeface="DejaVu Sans"/>
+              </a:rPr>
+              <a:t>Nizanth Selvaraj</a:t>
+            </a:r>
+            <a:endParaRPr b="0" lang="en-US" sz="9600" spc="-1" strike="noStrike">
+              <a:latin typeface="Arial"/>
+            </a:endParaRPr>
+          </a:p>
+          <a:p>
+            <a:r>
+              <a:rPr b="1" lang="en-US" sz="9600" spc="-1" strike="noStrike">
+                <a:solidFill>
+                  <a:srgbClr val="333333"/>
+                </a:solidFill>
+                <a:latin typeface="Open Sans"/>
+                <a:ea typeface="DejaVu Sans"/>
+              </a:rPr>
+              <a:t>Karthik Parvathareddy</a:t>
+            </a:r>
+            <a:endParaRPr b="0" lang="en-US" sz="9600" spc="-1" strike="noStrike">
+              <a:latin typeface="Arial"/>
+            </a:endParaRPr>
+          </a:p>
+          <a:p>
+            <a:endParaRPr b="0" lang="en-US" sz="9600" spc="-1" strike="noStrike">
+              <a:latin typeface="Arial"/>
+            </a:endParaRPr>
+          </a:p>
+          <a:p>
+            <a:r>
+              <a:rPr b="1" lang="en-US" sz="11620" spc="-1" strike="noStrike">
+                <a:solidFill>
+                  <a:srgbClr val="333333"/>
+                </a:solidFill>
+                <a:latin typeface="Open Sans"/>
+                <a:ea typeface="DejaVu Sans"/>
+              </a:rPr>
+              <a:t>11/07/2017</a:t>
+            </a:r>
+            <a:endParaRPr b="0" lang="en-US" sz="11620" spc="-1" strike="noStrike">
+              <a:latin typeface="Arial"/>
+            </a:endParaRPr>
+          </a:p>
+        </p:txBody>
+      </p:sp>
+      <p:sp>
+        <p:nvSpPr>
+          <p:cNvPr id="118" name="CustomShape 2"/>
           <p:cNvSpPr/>
           <p:nvPr/>
         </p:nvSpPr>
         <p:spPr>
           <a:xfrm>
             <a:off x="792000" y="5904000"/>
-            <a:ext cx="8567640" cy="982080"/>
+            <a:ext cx="8567280" cy="981720"/>
           </a:xfrm>
           <a:prstGeom prst="rect">
             <a:avLst/>
@@ -3377,14 +5046,14 @@
       </p:grpSpPr>
       <p:sp>
         <p:nvSpPr>
-          <p:cNvPr id="80" name="CustomShape 1"/>
+          <p:cNvPr id="119" name="CustomShape 1"/>
           <p:cNvSpPr/>
           <p:nvPr/>
         </p:nvSpPr>
         <p:spPr>
           <a:xfrm>
             <a:off x="720000" y="300960"/>
-            <a:ext cx="8855280" cy="1262160"/>
+            <a:ext cx="8854920" cy="1261800"/>
           </a:xfrm>
           <a:prstGeom prst="rect">
             <a:avLst/>
@@ -3403,25 +5072,15 @@
         <p:txBody>
           <a:bodyPr lIns="0" rIns="0" tIns="0" bIns="0" anchor="ctr"/>
           <a:p>
-            <a:pPr marL="216000" indent="-215640">
-              <a:lnSpc>
-                <a:spcPct val="100000"/>
-              </a:lnSpc>
-              <a:buClr>
-                <a:srgbClr val="000000"/>
-              </a:buClr>
-              <a:buSzPct val="45000"/>
-              <a:buFont typeface="Wingdings" charset="2"/>
-              <a:buChar char=""/>
-            </a:pPr>
             <a:r>
               <a:rPr b="1" lang="en-US" sz="4400" spc="-1" strike="noStrike">
                 <a:solidFill>
                   <a:srgbClr val="333333"/>
                 </a:solidFill>
                 <a:latin typeface="Open Sans"/>
+                <a:ea typeface="DejaVu Sans"/>
               </a:rPr>
-              <a:t>Keynote</a:t>
+              <a:t>JAVA MODULE</a:t>
             </a:r>
             <a:endParaRPr b="0" lang="en-US" sz="4400" spc="-1" strike="noStrike">
               <a:latin typeface="Arial"/>
@@ -3431,14 +5090,14 @@
       </p:sp>
       <p:sp>
         <p:nvSpPr>
-          <p:cNvPr id="81" name="CustomShape 2"/>
+          <p:cNvPr id="120" name="CustomShape 2"/>
           <p:cNvSpPr/>
           <p:nvPr/>
         </p:nvSpPr>
         <p:spPr>
           <a:xfrm>
             <a:off x="720000" y="2160000"/>
-            <a:ext cx="8639640" cy="4384440"/>
+            <a:ext cx="8639280" cy="4384080"/>
           </a:xfrm>
           <a:prstGeom prst="rect">
             <a:avLst/>
@@ -3457,7 +5116,7 @@
         <p:txBody>
           <a:bodyPr lIns="0" rIns="0" tIns="0" bIns="0"/>
           <a:p>
-            <a:pPr marL="432000" indent="-323640">
+            <a:pPr marL="432000" indent="-323280">
               <a:lnSpc>
                 <a:spcPct val="100000"/>
               </a:lnSpc>
@@ -3477,15 +5136,16 @@
                   <a:srgbClr val="333333"/>
                 </a:solidFill>
                 <a:latin typeface="Open Sans"/>
+                <a:ea typeface="DejaVu Sans"/>
               </a:rPr>
-              <a:t>Open Source Announcements</a:t>
+              <a:t>Why Java Module</a:t>
             </a:r>
             <a:endParaRPr b="0" lang="en-US" sz="2800" spc="-1" strike="noStrike">
               <a:latin typeface="Arial"/>
             </a:endParaRPr>
           </a:p>
           <a:p>
-            <a:pPr marL="432000" indent="-323640">
+            <a:pPr marL="432000" indent="-323280">
               <a:lnSpc>
                 <a:spcPct val="100000"/>
               </a:lnSpc>
@@ -3505,159 +5165,26 @@
                   <a:srgbClr val="333333"/>
                 </a:solidFill>
                 <a:latin typeface="Open Sans"/>
+                <a:ea typeface="DejaVu Sans"/>
               </a:rPr>
-              <a:t>FN Project</a:t>
-            </a:r>
-            <a:r>
-              <a:rPr b="0" lang="en-US" sz="2800" spc="-1" strike="noStrike">
-                <a:solidFill>
-                  <a:srgbClr val="333333"/>
-                </a:solidFill>
-                <a:latin typeface="Open Sans"/>
-              </a:rPr>
-              <a:t>	</a:t>
+              <a:t>Demo</a:t>
             </a:r>
             <a:endParaRPr b="0" lang="en-US" sz="2800" spc="-1" strike="noStrike">
               <a:latin typeface="Arial"/>
             </a:endParaRPr>
           </a:p>
-          <a:p>
-            <a:pPr marL="432000" indent="-323640">
-              <a:lnSpc>
-                <a:spcPct val="100000"/>
-              </a:lnSpc>
-              <a:spcAft>
-                <a:spcPts val="1414"/>
-              </a:spcAft>
-              <a:buClr>
-                <a:srgbClr val="ef2929"/>
-              </a:buClr>
-              <a:buSzPct val="45000"/>
-              <a:buFont typeface="Wingdings" charset="2"/>
-              <a:buChar char=""/>
-            </a:pPr>
-            <a:r>
-              <a:rPr b="0" lang="en-US" sz="2800" spc="-1" strike="noStrike">
-                <a:solidFill>
-                  <a:srgbClr val="333333"/>
-                </a:solidFill>
-                <a:latin typeface="Open Sans"/>
-              </a:rPr>
-              <a:t>JAVA 9</a:t>
-            </a:r>
-            <a:endParaRPr b="0" lang="en-US" sz="2800" spc="-1" strike="noStrike">
-              <a:latin typeface="Arial"/>
-            </a:endParaRPr>
-          </a:p>
-          <a:p>
-            <a:pPr lvl="2" marL="1296000" indent="-287640">
-              <a:lnSpc>
-                <a:spcPct val="100000"/>
-              </a:lnSpc>
-              <a:spcAft>
-                <a:spcPts val="845"/>
-              </a:spcAft>
-              <a:buClr>
-                <a:srgbClr val="ef2929"/>
-              </a:buClr>
-              <a:buSzPct val="45000"/>
-              <a:buFont typeface="Wingdings" charset="2"/>
-              <a:buChar char=""/>
-            </a:pPr>
-            <a:r>
-              <a:rPr b="0" lang="en-US" sz="2800" spc="-1" strike="noStrike">
-                <a:solidFill>
-                  <a:srgbClr val="333333"/>
-                </a:solidFill>
-                <a:latin typeface="Open Sans"/>
-              </a:rPr>
-              <a:t>Jshell</a:t>
-            </a:r>
-            <a:endParaRPr b="0" lang="en-US" sz="2800" spc="-1" strike="noStrike">
-              <a:latin typeface="Arial"/>
-            </a:endParaRPr>
-          </a:p>
-          <a:p>
-            <a:pPr lvl="2" marL="1296000" indent="-287640">
-              <a:lnSpc>
-                <a:spcPct val="100000"/>
-              </a:lnSpc>
-              <a:spcAft>
-                <a:spcPts val="845"/>
-              </a:spcAft>
-              <a:buClr>
-                <a:srgbClr val="ef2929"/>
-              </a:buClr>
-              <a:buSzPct val="45000"/>
-              <a:buFont typeface="Wingdings" charset="2"/>
-              <a:buChar char=""/>
-            </a:pPr>
-            <a:r>
-              <a:rPr b="0" lang="en-US" sz="2800" spc="-1" strike="noStrike">
-                <a:solidFill>
-                  <a:srgbClr val="333333"/>
-                </a:solidFill>
-                <a:latin typeface="Open Sans"/>
-              </a:rPr>
-              <a:t>Java module</a:t>
-            </a:r>
-            <a:endParaRPr b="0" lang="en-US" sz="2800" spc="-1" strike="noStrike">
-              <a:latin typeface="Arial"/>
-            </a:endParaRPr>
-          </a:p>
-          <a:p>
-            <a:pPr lvl="2" marL="1296000" indent="-287640">
-              <a:lnSpc>
-                <a:spcPct val="100000"/>
-              </a:lnSpc>
-              <a:spcAft>
-                <a:spcPts val="845"/>
-              </a:spcAft>
-              <a:buClr>
-                <a:srgbClr val="ef2929"/>
-              </a:buClr>
-              <a:buSzPct val="45000"/>
-              <a:buFont typeface="Wingdings" charset="2"/>
-              <a:buChar char=""/>
-            </a:pPr>
-            <a:r>
-              <a:rPr b="0" lang="en-US" sz="2800" spc="-1" strike="noStrike">
-                <a:solidFill>
-                  <a:srgbClr val="333333"/>
-                </a:solidFill>
-                <a:latin typeface="Open Sans"/>
-              </a:rPr>
-              <a:t>Collections</a:t>
-            </a:r>
-            <a:endParaRPr b="0" lang="en-US" sz="2800" spc="-1" strike="noStrike">
-              <a:latin typeface="Arial"/>
-            </a:endParaRPr>
-          </a:p>
-          <a:p>
-            <a:pPr>
-              <a:lnSpc>
-                <a:spcPct val="100000"/>
-              </a:lnSpc>
-              <a:spcAft>
-                <a:spcPts val="845"/>
-              </a:spcAft>
-            </a:pPr>
-            <a:endParaRPr b="0" lang="en-US" sz="2800" spc="-1" strike="noStrike">
-              <a:latin typeface="Arial"/>
-            </a:endParaRPr>
-          </a:p>
-        </p:txBody>
-      </p:sp>
-      <p:sp>
-        <p:nvSpPr>
-          <p:cNvPr id="82" name="CustomShape 3"/>
+        </p:txBody>
+      </p:sp>
+      <p:sp>
+        <p:nvSpPr>
+          <p:cNvPr id="121" name="CustomShape 3"/>
           <p:cNvSpPr/>
           <p:nvPr/>
         </p:nvSpPr>
         <p:spPr>
           <a:xfrm>
-            <a:off x="8134920" y="300960"/>
-            <a:ext cx="1831680" cy="426240"/>
+            <a:off x="8046720" y="274320"/>
+            <a:ext cx="1831320" cy="425880"/>
           </a:xfrm>
           <a:prstGeom prst="rect">
             <a:avLst/>
@@ -3673,20 +5200,6 @@
           <a:effectRef idx="0"/>
           <a:fontRef idx="minor"/>
         </p:style>
-        <p:txBody>
-          <a:bodyPr lIns="90000" rIns="90000" tIns="45000" bIns="45000"/>
-          <a:p>
-            <a:fld id="{DF13E6A8-590C-4F98-BB13-86B8F128F8EC}" type="datetime11">
-              <a:rPr b="0" lang="en-US" sz="1800" spc="-1" strike="noStrike">
-                <a:latin typeface="Arial"/>
-              </a:rPr>
-              <a:t>12:58:55 PM</a:t>
-            </a:fld>
-            <a:endParaRPr b="0" lang="en-US" sz="1800" spc="-1" strike="noStrike">
-              <a:latin typeface="Arial"/>
-            </a:endParaRPr>
-          </a:p>
-        </p:txBody>
       </p:sp>
     </p:spTree>
   </p:cSld>
@@ -3739,14 +5252,14 @@
       </p:grpSpPr>
       <p:sp>
         <p:nvSpPr>
-          <p:cNvPr id="83" name="CustomShape 1"/>
+          <p:cNvPr id="122" name="CustomShape 1"/>
           <p:cNvSpPr/>
           <p:nvPr/>
         </p:nvSpPr>
         <p:spPr>
           <a:xfrm>
             <a:off x="720000" y="300960"/>
-            <a:ext cx="8855280" cy="1262160"/>
+            <a:ext cx="8854920" cy="1261800"/>
           </a:xfrm>
           <a:prstGeom prst="rect">
             <a:avLst/>
@@ -3771,8 +5284,9 @@
                   <a:srgbClr val="333333"/>
                 </a:solidFill>
                 <a:latin typeface="Open Sans"/>
+                <a:ea typeface="DejaVu Sans"/>
               </a:rPr>
-              <a:t>JAVA MODULE</a:t>
+              <a:t>Internet Of things</a:t>
             </a:r>
             <a:endParaRPr b="0" lang="en-US" sz="4400" spc="-1" strike="noStrike">
               <a:latin typeface="Arial"/>
@@ -3782,14 +5296,14 @@
       </p:sp>
       <p:sp>
         <p:nvSpPr>
-          <p:cNvPr id="84" name="CustomShape 2"/>
+          <p:cNvPr id="123" name="CustomShape 2"/>
           <p:cNvSpPr/>
           <p:nvPr/>
         </p:nvSpPr>
         <p:spPr>
           <a:xfrm>
             <a:off x="720000" y="2160000"/>
-            <a:ext cx="8639640" cy="4384440"/>
+            <a:ext cx="8639280" cy="4384080"/>
           </a:xfrm>
           <a:prstGeom prst="rect">
             <a:avLst/>
@@ -3805,102 +5319,95 @@
           <a:effectRef idx="0"/>
           <a:fontRef idx="minor"/>
         </p:style>
+      </p:sp>
+      <p:sp>
+        <p:nvSpPr>
+          <p:cNvPr id="124" name="TextShape 3"/>
+          <p:cNvSpPr txBox="1"/>
+          <p:nvPr/>
+        </p:nvSpPr>
+        <p:spPr>
+          <a:xfrm>
+            <a:off x="885600" y="2581200"/>
+            <a:ext cx="5267520" cy="1768680"/>
+          </a:xfrm>
+          <a:prstGeom prst="rect">
+            <a:avLst/>
+          </a:prstGeom>
+          <a:noFill/>
+          <a:ln>
+            <a:noFill/>
+          </a:ln>
+        </p:spPr>
         <p:txBody>
           <a:bodyPr lIns="0" rIns="0" tIns="0" bIns="0"/>
           <a:p>
-            <a:pPr marL="432000" indent="-323640">
-              <a:lnSpc>
-                <a:spcPct val="100000"/>
-              </a:lnSpc>
-              <a:spcAft>
-                <a:spcPts val="1414"/>
-              </a:spcAft>
+            <a:pPr marL="216000" indent="-215640">
               <a:buClr>
-                <a:srgbClr val="ef2929"/>
+                <a:srgbClr val="ce181e"/>
               </a:buClr>
               <a:buSzPct val="45000"/>
               <a:buFont typeface="Wingdings" charset="2"/>
               <a:buChar char=""/>
             </a:pPr>
             <a:r>
-              <a:rPr b="0" lang="en-US" sz="2800" spc="-1" strike="noStrike">
+              <a:rPr b="0" lang="en-US" sz="3000" spc="-1" strike="noStrike">
                 <a:solidFill>
-                  <a:srgbClr val="333333"/>
+                  <a:srgbClr val="000000"/>
                 </a:solidFill>
-                <a:latin typeface="Open Sans"/>
+                <a:latin typeface="Calibri"/>
               </a:rPr>
-              <a:t>Why Java Module</a:t>
+              <a:t>ESP8266 Chip</a:t>
             </a:r>
-            <a:endParaRPr b="0" lang="en-US" sz="2800" spc="-1" strike="noStrike">
-              <a:latin typeface="Arial"/>
-            </a:endParaRPr>
-          </a:p>
-          <a:p>
-            <a:pPr marL="432000" indent="-323640">
-              <a:lnSpc>
-                <a:spcPct val="100000"/>
-              </a:lnSpc>
-              <a:spcAft>
-                <a:spcPts val="1414"/>
-              </a:spcAft>
+            <a:endParaRPr b="0" lang="en-US" sz="3000" spc="-1" strike="noStrike">
+              <a:solidFill>
+                <a:srgbClr val="000000"/>
+              </a:solidFill>
+              <a:latin typeface="Calibri"/>
+              <a:ea typeface="DejaVu Sans"/>
+            </a:endParaRPr>
+          </a:p>
+          <a:p>
+            <a:pPr marL="216000" indent="-215640">
               <a:buClr>
-                <a:srgbClr val="ef2929"/>
+                <a:srgbClr val="ce181e"/>
+              </a:buClr>
+              <a:buSzPct val="45000"/>
+              <a:buFont typeface="Wingdings" charset="2"/>
+              <a:buChar char=""/>
+            </a:pPr>
+            <a:endParaRPr b="0" lang="en-US" sz="3000" spc="-1" strike="noStrike">
+              <a:solidFill>
+                <a:srgbClr val="000000"/>
+              </a:solidFill>
+              <a:latin typeface="Calibri"/>
+              <a:ea typeface="DejaVu Sans"/>
+            </a:endParaRPr>
+          </a:p>
+          <a:p>
+            <a:pPr marL="216000" indent="-215640">
+              <a:buClr>
+                <a:srgbClr val="ce181e"/>
               </a:buClr>
               <a:buSzPct val="45000"/>
               <a:buFont typeface="Wingdings" charset="2"/>
               <a:buChar char=""/>
             </a:pPr>
             <a:r>
-              <a:rPr b="0" lang="en-US" sz="2800" spc="-1" strike="noStrike">
+              <a:rPr b="0" lang="en-US" sz="3000" spc="-1" strike="noStrike">
                 <a:solidFill>
-                  <a:srgbClr val="333333"/>
+                  <a:srgbClr val="000000"/>
                 </a:solidFill>
-                <a:latin typeface="Open Sans"/>
+                <a:latin typeface="Calibri"/>
               </a:rPr>
-              <a:t>Demo</a:t>
+              <a:t>MQTT</a:t>
             </a:r>
-            <a:endParaRPr b="0" lang="en-US" sz="2800" spc="-1" strike="noStrike">
-              <a:latin typeface="Arial"/>
-            </a:endParaRPr>
-          </a:p>
-        </p:txBody>
-      </p:sp>
-      <p:sp>
-        <p:nvSpPr>
-          <p:cNvPr id="85" name="CustomShape 3"/>
-          <p:cNvSpPr/>
-          <p:nvPr/>
-        </p:nvSpPr>
-        <p:spPr>
-          <a:xfrm>
-            <a:off x="8046720" y="274320"/>
-            <a:ext cx="1831680" cy="426240"/>
-          </a:xfrm>
-          <a:prstGeom prst="rect">
-            <a:avLst/>
-          </a:prstGeom>
-          <a:noFill/>
-          <a:ln>
-            <a:noFill/>
-          </a:ln>
-        </p:spPr>
-        <p:style>
-          <a:lnRef idx="0"/>
-          <a:fillRef idx="0"/>
-          <a:effectRef idx="0"/>
-          <a:fontRef idx="minor"/>
-        </p:style>
-        <p:txBody>
-          <a:bodyPr lIns="90000" rIns="90000" tIns="45000" bIns="45000"/>
-          <a:p>
-            <a:fld id="{4881B219-11E2-4B2F-A4BD-7A8095CDC3C8}" type="datetime11">
-              <a:rPr b="0" lang="en-US" sz="1800" spc="-1" strike="noStrike">
-                <a:latin typeface="Arial"/>
-              </a:rPr>
-              <a:t>12:58:55 PM</a:t>
-            </a:fld>
-            <a:endParaRPr b="0" lang="en-US" sz="1800" spc="-1" strike="noStrike">
-              <a:latin typeface="Arial"/>
+            <a:endParaRPr b="0" lang="en-US" sz="3000" spc="-1" strike="noStrike">
+              <a:solidFill>
+                <a:srgbClr val="000000"/>
+              </a:solidFill>
+              <a:latin typeface="Calibri"/>
+              <a:ea typeface="DejaVu Sans"/>
             </a:endParaRPr>
           </a:p>
         </p:txBody>
@@ -3956,14 +5463,14 @@
       </p:grpSpPr>
       <p:sp>
         <p:nvSpPr>
-          <p:cNvPr id="86" name="CustomShape 1"/>
+          <p:cNvPr id="125" name="CustomShape 1"/>
           <p:cNvSpPr/>
           <p:nvPr/>
         </p:nvSpPr>
         <p:spPr>
           <a:xfrm>
-            <a:off x="720000" y="300960"/>
-            <a:ext cx="8855280" cy="1262160"/>
+            <a:off x="201240" y="335880"/>
+            <a:ext cx="8618400" cy="1007280"/>
           </a:xfrm>
           <a:prstGeom prst="rect">
             <a:avLst/>
@@ -3980,7 +5487,9 @@
           <a:fontRef idx="minor"/>
         </p:style>
         <p:txBody>
-          <a:bodyPr lIns="0" rIns="0" tIns="0" bIns="0" anchor="ctr"/>
+          <a:bodyPr lIns="90000" rIns="90000" tIns="45000" bIns="45000" anchor="b">
+            <a:normAutofit/>
+          </a:bodyPr>
           <a:p>
             <a:r>
               <a:rPr b="1" lang="en-US" sz="4400" spc="-1" strike="noStrike">
@@ -3988,8 +5497,9 @@
                   <a:srgbClr val="333333"/>
                 </a:solidFill>
                 <a:latin typeface="Open Sans"/>
+                <a:ea typeface="DejaVu Sans"/>
               </a:rPr>
-              <a:t>IOT Demo</a:t>
+              <a:t>What is Jshell?</a:t>
             </a:r>
             <a:endParaRPr b="0" lang="en-US" sz="4400" spc="-1" strike="noStrike">
               <a:latin typeface="Arial"/>
@@ -3999,14 +5509,14 @@
       </p:sp>
       <p:sp>
         <p:nvSpPr>
-          <p:cNvPr id="87" name="CustomShape 2"/>
+          <p:cNvPr id="126" name="CustomShape 2"/>
           <p:cNvSpPr/>
           <p:nvPr/>
         </p:nvSpPr>
         <p:spPr>
           <a:xfrm>
-            <a:off x="720000" y="2160000"/>
-            <a:ext cx="8639640" cy="4384440"/>
+            <a:off x="767520" y="1639080"/>
+            <a:ext cx="9374400" cy="5571360"/>
           </a:xfrm>
           <a:prstGeom prst="rect">
             <a:avLst/>
@@ -4022,42 +5532,161 @@
           <a:effectRef idx="0"/>
           <a:fontRef idx="minor"/>
         </p:style>
-      </p:sp>
-      <p:sp>
-        <p:nvSpPr>
-          <p:cNvPr id="88" name="CustomShape 3"/>
-          <p:cNvSpPr/>
-          <p:nvPr/>
-        </p:nvSpPr>
-        <p:spPr>
-          <a:xfrm>
-            <a:off x="8412480" y="182880"/>
-            <a:ext cx="1831680" cy="426240"/>
-          </a:xfrm>
-          <a:prstGeom prst="rect">
-            <a:avLst/>
-          </a:prstGeom>
-          <a:noFill/>
-          <a:ln>
-            <a:noFill/>
-          </a:ln>
-        </p:spPr>
-        <p:style>
-          <a:lnRef idx="0"/>
-          <a:fillRef idx="0"/>
-          <a:effectRef idx="0"/>
-          <a:fontRef idx="minor"/>
-        </p:style>
         <p:txBody>
           <a:bodyPr lIns="90000" rIns="90000" tIns="45000" bIns="45000"/>
           <a:p>
-            <a:fld id="{FE78B16D-93B5-4572-A786-A5B9DB4184DE}" type="datetime11">
-              <a:rPr b="0" lang="en-US" sz="1800" spc="-1" strike="noStrike">
-                <a:latin typeface="Arial"/>
+            <a:pPr marL="432000" indent="-323280">
+              <a:spcAft>
+                <a:spcPts val="1414"/>
+              </a:spcAft>
+              <a:buClr>
+                <a:srgbClr val="ef2929"/>
+              </a:buClr>
+              <a:buSzPct val="45000"/>
+              <a:buFont typeface="Wingdings" charset="2"/>
+              <a:buChar char=""/>
+            </a:pPr>
+            <a:r>
+              <a:rPr b="0" lang="en-US" sz="2800" spc="-1" strike="noStrike">
+                <a:solidFill>
+                  <a:srgbClr val="333333"/>
+                </a:solidFill>
+                <a:latin typeface="Open Sans"/>
+                <a:ea typeface="DejaVu Sans"/>
               </a:rPr>
-              <a:t>12:58:55 PM</a:t>
-            </a:fld>
-            <a:endParaRPr b="0" lang="en-US" sz="1800" spc="-1" strike="noStrike">
+              <a:t>Tool providing a dynamic interaction with the Java programming language</a:t>
+            </a:r>
+            <a:endParaRPr b="0" lang="en-US" sz="2800" spc="-1" strike="noStrike">
+              <a:latin typeface="Arial"/>
+            </a:endParaRPr>
+          </a:p>
+          <a:p>
+            <a:pPr marL="432000" indent="-323280">
+              <a:spcAft>
+                <a:spcPts val="1414"/>
+              </a:spcAft>
+              <a:buClr>
+                <a:srgbClr val="ef2929"/>
+              </a:buClr>
+              <a:buSzPct val="45000"/>
+              <a:buFont typeface="Wingdings" charset="2"/>
+              <a:buChar char=""/>
+            </a:pPr>
+            <a:r>
+              <a:rPr b="0" lang="en-US" sz="2800" spc="-1" strike="noStrike">
+                <a:solidFill>
+                  <a:srgbClr val="333333"/>
+                </a:solidFill>
+                <a:latin typeface="Open Sans"/>
+                <a:ea typeface="DejaVu Sans"/>
+              </a:rPr>
+              <a:t>Read-Evaluate-Print Loop (REPL) for the Java platform</a:t>
+            </a:r>
+            <a:endParaRPr b="0" lang="en-US" sz="2800" spc="-1" strike="noStrike">
+              <a:latin typeface="Arial"/>
+            </a:endParaRPr>
+          </a:p>
+          <a:p>
+            <a:pPr lvl="2" marL="648000" indent="-216000">
+              <a:spcAft>
+                <a:spcPts val="1414"/>
+              </a:spcAft>
+              <a:buClr>
+                <a:srgbClr val="000000"/>
+              </a:buClr>
+              <a:buSzPct val="45000"/>
+              <a:buFont typeface="Wingdings" charset="2"/>
+              <a:buChar char=""/>
+            </a:pPr>
+            <a:r>
+              <a:rPr b="0" lang="en-US" sz="2800" spc="-1" strike="noStrike">
+                <a:solidFill>
+                  <a:srgbClr val="333333"/>
+                </a:solidFill>
+                <a:latin typeface="Open Sans"/>
+                <a:ea typeface="DejaVu Sans"/>
+              </a:rPr>
+              <a:t>-- Type in a snippet of Java code, see the results</a:t>
+            </a:r>
+            <a:endParaRPr b="0" lang="en-US" sz="2800" spc="-1" strike="noStrike">
+              <a:latin typeface="Arial"/>
+            </a:endParaRPr>
+          </a:p>
+          <a:p>
+            <a:pPr marL="432000" indent="-323280">
+              <a:spcAft>
+                <a:spcPts val="1414"/>
+              </a:spcAft>
+              <a:buClr>
+                <a:srgbClr val="ef2929"/>
+              </a:buClr>
+              <a:buSzPct val="45000"/>
+              <a:buFont typeface="Wingdings" charset="2"/>
+              <a:buChar char=""/>
+            </a:pPr>
+            <a:r>
+              <a:rPr b="0" lang="en-US" sz="2800" spc="-1" strike="noStrike">
+                <a:solidFill>
+                  <a:srgbClr val="333333"/>
+                </a:solidFill>
+                <a:latin typeface="Open Sans"/>
+                <a:ea typeface="DejaVu Sans"/>
+              </a:rPr>
+              <a:t>Deeply integrated with JDK tool-set</a:t>
+            </a:r>
+            <a:endParaRPr b="0" lang="en-US" sz="2800" spc="-1" strike="noStrike">
+              <a:latin typeface="Arial"/>
+            </a:endParaRPr>
+          </a:p>
+          <a:p>
+            <a:pPr lvl="2" marL="648000" indent="-216000">
+              <a:spcAft>
+                <a:spcPts val="1414"/>
+              </a:spcAft>
+              <a:buClr>
+                <a:srgbClr val="000000"/>
+              </a:buClr>
+              <a:buSzPct val="45000"/>
+              <a:buFont typeface="Wingdings" charset="2"/>
+              <a:buChar char=""/>
+            </a:pPr>
+            <a:r>
+              <a:rPr b="0" lang="en-US" sz="2800" spc="-1" strike="noStrike">
+                <a:solidFill>
+                  <a:srgbClr val="333333"/>
+                </a:solidFill>
+                <a:latin typeface="Open Sans"/>
+                <a:ea typeface="DejaVu Sans"/>
+              </a:rPr>
+              <a:t>-- Stays current and compatible</a:t>
+            </a:r>
+            <a:endParaRPr b="0" lang="en-US" sz="2800" spc="-1" strike="noStrike">
+              <a:latin typeface="Arial"/>
+            </a:endParaRPr>
+          </a:p>
+          <a:p>
+            <a:pPr marL="432000" indent="-323280">
+              <a:spcAft>
+                <a:spcPts val="1414"/>
+              </a:spcAft>
+              <a:buClr>
+                <a:srgbClr val="ef2929"/>
+              </a:buClr>
+              <a:buSzPct val="45000"/>
+              <a:buFont typeface="Wingdings" charset="2"/>
+              <a:buChar char=""/>
+            </a:pPr>
+            <a:r>
+              <a:rPr b="0" lang="en-US" sz="2800" spc="-1" strike="noStrike">
+                <a:solidFill>
+                  <a:srgbClr val="333333"/>
+                </a:solidFill>
+                <a:latin typeface="Open Sans"/>
+                <a:ea typeface="DejaVu Sans"/>
+              </a:rPr>
+              <a:t>Handy Tool for developers</a:t>
+            </a:r>
+            <a:endParaRPr b="0" lang="en-US" sz="2800" spc="-1" strike="noStrike">
               <a:latin typeface="Arial"/>
             </a:endParaRPr>
           </a:p>
@@ -4114,58 +5743,14 @@
       </p:grpSpPr>
       <p:sp>
         <p:nvSpPr>
-          <p:cNvPr id="89" name="TextShape 1"/>
-          <p:cNvSpPr txBox="1"/>
-          <p:nvPr/>
-        </p:nvSpPr>
-        <p:spPr>
-          <a:xfrm>
-            <a:off x="201240" y="335880"/>
-            <a:ext cx="8618760" cy="1007640"/>
-          </a:xfrm>
-          <a:prstGeom prst="rect">
-            <a:avLst/>
-          </a:prstGeom>
-          <a:noFill/>
-          <a:ln>
-            <a:noFill/>
-          </a:ln>
-        </p:spPr>
-        <p:txBody>
-          <a:bodyPr anchor="b">
-            <a:normAutofit/>
-          </a:bodyPr>
-          <a:p>
-            <a:pPr>
-              <a:lnSpc>
-                <a:spcPct val="100000"/>
-              </a:lnSpc>
-            </a:pPr>
-            <a:r>
-              <a:rPr b="0" lang="en-US" sz="5000" spc="-1" strike="noStrike">
-                <a:solidFill>
-                  <a:srgbClr val="000000"/>
-                </a:solidFill>
-                <a:latin typeface="Calibri Light"/>
-              </a:rPr>
-              <a:t>What is Jshell?</a:t>
-            </a:r>
-            <a:endParaRPr b="0" lang="en-US" sz="5000" spc="-1" strike="noStrike">
-              <a:latin typeface="Arial"/>
-            </a:endParaRPr>
-          </a:p>
-        </p:txBody>
-      </p:sp>
-      <p:sp>
-        <p:nvSpPr>
-          <p:cNvPr id="90" name="CustomShape 2"/>
+          <p:cNvPr id="127" name="CustomShape 1"/>
           <p:cNvSpPr/>
           <p:nvPr/>
         </p:nvSpPr>
         <p:spPr>
           <a:xfrm>
-            <a:off x="731520" y="1747080"/>
-            <a:ext cx="9374760" cy="5571720"/>
+            <a:off x="692640" y="402120"/>
+            <a:ext cx="8694000" cy="839880"/>
           </a:xfrm>
           <a:prstGeom prst="rect">
             <a:avLst/>
@@ -4182,12 +5767,60 @@
           <a:fontRef idx="minor"/>
         </p:style>
         <p:txBody>
+          <a:bodyPr lIns="90000" rIns="90000" tIns="45000" bIns="45000" anchor="ctr"/>
+          <a:p>
+            <a:br/>
+            <a:r>
+              <a:rPr b="1" lang="en-US" sz="4400" spc="-1" strike="noStrike">
+                <a:solidFill>
+                  <a:srgbClr val="333333"/>
+                </a:solidFill>
+                <a:latin typeface="Open Sans"/>
+                <a:ea typeface="DejaVu Sans"/>
+              </a:rPr>
+              <a:t>Reactive programming</a:t>
+            </a:r>
+            <a:endParaRPr b="0" lang="en-US" sz="4400" spc="-1" strike="noStrike">
+              <a:latin typeface="Arial"/>
+            </a:endParaRPr>
+          </a:p>
+        </p:txBody>
+      </p:sp>
+      <p:sp>
+        <p:nvSpPr>
+          <p:cNvPr id="128" name="CustomShape 2"/>
+          <p:cNvSpPr/>
+          <p:nvPr/>
+        </p:nvSpPr>
+        <p:spPr>
+          <a:xfrm>
+            <a:off x="692640" y="1713240"/>
+            <a:ext cx="8694000" cy="5094720"/>
+          </a:xfrm>
+          <a:prstGeom prst="rect">
+            <a:avLst/>
+          </a:prstGeom>
+          <a:noFill/>
+          <a:ln>
+            <a:noFill/>
+          </a:ln>
+        </p:spPr>
+        <p:style>
+          <a:lnRef idx="0"/>
+          <a:fillRef idx="0"/>
+          <a:effectRef idx="0"/>
+          <a:fontRef idx="minor"/>
+        </p:style>
+        <p:txBody>
           <a:bodyPr lIns="90000" rIns="90000" tIns="45000" bIns="45000"/>
           <a:p>
-            <a:pPr marL="216000" indent="-216000">
+            <a:pPr marL="228600" indent="-227880">
               <a:lnSpc>
-                <a:spcPct val="100000"/>
+                <a:spcPct val="90000"/>
               </a:lnSpc>
+              <a:spcBef>
+                <a:spcPts val="1001"/>
+              </a:spcBef>
               <a:buClr>
                 <a:srgbClr val="ce181e"/>
               </a:buClr>
@@ -4196,246 +5829,226 @@
               <a:buChar char=""/>
             </a:pPr>
             <a:r>
-              <a:rPr b="0" lang="en-US" sz="3000" spc="-1" strike="noStrike">
+              <a:rPr b="0" lang="en-US" sz="2800" spc="-1" strike="noStrike">
                 <a:solidFill>
                   <a:srgbClr val="000000"/>
                 </a:solidFill>
                 <a:latin typeface="Calibri"/>
               </a:rPr>
-              <a:t>Tool</a:t>
+              <a:t>What’s reactive programming?</a:t>
             </a:r>
+            <a:endParaRPr b="0" lang="en-US" sz="2800" spc="-1" strike="noStrike">
+              <a:latin typeface="Arial"/>
+            </a:endParaRPr>
+          </a:p>
+          <a:p>
+            <a:pPr>
+              <a:lnSpc>
+                <a:spcPct val="100000"/>
+              </a:lnSpc>
+              <a:spcBef>
+                <a:spcPts val="1001"/>
+              </a:spcBef>
+            </a:pPr>
             <a:r>
-              <a:rPr b="0" lang="en-US" sz="3000" spc="-1" strike="noStrike">
+              <a:rPr b="0" lang="en-US" sz="2800" spc="-1" strike="noStrike">
                 <a:solidFill>
                   <a:srgbClr val="000000"/>
                 </a:solidFill>
                 <a:latin typeface="Calibri"/>
               </a:rPr>
-              <a:t> providing a dynamic interaction with the </a:t>
+              <a:t>    </a:t>
             </a:r>
             <a:r>
-              <a:rPr b="0" lang="en-US" sz="3000" spc="-1" strike="noStrike">
+              <a:rPr b="0" lang="en-US" sz="2800" spc="-1" strike="noStrike">
                 <a:solidFill>
                   <a:srgbClr val="000000"/>
                 </a:solidFill>
                 <a:latin typeface="Calibri"/>
               </a:rPr>
-              <a:t>Java programming language</a:t>
+              <a:t>-- It’s about creating an architecture that supports</a:t>
             </a:r>
-            <a:endParaRPr b="0" lang="en-US" sz="3000" spc="-1" strike="noStrike">
-              <a:latin typeface="Arial"/>
-            </a:endParaRPr>
-          </a:p>
-          <a:p>
-            <a:pPr marL="216000" indent="-216000">
+            <a:endParaRPr b="0" lang="en-US" sz="2800" spc="-1" strike="noStrike">
+              <a:latin typeface="Arial"/>
+            </a:endParaRPr>
+          </a:p>
+          <a:p>
+            <a:pPr>
               <a:lnSpc>
                 <a:spcPct val="100000"/>
               </a:lnSpc>
-              <a:buClr>
-                <a:srgbClr val="ce181e"/>
-              </a:buClr>
-              <a:buSzPct val="45000"/>
-              <a:buFont typeface="Wingdings" charset="2"/>
-              <a:buChar char=""/>
-            </a:pPr>
-            <a:endParaRPr b="0" lang="en-US" sz="3000" spc="-1" strike="noStrike">
-              <a:latin typeface="Arial"/>
-            </a:endParaRPr>
-          </a:p>
-          <a:p>
-            <a:pPr marL="216000" indent="-216000">
-              <a:lnSpc>
-                <a:spcPct val="100000"/>
-              </a:lnSpc>
-              <a:buClr>
-                <a:srgbClr val="ce181e"/>
-              </a:buClr>
-              <a:buSzPct val="45000"/>
-              <a:buFont typeface="Wingdings" charset="2"/>
-              <a:buChar char=""/>
+              <a:spcBef>
+                <a:spcPts val="1001"/>
+              </a:spcBef>
             </a:pPr>
             <a:r>
-              <a:rPr b="0" lang="en-US" sz="3000" spc="-1" strike="noStrike">
+              <a:rPr b="0" lang="en-US" sz="2800" spc="-1" strike="noStrike">
                 <a:solidFill>
                   <a:srgbClr val="000000"/>
                 </a:solidFill>
                 <a:latin typeface="Calibri"/>
               </a:rPr>
-              <a:t>Read-Evaluate-Print Loop (REPL) for the Java </a:t>
+              <a:t>            </a:t>
             </a:r>
             <a:r>
-              <a:rPr b="0" lang="en-US" sz="3000" spc="-1" strike="noStrike">
+              <a:rPr b="0" lang="en-US" sz="2800" spc="-1" strike="noStrike">
                 <a:solidFill>
                   <a:srgbClr val="000000"/>
                 </a:solidFill>
                 <a:latin typeface="Calibri"/>
               </a:rPr>
-              <a:t>platform</a:t>
+              <a:t>- event-driven</a:t>
             </a:r>
-            <a:endParaRPr b="0" lang="en-US" sz="3000" spc="-1" strike="noStrike">
-              <a:latin typeface="Arial"/>
-            </a:endParaRPr>
-          </a:p>
-          <a:p>
-            <a:pPr lvl="2" marL="648000" indent="-216000">
+            <a:endParaRPr b="0" lang="en-US" sz="2800" spc="-1" strike="noStrike">
+              <a:latin typeface="Arial"/>
+            </a:endParaRPr>
+          </a:p>
+          <a:p>
+            <a:pPr>
               <a:lnSpc>
                 <a:spcPct val="100000"/>
               </a:lnSpc>
-              <a:buClr>
-                <a:srgbClr val="000000"/>
-              </a:buClr>
-              <a:buSzPct val="45000"/>
-              <a:buFont typeface="Wingdings" charset="2"/>
-              <a:buChar char=""/>
+              <a:spcBef>
+                <a:spcPts val="1001"/>
+              </a:spcBef>
             </a:pPr>
             <a:r>
-              <a:rPr b="0" lang="en-US" sz="3000" spc="-1" strike="noStrike">
+              <a:rPr b="0" lang="en-US" sz="2800" spc="-1" strike="noStrike">
                 <a:solidFill>
                   <a:srgbClr val="000000"/>
                 </a:solidFill>
                 <a:latin typeface="Calibri"/>
               </a:rPr>
-              <a:t>-- Type in a snippet of Java code, see the </a:t>
+              <a:t>            </a:t>
             </a:r>
             <a:r>
-              <a:rPr b="0" lang="en-US" sz="3000" spc="-1" strike="noStrike">
+              <a:rPr b="0" lang="en-US" sz="2800" spc="-1" strike="noStrike">
                 <a:solidFill>
                   <a:srgbClr val="000000"/>
                 </a:solidFill>
                 <a:latin typeface="Calibri"/>
               </a:rPr>
-              <a:t>results</a:t>
+              <a:t>- Scalable</a:t>
             </a:r>
-            <a:endParaRPr b="0" lang="en-US" sz="3000" spc="-1" strike="noStrike">
-              <a:latin typeface="Arial"/>
-            </a:endParaRPr>
-          </a:p>
-          <a:p>
-            <a:pPr lvl="2" marL="648000" indent="-216000">
+            <a:endParaRPr b="0" lang="en-US" sz="2800" spc="-1" strike="noStrike">
+              <a:latin typeface="Arial"/>
+            </a:endParaRPr>
+          </a:p>
+          <a:p>
+            <a:pPr>
               <a:lnSpc>
                 <a:spcPct val="100000"/>
               </a:lnSpc>
-              <a:buClr>
-                <a:srgbClr val="000000"/>
-              </a:buClr>
-              <a:buSzPct val="45000"/>
-              <a:buFont typeface="Wingdings" charset="2"/>
-              <a:buChar char=""/>
-            </a:pPr>
-            <a:endParaRPr b="0" lang="en-US" sz="3000" spc="-1" strike="noStrike">
-              <a:latin typeface="Arial"/>
-            </a:endParaRPr>
-          </a:p>
-          <a:p>
-            <a:pPr marL="216000" indent="-216000">
-              <a:lnSpc>
-                <a:spcPct val="100000"/>
-              </a:lnSpc>
-              <a:buClr>
-                <a:srgbClr val="ce181e"/>
-              </a:buClr>
-              <a:buSzPct val="45000"/>
-              <a:buFont typeface="Wingdings" charset="2"/>
-              <a:buChar char=""/>
+              <a:spcBef>
+                <a:spcPts val="1001"/>
+              </a:spcBef>
             </a:pPr>
             <a:r>
-              <a:rPr b="0" lang="en-US" sz="3000" spc="-1" strike="noStrike">
+              <a:rPr b="0" lang="en-US" sz="2800" spc="-1" strike="noStrike">
                 <a:solidFill>
                   <a:srgbClr val="000000"/>
                 </a:solidFill>
                 <a:latin typeface="Calibri"/>
               </a:rPr>
-              <a:t>Deeply integrated with JDK tool-set</a:t>
+              <a:t>            </a:t>
             </a:r>
-            <a:endParaRPr b="0" lang="en-US" sz="3000" spc="-1" strike="noStrike">
-              <a:latin typeface="Arial"/>
-            </a:endParaRPr>
-          </a:p>
-          <a:p>
-            <a:pPr marL="216000" indent="-216000">
-              <a:lnSpc>
-                <a:spcPct val="100000"/>
-              </a:lnSpc>
-              <a:buClr>
-                <a:srgbClr val="ce181e"/>
-              </a:buClr>
-              <a:buSzPct val="45000"/>
-              <a:buFont typeface="Wingdings" charset="2"/>
-              <a:buChar char=""/>
-            </a:pPr>
             <a:r>
-              <a:rPr b="0" lang="en-US" sz="3000" spc="-1" strike="noStrike">
+              <a:rPr b="0" lang="en-US" sz="2800" spc="-1" strike="noStrike">
                 <a:solidFill>
                   <a:srgbClr val="000000"/>
                 </a:solidFill>
                 <a:latin typeface="Calibri"/>
               </a:rPr>
-              <a:t> </a:t>
+              <a:t>- resilient</a:t>
             </a:r>
+            <a:endParaRPr b="0" lang="en-US" sz="2800" spc="-1" strike="noStrike">
+              <a:latin typeface="Arial"/>
+            </a:endParaRPr>
+          </a:p>
+          <a:p>
+            <a:pPr>
+              <a:lnSpc>
+                <a:spcPct val="100000"/>
+              </a:lnSpc>
+              <a:spcBef>
+                <a:spcPts val="1001"/>
+              </a:spcBef>
+            </a:pPr>
             <a:r>
-              <a:rPr b="0" lang="en-US" sz="3000" spc="-1" strike="noStrike">
+              <a:rPr b="0" lang="en-US" sz="2800" spc="-1" strike="noStrike">
                 <a:solidFill>
                   <a:srgbClr val="000000"/>
                 </a:solidFill>
                 <a:latin typeface="Calibri"/>
               </a:rPr>
-              <a:t>	</a:t>
+              <a:t>            </a:t>
             </a:r>
             <a:r>
-              <a:rPr b="0" lang="en-US" sz="3000" spc="-1" strike="noStrike">
+              <a:rPr b="0" lang="en-US" sz="2800" spc="-1" strike="noStrike">
                 <a:solidFill>
                   <a:srgbClr val="000000"/>
                 </a:solidFill>
                 <a:latin typeface="Calibri"/>
               </a:rPr>
-              <a:t>-- Stays current and compatible</a:t>
+              <a:t>- response</a:t>
             </a:r>
-            <a:endParaRPr b="0" lang="en-US" sz="3000" spc="-1" strike="noStrike">
-              <a:latin typeface="Arial"/>
-            </a:endParaRPr>
-          </a:p>
-          <a:p>
-            <a:pPr marL="216000" indent="-216000">
+            <a:endParaRPr b="0" lang="en-US" sz="2800" spc="-1" strike="noStrike">
+              <a:latin typeface="Arial"/>
+            </a:endParaRPr>
+          </a:p>
+          <a:p>
+            <a:pPr>
               <a:lnSpc>
                 <a:spcPct val="100000"/>
               </a:lnSpc>
-              <a:buClr>
-                <a:srgbClr val="ce181e"/>
-              </a:buClr>
-              <a:buSzPct val="45000"/>
-              <a:buFont typeface="Wingdings" charset="2"/>
-              <a:buChar char=""/>
+              <a:spcBef>
+                <a:spcPts val="1001"/>
+              </a:spcBef>
             </a:pPr>
-            <a:endParaRPr b="0" lang="en-US" sz="3000" spc="-1" strike="noStrike">
-              <a:latin typeface="Arial"/>
-            </a:endParaRPr>
-          </a:p>
-          <a:p>
-            <a:pPr marL="216000" indent="-216000">
+            <a:endParaRPr b="0" lang="en-US" sz="2800" spc="-1" strike="noStrike">
+              <a:latin typeface="Arial"/>
+            </a:endParaRPr>
+          </a:p>
+          <a:p>
+            <a:pPr>
               <a:lnSpc>
                 <a:spcPct val="100000"/>
               </a:lnSpc>
-              <a:buClr>
-                <a:srgbClr val="ce181e"/>
-              </a:buClr>
-              <a:buSzPct val="45000"/>
-              <a:buFont typeface="Wingdings" charset="2"/>
-              <a:buChar char=""/>
+              <a:spcBef>
+                <a:spcPts val="1001"/>
+              </a:spcBef>
             </a:pPr>
-            <a:r>
-              <a:rPr b="0" lang="en-US" sz="3000" spc="-1" strike="noStrike">
-                <a:solidFill>
-                  <a:srgbClr val="000000"/>
-                </a:solidFill>
-                <a:latin typeface="Calibri"/>
-              </a:rPr>
-              <a:t>Handy Tool for developers</a:t>
-            </a:r>
-            <a:endParaRPr b="0" lang="en-US" sz="3000" spc="-1" strike="noStrike">
-              <a:latin typeface="Arial"/>
-            </a:endParaRPr>
-          </a:p>
-        </p:txBody>
+            <a:endParaRPr b="0" lang="en-US" sz="2800" spc="-1" strike="noStrike">
+              <a:latin typeface="Arial"/>
+            </a:endParaRPr>
+          </a:p>
+        </p:txBody>
+      </p:sp>
+      <p:sp>
+        <p:nvSpPr>
+          <p:cNvPr id="129" name="CustomShape 3"/>
+          <p:cNvSpPr/>
+          <p:nvPr/>
+        </p:nvSpPr>
+        <p:spPr>
+          <a:xfrm>
+            <a:off x="453600" y="2518920"/>
+            <a:ext cx="8618040" cy="609840"/>
+          </a:xfrm>
+          <a:prstGeom prst="rect">
+            <a:avLst/>
+          </a:prstGeom>
+          <a:noFill/>
+          <a:ln>
+            <a:noFill/>
+          </a:ln>
+        </p:spPr>
+        <p:style>
+          <a:lnRef idx="0"/>
+          <a:fillRef idx="0"/>
+          <a:effectRef idx="0"/>
+          <a:fontRef idx="minor"/>
+        </p:style>
       </p:sp>
     </p:spTree>
   </p:cSld>
@@ -4488,14 +6101,14 @@
       </p:grpSpPr>
       <p:sp>
         <p:nvSpPr>
-          <p:cNvPr id="91" name="TextShape 1"/>
-          <p:cNvSpPr txBox="1"/>
+          <p:cNvPr id="130" name="CustomShape 1"/>
+          <p:cNvSpPr/>
           <p:nvPr/>
         </p:nvSpPr>
         <p:spPr>
           <a:xfrm>
             <a:off x="692640" y="402120"/>
-            <a:ext cx="8694360" cy="840240"/>
+            <a:ext cx="8694000" cy="839880"/>
           </a:xfrm>
           <a:prstGeom prst="rect">
             <a:avLst/>
@@ -4505,40 +6118,42 @@
             <a:noFill/>
           </a:ln>
         </p:spPr>
-        <p:txBody>
-          <a:bodyPr anchor="ctr"/>
-          <a:p>
-            <a:pPr>
-              <a:lnSpc>
-                <a:spcPct val="90000"/>
-              </a:lnSpc>
-            </a:pPr>
+        <p:style>
+          <a:lnRef idx="0"/>
+          <a:fillRef idx="0"/>
+          <a:effectRef idx="0"/>
+          <a:fontRef idx="minor"/>
+        </p:style>
+        <p:txBody>
+          <a:bodyPr lIns="90000" rIns="90000" tIns="45000" bIns="45000" anchor="ctr"/>
+          <a:p>
             <a:br/>
             <a:r>
-              <a:rPr b="0" lang="en-US" sz="4000" spc="-1" strike="noStrike">
+              <a:rPr b="1" lang="en-US" sz="4400" spc="-1" strike="noStrike">
                 <a:solidFill>
-                  <a:srgbClr val="000000"/>
+                  <a:srgbClr val="333333"/>
                 </a:solidFill>
-                <a:latin typeface="Calibri Light"/>
+                <a:latin typeface="Open Sans"/>
+                <a:ea typeface="DejaVu Sans"/>
               </a:rPr>
-              <a:t>Reactive programming:</a:t>
+              <a:t>Reactive programming</a:t>
             </a:r>
-            <a:endParaRPr b="0" lang="en-US" sz="4000" spc="-1" strike="noStrike">
-              <a:latin typeface="Arial"/>
-            </a:endParaRPr>
-          </a:p>
-        </p:txBody>
-      </p:sp>
-      <p:sp>
-        <p:nvSpPr>
-          <p:cNvPr id="92" name="TextShape 2"/>
-          <p:cNvSpPr txBox="1"/>
+            <a:endParaRPr b="0" lang="en-US" sz="4400" spc="-1" strike="noStrike">
+              <a:latin typeface="Arial"/>
+            </a:endParaRPr>
+          </a:p>
+        </p:txBody>
+      </p:sp>
+      <p:sp>
+        <p:nvSpPr>
+          <p:cNvPr id="131" name="CustomShape 2"/>
+          <p:cNvSpPr/>
           <p:nvPr/>
         </p:nvSpPr>
         <p:spPr>
           <a:xfrm>
             <a:off x="692640" y="1713240"/>
-            <a:ext cx="8694360" cy="5095080"/>
+            <a:ext cx="8694000" cy="5094720"/>
           </a:xfrm>
           <a:prstGeom prst="rect">
             <a:avLst/>
@@ -4548,10 +6163,16 @@
             <a:noFill/>
           </a:ln>
         </p:spPr>
-        <p:txBody>
-          <a:bodyPr/>
-          <a:p>
-            <a:pPr marL="228600" indent="-228240">
+        <p:style>
+          <a:lnRef idx="0"/>
+          <a:fillRef idx="0"/>
+          <a:effectRef idx="0"/>
+          <a:fontRef idx="minor"/>
+        </p:style>
+        <p:txBody>
+          <a:bodyPr lIns="90000" rIns="90000" tIns="45000" bIns="45000"/>
+          <a:p>
+            <a:pPr marL="228600" indent="-227880">
               <a:lnSpc>
                 <a:spcPct val="90000"/>
               </a:lnSpc>
@@ -4572,7 +6193,7 @@
                 </a:solidFill>
                 <a:latin typeface="Calibri"/>
               </a:rPr>
-              <a:t>What’s reactive programming?</a:t>
+              <a:t>Example - Let’s try this with our smart phone</a:t>
             </a:r>
             <a:endParaRPr b="0" lang="en-US" sz="2800" spc="-1" strike="noStrike">
               <a:latin typeface="Arial"/>
@@ -4603,7 +6224,7 @@
                 </a:solidFill>
                 <a:latin typeface="Calibri"/>
               </a:rPr>
-              <a:t>-- It’s about creating an architecture that supports</a:t>
+              <a:t>-- Challenges we encounter</a:t>
             </a:r>
             <a:endParaRPr b="0" lang="en-US" sz="2800" spc="-1" strike="noStrike">
               <a:latin typeface="Arial"/>
@@ -4625,7 +6246,7 @@
                 </a:solidFill>
                 <a:latin typeface="Calibri"/>
               </a:rPr>
-              <a:t>            </a:t>
+              <a:t>    </a:t>
             </a:r>
             <a:r>
               <a:rPr b="0" lang="en-US" sz="2800" spc="-1" strike="noStrike">
@@ -4634,7 +6255,48 @@
                 </a:solidFill>
                 <a:latin typeface="Calibri"/>
               </a:rPr>
-              <a:t>- event-driven</a:t>
+              <a:t>-- How to solve them in an application</a:t>
+            </a:r>
+            <a:endParaRPr b="0" lang="en-US" sz="2800" spc="-1" strike="noStrike">
+              <a:latin typeface="Arial"/>
+            </a:endParaRPr>
+          </a:p>
+          <a:p>
+            <a:pPr>
+              <a:lnSpc>
+                <a:spcPct val="100000"/>
+              </a:lnSpc>
+              <a:spcBef>
+                <a:spcPts val="1001"/>
+              </a:spcBef>
+            </a:pPr>
+            <a:endParaRPr b="0" lang="en-US" sz="2800" spc="-1" strike="noStrike">
+              <a:latin typeface="Arial"/>
+            </a:endParaRPr>
+          </a:p>
+          <a:p>
+            <a:pPr marL="228600" indent="-227880">
+              <a:lnSpc>
+                <a:spcPct val="90000"/>
+              </a:lnSpc>
+              <a:spcBef>
+                <a:spcPts val="1001"/>
+              </a:spcBef>
+              <a:buClr>
+                <a:srgbClr val="ce181e"/>
+              </a:buClr>
+              <a:buSzPct val="45000"/>
+              <a:buFont typeface="Wingdings" charset="2"/>
+              <a:buChar char=""/>
+            </a:pPr>
+            <a:r>
+              <a:rPr b="0" lang="en-US" sz="2800" spc="-1" strike="noStrike">
+                <a:solidFill>
+                  <a:srgbClr val="000000"/>
+                </a:solidFill>
+                <a:latin typeface="Calibri"/>
+              </a:rPr>
+              <a:t>Solutions:</a:t>
             </a:r>
             <a:endParaRPr b="0" lang="en-US" sz="2800" spc="-1" strike="noStrike">
               <a:latin typeface="Arial"/>
@@ -4656,7 +6318,7 @@
                 </a:solidFill>
                 <a:latin typeface="Calibri"/>
               </a:rPr>
-              <a:t>            </a:t>
+              <a:t>   </a:t>
             </a:r>
             <a:r>
               <a:rPr b="0" lang="en-US" sz="2800" spc="-1" strike="noStrike">
@@ -4665,7 +6327,7 @@
                 </a:solidFill>
                 <a:latin typeface="Calibri"/>
               </a:rPr>
-              <a:t>- Scalable</a:t>
+              <a:t>-- data channel</a:t>
             </a:r>
             <a:endParaRPr b="0" lang="en-US" sz="2800" spc="-1" strike="noStrike">
               <a:latin typeface="Arial"/>
@@ -4687,7 +6349,7 @@
                 </a:solidFill>
                 <a:latin typeface="Calibri"/>
               </a:rPr>
-              <a:t>            </a:t>
+              <a:t>   </a:t>
             </a:r>
             <a:r>
               <a:rPr b="0" lang="en-US" sz="2800" spc="-1" strike="noStrike">
@@ -4696,7 +6358,7 @@
                 </a:solidFill>
                 <a:latin typeface="Calibri"/>
               </a:rPr>
-              <a:t>- resilient</a:t>
+              <a:t>-- complete channel</a:t>
             </a:r>
             <a:endParaRPr b="0" lang="en-US" sz="2800" spc="-1" strike="noStrike">
               <a:latin typeface="Arial"/>
@@ -4718,7 +6380,7 @@
                 </a:solidFill>
                 <a:latin typeface="Calibri"/>
               </a:rPr>
-              <a:t>            </a:t>
+              <a:t>   </a:t>
             </a:r>
             <a:r>
               <a:rPr b="0" lang="en-US" sz="2800" spc="-1" strike="noStrike">
@@ -4727,7 +6389,7 @@
                 </a:solidFill>
                 <a:latin typeface="Calibri"/>
               </a:rPr>
-              <a:t>- response</a:t>
+              <a:t>-- error channel</a:t>
             </a:r>
             <a:endParaRPr b="0" lang="en-US" sz="2800" spc="-1" strike="noStrike">
               <a:latin typeface="Arial"/>
@@ -4763,14 +6425,14 @@
       </p:sp>
       <p:sp>
         <p:nvSpPr>
-          <p:cNvPr id="93" name="CustomShape 3"/>
+          <p:cNvPr id="132" name="CustomShape 3"/>
           <p:cNvSpPr/>
           <p:nvPr/>
         </p:nvSpPr>
         <p:spPr>
           <a:xfrm>
             <a:off x="453600" y="2518920"/>
-            <a:ext cx="8618400" cy="610200"/>
+            <a:ext cx="8618040" cy="609840"/>
           </a:xfrm>
           <a:prstGeom prst="rect">
             <a:avLst/>
@@ -4838,330 +6500,14 @@
       </p:grpSpPr>
       <p:sp>
         <p:nvSpPr>
-          <p:cNvPr id="94" name="TextShape 1"/>
-          <p:cNvSpPr txBox="1"/>
-          <p:nvPr/>
-        </p:nvSpPr>
-        <p:spPr>
-          <a:xfrm>
-            <a:off x="692640" y="402120"/>
-            <a:ext cx="8694360" cy="840240"/>
-          </a:xfrm>
-          <a:prstGeom prst="rect">
-            <a:avLst/>
-          </a:prstGeom>
-          <a:noFill/>
-          <a:ln>
-            <a:noFill/>
-          </a:ln>
-        </p:spPr>
-        <p:txBody>
-          <a:bodyPr anchor="ctr"/>
-          <a:p>
-            <a:pPr>
-              <a:lnSpc>
-                <a:spcPct val="90000"/>
-              </a:lnSpc>
-            </a:pPr>
-            <a:br/>
-            <a:r>
-              <a:rPr b="0" lang="en-US" sz="4000" spc="-1" strike="noStrike">
-                <a:solidFill>
-                  <a:srgbClr val="000000"/>
-                </a:solidFill>
-                <a:latin typeface="Calibri Light"/>
-              </a:rPr>
-              <a:t>Reactive programming:</a:t>
-            </a:r>
-            <a:endParaRPr b="0" lang="en-US" sz="4000" spc="-1" strike="noStrike">
-              <a:latin typeface="Arial"/>
-            </a:endParaRPr>
-          </a:p>
-        </p:txBody>
-      </p:sp>
-      <p:sp>
-        <p:nvSpPr>
-          <p:cNvPr id="95" name="TextShape 2"/>
-          <p:cNvSpPr txBox="1"/>
-          <p:nvPr/>
-        </p:nvSpPr>
-        <p:spPr>
-          <a:xfrm>
-            <a:off x="692640" y="1713240"/>
-            <a:ext cx="8694360" cy="5095080"/>
-          </a:xfrm>
-          <a:prstGeom prst="rect">
-            <a:avLst/>
-          </a:prstGeom>
-          <a:noFill/>
-          <a:ln>
-            <a:noFill/>
-          </a:ln>
-        </p:spPr>
-        <p:txBody>
-          <a:bodyPr/>
-          <a:p>
-            <a:pPr marL="228600" indent="-228240">
-              <a:lnSpc>
-                <a:spcPct val="90000"/>
-              </a:lnSpc>
-              <a:spcBef>
-                <a:spcPts val="1001"/>
-              </a:spcBef>
-              <a:buClr>
-                <a:srgbClr val="ce181e"/>
-              </a:buClr>
-              <a:buSzPct val="45000"/>
-              <a:buFont typeface="Wingdings" charset="2"/>
-              <a:buChar char=""/>
-            </a:pPr>
-            <a:r>
-              <a:rPr b="0" lang="en-US" sz="2800" spc="-1" strike="noStrike">
-                <a:solidFill>
-                  <a:srgbClr val="000000"/>
-                </a:solidFill>
-                <a:latin typeface="Calibri"/>
-              </a:rPr>
-              <a:t>Example - Let’s try this with our smart phone</a:t>
-            </a:r>
-            <a:endParaRPr b="0" lang="en-US" sz="2800" spc="-1" strike="noStrike">
-              <a:latin typeface="Arial"/>
-            </a:endParaRPr>
-          </a:p>
-          <a:p>
-            <a:pPr>
-              <a:lnSpc>
-                <a:spcPct val="100000"/>
-              </a:lnSpc>
-              <a:spcBef>
-                <a:spcPts val="1001"/>
-              </a:spcBef>
-            </a:pPr>
-            <a:r>
-              <a:rPr b="0" lang="en-US" sz="2800" spc="-1" strike="noStrike">
-                <a:solidFill>
-                  <a:srgbClr val="000000"/>
-                </a:solidFill>
-                <a:latin typeface="Calibri"/>
-              </a:rPr>
-              <a:t>    </a:t>
-            </a:r>
-            <a:r>
-              <a:rPr b="0" lang="en-US" sz="2800" spc="-1" strike="noStrike">
-                <a:solidFill>
-                  <a:srgbClr val="000000"/>
-                </a:solidFill>
-                <a:latin typeface="Calibri"/>
-              </a:rPr>
-              <a:t>-- Challenges we encounter</a:t>
-            </a:r>
-            <a:endParaRPr b="0" lang="en-US" sz="2800" spc="-1" strike="noStrike">
-              <a:latin typeface="Arial"/>
-            </a:endParaRPr>
-          </a:p>
-          <a:p>
-            <a:pPr>
-              <a:lnSpc>
-                <a:spcPct val="100000"/>
-              </a:lnSpc>
-              <a:spcBef>
-                <a:spcPts val="1001"/>
-              </a:spcBef>
-            </a:pPr>
-            <a:r>
-              <a:rPr b="0" lang="en-US" sz="2800" spc="-1" strike="noStrike">
-                <a:solidFill>
-                  <a:srgbClr val="000000"/>
-                </a:solidFill>
-                <a:latin typeface="Calibri"/>
-              </a:rPr>
-              <a:t>    </a:t>
-            </a:r>
-            <a:r>
-              <a:rPr b="0" lang="en-US" sz="2800" spc="-1" strike="noStrike">
-                <a:solidFill>
-                  <a:srgbClr val="000000"/>
-                </a:solidFill>
-                <a:latin typeface="Calibri"/>
-              </a:rPr>
-              <a:t>-- How to solve them in an application</a:t>
-            </a:r>
-            <a:endParaRPr b="0" lang="en-US" sz="2800" spc="-1" strike="noStrike">
-              <a:latin typeface="Arial"/>
-            </a:endParaRPr>
-          </a:p>
-          <a:p>
-            <a:pPr>
-              <a:lnSpc>
-                <a:spcPct val="100000"/>
-              </a:lnSpc>
-              <a:spcBef>
-                <a:spcPts val="1001"/>
-              </a:spcBef>
-            </a:pPr>
-            <a:endParaRPr b="0" lang="en-US" sz="2800" spc="-1" strike="noStrike">
-              <a:latin typeface="Arial"/>
-            </a:endParaRPr>
-          </a:p>
-          <a:p>
-            <a:pPr marL="228600" indent="-228240">
-              <a:lnSpc>
-                <a:spcPct val="90000"/>
-              </a:lnSpc>
-              <a:spcBef>
-                <a:spcPts val="1001"/>
-              </a:spcBef>
-              <a:buClr>
-                <a:srgbClr val="ce181e"/>
-              </a:buClr>
-              <a:buSzPct val="45000"/>
-              <a:buFont typeface="Wingdings" charset="2"/>
-              <a:buChar char=""/>
-            </a:pPr>
-            <a:r>
-              <a:rPr b="0" lang="en-US" sz="2800" spc="-1" strike="noStrike">
-                <a:solidFill>
-                  <a:srgbClr val="000000"/>
-                </a:solidFill>
-                <a:latin typeface="Calibri"/>
-              </a:rPr>
-              <a:t>Solutions:</a:t>
-            </a:r>
-            <a:endParaRPr b="0" lang="en-US" sz="2800" spc="-1" strike="noStrike">
-              <a:latin typeface="Arial"/>
-            </a:endParaRPr>
-          </a:p>
-          <a:p>
-            <a:pPr>
-              <a:lnSpc>
-                <a:spcPct val="100000"/>
-              </a:lnSpc>
-              <a:spcBef>
-                <a:spcPts val="1001"/>
-              </a:spcBef>
-            </a:pPr>
-            <a:r>
-              <a:rPr b="0" lang="en-US" sz="2800" spc="-1" strike="noStrike">
-                <a:solidFill>
-                  <a:srgbClr val="000000"/>
-                </a:solidFill>
-                <a:latin typeface="Calibri"/>
-              </a:rPr>
-              <a:t>   </a:t>
-            </a:r>
-            <a:r>
-              <a:rPr b="0" lang="en-US" sz="2800" spc="-1" strike="noStrike">
-                <a:solidFill>
-                  <a:srgbClr val="000000"/>
-                </a:solidFill>
-                <a:latin typeface="Calibri"/>
-              </a:rPr>
-              <a:t>-- data channel</a:t>
-            </a:r>
-            <a:endParaRPr b="0" lang="en-US" sz="2800" spc="-1" strike="noStrike">
-              <a:latin typeface="Arial"/>
-            </a:endParaRPr>
-          </a:p>
-          <a:p>
-            <a:pPr>
-              <a:lnSpc>
-                <a:spcPct val="100000"/>
-              </a:lnSpc>
-              <a:spcBef>
-                <a:spcPts val="1001"/>
-              </a:spcBef>
-            </a:pPr>
-            <a:r>
-              <a:rPr b="0" lang="en-US" sz="2800" spc="-1" strike="noStrike">
-                <a:solidFill>
-                  <a:srgbClr val="000000"/>
-                </a:solidFill>
-                <a:latin typeface="Calibri"/>
-              </a:rPr>
-              <a:t>   </a:t>
-            </a:r>
-            <a:r>
-              <a:rPr b="0" lang="en-US" sz="2800" spc="-1" strike="noStrike">
-                <a:solidFill>
-                  <a:srgbClr val="000000"/>
-                </a:solidFill>
-                <a:latin typeface="Calibri"/>
-              </a:rPr>
-              <a:t>-- response channel</a:t>
-            </a:r>
-            <a:endParaRPr b="0" lang="en-US" sz="2800" spc="-1" strike="noStrike">
-              <a:latin typeface="Arial"/>
-            </a:endParaRPr>
-          </a:p>
-          <a:p>
-            <a:pPr>
-              <a:lnSpc>
-                <a:spcPct val="100000"/>
-              </a:lnSpc>
-              <a:spcBef>
-                <a:spcPts val="1001"/>
-              </a:spcBef>
-            </a:pPr>
-            <a:r>
-              <a:rPr b="0" lang="en-US" sz="2800" spc="-1" strike="noStrike">
-                <a:solidFill>
-                  <a:srgbClr val="000000"/>
-                </a:solidFill>
-                <a:latin typeface="Calibri"/>
-              </a:rPr>
-              <a:t>   </a:t>
-            </a:r>
-            <a:r>
-              <a:rPr b="0" lang="en-US" sz="2800" spc="-1" strike="noStrike">
-                <a:solidFill>
-                  <a:srgbClr val="000000"/>
-                </a:solidFill>
-                <a:latin typeface="Calibri"/>
-              </a:rPr>
-              <a:t>-- error channel</a:t>
-            </a:r>
-            <a:endParaRPr b="0" lang="en-US" sz="2800" spc="-1" strike="noStrike">
-              <a:latin typeface="Arial"/>
-            </a:endParaRPr>
-          </a:p>
-          <a:p>
-            <a:pPr>
-              <a:lnSpc>
-                <a:spcPct val="100000"/>
-              </a:lnSpc>
-              <a:spcBef>
-                <a:spcPts val="1001"/>
-              </a:spcBef>
-            </a:pPr>
-            <a:endParaRPr b="0" lang="en-US" sz="2800" spc="-1" strike="noStrike">
-              <a:latin typeface="Arial"/>
-            </a:endParaRPr>
-          </a:p>
-          <a:p>
-            <a:pPr>
-              <a:lnSpc>
-                <a:spcPct val="100000"/>
-              </a:lnSpc>
-              <a:spcBef>
-                <a:spcPts val="1001"/>
-              </a:spcBef>
-            </a:pPr>
-            <a:endParaRPr b="0" lang="en-US" sz="2800" spc="-1" strike="noStrike">
-              <a:latin typeface="Arial"/>
-            </a:endParaRPr>
-          </a:p>
-        </p:txBody>
-      </p:sp>
-      <p:sp>
-        <p:nvSpPr>
-          <p:cNvPr id="96" name="CustomShape 3"/>
+          <p:cNvPr id="133" name="CustomShape 1"/>
           <p:cNvSpPr/>
           <p:nvPr/>
         </p:nvSpPr>
         <p:spPr>
           <a:xfrm>
-            <a:off x="453600" y="2518920"/>
-            <a:ext cx="8618400" cy="610200"/>
+            <a:off x="720000" y="300960"/>
+            <a:ext cx="8854920" cy="1261800"/>
           </a:xfrm>
           <a:prstGeom prst="rect">
             <a:avLst/>
@@ -5177,6 +6523,40 @@
           <a:effectRef idx="0"/>
           <a:fontRef idx="minor"/>
         </p:style>
+      </p:sp>
+      <p:sp>
+        <p:nvSpPr>
+          <p:cNvPr id="134" name="TextShape 2"/>
+          <p:cNvSpPr txBox="1"/>
+          <p:nvPr/>
+        </p:nvSpPr>
+        <p:spPr>
+          <a:xfrm>
+            <a:off x="2152440" y="2400120"/>
+            <a:ext cx="5202360" cy="2745000"/>
+          </a:xfrm>
+          <a:prstGeom prst="rect">
+            <a:avLst/>
+          </a:prstGeom>
+          <a:noFill/>
+          <a:ln>
+            <a:noFill/>
+          </a:ln>
+        </p:spPr>
+        <p:txBody>
+          <a:bodyPr lIns="90000" rIns="90000" tIns="45000" bIns="45000"/>
+          <a:p>
+            <a:r>
+              <a:rPr b="0" lang="en-US" sz="18720" spc="-1" strike="noStrike">
+                <a:latin typeface="Arial"/>
+              </a:rPr>
+              <a:t>Q&amp;A</a:t>
+            </a:r>
+            <a:endParaRPr b="0" lang="en-US" sz="18720" spc="-1" strike="noStrike">
+              <a:latin typeface="Arial"/>
+            </a:endParaRPr>
+          </a:p>
+        </p:txBody>
       </p:sp>
     </p:spTree>
   </p:cSld>
@@ -5187,84 +6567,6 @@
           <p:childTnLst>
             <p:seq>
               <p:cTn id="14" nodeType="mainSeq"/>
-              <p:prevCondLst>
-                <p:cond delay="0" evt="onPrev">
-                  <p:tgtEl>
-                    <p:sldTgt/>
-                  </p:tgtEl>
-                </p:cond>
-              </p:prevCondLst>
-              <p:nextCondLst>
-                <p:cond delay="0" evt="onNext">
-                  <p:tgtEl>
-                    <p:sldTgt/>
-                  </p:tgtEl>
-                </p:cond>
-              </p:nextCondLst>
-            </p:seq>
-          </p:childTnLst>
-        </p:cTn>
-      </p:par>
-    </p:tnLst>
-  </p:timing>
-</p:sld>
-</file>
-
-<file path=ppt/slides/slide8.xml><?xml version="1.0" encoding="utf-8"?>
-<p:sld xmlns:a="http://schemas.openxmlformats.org/drawingml/2006/main" xmlns:p="http://schemas.openxmlformats.org/presentationml/2006/main" xmlns:r="http://schemas.openxmlformats.org/officeDocument/2006/relationships" xmlns:p14="http://schemas.microsoft.com/office/powerpoint/2010/main" xmlns:p15="http://schemas.microsoft.com/office/powerpoint/2012/main" xmlns:mc="http://schemas.openxmlformats.org/markup-compatibility/2006">
-  <p:cSld>
-    <p:spTree>
-      <p:nvGrpSpPr>
-        <p:cNvPr id="1" name=""/>
-        <p:cNvGrpSpPr/>
-        <p:nvPr/>
-      </p:nvGrpSpPr>
-      <p:grpSpPr>
-        <a:xfrm>
-          <a:off x="0" y="0"/>
-          <a:ext cx="0" cy="0"/>
-          <a:chOff x="0" y="0"/>
-          <a:chExt cx="0" cy="0"/>
-        </a:xfrm>
-      </p:grpSpPr>
-      <p:sp>
-        <p:nvSpPr>
-          <p:cNvPr id="97" name="TextShape 1"/>
-          <p:cNvSpPr txBox="1"/>
-          <p:nvPr/>
-        </p:nvSpPr>
-        <p:spPr>
-          <a:xfrm>
-            <a:off x="720000" y="300960"/>
-            <a:ext cx="8855280" cy="1262160"/>
-          </a:xfrm>
-          <a:prstGeom prst="rect">
-            <a:avLst/>
-          </a:prstGeom>
-          <a:noFill/>
-          <a:ln>
-            <a:noFill/>
-          </a:ln>
-        </p:spPr>
-        <p:txBody>
-          <a:bodyPr lIns="0" rIns="0" tIns="0" bIns="0" anchor="ctr"/>
-          <a:p>
-            <a:pPr algn="ctr"/>
-            <a:endParaRPr b="0" lang="en-US" sz="4400" spc="-1" strike="noStrike">
-              <a:latin typeface="Arial"/>
-            </a:endParaRPr>
-          </a:p>
-        </p:txBody>
-      </p:sp>
-    </p:spTree>
-  </p:cSld>
-  <p:timing>
-    <p:tnLst>
-      <p:par>
-        <p:cTn id="15" dur="indefinite" restart="never" nodeType="tmRoot">
-          <p:childTnLst>
-            <p:seq>
-              <p:cTn id="16" nodeType="mainSeq"/>
               <p:prevCondLst>
                 <p:cond delay="0" evt="onPrev">
                   <p:tgtEl>
@@ -5732,4 +7034,227 @@
     </a:fmtScheme>
   </a:themeElements>
 </a:theme>
+</file>
+
+<file path=ppt/theme/theme3.xml><?xml version="1.0" encoding="utf-8"?>
+<a:theme xmlns:a="http://schemas.openxmlformats.org/drawingml/2006/main" name="Office Theme">
+  <a:themeElements>
+    <a:clrScheme name="Office">
+      <a:dk1>
+        <a:sysClr val="windowText" lastClr="000000"/>
+      </a:dk1>
+      <a:lt1>
+        <a:sysClr val="window" lastClr="FFFFFF"/>
+      </a:lt1>
+      <a:dk2>
+        <a:srgbClr val="1F497D"/>
+      </a:dk2>
+      <a:lt2>
+        <a:srgbClr val="EEECE1"/>
+      </a:lt2>
+      <a:accent1>
+        <a:srgbClr val="4F81BD"/>
+      </a:accent1>
+      <a:accent2>
+        <a:srgbClr val="C0504D"/>
+      </a:accent2>
+      <a:accent3>
+        <a:srgbClr val="9BBB59"/>
+      </a:accent3>
+      <a:accent4>
+        <a:srgbClr val="8064A2"/>
+      </a:accent4>
+      <a:accent5>
+        <a:srgbClr val="4BACC6"/>
+      </a:accent5>
+      <a:accent6>
+        <a:srgbClr val="F79646"/>
+      </a:accent6>
+      <a:hlink>
+        <a:srgbClr val="0000FF"/>
+      </a:hlink>
+      <a:folHlink>
+        <a:srgbClr val="800080"/>
+      </a:folHlink>
+    </a:clrScheme>
+    <a:fontScheme name="Office">
+      <a:majorFont>
+        <a:latin typeface="Arial"/>
+        <a:ea typeface="DejaVu Sans"/>
+        <a:cs typeface="DejaVu Sans"/>
+      </a:majorFont>
+      <a:minorFont>
+        <a:latin typeface="Arial"/>
+        <a:ea typeface="DejaVu Sans"/>
+        <a:cs typeface="DejaVu Sans"/>
+      </a:minorFont>
+    </a:fontScheme>
+    <a:fmtScheme name="Office">
+      <a:fillStyleLst>
+        <a:solidFill>
+          <a:schemeClr val="phClr"/>
+        </a:solidFill>
+        <a:gradFill rotWithShape="1">
+          <a:gsLst>
+            <a:gs pos="0">
+              <a:schemeClr val="phClr">
+                <a:tint val="50000"/>
+                <a:satMod val="300000"/>
+              </a:schemeClr>
+            </a:gs>
+            <a:gs pos="35000">
+              <a:schemeClr val="phClr">
+                <a:tint val="37000"/>
+                <a:satMod val="300000"/>
+              </a:schemeClr>
+            </a:gs>
+            <a:gs pos="100000">
+              <a:schemeClr val="phClr">
+                <a:tint val="15000"/>
+                <a:satMod val="350000"/>
+              </a:schemeClr>
+            </a:gs>
+          </a:gsLst>
+          <a:lin ang="16200000" scaled="1"/>
+        </a:gradFill>
+        <a:gradFill rotWithShape="1">
+          <a:gsLst>
+            <a:gs pos="0">
+              <a:schemeClr val="phClr">
+                <a:shade val="51000"/>
+                <a:satMod val="130000"/>
+              </a:schemeClr>
+            </a:gs>
+            <a:gs pos="80000">
+              <a:schemeClr val="phClr">
+                <a:shade val="93000"/>
+                <a:satMod val="130000"/>
+              </a:schemeClr>
+            </a:gs>
+            <a:gs pos="100000">
+              <a:schemeClr val="phClr">
+                <a:shade val="94000"/>
+                <a:satMod val="135000"/>
+              </a:schemeClr>
+            </a:gs>
+          </a:gsLst>
+          <a:lin ang="16200000" scaled="0"/>
+        </a:gradFill>
+      </a:fillStyleLst>
+      <a:lnStyleLst>
+        <a:ln w="9525" cap="flat" cmpd="sng" algn="ctr">
+          <a:solidFill>
+            <a:schemeClr val="phClr">
+              <a:shade val="95000"/>
+              <a:satMod val="105000"/>
+            </a:schemeClr>
+          </a:solidFill>
+          <a:prstDash val="solid"/>
+        </a:ln>
+        <a:ln w="25400" cap="flat" cmpd="sng" algn="ctr">
+          <a:solidFill>
+            <a:schemeClr val="phClr"/>
+          </a:solidFill>
+          <a:prstDash val="solid"/>
+        </a:ln>
+        <a:ln w="38100" cap="flat" cmpd="sng" algn="ctr">
+          <a:solidFill>
+            <a:schemeClr val="phClr"/>
+          </a:solidFill>
+          <a:prstDash val="solid"/>
+        </a:ln>
+      </a:lnStyleLst>
+      <a:effectStyleLst>
+        <a:effectStyle>
+          <a:effectLst>
+            <a:outerShdw blurRad="40000" dist="20000" dir="5400000" rotWithShape="0">
+              <a:srgbClr val="000000">
+                <a:alpha val="38000"/>
+              </a:srgbClr>
+            </a:outerShdw>
+          </a:effectLst>
+        </a:effectStyle>
+        <a:effectStyle>
+          <a:effectLst>
+            <a:outerShdw blurRad="40000" dist="23000" dir="5400000" rotWithShape="0">
+              <a:srgbClr val="000000">
+                <a:alpha val="35000"/>
+              </a:srgbClr>
+            </a:outerShdw>
+          </a:effectLst>
+        </a:effectStyle>
+        <a:effectStyle>
+          <a:effectLst>
+            <a:outerShdw blurRad="40000" dist="23000" dir="5400000" rotWithShape="0">
+              <a:srgbClr val="000000">
+                <a:alpha val="35000"/>
+              </a:srgbClr>
+            </a:outerShdw>
+          </a:effectLst>
+          <a:scene3d>
+            <a:camera prst="orthographicFront">
+              <a:rot lat="0" lon="0" rev="0"/>
+            </a:camera>
+            <a:lightRig rig="threePt" dir="t">
+              <a:rot lat="0" lon="0" rev="1200000"/>
+            </a:lightRig>
+          </a:scene3d>
+          <a:sp3d>
+            <a:bevelT w="63500" h="25400"/>
+          </a:sp3d>
+        </a:effectStyle>
+      </a:effectStyleLst>
+      <a:bgFillStyleLst>
+        <a:solidFill>
+          <a:schemeClr val="phClr"/>
+        </a:solidFill>
+        <a:gradFill rotWithShape="1">
+          <a:gsLst>
+            <a:gs pos="0">
+              <a:schemeClr val="phClr">
+                <a:tint val="40000"/>
+                <a:satMod val="350000"/>
+              </a:schemeClr>
+            </a:gs>
+            <a:gs pos="40000">
+              <a:schemeClr val="phClr">
+                <a:tint val="45000"/>
+                <a:shade val="99000"/>
+                <a:satMod val="350000"/>
+              </a:schemeClr>
+            </a:gs>
+            <a:gs pos="100000">
+              <a:schemeClr val="phClr">
+                <a:shade val="20000"/>
+                <a:satMod val="255000"/>
+              </a:schemeClr>
+            </a:gs>
+          </a:gsLst>
+          <a:path path="circle">
+            <a:fillToRect l="50000" t="-80000" r="50000" b="180000"/>
+          </a:path>
+        </a:gradFill>
+        <a:gradFill rotWithShape="1">
+          <a:gsLst>
+            <a:gs pos="0">
+              <a:schemeClr val="phClr">
+                <a:tint val="80000"/>
+                <a:satMod val="300000"/>
+              </a:schemeClr>
+            </a:gs>
+            <a:gs pos="100000">
+              <a:schemeClr val="phClr">
+                <a:shade val="30000"/>
+                <a:satMod val="200000"/>
+              </a:schemeClr>
+            </a:gs>
+          </a:gsLst>
+          <a:path path="circle">
+            <a:fillToRect l="50000" t="50000" r="50000" b="50000"/>
+          </a:path>
+        </a:gradFill>
+      </a:bgFillStyleLst>
+    </a:fmtScheme>
+  </a:themeElements>
+</a:theme>
 </file>